--- a/gitについて_松家.pptx
+++ b/gitについて_松家.pptx
@@ -4,6 +4,9 @@
   <p:sldMasterIdLst>
     <p:sldMasterId id="2147483660" r:id="rId1"/>
   </p:sldMasterIdLst>
+  <p:notesMasterIdLst>
+    <p:notesMasterId r:id="rId16"/>
+  </p:notesMasterIdLst>
   <p:sldIdLst>
     <p:sldId id="256" r:id="rId2"/>
     <p:sldId id="258" r:id="rId3"/>
@@ -15,6 +18,10 @@
     <p:sldId id="266" r:id="rId9"/>
     <p:sldId id="267" r:id="rId10"/>
     <p:sldId id="268" r:id="rId11"/>
+    <p:sldId id="270" r:id="rId12"/>
+    <p:sldId id="271" r:id="rId13"/>
+    <p:sldId id="273" r:id="rId14"/>
+    <p:sldId id="272" r:id="rId15"/>
   </p:sldIdLst>
   <p:sldSz cx="12192000" cy="6858000"/>
   <p:notesSz cx="6858000" cy="9144000"/>
@@ -121,6 +128,471 @@
 </p:presentation>
 </file>
 
+<file path=ppt/notesMasters/notesMaster1.xml><?xml version="1.0" encoding="utf-8"?>
+<p:notesMaster xmlns:a="http://schemas.openxmlformats.org/drawingml/2006/main" xmlns:r="http://schemas.openxmlformats.org/officeDocument/2006/relationships" xmlns:p="http://schemas.openxmlformats.org/presentationml/2006/main">
+  <p:cSld>
+    <p:bg>
+      <p:bgRef idx="1001">
+        <a:schemeClr val="bg1"/>
+      </p:bgRef>
+    </p:bg>
+    <p:spTree>
+      <p:nvGrpSpPr>
+        <p:cNvPr id="1" name=""/>
+        <p:cNvGrpSpPr/>
+        <p:nvPr/>
+      </p:nvGrpSpPr>
+      <p:grpSpPr>
+        <a:xfrm>
+          <a:off x="0" y="0"/>
+          <a:ext cx="0" cy="0"/>
+          <a:chOff x="0" y="0"/>
+          <a:chExt cx="0" cy="0"/>
+        </a:xfrm>
+      </p:grpSpPr>
+      <p:sp>
+        <p:nvSpPr>
+          <p:cNvPr id="2" name="ヘッダー プレースホルダー 1"/>
+          <p:cNvSpPr>
+            <a:spLocks noGrp="1"/>
+          </p:cNvSpPr>
+          <p:nvPr>
+            <p:ph type="hdr" sz="quarter"/>
+          </p:nvPr>
+        </p:nvSpPr>
+        <p:spPr>
+          <a:xfrm>
+            <a:off x="0" y="0"/>
+            <a:ext cx="2971800" cy="458788"/>
+          </a:xfrm>
+          <a:prstGeom prst="rect">
+            <a:avLst/>
+          </a:prstGeom>
+        </p:spPr>
+        <p:txBody>
+          <a:bodyPr vert="horz" lIns="91440" tIns="45720" rIns="91440" bIns="45720" rtlCol="0"/>
+          <a:lstStyle>
+            <a:lvl1pPr algn="l">
+              <a:defRPr sz="1200"/>
+            </a:lvl1pPr>
+          </a:lstStyle>
+          <a:p>
+            <a:endParaRPr kumimoji="1" lang="ja-JP" altLang="en-US"/>
+          </a:p>
+        </p:txBody>
+      </p:sp>
+      <p:sp>
+        <p:nvSpPr>
+          <p:cNvPr id="3" name="日付プレースホルダー 2"/>
+          <p:cNvSpPr>
+            <a:spLocks noGrp="1"/>
+          </p:cNvSpPr>
+          <p:nvPr>
+            <p:ph type="dt" idx="1"/>
+          </p:nvPr>
+        </p:nvSpPr>
+        <p:spPr>
+          <a:xfrm>
+            <a:off x="3884613" y="0"/>
+            <a:ext cx="2971800" cy="458788"/>
+          </a:xfrm>
+          <a:prstGeom prst="rect">
+            <a:avLst/>
+          </a:prstGeom>
+        </p:spPr>
+        <p:txBody>
+          <a:bodyPr vert="horz" lIns="91440" tIns="45720" rIns="91440" bIns="45720" rtlCol="0"/>
+          <a:lstStyle>
+            <a:lvl1pPr algn="r">
+              <a:defRPr sz="1200"/>
+            </a:lvl1pPr>
+          </a:lstStyle>
+          <a:p>
+            <a:fld id="{72EDCF4F-8B4B-46E6-A449-5F6F3B57A2E2}" type="datetimeFigureOut">
+              <a:rPr kumimoji="1" lang="ja-JP" altLang="en-US" smtClean="0"/>
+              <a:t>2023/7/4</a:t>
+            </a:fld>
+            <a:endParaRPr kumimoji="1" lang="ja-JP" altLang="en-US"/>
+          </a:p>
+        </p:txBody>
+      </p:sp>
+      <p:sp>
+        <p:nvSpPr>
+          <p:cNvPr id="4" name="スライド イメージ プレースホルダー 3"/>
+          <p:cNvSpPr>
+            <a:spLocks noGrp="1" noRot="1" noChangeAspect="1"/>
+          </p:cNvSpPr>
+          <p:nvPr>
+            <p:ph type="sldImg" idx="2"/>
+          </p:nvPr>
+        </p:nvSpPr>
+        <p:spPr>
+          <a:xfrm>
+            <a:off x="685800" y="1143000"/>
+            <a:ext cx="5486400" cy="3086100"/>
+          </a:xfrm>
+          <a:prstGeom prst="rect">
+            <a:avLst/>
+          </a:prstGeom>
+          <a:noFill/>
+          <a:ln w="12700">
+            <a:solidFill>
+              <a:prstClr val="black"/>
+            </a:solidFill>
+          </a:ln>
+        </p:spPr>
+        <p:txBody>
+          <a:bodyPr vert="horz" lIns="91440" tIns="45720" rIns="91440" bIns="45720" rtlCol="0" anchor="ctr"/>
+          <a:lstStyle/>
+          <a:p>
+            <a:endParaRPr lang="ja-JP" altLang="en-US"/>
+          </a:p>
+        </p:txBody>
+      </p:sp>
+      <p:sp>
+        <p:nvSpPr>
+          <p:cNvPr id="5" name="ノート プレースホルダー 4"/>
+          <p:cNvSpPr>
+            <a:spLocks noGrp="1"/>
+          </p:cNvSpPr>
+          <p:nvPr>
+            <p:ph type="body" sz="quarter" idx="3"/>
+          </p:nvPr>
+        </p:nvSpPr>
+        <p:spPr>
+          <a:xfrm>
+            <a:off x="685800" y="4400550"/>
+            <a:ext cx="5486400" cy="3600450"/>
+          </a:xfrm>
+          <a:prstGeom prst="rect">
+            <a:avLst/>
+          </a:prstGeom>
+        </p:spPr>
+        <p:txBody>
+          <a:bodyPr vert="horz" lIns="91440" tIns="45720" rIns="91440" bIns="45720" rtlCol="0"/>
+          <a:lstStyle/>
+          <a:p>
+            <a:pPr lvl="0"/>
+            <a:r>
+              <a:rPr kumimoji="1" lang="ja-JP" altLang="en-US"/>
+              <a:t>マスター テキストの書式設定</a:t>
+            </a:r>
+          </a:p>
+          <a:p>
+            <a:pPr lvl="1"/>
+            <a:r>
+              <a:rPr kumimoji="1" lang="ja-JP" altLang="en-US"/>
+              <a:t>第 </a:t>
+            </a:r>
+            <a:r>
+              <a:rPr kumimoji="1" lang="en-US" altLang="ja-JP"/>
+              <a:t>2 </a:t>
+            </a:r>
+            <a:r>
+              <a:rPr kumimoji="1" lang="ja-JP" altLang="en-US"/>
+              <a:t>レベル</a:t>
+            </a:r>
+          </a:p>
+          <a:p>
+            <a:pPr lvl="2"/>
+            <a:r>
+              <a:rPr kumimoji="1" lang="ja-JP" altLang="en-US"/>
+              <a:t>第 </a:t>
+            </a:r>
+            <a:r>
+              <a:rPr kumimoji="1" lang="en-US" altLang="ja-JP"/>
+              <a:t>3 </a:t>
+            </a:r>
+            <a:r>
+              <a:rPr kumimoji="1" lang="ja-JP" altLang="en-US"/>
+              <a:t>レベル</a:t>
+            </a:r>
+          </a:p>
+          <a:p>
+            <a:pPr lvl="3"/>
+            <a:r>
+              <a:rPr kumimoji="1" lang="ja-JP" altLang="en-US"/>
+              <a:t>第 </a:t>
+            </a:r>
+            <a:r>
+              <a:rPr kumimoji="1" lang="en-US" altLang="ja-JP"/>
+              <a:t>4 </a:t>
+            </a:r>
+            <a:r>
+              <a:rPr kumimoji="1" lang="ja-JP" altLang="en-US"/>
+              <a:t>レベル</a:t>
+            </a:r>
+          </a:p>
+          <a:p>
+            <a:pPr lvl="4"/>
+            <a:r>
+              <a:rPr kumimoji="1" lang="ja-JP" altLang="en-US"/>
+              <a:t>第 </a:t>
+            </a:r>
+            <a:r>
+              <a:rPr kumimoji="1" lang="en-US" altLang="ja-JP"/>
+              <a:t>5 </a:t>
+            </a:r>
+            <a:r>
+              <a:rPr kumimoji="1" lang="ja-JP" altLang="en-US"/>
+              <a:t>レベル</a:t>
+            </a:r>
+          </a:p>
+        </p:txBody>
+      </p:sp>
+      <p:sp>
+        <p:nvSpPr>
+          <p:cNvPr id="6" name="フッター プレースホルダー 5"/>
+          <p:cNvSpPr>
+            <a:spLocks noGrp="1"/>
+          </p:cNvSpPr>
+          <p:nvPr>
+            <p:ph type="ftr" sz="quarter" idx="4"/>
+          </p:nvPr>
+        </p:nvSpPr>
+        <p:spPr>
+          <a:xfrm>
+            <a:off x="0" y="8685213"/>
+            <a:ext cx="2971800" cy="458787"/>
+          </a:xfrm>
+          <a:prstGeom prst="rect">
+            <a:avLst/>
+          </a:prstGeom>
+        </p:spPr>
+        <p:txBody>
+          <a:bodyPr vert="horz" lIns="91440" tIns="45720" rIns="91440" bIns="45720" rtlCol="0" anchor="b"/>
+          <a:lstStyle>
+            <a:lvl1pPr algn="l">
+              <a:defRPr sz="1200"/>
+            </a:lvl1pPr>
+          </a:lstStyle>
+          <a:p>
+            <a:endParaRPr kumimoji="1" lang="ja-JP" altLang="en-US"/>
+          </a:p>
+        </p:txBody>
+      </p:sp>
+      <p:sp>
+        <p:nvSpPr>
+          <p:cNvPr id="7" name="スライド番号プレースホルダー 6"/>
+          <p:cNvSpPr>
+            <a:spLocks noGrp="1"/>
+          </p:cNvSpPr>
+          <p:nvPr>
+            <p:ph type="sldNum" sz="quarter" idx="5"/>
+          </p:nvPr>
+        </p:nvSpPr>
+        <p:spPr>
+          <a:xfrm>
+            <a:off x="3884613" y="8685213"/>
+            <a:ext cx="2971800" cy="458787"/>
+          </a:xfrm>
+          <a:prstGeom prst="rect">
+            <a:avLst/>
+          </a:prstGeom>
+        </p:spPr>
+        <p:txBody>
+          <a:bodyPr vert="horz" lIns="91440" tIns="45720" rIns="91440" bIns="45720" rtlCol="0" anchor="b"/>
+          <a:lstStyle>
+            <a:lvl1pPr algn="r">
+              <a:defRPr sz="1200"/>
+            </a:lvl1pPr>
+          </a:lstStyle>
+          <a:p>
+            <a:fld id="{41436B96-20CB-4457-A9A8-4BAF8B6D0582}" type="slidenum">
+              <a:rPr kumimoji="1" lang="ja-JP" altLang="en-US" smtClean="0"/>
+              <a:t>‹#›</a:t>
+            </a:fld>
+            <a:endParaRPr kumimoji="1" lang="ja-JP" altLang="en-US"/>
+          </a:p>
+        </p:txBody>
+      </p:sp>
+    </p:spTree>
+    <p:extLst>
+      <p:ext uri="{BB962C8B-B14F-4D97-AF65-F5344CB8AC3E}">
+        <p14:creationId xmlns:p14="http://schemas.microsoft.com/office/powerpoint/2010/main" val="430378381"/>
+      </p:ext>
+    </p:extLst>
+  </p:cSld>
+  <p:clrMap bg1="lt1" tx1="dk1" bg2="lt2" tx2="dk2" accent1="accent1" accent2="accent2" accent3="accent3" accent4="accent4" accent5="accent5" accent6="accent6" hlink="hlink" folHlink="folHlink"/>
+  <p:notesStyle>
+    <a:lvl1pPr marL="0" algn="l" defTabSz="914400" rtl="0" eaLnBrk="1" latinLnBrk="0" hangingPunct="1">
+      <a:defRPr kumimoji="1" sz="1200" kern="1200">
+        <a:solidFill>
+          <a:schemeClr val="tx1"/>
+        </a:solidFill>
+        <a:latin typeface="+mn-lt"/>
+        <a:ea typeface="+mn-ea"/>
+        <a:cs typeface="+mn-cs"/>
+      </a:defRPr>
+    </a:lvl1pPr>
+    <a:lvl2pPr marL="457200" algn="l" defTabSz="914400" rtl="0" eaLnBrk="1" latinLnBrk="0" hangingPunct="1">
+      <a:defRPr kumimoji="1" sz="1200" kern="1200">
+        <a:solidFill>
+          <a:schemeClr val="tx1"/>
+        </a:solidFill>
+        <a:latin typeface="+mn-lt"/>
+        <a:ea typeface="+mn-ea"/>
+        <a:cs typeface="+mn-cs"/>
+      </a:defRPr>
+    </a:lvl2pPr>
+    <a:lvl3pPr marL="914400" algn="l" defTabSz="914400" rtl="0" eaLnBrk="1" latinLnBrk="0" hangingPunct="1">
+      <a:defRPr kumimoji="1" sz="1200" kern="1200">
+        <a:solidFill>
+          <a:schemeClr val="tx1"/>
+        </a:solidFill>
+        <a:latin typeface="+mn-lt"/>
+        <a:ea typeface="+mn-ea"/>
+        <a:cs typeface="+mn-cs"/>
+      </a:defRPr>
+    </a:lvl3pPr>
+    <a:lvl4pPr marL="1371600" algn="l" defTabSz="914400" rtl="0" eaLnBrk="1" latinLnBrk="0" hangingPunct="1">
+      <a:defRPr kumimoji="1" sz="1200" kern="1200">
+        <a:solidFill>
+          <a:schemeClr val="tx1"/>
+        </a:solidFill>
+        <a:latin typeface="+mn-lt"/>
+        <a:ea typeface="+mn-ea"/>
+        <a:cs typeface="+mn-cs"/>
+      </a:defRPr>
+    </a:lvl4pPr>
+    <a:lvl5pPr marL="1828800" algn="l" defTabSz="914400" rtl="0" eaLnBrk="1" latinLnBrk="0" hangingPunct="1">
+      <a:defRPr kumimoji="1" sz="1200" kern="1200">
+        <a:solidFill>
+          <a:schemeClr val="tx1"/>
+        </a:solidFill>
+        <a:latin typeface="+mn-lt"/>
+        <a:ea typeface="+mn-ea"/>
+        <a:cs typeface="+mn-cs"/>
+      </a:defRPr>
+    </a:lvl5pPr>
+    <a:lvl6pPr marL="2286000" algn="l" defTabSz="914400" rtl="0" eaLnBrk="1" latinLnBrk="0" hangingPunct="1">
+      <a:defRPr kumimoji="1" sz="1200" kern="1200">
+        <a:solidFill>
+          <a:schemeClr val="tx1"/>
+        </a:solidFill>
+        <a:latin typeface="+mn-lt"/>
+        <a:ea typeface="+mn-ea"/>
+        <a:cs typeface="+mn-cs"/>
+      </a:defRPr>
+    </a:lvl6pPr>
+    <a:lvl7pPr marL="2743200" algn="l" defTabSz="914400" rtl="0" eaLnBrk="1" latinLnBrk="0" hangingPunct="1">
+      <a:defRPr kumimoji="1" sz="1200" kern="1200">
+        <a:solidFill>
+          <a:schemeClr val="tx1"/>
+        </a:solidFill>
+        <a:latin typeface="+mn-lt"/>
+        <a:ea typeface="+mn-ea"/>
+        <a:cs typeface="+mn-cs"/>
+      </a:defRPr>
+    </a:lvl7pPr>
+    <a:lvl8pPr marL="3200400" algn="l" defTabSz="914400" rtl="0" eaLnBrk="1" latinLnBrk="0" hangingPunct="1">
+      <a:defRPr kumimoji="1" sz="1200" kern="1200">
+        <a:solidFill>
+          <a:schemeClr val="tx1"/>
+        </a:solidFill>
+        <a:latin typeface="+mn-lt"/>
+        <a:ea typeface="+mn-ea"/>
+        <a:cs typeface="+mn-cs"/>
+      </a:defRPr>
+    </a:lvl8pPr>
+    <a:lvl9pPr marL="3657600" algn="l" defTabSz="914400" rtl="0" eaLnBrk="1" latinLnBrk="0" hangingPunct="1">
+      <a:defRPr kumimoji="1" sz="1200" kern="1200">
+        <a:solidFill>
+          <a:schemeClr val="tx1"/>
+        </a:solidFill>
+        <a:latin typeface="+mn-lt"/>
+        <a:ea typeface="+mn-ea"/>
+        <a:cs typeface="+mn-cs"/>
+      </a:defRPr>
+    </a:lvl9pPr>
+  </p:notesStyle>
+</p:notesMaster>
+</file>
+
+<file path=ppt/notesSlides/notesSlide1.xml><?xml version="1.0" encoding="utf-8"?>
+<p:notes xmlns:a="http://schemas.openxmlformats.org/drawingml/2006/main" xmlns:r="http://schemas.openxmlformats.org/officeDocument/2006/relationships" xmlns:p="http://schemas.openxmlformats.org/presentationml/2006/main">
+  <p:cSld>
+    <p:spTree>
+      <p:nvGrpSpPr>
+        <p:cNvPr id="1" name=""/>
+        <p:cNvGrpSpPr/>
+        <p:nvPr/>
+      </p:nvGrpSpPr>
+      <p:grpSpPr>
+        <a:xfrm>
+          <a:off x="0" y="0"/>
+          <a:ext cx="0" cy="0"/>
+          <a:chOff x="0" y="0"/>
+          <a:chExt cx="0" cy="0"/>
+        </a:xfrm>
+      </p:grpSpPr>
+      <p:sp>
+        <p:nvSpPr>
+          <p:cNvPr id="2" name="スライド イメージ プレースホルダー 1"/>
+          <p:cNvSpPr>
+            <a:spLocks noGrp="1" noRot="1" noChangeAspect="1"/>
+          </p:cNvSpPr>
+          <p:nvPr>
+            <p:ph type="sldImg"/>
+          </p:nvPr>
+        </p:nvSpPr>
+        <p:spPr/>
+      </p:sp>
+      <p:sp>
+        <p:nvSpPr>
+          <p:cNvPr id="3" name="ノート プレースホルダー 2"/>
+          <p:cNvSpPr>
+            <a:spLocks noGrp="1"/>
+          </p:cNvSpPr>
+          <p:nvPr>
+            <p:ph type="body" idx="1"/>
+          </p:nvPr>
+        </p:nvSpPr>
+        <p:spPr/>
+        <p:txBody>
+          <a:bodyPr/>
+          <a:lstStyle/>
+          <a:p>
+            <a:endParaRPr kumimoji="1" lang="ja-JP" altLang="en-US" dirty="0"/>
+          </a:p>
+        </p:txBody>
+      </p:sp>
+      <p:sp>
+        <p:nvSpPr>
+          <p:cNvPr id="4" name="スライド番号プレースホルダー 3"/>
+          <p:cNvSpPr>
+            <a:spLocks noGrp="1"/>
+          </p:cNvSpPr>
+          <p:nvPr>
+            <p:ph type="sldNum" sz="quarter" idx="5"/>
+          </p:nvPr>
+        </p:nvSpPr>
+        <p:spPr/>
+        <p:txBody>
+          <a:bodyPr/>
+          <a:lstStyle/>
+          <a:p>
+            <a:fld id="{41436B96-20CB-4457-A9A8-4BAF8B6D0582}" type="slidenum">
+              <a:rPr kumimoji="1" lang="ja-JP" altLang="en-US" smtClean="0"/>
+              <a:t>12</a:t>
+            </a:fld>
+            <a:endParaRPr kumimoji="1" lang="ja-JP" altLang="en-US"/>
+          </a:p>
+        </p:txBody>
+      </p:sp>
+    </p:spTree>
+    <p:extLst>
+      <p:ext uri="{BB962C8B-B14F-4D97-AF65-F5344CB8AC3E}">
+        <p14:creationId xmlns:p14="http://schemas.microsoft.com/office/powerpoint/2010/main" val="1534072440"/>
+      </p:ext>
+    </p:extLst>
+  </p:cSld>
+  <p:clrMapOvr>
+    <a:masterClrMapping/>
+  </p:clrMapOvr>
+</p:notes>
+</file>
+
 <file path=ppt/slideLayouts/slideLayout1.xml><?xml version="1.0" encoding="utf-8"?>
 <p:sldLayout xmlns:a="http://schemas.openxmlformats.org/drawingml/2006/main" xmlns:r="http://schemas.openxmlformats.org/officeDocument/2006/relationships" xmlns:p="http://schemas.openxmlformats.org/presentationml/2006/main" showMasterSp="0" type="title" preserve="1">
   <p:cSld name="タイトル スライド">
@@ -1332,7 +1804,7 @@
           <a:p>
             <a:fld id="{A7BBA3D3-EB80-4CA1-AEA9-F73253A3EA73}" type="datetimeFigureOut">
               <a:rPr kumimoji="1" lang="ja-JP" altLang="en-US" smtClean="0"/>
-              <a:t>2023/7/3</a:t>
+              <a:t>2023/7/4</a:t>
             </a:fld>
             <a:endParaRPr kumimoji="1" lang="ja-JP" altLang="en-US"/>
           </a:p>
@@ -1602,7 +2074,7 @@
           <a:p>
             <a:fld id="{A7BBA3D3-EB80-4CA1-AEA9-F73253A3EA73}" type="datetimeFigureOut">
               <a:rPr kumimoji="1" lang="ja-JP" altLang="en-US" smtClean="0"/>
-              <a:t>2023/7/3</a:t>
+              <a:t>2023/7/4</a:t>
             </a:fld>
             <a:endParaRPr kumimoji="1" lang="ja-JP" altLang="en-US"/>
           </a:p>
@@ -1814,7 +2286,7 @@
           <a:p>
             <a:fld id="{A7BBA3D3-EB80-4CA1-AEA9-F73253A3EA73}" type="datetimeFigureOut">
               <a:rPr kumimoji="1" lang="ja-JP" altLang="en-US" smtClean="0"/>
-              <a:t>2023/7/3</a:t>
+              <a:t>2023/7/4</a:t>
             </a:fld>
             <a:endParaRPr kumimoji="1" lang="ja-JP" altLang="en-US"/>
           </a:p>
@@ -2016,7 +2488,7 @@
           <a:p>
             <a:fld id="{A7BBA3D3-EB80-4CA1-AEA9-F73253A3EA73}" type="datetimeFigureOut">
               <a:rPr kumimoji="1" lang="ja-JP" altLang="en-US" smtClean="0"/>
-              <a:t>2023/7/3</a:t>
+              <a:t>2023/7/4</a:t>
             </a:fld>
             <a:endParaRPr kumimoji="1" lang="ja-JP" altLang="en-US"/>
           </a:p>
@@ -2292,7 +2764,7 @@
           <a:p>
             <a:fld id="{A7BBA3D3-EB80-4CA1-AEA9-F73253A3EA73}" type="datetimeFigureOut">
               <a:rPr kumimoji="1" lang="ja-JP" altLang="en-US" smtClean="0"/>
-              <a:t>2023/7/3</a:t>
+              <a:t>2023/7/4</a:t>
             </a:fld>
             <a:endParaRPr kumimoji="1" lang="ja-JP" altLang="en-US"/>
           </a:p>
@@ -3557,7 +4029,7 @@
           <a:p>
             <a:fld id="{A7BBA3D3-EB80-4CA1-AEA9-F73253A3EA73}" type="datetimeFigureOut">
               <a:rPr kumimoji="1" lang="ja-JP" altLang="en-US" smtClean="0"/>
-              <a:t>2023/7/3</a:t>
+              <a:t>2023/7/4</a:t>
             </a:fld>
             <a:endParaRPr kumimoji="1" lang="ja-JP" altLang="en-US"/>
           </a:p>
@@ -4011,7 +4483,7 @@
           <a:p>
             <a:fld id="{A7BBA3D3-EB80-4CA1-AEA9-F73253A3EA73}" type="datetimeFigureOut">
               <a:rPr kumimoji="1" lang="ja-JP" altLang="en-US" smtClean="0"/>
-              <a:t>2023/7/3</a:t>
+              <a:t>2023/7/4</a:t>
             </a:fld>
             <a:endParaRPr kumimoji="1" lang="ja-JP" altLang="en-US"/>
           </a:p>
@@ -4134,7 +4606,7 @@
           <a:p>
             <a:fld id="{A7BBA3D3-EB80-4CA1-AEA9-F73253A3EA73}" type="datetimeFigureOut">
               <a:rPr kumimoji="1" lang="ja-JP" altLang="en-US" smtClean="0"/>
-              <a:t>2023/7/3</a:t>
+              <a:t>2023/7/4</a:t>
             </a:fld>
             <a:endParaRPr kumimoji="1" lang="ja-JP" altLang="en-US"/>
           </a:p>
@@ -4229,7 +4701,7 @@
           <a:p>
             <a:fld id="{A7BBA3D3-EB80-4CA1-AEA9-F73253A3EA73}" type="datetimeFigureOut">
               <a:rPr kumimoji="1" lang="ja-JP" altLang="en-US" smtClean="0"/>
-              <a:t>2023/7/3</a:t>
+              <a:t>2023/7/4</a:t>
             </a:fld>
             <a:endParaRPr kumimoji="1" lang="ja-JP" altLang="en-US"/>
           </a:p>
@@ -5024,7 +5496,7 @@
           <a:p>
             <a:fld id="{A7BBA3D3-EB80-4CA1-AEA9-F73253A3EA73}" type="datetimeFigureOut">
               <a:rPr kumimoji="1" lang="ja-JP" altLang="en-US" smtClean="0"/>
-              <a:t>2023/7/3</a:t>
+              <a:t>2023/7/4</a:t>
             </a:fld>
             <a:endParaRPr kumimoji="1" lang="ja-JP" altLang="en-US"/>
           </a:p>
@@ -5864,7 +6336,7 @@
           <a:p>
             <a:fld id="{A7BBA3D3-EB80-4CA1-AEA9-F73253A3EA73}" type="datetimeFigureOut">
               <a:rPr kumimoji="1" lang="ja-JP" altLang="en-US" smtClean="0"/>
-              <a:t>2023/7/3</a:t>
+              <a:t>2023/7/4</a:t>
             </a:fld>
             <a:endParaRPr kumimoji="1" lang="ja-JP" altLang="en-US"/>
           </a:p>
@@ -6123,7 +6595,7 @@
           <a:p>
             <a:fld id="{A7BBA3D3-EB80-4CA1-AEA9-F73253A3EA73}" type="datetimeFigureOut">
               <a:rPr kumimoji="1" lang="ja-JP" altLang="en-US" smtClean="0"/>
-              <a:t>2023/7/3</a:t>
+              <a:t>2023/7/4</a:t>
             </a:fld>
             <a:endParaRPr kumimoji="1" lang="ja-JP" altLang="en-US"/>
           </a:p>
@@ -7285,6 +7757,3639 @@
 </p:sld>
 </file>
 
+<file path=ppt/slides/slide11.xml><?xml version="1.0" encoding="utf-8"?>
+<p:sld xmlns:a="http://schemas.openxmlformats.org/drawingml/2006/main" xmlns:r="http://schemas.openxmlformats.org/officeDocument/2006/relationships" xmlns:p="http://schemas.openxmlformats.org/presentationml/2006/main">
+  <p:cSld>
+    <p:bg>
+      <p:bgPr>
+        <a:solidFill>
+          <a:schemeClr val="bg2"/>
+        </a:solidFill>
+        <a:effectLst/>
+      </p:bgPr>
+    </p:bg>
+    <p:spTree>
+      <p:nvGrpSpPr>
+        <p:cNvPr id="1" name=""/>
+        <p:cNvGrpSpPr/>
+        <p:nvPr/>
+      </p:nvGrpSpPr>
+      <p:grpSpPr>
+        <a:xfrm>
+          <a:off x="0" y="0"/>
+          <a:ext cx="0" cy="0"/>
+          <a:chOff x="0" y="0"/>
+          <a:chExt cx="0" cy="0"/>
+        </a:xfrm>
+      </p:grpSpPr>
+      <p:sp useBgFill="1">
+        <p:nvSpPr>
+          <p:cNvPr id="7" name="Rectangle 6">
+            <a:extLst>
+              <a:ext uri="{FF2B5EF4-FFF2-40B4-BE49-F238E27FC236}">
+                <a16:creationId xmlns:a16="http://schemas.microsoft.com/office/drawing/2014/main" id="{AB4FFECA-0832-4FE3-B587-054A0F2D8054}"/>
+              </a:ext>
+              <a:ext uri="{C183D7F6-B498-43B3-948B-1728B52AA6E4}">
+                <adec:decorative xmlns:adec="http://schemas.microsoft.com/office/drawing/2017/decorative" val="1"/>
+              </a:ext>
+            </a:extLst>
+          </p:cNvPr>
+          <p:cNvSpPr>
+            <a:spLocks noGrp="1" noRot="1" noChangeAspect="1" noMove="1" noResize="1" noEditPoints="1" noAdjustHandles="1" noChangeArrowheads="1" noChangeShapeType="1" noTextEdit="1"/>
+          </p:cNvSpPr>
+          <p:nvPr>
+            <p:extLst>
+              <p:ext uri="{386F3935-93C4-4BCD-93E2-E3B085C9AB24}">
+                <p16:designElem xmlns:p16="http://schemas.microsoft.com/office/powerpoint/2015/main" val="1"/>
+              </p:ext>
+            </p:extLst>
+          </p:nvPr>
+        </p:nvSpPr>
+        <p:spPr bwMode="ltGray">
+          <a:xfrm>
+            <a:off x="0" y="0"/>
+            <a:ext cx="12191999" cy="6858000"/>
+          </a:xfrm>
+          <a:prstGeom prst="rect">
+            <a:avLst/>
+          </a:prstGeom>
+          <a:ln>
+            <a:noFill/>
+          </a:ln>
+        </p:spPr>
+        <p:style>
+          <a:lnRef idx="2">
+            <a:schemeClr val="accent1">
+              <a:shade val="50000"/>
+            </a:schemeClr>
+          </a:lnRef>
+          <a:fillRef idx="1">
+            <a:schemeClr val="accent1"/>
+          </a:fillRef>
+          <a:effectRef idx="0">
+            <a:schemeClr val="accent1"/>
+          </a:effectRef>
+          <a:fontRef idx="minor">
+            <a:schemeClr val="lt1"/>
+          </a:fontRef>
+        </p:style>
+        <p:txBody>
+          <a:bodyPr rtlCol="0" anchor="ctr"/>
+          <a:lstStyle/>
+          <a:p>
+            <a:pPr algn="ctr"/>
+            <a:endParaRPr lang="en-US"/>
+          </a:p>
+        </p:txBody>
+      </p:sp>
+      <p:sp>
+        <p:nvSpPr>
+          <p:cNvPr id="2" name="タイトル 1">
+            <a:extLst>
+              <a:ext uri="{FF2B5EF4-FFF2-40B4-BE49-F238E27FC236}">
+                <a16:creationId xmlns:a16="http://schemas.microsoft.com/office/drawing/2014/main" id="{31401C37-230C-EBA7-15D1-4AB8D9F693A8}"/>
+              </a:ext>
+            </a:extLst>
+          </p:cNvPr>
+          <p:cNvSpPr>
+            <a:spLocks noGrp="1"/>
+          </p:cNvSpPr>
+          <p:nvPr>
+            <p:ph type="ctrTitle"/>
+          </p:nvPr>
+        </p:nvSpPr>
+        <p:spPr>
+          <a:xfrm>
+            <a:off x="1124262" y="864911"/>
+            <a:ext cx="9943474" cy="3467282"/>
+          </a:xfrm>
+        </p:spPr>
+        <p:txBody>
+          <a:bodyPr anchor="b">
+            <a:normAutofit/>
+          </a:bodyPr>
+          <a:lstStyle/>
+          <a:p>
+            <a:r>
+              <a:rPr lang="en-US" altLang="ja-JP" sz="8000" cap="none" dirty="0"/>
+              <a:t>Git</a:t>
+            </a:r>
+            <a:r>
+              <a:rPr lang="ja-JP" altLang="en-US" sz="8000" cap="none" dirty="0"/>
+              <a:t>と</a:t>
+            </a:r>
+            <a:r>
+              <a:rPr kumimoji="1" lang="en-US" altLang="ja-JP" sz="8000" cap="none" dirty="0"/>
+              <a:t>GitHub</a:t>
+            </a:r>
+            <a:r>
+              <a:rPr kumimoji="1" lang="ja-JP" altLang="en-US" sz="8000" cap="none" dirty="0"/>
+              <a:t>の違い</a:t>
+            </a:r>
+          </a:p>
+        </p:txBody>
+      </p:sp>
+      <p:sp>
+        <p:nvSpPr>
+          <p:cNvPr id="9" name="Freeform: Shape 8">
+            <a:extLst>
+              <a:ext uri="{FF2B5EF4-FFF2-40B4-BE49-F238E27FC236}">
+                <a16:creationId xmlns:a16="http://schemas.microsoft.com/office/drawing/2014/main" id="{C65858E6-5C0F-4AAE-A1AC-29BA07FFEE5C}"/>
+              </a:ext>
+              <a:ext uri="{C183D7F6-B498-43B3-948B-1728B52AA6E4}">
+                <adec:decorative xmlns:adec="http://schemas.microsoft.com/office/drawing/2017/decorative" val="1"/>
+              </a:ext>
+            </a:extLst>
+          </p:cNvPr>
+          <p:cNvSpPr>
+            <a:spLocks noGrp="1" noRot="1" noChangeAspect="1" noMove="1" noResize="1" noEditPoints="1" noAdjustHandles="1" noChangeArrowheads="1" noChangeShapeType="1" noTextEdit="1"/>
+          </p:cNvSpPr>
+          <p:nvPr>
+            <p:extLst>
+              <p:ext uri="{386F3935-93C4-4BCD-93E2-E3B085C9AB24}">
+                <p16:designElem xmlns:p16="http://schemas.microsoft.com/office/powerpoint/2015/main" val="1"/>
+              </p:ext>
+            </p:extLst>
+          </p:nvPr>
+        </p:nvSpPr>
+        <p:spPr>
+          <a:xfrm>
+            <a:off x="0" y="5070707"/>
+            <a:ext cx="12192000" cy="1787292"/>
+          </a:xfrm>
+          <a:custGeom>
+            <a:avLst/>
+            <a:gdLst>
+              <a:gd name="connsiteX0" fmla="*/ 619389 w 12192000"/>
+              <a:gd name="connsiteY0" fmla="*/ 0 h 1787292"/>
+              <a:gd name="connsiteX1" fmla="*/ 687652 w 12192000"/>
+              <a:gd name="connsiteY1" fmla="*/ 3175 h 1787292"/>
+              <a:gd name="connsiteX2" fmla="*/ 747977 w 12192000"/>
+              <a:gd name="connsiteY2" fmla="*/ 9525 h 1787292"/>
+              <a:gd name="connsiteX3" fmla="*/ 800364 w 12192000"/>
+              <a:gd name="connsiteY3" fmla="*/ 20637 h 1787292"/>
+              <a:gd name="connsiteX4" fmla="*/ 846402 w 12192000"/>
+              <a:gd name="connsiteY4" fmla="*/ 36512 h 1787292"/>
+              <a:gd name="connsiteX5" fmla="*/ 887677 w 12192000"/>
+              <a:gd name="connsiteY5" fmla="*/ 52387 h 1787292"/>
+              <a:gd name="connsiteX6" fmla="*/ 924189 w 12192000"/>
+              <a:gd name="connsiteY6" fmla="*/ 68262 h 1787292"/>
+              <a:gd name="connsiteX7" fmla="*/ 962289 w 12192000"/>
+              <a:gd name="connsiteY7" fmla="*/ 87312 h 1787292"/>
+              <a:gd name="connsiteX8" fmla="*/ 1000389 w 12192000"/>
+              <a:gd name="connsiteY8" fmla="*/ 106362 h 1787292"/>
+              <a:gd name="connsiteX9" fmla="*/ 1036902 w 12192000"/>
+              <a:gd name="connsiteY9" fmla="*/ 125412 h 1787292"/>
+              <a:gd name="connsiteX10" fmla="*/ 1078177 w 12192000"/>
+              <a:gd name="connsiteY10" fmla="*/ 141287 h 1787292"/>
+              <a:gd name="connsiteX11" fmla="*/ 1124214 w 12192000"/>
+              <a:gd name="connsiteY11" fmla="*/ 155575 h 1787292"/>
+              <a:gd name="connsiteX12" fmla="*/ 1176602 w 12192000"/>
+              <a:gd name="connsiteY12" fmla="*/ 166687 h 1787292"/>
+              <a:gd name="connsiteX13" fmla="*/ 1236927 w 12192000"/>
+              <a:gd name="connsiteY13" fmla="*/ 174625 h 1787292"/>
+              <a:gd name="connsiteX14" fmla="*/ 1305189 w 12192000"/>
+              <a:gd name="connsiteY14" fmla="*/ 176212 h 1787292"/>
+              <a:gd name="connsiteX15" fmla="*/ 1373452 w 12192000"/>
+              <a:gd name="connsiteY15" fmla="*/ 174625 h 1787292"/>
+              <a:gd name="connsiteX16" fmla="*/ 1433777 w 12192000"/>
+              <a:gd name="connsiteY16" fmla="*/ 166687 h 1787292"/>
+              <a:gd name="connsiteX17" fmla="*/ 1486164 w 12192000"/>
+              <a:gd name="connsiteY17" fmla="*/ 155575 h 1787292"/>
+              <a:gd name="connsiteX18" fmla="*/ 1532202 w 12192000"/>
+              <a:gd name="connsiteY18" fmla="*/ 141287 h 1787292"/>
+              <a:gd name="connsiteX19" fmla="*/ 1573477 w 12192000"/>
+              <a:gd name="connsiteY19" fmla="*/ 125412 h 1787292"/>
+              <a:gd name="connsiteX20" fmla="*/ 1609989 w 12192000"/>
+              <a:gd name="connsiteY20" fmla="*/ 106362 h 1787292"/>
+              <a:gd name="connsiteX21" fmla="*/ 1648089 w 12192000"/>
+              <a:gd name="connsiteY21" fmla="*/ 87312 h 1787292"/>
+              <a:gd name="connsiteX22" fmla="*/ 1686189 w 12192000"/>
+              <a:gd name="connsiteY22" fmla="*/ 68262 h 1787292"/>
+              <a:gd name="connsiteX23" fmla="*/ 1722702 w 12192000"/>
+              <a:gd name="connsiteY23" fmla="*/ 52387 h 1787292"/>
+              <a:gd name="connsiteX24" fmla="*/ 1763977 w 12192000"/>
+              <a:gd name="connsiteY24" fmla="*/ 36512 h 1787292"/>
+              <a:gd name="connsiteX25" fmla="*/ 1810014 w 12192000"/>
+              <a:gd name="connsiteY25" fmla="*/ 20637 h 1787292"/>
+              <a:gd name="connsiteX26" fmla="*/ 1862402 w 12192000"/>
+              <a:gd name="connsiteY26" fmla="*/ 9525 h 1787292"/>
+              <a:gd name="connsiteX27" fmla="*/ 1922727 w 12192000"/>
+              <a:gd name="connsiteY27" fmla="*/ 3175 h 1787292"/>
+              <a:gd name="connsiteX28" fmla="*/ 1990989 w 12192000"/>
+              <a:gd name="connsiteY28" fmla="*/ 0 h 1787292"/>
+              <a:gd name="connsiteX29" fmla="*/ 2059252 w 12192000"/>
+              <a:gd name="connsiteY29" fmla="*/ 3175 h 1787292"/>
+              <a:gd name="connsiteX30" fmla="*/ 2119577 w 12192000"/>
+              <a:gd name="connsiteY30" fmla="*/ 9525 h 1787292"/>
+              <a:gd name="connsiteX31" fmla="*/ 2171964 w 12192000"/>
+              <a:gd name="connsiteY31" fmla="*/ 20637 h 1787292"/>
+              <a:gd name="connsiteX32" fmla="*/ 2218002 w 12192000"/>
+              <a:gd name="connsiteY32" fmla="*/ 36512 h 1787292"/>
+              <a:gd name="connsiteX33" fmla="*/ 2259277 w 12192000"/>
+              <a:gd name="connsiteY33" fmla="*/ 52387 h 1787292"/>
+              <a:gd name="connsiteX34" fmla="*/ 2295789 w 12192000"/>
+              <a:gd name="connsiteY34" fmla="*/ 68262 h 1787292"/>
+              <a:gd name="connsiteX35" fmla="*/ 2333889 w 12192000"/>
+              <a:gd name="connsiteY35" fmla="*/ 87312 h 1787292"/>
+              <a:gd name="connsiteX36" fmla="*/ 2371989 w 12192000"/>
+              <a:gd name="connsiteY36" fmla="*/ 106362 h 1787292"/>
+              <a:gd name="connsiteX37" fmla="*/ 2408502 w 12192000"/>
+              <a:gd name="connsiteY37" fmla="*/ 125412 h 1787292"/>
+              <a:gd name="connsiteX38" fmla="*/ 2449777 w 12192000"/>
+              <a:gd name="connsiteY38" fmla="*/ 141287 h 1787292"/>
+              <a:gd name="connsiteX39" fmla="*/ 2495814 w 12192000"/>
+              <a:gd name="connsiteY39" fmla="*/ 155575 h 1787292"/>
+              <a:gd name="connsiteX40" fmla="*/ 2548202 w 12192000"/>
+              <a:gd name="connsiteY40" fmla="*/ 166687 h 1787292"/>
+              <a:gd name="connsiteX41" fmla="*/ 2608527 w 12192000"/>
+              <a:gd name="connsiteY41" fmla="*/ 174625 h 1787292"/>
+              <a:gd name="connsiteX42" fmla="*/ 2676789 w 12192000"/>
+              <a:gd name="connsiteY42" fmla="*/ 176212 h 1787292"/>
+              <a:gd name="connsiteX43" fmla="*/ 2745052 w 12192000"/>
+              <a:gd name="connsiteY43" fmla="*/ 174625 h 1787292"/>
+              <a:gd name="connsiteX44" fmla="*/ 2805377 w 12192000"/>
+              <a:gd name="connsiteY44" fmla="*/ 166687 h 1787292"/>
+              <a:gd name="connsiteX45" fmla="*/ 2857764 w 12192000"/>
+              <a:gd name="connsiteY45" fmla="*/ 155575 h 1787292"/>
+              <a:gd name="connsiteX46" fmla="*/ 2903802 w 12192000"/>
+              <a:gd name="connsiteY46" fmla="*/ 141287 h 1787292"/>
+              <a:gd name="connsiteX47" fmla="*/ 2945077 w 12192000"/>
+              <a:gd name="connsiteY47" fmla="*/ 125412 h 1787292"/>
+              <a:gd name="connsiteX48" fmla="*/ 2981589 w 12192000"/>
+              <a:gd name="connsiteY48" fmla="*/ 106362 h 1787292"/>
+              <a:gd name="connsiteX49" fmla="*/ 3019689 w 12192000"/>
+              <a:gd name="connsiteY49" fmla="*/ 87312 h 1787292"/>
+              <a:gd name="connsiteX50" fmla="*/ 3057789 w 12192000"/>
+              <a:gd name="connsiteY50" fmla="*/ 68262 h 1787292"/>
+              <a:gd name="connsiteX51" fmla="*/ 3094302 w 12192000"/>
+              <a:gd name="connsiteY51" fmla="*/ 52387 h 1787292"/>
+              <a:gd name="connsiteX52" fmla="*/ 3135577 w 12192000"/>
+              <a:gd name="connsiteY52" fmla="*/ 36512 h 1787292"/>
+              <a:gd name="connsiteX53" fmla="*/ 3181614 w 12192000"/>
+              <a:gd name="connsiteY53" fmla="*/ 20637 h 1787292"/>
+              <a:gd name="connsiteX54" fmla="*/ 3234002 w 12192000"/>
+              <a:gd name="connsiteY54" fmla="*/ 9525 h 1787292"/>
+              <a:gd name="connsiteX55" fmla="*/ 3294327 w 12192000"/>
+              <a:gd name="connsiteY55" fmla="*/ 3175 h 1787292"/>
+              <a:gd name="connsiteX56" fmla="*/ 3361002 w 12192000"/>
+              <a:gd name="connsiteY56" fmla="*/ 0 h 1787292"/>
+              <a:gd name="connsiteX57" fmla="*/ 3430852 w 12192000"/>
+              <a:gd name="connsiteY57" fmla="*/ 3175 h 1787292"/>
+              <a:gd name="connsiteX58" fmla="*/ 3491177 w 12192000"/>
+              <a:gd name="connsiteY58" fmla="*/ 9525 h 1787292"/>
+              <a:gd name="connsiteX59" fmla="*/ 3543564 w 12192000"/>
+              <a:gd name="connsiteY59" fmla="*/ 20637 h 1787292"/>
+              <a:gd name="connsiteX60" fmla="*/ 3589602 w 12192000"/>
+              <a:gd name="connsiteY60" fmla="*/ 36512 h 1787292"/>
+              <a:gd name="connsiteX61" fmla="*/ 3630877 w 12192000"/>
+              <a:gd name="connsiteY61" fmla="*/ 52387 h 1787292"/>
+              <a:gd name="connsiteX62" fmla="*/ 3667389 w 12192000"/>
+              <a:gd name="connsiteY62" fmla="*/ 68262 h 1787292"/>
+              <a:gd name="connsiteX63" fmla="*/ 3705489 w 12192000"/>
+              <a:gd name="connsiteY63" fmla="*/ 87312 h 1787292"/>
+              <a:gd name="connsiteX64" fmla="*/ 3743589 w 12192000"/>
+              <a:gd name="connsiteY64" fmla="*/ 106362 h 1787292"/>
+              <a:gd name="connsiteX65" fmla="*/ 3780102 w 12192000"/>
+              <a:gd name="connsiteY65" fmla="*/ 125412 h 1787292"/>
+              <a:gd name="connsiteX66" fmla="*/ 3821377 w 12192000"/>
+              <a:gd name="connsiteY66" fmla="*/ 141287 h 1787292"/>
+              <a:gd name="connsiteX67" fmla="*/ 3867414 w 12192000"/>
+              <a:gd name="connsiteY67" fmla="*/ 155575 h 1787292"/>
+              <a:gd name="connsiteX68" fmla="*/ 3919802 w 12192000"/>
+              <a:gd name="connsiteY68" fmla="*/ 166687 h 1787292"/>
+              <a:gd name="connsiteX69" fmla="*/ 3980127 w 12192000"/>
+              <a:gd name="connsiteY69" fmla="*/ 174625 h 1787292"/>
+              <a:gd name="connsiteX70" fmla="*/ 4048389 w 12192000"/>
+              <a:gd name="connsiteY70" fmla="*/ 176212 h 1787292"/>
+              <a:gd name="connsiteX71" fmla="*/ 4116652 w 12192000"/>
+              <a:gd name="connsiteY71" fmla="*/ 174625 h 1787292"/>
+              <a:gd name="connsiteX72" fmla="*/ 4176977 w 12192000"/>
+              <a:gd name="connsiteY72" fmla="*/ 166687 h 1787292"/>
+              <a:gd name="connsiteX73" fmla="*/ 4229364 w 12192000"/>
+              <a:gd name="connsiteY73" fmla="*/ 155575 h 1787292"/>
+              <a:gd name="connsiteX74" fmla="*/ 4275402 w 12192000"/>
+              <a:gd name="connsiteY74" fmla="*/ 141287 h 1787292"/>
+              <a:gd name="connsiteX75" fmla="*/ 4316677 w 12192000"/>
+              <a:gd name="connsiteY75" fmla="*/ 125412 h 1787292"/>
+              <a:gd name="connsiteX76" fmla="*/ 4353189 w 12192000"/>
+              <a:gd name="connsiteY76" fmla="*/ 106362 h 1787292"/>
+              <a:gd name="connsiteX77" fmla="*/ 4429389 w 12192000"/>
+              <a:gd name="connsiteY77" fmla="*/ 68262 h 1787292"/>
+              <a:gd name="connsiteX78" fmla="*/ 4465902 w 12192000"/>
+              <a:gd name="connsiteY78" fmla="*/ 52387 h 1787292"/>
+              <a:gd name="connsiteX79" fmla="*/ 4507177 w 12192000"/>
+              <a:gd name="connsiteY79" fmla="*/ 36512 h 1787292"/>
+              <a:gd name="connsiteX80" fmla="*/ 4553214 w 12192000"/>
+              <a:gd name="connsiteY80" fmla="*/ 20637 h 1787292"/>
+              <a:gd name="connsiteX81" fmla="*/ 4605602 w 12192000"/>
+              <a:gd name="connsiteY81" fmla="*/ 9525 h 1787292"/>
+              <a:gd name="connsiteX82" fmla="*/ 4665928 w 12192000"/>
+              <a:gd name="connsiteY82" fmla="*/ 3175 h 1787292"/>
+              <a:gd name="connsiteX83" fmla="*/ 4734189 w 12192000"/>
+              <a:gd name="connsiteY83" fmla="*/ 0 h 1787292"/>
+              <a:gd name="connsiteX84" fmla="*/ 4802453 w 12192000"/>
+              <a:gd name="connsiteY84" fmla="*/ 3175 h 1787292"/>
+              <a:gd name="connsiteX85" fmla="*/ 4862777 w 12192000"/>
+              <a:gd name="connsiteY85" fmla="*/ 9525 h 1787292"/>
+              <a:gd name="connsiteX86" fmla="*/ 4915165 w 12192000"/>
+              <a:gd name="connsiteY86" fmla="*/ 20637 h 1787292"/>
+              <a:gd name="connsiteX87" fmla="*/ 4961201 w 12192000"/>
+              <a:gd name="connsiteY87" fmla="*/ 36512 h 1787292"/>
+              <a:gd name="connsiteX88" fmla="*/ 5002476 w 12192000"/>
+              <a:gd name="connsiteY88" fmla="*/ 52387 h 1787292"/>
+              <a:gd name="connsiteX89" fmla="*/ 5038989 w 12192000"/>
+              <a:gd name="connsiteY89" fmla="*/ 68262 h 1787292"/>
+              <a:gd name="connsiteX90" fmla="*/ 5077089 w 12192000"/>
+              <a:gd name="connsiteY90" fmla="*/ 87312 h 1787292"/>
+              <a:gd name="connsiteX91" fmla="*/ 5115189 w 12192000"/>
+              <a:gd name="connsiteY91" fmla="*/ 106362 h 1787292"/>
+              <a:gd name="connsiteX92" fmla="*/ 5151701 w 12192000"/>
+              <a:gd name="connsiteY92" fmla="*/ 125412 h 1787292"/>
+              <a:gd name="connsiteX93" fmla="*/ 5192976 w 12192000"/>
+              <a:gd name="connsiteY93" fmla="*/ 141287 h 1787292"/>
+              <a:gd name="connsiteX94" fmla="*/ 5239014 w 12192000"/>
+              <a:gd name="connsiteY94" fmla="*/ 155575 h 1787292"/>
+              <a:gd name="connsiteX95" fmla="*/ 5291401 w 12192000"/>
+              <a:gd name="connsiteY95" fmla="*/ 166687 h 1787292"/>
+              <a:gd name="connsiteX96" fmla="*/ 5351727 w 12192000"/>
+              <a:gd name="connsiteY96" fmla="*/ 174625 h 1787292"/>
+              <a:gd name="connsiteX97" fmla="*/ 5410199 w 12192000"/>
+              <a:gd name="connsiteY97" fmla="*/ 175985 h 1787292"/>
+              <a:gd name="connsiteX98" fmla="*/ 5468671 w 12192000"/>
+              <a:gd name="connsiteY98" fmla="*/ 174625 h 1787292"/>
+              <a:gd name="connsiteX99" fmla="*/ 5528996 w 12192000"/>
+              <a:gd name="connsiteY99" fmla="*/ 166687 h 1787292"/>
+              <a:gd name="connsiteX100" fmla="*/ 5581383 w 12192000"/>
+              <a:gd name="connsiteY100" fmla="*/ 155575 h 1787292"/>
+              <a:gd name="connsiteX101" fmla="*/ 5627421 w 12192000"/>
+              <a:gd name="connsiteY101" fmla="*/ 141287 h 1787292"/>
+              <a:gd name="connsiteX102" fmla="*/ 5668696 w 12192000"/>
+              <a:gd name="connsiteY102" fmla="*/ 125412 h 1787292"/>
+              <a:gd name="connsiteX103" fmla="*/ 5705209 w 12192000"/>
+              <a:gd name="connsiteY103" fmla="*/ 106362 h 1787292"/>
+              <a:gd name="connsiteX104" fmla="*/ 5743308 w 12192000"/>
+              <a:gd name="connsiteY104" fmla="*/ 87312 h 1787292"/>
+              <a:gd name="connsiteX105" fmla="*/ 5781408 w 12192000"/>
+              <a:gd name="connsiteY105" fmla="*/ 68262 h 1787292"/>
+              <a:gd name="connsiteX106" fmla="*/ 5817921 w 12192000"/>
+              <a:gd name="connsiteY106" fmla="*/ 52387 h 1787292"/>
+              <a:gd name="connsiteX107" fmla="*/ 5859196 w 12192000"/>
+              <a:gd name="connsiteY107" fmla="*/ 36512 h 1787292"/>
+              <a:gd name="connsiteX108" fmla="*/ 5905234 w 12192000"/>
+              <a:gd name="connsiteY108" fmla="*/ 20637 h 1787292"/>
+              <a:gd name="connsiteX109" fmla="*/ 5957621 w 12192000"/>
+              <a:gd name="connsiteY109" fmla="*/ 9525 h 1787292"/>
+              <a:gd name="connsiteX110" fmla="*/ 6017947 w 12192000"/>
+              <a:gd name="connsiteY110" fmla="*/ 3175 h 1787292"/>
+              <a:gd name="connsiteX111" fmla="*/ 6086208 w 12192000"/>
+              <a:gd name="connsiteY111" fmla="*/ 0 h 1787292"/>
+              <a:gd name="connsiteX112" fmla="*/ 6095999 w 12192000"/>
+              <a:gd name="connsiteY112" fmla="*/ 455 h 1787292"/>
+              <a:gd name="connsiteX113" fmla="*/ 6105789 w 12192000"/>
+              <a:gd name="connsiteY113" fmla="*/ 0 h 1787292"/>
+              <a:gd name="connsiteX114" fmla="*/ 6174052 w 12192000"/>
+              <a:gd name="connsiteY114" fmla="*/ 3175 h 1787292"/>
+              <a:gd name="connsiteX115" fmla="*/ 6234377 w 12192000"/>
+              <a:gd name="connsiteY115" fmla="*/ 9525 h 1787292"/>
+              <a:gd name="connsiteX116" fmla="*/ 6286764 w 12192000"/>
+              <a:gd name="connsiteY116" fmla="*/ 20637 h 1787292"/>
+              <a:gd name="connsiteX117" fmla="*/ 6332802 w 12192000"/>
+              <a:gd name="connsiteY117" fmla="*/ 36512 h 1787292"/>
+              <a:gd name="connsiteX118" fmla="*/ 6374077 w 12192000"/>
+              <a:gd name="connsiteY118" fmla="*/ 52387 h 1787292"/>
+              <a:gd name="connsiteX119" fmla="*/ 6410589 w 12192000"/>
+              <a:gd name="connsiteY119" fmla="*/ 68262 h 1787292"/>
+              <a:gd name="connsiteX120" fmla="*/ 6448689 w 12192000"/>
+              <a:gd name="connsiteY120" fmla="*/ 87312 h 1787292"/>
+              <a:gd name="connsiteX121" fmla="*/ 6486789 w 12192000"/>
+              <a:gd name="connsiteY121" fmla="*/ 106362 h 1787292"/>
+              <a:gd name="connsiteX122" fmla="*/ 6523302 w 12192000"/>
+              <a:gd name="connsiteY122" fmla="*/ 125412 h 1787292"/>
+              <a:gd name="connsiteX123" fmla="*/ 6564577 w 12192000"/>
+              <a:gd name="connsiteY123" fmla="*/ 141287 h 1787292"/>
+              <a:gd name="connsiteX124" fmla="*/ 6610614 w 12192000"/>
+              <a:gd name="connsiteY124" fmla="*/ 155575 h 1787292"/>
+              <a:gd name="connsiteX125" fmla="*/ 6663002 w 12192000"/>
+              <a:gd name="connsiteY125" fmla="*/ 166687 h 1787292"/>
+              <a:gd name="connsiteX126" fmla="*/ 6723327 w 12192000"/>
+              <a:gd name="connsiteY126" fmla="*/ 174625 h 1787292"/>
+              <a:gd name="connsiteX127" fmla="*/ 6781799 w 12192000"/>
+              <a:gd name="connsiteY127" fmla="*/ 175985 h 1787292"/>
+              <a:gd name="connsiteX128" fmla="*/ 6840271 w 12192000"/>
+              <a:gd name="connsiteY128" fmla="*/ 174625 h 1787292"/>
+              <a:gd name="connsiteX129" fmla="*/ 6900596 w 12192000"/>
+              <a:gd name="connsiteY129" fmla="*/ 166687 h 1787292"/>
+              <a:gd name="connsiteX130" fmla="*/ 6952983 w 12192000"/>
+              <a:gd name="connsiteY130" fmla="*/ 155575 h 1787292"/>
+              <a:gd name="connsiteX131" fmla="*/ 6999021 w 12192000"/>
+              <a:gd name="connsiteY131" fmla="*/ 141287 h 1787292"/>
+              <a:gd name="connsiteX132" fmla="*/ 7040296 w 12192000"/>
+              <a:gd name="connsiteY132" fmla="*/ 125412 h 1787292"/>
+              <a:gd name="connsiteX133" fmla="*/ 7076808 w 12192000"/>
+              <a:gd name="connsiteY133" fmla="*/ 106362 h 1787292"/>
+              <a:gd name="connsiteX134" fmla="*/ 7114908 w 12192000"/>
+              <a:gd name="connsiteY134" fmla="*/ 87312 h 1787292"/>
+              <a:gd name="connsiteX135" fmla="*/ 7153008 w 12192000"/>
+              <a:gd name="connsiteY135" fmla="*/ 68262 h 1787292"/>
+              <a:gd name="connsiteX136" fmla="*/ 7189521 w 12192000"/>
+              <a:gd name="connsiteY136" fmla="*/ 52387 h 1787292"/>
+              <a:gd name="connsiteX137" fmla="*/ 7230796 w 12192000"/>
+              <a:gd name="connsiteY137" fmla="*/ 36512 h 1787292"/>
+              <a:gd name="connsiteX138" fmla="*/ 7276833 w 12192000"/>
+              <a:gd name="connsiteY138" fmla="*/ 20637 h 1787292"/>
+              <a:gd name="connsiteX139" fmla="*/ 7329221 w 12192000"/>
+              <a:gd name="connsiteY139" fmla="*/ 9525 h 1787292"/>
+              <a:gd name="connsiteX140" fmla="*/ 7389546 w 12192000"/>
+              <a:gd name="connsiteY140" fmla="*/ 3175 h 1787292"/>
+              <a:gd name="connsiteX141" fmla="*/ 7457808 w 12192000"/>
+              <a:gd name="connsiteY141" fmla="*/ 0 h 1787292"/>
+              <a:gd name="connsiteX142" fmla="*/ 7526071 w 12192000"/>
+              <a:gd name="connsiteY142" fmla="*/ 3175 h 1787292"/>
+              <a:gd name="connsiteX143" fmla="*/ 7586396 w 12192000"/>
+              <a:gd name="connsiteY143" fmla="*/ 9525 h 1787292"/>
+              <a:gd name="connsiteX144" fmla="*/ 7638783 w 12192000"/>
+              <a:gd name="connsiteY144" fmla="*/ 20637 h 1787292"/>
+              <a:gd name="connsiteX145" fmla="*/ 7684821 w 12192000"/>
+              <a:gd name="connsiteY145" fmla="*/ 36512 h 1787292"/>
+              <a:gd name="connsiteX146" fmla="*/ 7726096 w 12192000"/>
+              <a:gd name="connsiteY146" fmla="*/ 52387 h 1787292"/>
+              <a:gd name="connsiteX147" fmla="*/ 7762608 w 12192000"/>
+              <a:gd name="connsiteY147" fmla="*/ 68262 h 1787292"/>
+              <a:gd name="connsiteX148" fmla="*/ 7800708 w 12192000"/>
+              <a:gd name="connsiteY148" fmla="*/ 87312 h 1787292"/>
+              <a:gd name="connsiteX149" fmla="*/ 7838808 w 12192000"/>
+              <a:gd name="connsiteY149" fmla="*/ 106362 h 1787292"/>
+              <a:gd name="connsiteX150" fmla="*/ 7875321 w 12192000"/>
+              <a:gd name="connsiteY150" fmla="*/ 125412 h 1787292"/>
+              <a:gd name="connsiteX151" fmla="*/ 7916596 w 12192000"/>
+              <a:gd name="connsiteY151" fmla="*/ 141287 h 1787292"/>
+              <a:gd name="connsiteX152" fmla="*/ 7962633 w 12192000"/>
+              <a:gd name="connsiteY152" fmla="*/ 155575 h 1787292"/>
+              <a:gd name="connsiteX153" fmla="*/ 8015021 w 12192000"/>
+              <a:gd name="connsiteY153" fmla="*/ 166687 h 1787292"/>
+              <a:gd name="connsiteX154" fmla="*/ 8075346 w 12192000"/>
+              <a:gd name="connsiteY154" fmla="*/ 174625 h 1787292"/>
+              <a:gd name="connsiteX155" fmla="*/ 8143608 w 12192000"/>
+              <a:gd name="connsiteY155" fmla="*/ 176212 h 1787292"/>
+              <a:gd name="connsiteX156" fmla="*/ 8211871 w 12192000"/>
+              <a:gd name="connsiteY156" fmla="*/ 174625 h 1787292"/>
+              <a:gd name="connsiteX157" fmla="*/ 8272196 w 12192000"/>
+              <a:gd name="connsiteY157" fmla="*/ 166687 h 1787292"/>
+              <a:gd name="connsiteX158" fmla="*/ 8324583 w 12192000"/>
+              <a:gd name="connsiteY158" fmla="*/ 155575 h 1787292"/>
+              <a:gd name="connsiteX159" fmla="*/ 8370621 w 12192000"/>
+              <a:gd name="connsiteY159" fmla="*/ 141287 h 1787292"/>
+              <a:gd name="connsiteX160" fmla="*/ 8411896 w 12192000"/>
+              <a:gd name="connsiteY160" fmla="*/ 125412 h 1787292"/>
+              <a:gd name="connsiteX161" fmla="*/ 8448408 w 12192000"/>
+              <a:gd name="connsiteY161" fmla="*/ 106362 h 1787292"/>
+              <a:gd name="connsiteX162" fmla="*/ 8486508 w 12192000"/>
+              <a:gd name="connsiteY162" fmla="*/ 87312 h 1787292"/>
+              <a:gd name="connsiteX163" fmla="*/ 8524608 w 12192000"/>
+              <a:gd name="connsiteY163" fmla="*/ 68262 h 1787292"/>
+              <a:gd name="connsiteX164" fmla="*/ 8561120 w 12192000"/>
+              <a:gd name="connsiteY164" fmla="*/ 52387 h 1787292"/>
+              <a:gd name="connsiteX165" fmla="*/ 8602396 w 12192000"/>
+              <a:gd name="connsiteY165" fmla="*/ 36512 h 1787292"/>
+              <a:gd name="connsiteX166" fmla="*/ 8648432 w 12192000"/>
+              <a:gd name="connsiteY166" fmla="*/ 20637 h 1787292"/>
+              <a:gd name="connsiteX167" fmla="*/ 8700820 w 12192000"/>
+              <a:gd name="connsiteY167" fmla="*/ 9525 h 1787292"/>
+              <a:gd name="connsiteX168" fmla="*/ 8761146 w 12192000"/>
+              <a:gd name="connsiteY168" fmla="*/ 3175 h 1787292"/>
+              <a:gd name="connsiteX169" fmla="*/ 8827820 w 12192000"/>
+              <a:gd name="connsiteY169" fmla="*/ 0 h 1787292"/>
+              <a:gd name="connsiteX170" fmla="*/ 8897670 w 12192000"/>
+              <a:gd name="connsiteY170" fmla="*/ 3175 h 1787292"/>
+              <a:gd name="connsiteX171" fmla="*/ 8957996 w 12192000"/>
+              <a:gd name="connsiteY171" fmla="*/ 9525 h 1787292"/>
+              <a:gd name="connsiteX172" fmla="*/ 9010382 w 12192000"/>
+              <a:gd name="connsiteY172" fmla="*/ 20637 h 1787292"/>
+              <a:gd name="connsiteX173" fmla="*/ 9056420 w 12192000"/>
+              <a:gd name="connsiteY173" fmla="*/ 36512 h 1787292"/>
+              <a:gd name="connsiteX174" fmla="*/ 9097696 w 12192000"/>
+              <a:gd name="connsiteY174" fmla="*/ 52387 h 1787292"/>
+              <a:gd name="connsiteX175" fmla="*/ 9134208 w 12192000"/>
+              <a:gd name="connsiteY175" fmla="*/ 68262 h 1787292"/>
+              <a:gd name="connsiteX176" fmla="*/ 9172308 w 12192000"/>
+              <a:gd name="connsiteY176" fmla="*/ 87312 h 1787292"/>
+              <a:gd name="connsiteX177" fmla="*/ 9210408 w 12192000"/>
+              <a:gd name="connsiteY177" fmla="*/ 106362 h 1787292"/>
+              <a:gd name="connsiteX178" fmla="*/ 9246920 w 12192000"/>
+              <a:gd name="connsiteY178" fmla="*/ 125412 h 1787292"/>
+              <a:gd name="connsiteX179" fmla="*/ 9288196 w 12192000"/>
+              <a:gd name="connsiteY179" fmla="*/ 141287 h 1787292"/>
+              <a:gd name="connsiteX180" fmla="*/ 9334232 w 12192000"/>
+              <a:gd name="connsiteY180" fmla="*/ 155575 h 1787292"/>
+              <a:gd name="connsiteX181" fmla="*/ 9386620 w 12192000"/>
+              <a:gd name="connsiteY181" fmla="*/ 166687 h 1787292"/>
+              <a:gd name="connsiteX182" fmla="*/ 9446946 w 12192000"/>
+              <a:gd name="connsiteY182" fmla="*/ 174625 h 1787292"/>
+              <a:gd name="connsiteX183" fmla="*/ 9515208 w 12192000"/>
+              <a:gd name="connsiteY183" fmla="*/ 176212 h 1787292"/>
+              <a:gd name="connsiteX184" fmla="*/ 9583470 w 12192000"/>
+              <a:gd name="connsiteY184" fmla="*/ 174625 h 1787292"/>
+              <a:gd name="connsiteX185" fmla="*/ 9643796 w 12192000"/>
+              <a:gd name="connsiteY185" fmla="*/ 166687 h 1787292"/>
+              <a:gd name="connsiteX186" fmla="*/ 9696182 w 12192000"/>
+              <a:gd name="connsiteY186" fmla="*/ 155575 h 1787292"/>
+              <a:gd name="connsiteX187" fmla="*/ 9742220 w 12192000"/>
+              <a:gd name="connsiteY187" fmla="*/ 141287 h 1787292"/>
+              <a:gd name="connsiteX188" fmla="*/ 9783496 w 12192000"/>
+              <a:gd name="connsiteY188" fmla="*/ 125412 h 1787292"/>
+              <a:gd name="connsiteX189" fmla="*/ 9820008 w 12192000"/>
+              <a:gd name="connsiteY189" fmla="*/ 106362 h 1787292"/>
+              <a:gd name="connsiteX190" fmla="*/ 9896208 w 12192000"/>
+              <a:gd name="connsiteY190" fmla="*/ 68262 h 1787292"/>
+              <a:gd name="connsiteX191" fmla="*/ 9932720 w 12192000"/>
+              <a:gd name="connsiteY191" fmla="*/ 52387 h 1787292"/>
+              <a:gd name="connsiteX192" fmla="*/ 9973996 w 12192000"/>
+              <a:gd name="connsiteY192" fmla="*/ 36512 h 1787292"/>
+              <a:gd name="connsiteX193" fmla="*/ 10020032 w 12192000"/>
+              <a:gd name="connsiteY193" fmla="*/ 20637 h 1787292"/>
+              <a:gd name="connsiteX194" fmla="*/ 10072420 w 12192000"/>
+              <a:gd name="connsiteY194" fmla="*/ 9525 h 1787292"/>
+              <a:gd name="connsiteX195" fmla="*/ 10132746 w 12192000"/>
+              <a:gd name="connsiteY195" fmla="*/ 3175 h 1787292"/>
+              <a:gd name="connsiteX196" fmla="*/ 10201008 w 12192000"/>
+              <a:gd name="connsiteY196" fmla="*/ 0 h 1787292"/>
+              <a:gd name="connsiteX197" fmla="*/ 10269270 w 12192000"/>
+              <a:gd name="connsiteY197" fmla="*/ 3175 h 1787292"/>
+              <a:gd name="connsiteX198" fmla="*/ 10329596 w 12192000"/>
+              <a:gd name="connsiteY198" fmla="*/ 9525 h 1787292"/>
+              <a:gd name="connsiteX199" fmla="*/ 10381982 w 12192000"/>
+              <a:gd name="connsiteY199" fmla="*/ 20637 h 1787292"/>
+              <a:gd name="connsiteX200" fmla="*/ 10428020 w 12192000"/>
+              <a:gd name="connsiteY200" fmla="*/ 36512 h 1787292"/>
+              <a:gd name="connsiteX201" fmla="*/ 10469296 w 12192000"/>
+              <a:gd name="connsiteY201" fmla="*/ 52387 h 1787292"/>
+              <a:gd name="connsiteX202" fmla="*/ 10505808 w 12192000"/>
+              <a:gd name="connsiteY202" fmla="*/ 68262 h 1787292"/>
+              <a:gd name="connsiteX203" fmla="*/ 10543908 w 12192000"/>
+              <a:gd name="connsiteY203" fmla="*/ 87312 h 1787292"/>
+              <a:gd name="connsiteX204" fmla="*/ 10582008 w 12192000"/>
+              <a:gd name="connsiteY204" fmla="*/ 106362 h 1787292"/>
+              <a:gd name="connsiteX205" fmla="*/ 10618520 w 12192000"/>
+              <a:gd name="connsiteY205" fmla="*/ 125412 h 1787292"/>
+              <a:gd name="connsiteX206" fmla="*/ 10659796 w 12192000"/>
+              <a:gd name="connsiteY206" fmla="*/ 141287 h 1787292"/>
+              <a:gd name="connsiteX207" fmla="*/ 10705832 w 12192000"/>
+              <a:gd name="connsiteY207" fmla="*/ 155575 h 1787292"/>
+              <a:gd name="connsiteX208" fmla="*/ 10758220 w 12192000"/>
+              <a:gd name="connsiteY208" fmla="*/ 166687 h 1787292"/>
+              <a:gd name="connsiteX209" fmla="*/ 10818546 w 12192000"/>
+              <a:gd name="connsiteY209" fmla="*/ 174625 h 1787292"/>
+              <a:gd name="connsiteX210" fmla="*/ 10886808 w 12192000"/>
+              <a:gd name="connsiteY210" fmla="*/ 176212 h 1787292"/>
+              <a:gd name="connsiteX211" fmla="*/ 10955070 w 12192000"/>
+              <a:gd name="connsiteY211" fmla="*/ 174625 h 1787292"/>
+              <a:gd name="connsiteX212" fmla="*/ 11015396 w 12192000"/>
+              <a:gd name="connsiteY212" fmla="*/ 166687 h 1787292"/>
+              <a:gd name="connsiteX213" fmla="*/ 11067782 w 12192000"/>
+              <a:gd name="connsiteY213" fmla="*/ 155575 h 1787292"/>
+              <a:gd name="connsiteX214" fmla="*/ 11113820 w 12192000"/>
+              <a:gd name="connsiteY214" fmla="*/ 141287 h 1787292"/>
+              <a:gd name="connsiteX215" fmla="*/ 11155096 w 12192000"/>
+              <a:gd name="connsiteY215" fmla="*/ 125412 h 1787292"/>
+              <a:gd name="connsiteX216" fmla="*/ 11191608 w 12192000"/>
+              <a:gd name="connsiteY216" fmla="*/ 106362 h 1787292"/>
+              <a:gd name="connsiteX217" fmla="*/ 11229708 w 12192000"/>
+              <a:gd name="connsiteY217" fmla="*/ 87312 h 1787292"/>
+              <a:gd name="connsiteX218" fmla="*/ 11267808 w 12192000"/>
+              <a:gd name="connsiteY218" fmla="*/ 68262 h 1787292"/>
+              <a:gd name="connsiteX219" fmla="*/ 11304320 w 12192000"/>
+              <a:gd name="connsiteY219" fmla="*/ 52387 h 1787292"/>
+              <a:gd name="connsiteX220" fmla="*/ 11345596 w 12192000"/>
+              <a:gd name="connsiteY220" fmla="*/ 36512 h 1787292"/>
+              <a:gd name="connsiteX221" fmla="*/ 11391632 w 12192000"/>
+              <a:gd name="connsiteY221" fmla="*/ 20637 h 1787292"/>
+              <a:gd name="connsiteX222" fmla="*/ 11444020 w 12192000"/>
+              <a:gd name="connsiteY222" fmla="*/ 9525 h 1787292"/>
+              <a:gd name="connsiteX223" fmla="*/ 11504346 w 12192000"/>
+              <a:gd name="connsiteY223" fmla="*/ 3175 h 1787292"/>
+              <a:gd name="connsiteX224" fmla="*/ 11572608 w 12192000"/>
+              <a:gd name="connsiteY224" fmla="*/ 0 h 1787292"/>
+              <a:gd name="connsiteX225" fmla="*/ 11640870 w 12192000"/>
+              <a:gd name="connsiteY225" fmla="*/ 3175 h 1787292"/>
+              <a:gd name="connsiteX226" fmla="*/ 11701196 w 12192000"/>
+              <a:gd name="connsiteY226" fmla="*/ 9525 h 1787292"/>
+              <a:gd name="connsiteX227" fmla="*/ 11753582 w 12192000"/>
+              <a:gd name="connsiteY227" fmla="*/ 20637 h 1787292"/>
+              <a:gd name="connsiteX228" fmla="*/ 11799620 w 12192000"/>
+              <a:gd name="connsiteY228" fmla="*/ 36512 h 1787292"/>
+              <a:gd name="connsiteX229" fmla="*/ 11840896 w 12192000"/>
+              <a:gd name="connsiteY229" fmla="*/ 52387 h 1787292"/>
+              <a:gd name="connsiteX230" fmla="*/ 11877408 w 12192000"/>
+              <a:gd name="connsiteY230" fmla="*/ 68262 h 1787292"/>
+              <a:gd name="connsiteX231" fmla="*/ 11915508 w 12192000"/>
+              <a:gd name="connsiteY231" fmla="*/ 87312 h 1787292"/>
+              <a:gd name="connsiteX232" fmla="*/ 11953608 w 12192000"/>
+              <a:gd name="connsiteY232" fmla="*/ 106362 h 1787292"/>
+              <a:gd name="connsiteX233" fmla="*/ 11990120 w 12192000"/>
+              <a:gd name="connsiteY233" fmla="*/ 125412 h 1787292"/>
+              <a:gd name="connsiteX234" fmla="*/ 12031396 w 12192000"/>
+              <a:gd name="connsiteY234" fmla="*/ 141287 h 1787292"/>
+              <a:gd name="connsiteX235" fmla="*/ 12077432 w 12192000"/>
+              <a:gd name="connsiteY235" fmla="*/ 155575 h 1787292"/>
+              <a:gd name="connsiteX236" fmla="*/ 12129820 w 12192000"/>
+              <a:gd name="connsiteY236" fmla="*/ 166688 h 1787292"/>
+              <a:gd name="connsiteX237" fmla="*/ 12190146 w 12192000"/>
+              <a:gd name="connsiteY237" fmla="*/ 174625 h 1787292"/>
+              <a:gd name="connsiteX238" fmla="*/ 12192000 w 12192000"/>
+              <a:gd name="connsiteY238" fmla="*/ 174668 h 1787292"/>
+              <a:gd name="connsiteX239" fmla="*/ 12192000 w 12192000"/>
+              <a:gd name="connsiteY239" fmla="*/ 885826 h 1787292"/>
+              <a:gd name="connsiteX240" fmla="*/ 12192000 w 12192000"/>
+              <a:gd name="connsiteY240" fmla="*/ 1787292 h 1787292"/>
+              <a:gd name="connsiteX241" fmla="*/ 0 w 12192000"/>
+              <a:gd name="connsiteY241" fmla="*/ 1787292 h 1787292"/>
+              <a:gd name="connsiteX242" fmla="*/ 0 w 12192000"/>
+              <a:gd name="connsiteY242" fmla="*/ 885826 h 1787292"/>
+              <a:gd name="connsiteX243" fmla="*/ 0 w 12192000"/>
+              <a:gd name="connsiteY243" fmla="*/ 174668 h 1787292"/>
+              <a:gd name="connsiteX244" fmla="*/ 1852 w 12192000"/>
+              <a:gd name="connsiteY244" fmla="*/ 174625 h 1787292"/>
+              <a:gd name="connsiteX245" fmla="*/ 62177 w 12192000"/>
+              <a:gd name="connsiteY245" fmla="*/ 166687 h 1787292"/>
+              <a:gd name="connsiteX246" fmla="*/ 114564 w 12192000"/>
+              <a:gd name="connsiteY246" fmla="*/ 155575 h 1787292"/>
+              <a:gd name="connsiteX247" fmla="*/ 160602 w 12192000"/>
+              <a:gd name="connsiteY247" fmla="*/ 141287 h 1787292"/>
+              <a:gd name="connsiteX248" fmla="*/ 201877 w 12192000"/>
+              <a:gd name="connsiteY248" fmla="*/ 125412 h 1787292"/>
+              <a:gd name="connsiteX249" fmla="*/ 238389 w 12192000"/>
+              <a:gd name="connsiteY249" fmla="*/ 106362 h 1787292"/>
+              <a:gd name="connsiteX250" fmla="*/ 276489 w 12192000"/>
+              <a:gd name="connsiteY250" fmla="*/ 87312 h 1787292"/>
+              <a:gd name="connsiteX251" fmla="*/ 314589 w 12192000"/>
+              <a:gd name="connsiteY251" fmla="*/ 68262 h 1787292"/>
+              <a:gd name="connsiteX252" fmla="*/ 351102 w 12192000"/>
+              <a:gd name="connsiteY252" fmla="*/ 52387 h 1787292"/>
+              <a:gd name="connsiteX253" fmla="*/ 392377 w 12192000"/>
+              <a:gd name="connsiteY253" fmla="*/ 36512 h 1787292"/>
+              <a:gd name="connsiteX254" fmla="*/ 438414 w 12192000"/>
+              <a:gd name="connsiteY254" fmla="*/ 20637 h 1787292"/>
+              <a:gd name="connsiteX255" fmla="*/ 490802 w 12192000"/>
+              <a:gd name="connsiteY255" fmla="*/ 9525 h 1787292"/>
+              <a:gd name="connsiteX256" fmla="*/ 551127 w 12192000"/>
+              <a:gd name="connsiteY256" fmla="*/ 3175 h 1787292"/>
+            </a:gdLst>
+            <a:ahLst/>
+            <a:cxnLst>
+              <a:cxn ang="0">
+                <a:pos x="connsiteX0" y="connsiteY0"/>
+              </a:cxn>
+              <a:cxn ang="0">
+                <a:pos x="connsiteX1" y="connsiteY1"/>
+              </a:cxn>
+              <a:cxn ang="0">
+                <a:pos x="connsiteX2" y="connsiteY2"/>
+              </a:cxn>
+              <a:cxn ang="0">
+                <a:pos x="connsiteX3" y="connsiteY3"/>
+              </a:cxn>
+              <a:cxn ang="0">
+                <a:pos x="connsiteX4" y="connsiteY4"/>
+              </a:cxn>
+              <a:cxn ang="0">
+                <a:pos x="connsiteX5" y="connsiteY5"/>
+              </a:cxn>
+              <a:cxn ang="0">
+                <a:pos x="connsiteX6" y="connsiteY6"/>
+              </a:cxn>
+              <a:cxn ang="0">
+                <a:pos x="connsiteX7" y="connsiteY7"/>
+              </a:cxn>
+              <a:cxn ang="0">
+                <a:pos x="connsiteX8" y="connsiteY8"/>
+              </a:cxn>
+              <a:cxn ang="0">
+                <a:pos x="connsiteX9" y="connsiteY9"/>
+              </a:cxn>
+              <a:cxn ang="0">
+                <a:pos x="connsiteX10" y="connsiteY10"/>
+              </a:cxn>
+              <a:cxn ang="0">
+                <a:pos x="connsiteX11" y="connsiteY11"/>
+              </a:cxn>
+              <a:cxn ang="0">
+                <a:pos x="connsiteX12" y="connsiteY12"/>
+              </a:cxn>
+              <a:cxn ang="0">
+                <a:pos x="connsiteX13" y="connsiteY13"/>
+              </a:cxn>
+              <a:cxn ang="0">
+                <a:pos x="connsiteX14" y="connsiteY14"/>
+              </a:cxn>
+              <a:cxn ang="0">
+                <a:pos x="connsiteX15" y="connsiteY15"/>
+              </a:cxn>
+              <a:cxn ang="0">
+                <a:pos x="connsiteX16" y="connsiteY16"/>
+              </a:cxn>
+              <a:cxn ang="0">
+                <a:pos x="connsiteX17" y="connsiteY17"/>
+              </a:cxn>
+              <a:cxn ang="0">
+                <a:pos x="connsiteX18" y="connsiteY18"/>
+              </a:cxn>
+              <a:cxn ang="0">
+                <a:pos x="connsiteX19" y="connsiteY19"/>
+              </a:cxn>
+              <a:cxn ang="0">
+                <a:pos x="connsiteX20" y="connsiteY20"/>
+              </a:cxn>
+              <a:cxn ang="0">
+                <a:pos x="connsiteX21" y="connsiteY21"/>
+              </a:cxn>
+              <a:cxn ang="0">
+                <a:pos x="connsiteX22" y="connsiteY22"/>
+              </a:cxn>
+              <a:cxn ang="0">
+                <a:pos x="connsiteX23" y="connsiteY23"/>
+              </a:cxn>
+              <a:cxn ang="0">
+                <a:pos x="connsiteX24" y="connsiteY24"/>
+              </a:cxn>
+              <a:cxn ang="0">
+                <a:pos x="connsiteX25" y="connsiteY25"/>
+              </a:cxn>
+              <a:cxn ang="0">
+                <a:pos x="connsiteX26" y="connsiteY26"/>
+              </a:cxn>
+              <a:cxn ang="0">
+                <a:pos x="connsiteX27" y="connsiteY27"/>
+              </a:cxn>
+              <a:cxn ang="0">
+                <a:pos x="connsiteX28" y="connsiteY28"/>
+              </a:cxn>
+              <a:cxn ang="0">
+                <a:pos x="connsiteX29" y="connsiteY29"/>
+              </a:cxn>
+              <a:cxn ang="0">
+                <a:pos x="connsiteX30" y="connsiteY30"/>
+              </a:cxn>
+              <a:cxn ang="0">
+                <a:pos x="connsiteX31" y="connsiteY31"/>
+              </a:cxn>
+              <a:cxn ang="0">
+                <a:pos x="connsiteX32" y="connsiteY32"/>
+              </a:cxn>
+              <a:cxn ang="0">
+                <a:pos x="connsiteX33" y="connsiteY33"/>
+              </a:cxn>
+              <a:cxn ang="0">
+                <a:pos x="connsiteX34" y="connsiteY34"/>
+              </a:cxn>
+              <a:cxn ang="0">
+                <a:pos x="connsiteX35" y="connsiteY35"/>
+              </a:cxn>
+              <a:cxn ang="0">
+                <a:pos x="connsiteX36" y="connsiteY36"/>
+              </a:cxn>
+              <a:cxn ang="0">
+                <a:pos x="connsiteX37" y="connsiteY37"/>
+              </a:cxn>
+              <a:cxn ang="0">
+                <a:pos x="connsiteX38" y="connsiteY38"/>
+              </a:cxn>
+              <a:cxn ang="0">
+                <a:pos x="connsiteX39" y="connsiteY39"/>
+              </a:cxn>
+              <a:cxn ang="0">
+                <a:pos x="connsiteX40" y="connsiteY40"/>
+              </a:cxn>
+              <a:cxn ang="0">
+                <a:pos x="connsiteX41" y="connsiteY41"/>
+              </a:cxn>
+              <a:cxn ang="0">
+                <a:pos x="connsiteX42" y="connsiteY42"/>
+              </a:cxn>
+              <a:cxn ang="0">
+                <a:pos x="connsiteX43" y="connsiteY43"/>
+              </a:cxn>
+              <a:cxn ang="0">
+                <a:pos x="connsiteX44" y="connsiteY44"/>
+              </a:cxn>
+              <a:cxn ang="0">
+                <a:pos x="connsiteX45" y="connsiteY45"/>
+              </a:cxn>
+              <a:cxn ang="0">
+                <a:pos x="connsiteX46" y="connsiteY46"/>
+              </a:cxn>
+              <a:cxn ang="0">
+                <a:pos x="connsiteX47" y="connsiteY47"/>
+              </a:cxn>
+              <a:cxn ang="0">
+                <a:pos x="connsiteX48" y="connsiteY48"/>
+              </a:cxn>
+              <a:cxn ang="0">
+                <a:pos x="connsiteX49" y="connsiteY49"/>
+              </a:cxn>
+              <a:cxn ang="0">
+                <a:pos x="connsiteX50" y="connsiteY50"/>
+              </a:cxn>
+              <a:cxn ang="0">
+                <a:pos x="connsiteX51" y="connsiteY51"/>
+              </a:cxn>
+              <a:cxn ang="0">
+                <a:pos x="connsiteX52" y="connsiteY52"/>
+              </a:cxn>
+              <a:cxn ang="0">
+                <a:pos x="connsiteX53" y="connsiteY53"/>
+              </a:cxn>
+              <a:cxn ang="0">
+                <a:pos x="connsiteX54" y="connsiteY54"/>
+              </a:cxn>
+              <a:cxn ang="0">
+                <a:pos x="connsiteX55" y="connsiteY55"/>
+              </a:cxn>
+              <a:cxn ang="0">
+                <a:pos x="connsiteX56" y="connsiteY56"/>
+              </a:cxn>
+              <a:cxn ang="0">
+                <a:pos x="connsiteX57" y="connsiteY57"/>
+              </a:cxn>
+              <a:cxn ang="0">
+                <a:pos x="connsiteX58" y="connsiteY58"/>
+              </a:cxn>
+              <a:cxn ang="0">
+                <a:pos x="connsiteX59" y="connsiteY59"/>
+              </a:cxn>
+              <a:cxn ang="0">
+                <a:pos x="connsiteX60" y="connsiteY60"/>
+              </a:cxn>
+              <a:cxn ang="0">
+                <a:pos x="connsiteX61" y="connsiteY61"/>
+              </a:cxn>
+              <a:cxn ang="0">
+                <a:pos x="connsiteX62" y="connsiteY62"/>
+              </a:cxn>
+              <a:cxn ang="0">
+                <a:pos x="connsiteX63" y="connsiteY63"/>
+              </a:cxn>
+              <a:cxn ang="0">
+                <a:pos x="connsiteX64" y="connsiteY64"/>
+              </a:cxn>
+              <a:cxn ang="0">
+                <a:pos x="connsiteX65" y="connsiteY65"/>
+              </a:cxn>
+              <a:cxn ang="0">
+                <a:pos x="connsiteX66" y="connsiteY66"/>
+              </a:cxn>
+              <a:cxn ang="0">
+                <a:pos x="connsiteX67" y="connsiteY67"/>
+              </a:cxn>
+              <a:cxn ang="0">
+                <a:pos x="connsiteX68" y="connsiteY68"/>
+              </a:cxn>
+              <a:cxn ang="0">
+                <a:pos x="connsiteX69" y="connsiteY69"/>
+              </a:cxn>
+              <a:cxn ang="0">
+                <a:pos x="connsiteX70" y="connsiteY70"/>
+              </a:cxn>
+              <a:cxn ang="0">
+                <a:pos x="connsiteX71" y="connsiteY71"/>
+              </a:cxn>
+              <a:cxn ang="0">
+                <a:pos x="connsiteX72" y="connsiteY72"/>
+              </a:cxn>
+              <a:cxn ang="0">
+                <a:pos x="connsiteX73" y="connsiteY73"/>
+              </a:cxn>
+              <a:cxn ang="0">
+                <a:pos x="connsiteX74" y="connsiteY74"/>
+              </a:cxn>
+              <a:cxn ang="0">
+                <a:pos x="connsiteX75" y="connsiteY75"/>
+              </a:cxn>
+              <a:cxn ang="0">
+                <a:pos x="connsiteX76" y="connsiteY76"/>
+              </a:cxn>
+              <a:cxn ang="0">
+                <a:pos x="connsiteX77" y="connsiteY77"/>
+              </a:cxn>
+              <a:cxn ang="0">
+                <a:pos x="connsiteX78" y="connsiteY78"/>
+              </a:cxn>
+              <a:cxn ang="0">
+                <a:pos x="connsiteX79" y="connsiteY79"/>
+              </a:cxn>
+              <a:cxn ang="0">
+                <a:pos x="connsiteX80" y="connsiteY80"/>
+              </a:cxn>
+              <a:cxn ang="0">
+                <a:pos x="connsiteX81" y="connsiteY81"/>
+              </a:cxn>
+              <a:cxn ang="0">
+                <a:pos x="connsiteX82" y="connsiteY82"/>
+              </a:cxn>
+              <a:cxn ang="0">
+                <a:pos x="connsiteX83" y="connsiteY83"/>
+              </a:cxn>
+              <a:cxn ang="0">
+                <a:pos x="connsiteX84" y="connsiteY84"/>
+              </a:cxn>
+              <a:cxn ang="0">
+                <a:pos x="connsiteX85" y="connsiteY85"/>
+              </a:cxn>
+              <a:cxn ang="0">
+                <a:pos x="connsiteX86" y="connsiteY86"/>
+              </a:cxn>
+              <a:cxn ang="0">
+                <a:pos x="connsiteX87" y="connsiteY87"/>
+              </a:cxn>
+              <a:cxn ang="0">
+                <a:pos x="connsiteX88" y="connsiteY88"/>
+              </a:cxn>
+              <a:cxn ang="0">
+                <a:pos x="connsiteX89" y="connsiteY89"/>
+              </a:cxn>
+              <a:cxn ang="0">
+                <a:pos x="connsiteX90" y="connsiteY90"/>
+              </a:cxn>
+              <a:cxn ang="0">
+                <a:pos x="connsiteX91" y="connsiteY91"/>
+              </a:cxn>
+              <a:cxn ang="0">
+                <a:pos x="connsiteX92" y="connsiteY92"/>
+              </a:cxn>
+              <a:cxn ang="0">
+                <a:pos x="connsiteX93" y="connsiteY93"/>
+              </a:cxn>
+              <a:cxn ang="0">
+                <a:pos x="connsiteX94" y="connsiteY94"/>
+              </a:cxn>
+              <a:cxn ang="0">
+                <a:pos x="connsiteX95" y="connsiteY95"/>
+              </a:cxn>
+              <a:cxn ang="0">
+                <a:pos x="connsiteX96" y="connsiteY96"/>
+              </a:cxn>
+              <a:cxn ang="0">
+                <a:pos x="connsiteX97" y="connsiteY97"/>
+              </a:cxn>
+              <a:cxn ang="0">
+                <a:pos x="connsiteX98" y="connsiteY98"/>
+              </a:cxn>
+              <a:cxn ang="0">
+                <a:pos x="connsiteX99" y="connsiteY99"/>
+              </a:cxn>
+              <a:cxn ang="0">
+                <a:pos x="connsiteX100" y="connsiteY100"/>
+              </a:cxn>
+              <a:cxn ang="0">
+                <a:pos x="connsiteX101" y="connsiteY101"/>
+              </a:cxn>
+              <a:cxn ang="0">
+                <a:pos x="connsiteX102" y="connsiteY102"/>
+              </a:cxn>
+              <a:cxn ang="0">
+                <a:pos x="connsiteX103" y="connsiteY103"/>
+              </a:cxn>
+              <a:cxn ang="0">
+                <a:pos x="connsiteX104" y="connsiteY104"/>
+              </a:cxn>
+              <a:cxn ang="0">
+                <a:pos x="connsiteX105" y="connsiteY105"/>
+              </a:cxn>
+              <a:cxn ang="0">
+                <a:pos x="connsiteX106" y="connsiteY106"/>
+              </a:cxn>
+              <a:cxn ang="0">
+                <a:pos x="connsiteX107" y="connsiteY107"/>
+              </a:cxn>
+              <a:cxn ang="0">
+                <a:pos x="connsiteX108" y="connsiteY108"/>
+              </a:cxn>
+              <a:cxn ang="0">
+                <a:pos x="connsiteX109" y="connsiteY109"/>
+              </a:cxn>
+              <a:cxn ang="0">
+                <a:pos x="connsiteX110" y="connsiteY110"/>
+              </a:cxn>
+              <a:cxn ang="0">
+                <a:pos x="connsiteX111" y="connsiteY111"/>
+              </a:cxn>
+              <a:cxn ang="0">
+                <a:pos x="connsiteX112" y="connsiteY112"/>
+              </a:cxn>
+              <a:cxn ang="0">
+                <a:pos x="connsiteX113" y="connsiteY113"/>
+              </a:cxn>
+              <a:cxn ang="0">
+                <a:pos x="connsiteX114" y="connsiteY114"/>
+              </a:cxn>
+              <a:cxn ang="0">
+                <a:pos x="connsiteX115" y="connsiteY115"/>
+              </a:cxn>
+              <a:cxn ang="0">
+                <a:pos x="connsiteX116" y="connsiteY116"/>
+              </a:cxn>
+              <a:cxn ang="0">
+                <a:pos x="connsiteX117" y="connsiteY117"/>
+              </a:cxn>
+              <a:cxn ang="0">
+                <a:pos x="connsiteX118" y="connsiteY118"/>
+              </a:cxn>
+              <a:cxn ang="0">
+                <a:pos x="connsiteX119" y="connsiteY119"/>
+              </a:cxn>
+              <a:cxn ang="0">
+                <a:pos x="connsiteX120" y="connsiteY120"/>
+              </a:cxn>
+              <a:cxn ang="0">
+                <a:pos x="connsiteX121" y="connsiteY121"/>
+              </a:cxn>
+              <a:cxn ang="0">
+                <a:pos x="connsiteX122" y="connsiteY122"/>
+              </a:cxn>
+              <a:cxn ang="0">
+                <a:pos x="connsiteX123" y="connsiteY123"/>
+              </a:cxn>
+              <a:cxn ang="0">
+                <a:pos x="connsiteX124" y="connsiteY124"/>
+              </a:cxn>
+              <a:cxn ang="0">
+                <a:pos x="connsiteX125" y="connsiteY125"/>
+              </a:cxn>
+              <a:cxn ang="0">
+                <a:pos x="connsiteX126" y="connsiteY126"/>
+              </a:cxn>
+              <a:cxn ang="0">
+                <a:pos x="connsiteX127" y="connsiteY127"/>
+              </a:cxn>
+              <a:cxn ang="0">
+                <a:pos x="connsiteX128" y="connsiteY128"/>
+              </a:cxn>
+              <a:cxn ang="0">
+                <a:pos x="connsiteX129" y="connsiteY129"/>
+              </a:cxn>
+              <a:cxn ang="0">
+                <a:pos x="connsiteX130" y="connsiteY130"/>
+              </a:cxn>
+              <a:cxn ang="0">
+                <a:pos x="connsiteX131" y="connsiteY131"/>
+              </a:cxn>
+              <a:cxn ang="0">
+                <a:pos x="connsiteX132" y="connsiteY132"/>
+              </a:cxn>
+              <a:cxn ang="0">
+                <a:pos x="connsiteX133" y="connsiteY133"/>
+              </a:cxn>
+              <a:cxn ang="0">
+                <a:pos x="connsiteX134" y="connsiteY134"/>
+              </a:cxn>
+              <a:cxn ang="0">
+                <a:pos x="connsiteX135" y="connsiteY135"/>
+              </a:cxn>
+              <a:cxn ang="0">
+                <a:pos x="connsiteX136" y="connsiteY136"/>
+              </a:cxn>
+              <a:cxn ang="0">
+                <a:pos x="connsiteX137" y="connsiteY137"/>
+              </a:cxn>
+              <a:cxn ang="0">
+                <a:pos x="connsiteX138" y="connsiteY138"/>
+              </a:cxn>
+              <a:cxn ang="0">
+                <a:pos x="connsiteX139" y="connsiteY139"/>
+              </a:cxn>
+              <a:cxn ang="0">
+                <a:pos x="connsiteX140" y="connsiteY140"/>
+              </a:cxn>
+              <a:cxn ang="0">
+                <a:pos x="connsiteX141" y="connsiteY141"/>
+              </a:cxn>
+              <a:cxn ang="0">
+                <a:pos x="connsiteX142" y="connsiteY142"/>
+              </a:cxn>
+              <a:cxn ang="0">
+                <a:pos x="connsiteX143" y="connsiteY143"/>
+              </a:cxn>
+              <a:cxn ang="0">
+                <a:pos x="connsiteX144" y="connsiteY144"/>
+              </a:cxn>
+              <a:cxn ang="0">
+                <a:pos x="connsiteX145" y="connsiteY145"/>
+              </a:cxn>
+              <a:cxn ang="0">
+                <a:pos x="connsiteX146" y="connsiteY146"/>
+              </a:cxn>
+              <a:cxn ang="0">
+                <a:pos x="connsiteX147" y="connsiteY147"/>
+              </a:cxn>
+              <a:cxn ang="0">
+                <a:pos x="connsiteX148" y="connsiteY148"/>
+              </a:cxn>
+              <a:cxn ang="0">
+                <a:pos x="connsiteX149" y="connsiteY149"/>
+              </a:cxn>
+              <a:cxn ang="0">
+                <a:pos x="connsiteX150" y="connsiteY150"/>
+              </a:cxn>
+              <a:cxn ang="0">
+                <a:pos x="connsiteX151" y="connsiteY151"/>
+              </a:cxn>
+              <a:cxn ang="0">
+                <a:pos x="connsiteX152" y="connsiteY152"/>
+              </a:cxn>
+              <a:cxn ang="0">
+                <a:pos x="connsiteX153" y="connsiteY153"/>
+              </a:cxn>
+              <a:cxn ang="0">
+                <a:pos x="connsiteX154" y="connsiteY154"/>
+              </a:cxn>
+              <a:cxn ang="0">
+                <a:pos x="connsiteX155" y="connsiteY155"/>
+              </a:cxn>
+              <a:cxn ang="0">
+                <a:pos x="connsiteX156" y="connsiteY156"/>
+              </a:cxn>
+              <a:cxn ang="0">
+                <a:pos x="connsiteX157" y="connsiteY157"/>
+              </a:cxn>
+              <a:cxn ang="0">
+                <a:pos x="connsiteX158" y="connsiteY158"/>
+              </a:cxn>
+              <a:cxn ang="0">
+                <a:pos x="connsiteX159" y="connsiteY159"/>
+              </a:cxn>
+              <a:cxn ang="0">
+                <a:pos x="connsiteX160" y="connsiteY160"/>
+              </a:cxn>
+              <a:cxn ang="0">
+                <a:pos x="connsiteX161" y="connsiteY161"/>
+              </a:cxn>
+              <a:cxn ang="0">
+                <a:pos x="connsiteX162" y="connsiteY162"/>
+              </a:cxn>
+              <a:cxn ang="0">
+                <a:pos x="connsiteX163" y="connsiteY163"/>
+              </a:cxn>
+              <a:cxn ang="0">
+                <a:pos x="connsiteX164" y="connsiteY164"/>
+              </a:cxn>
+              <a:cxn ang="0">
+                <a:pos x="connsiteX165" y="connsiteY165"/>
+              </a:cxn>
+              <a:cxn ang="0">
+                <a:pos x="connsiteX166" y="connsiteY166"/>
+              </a:cxn>
+              <a:cxn ang="0">
+                <a:pos x="connsiteX167" y="connsiteY167"/>
+              </a:cxn>
+              <a:cxn ang="0">
+                <a:pos x="connsiteX168" y="connsiteY168"/>
+              </a:cxn>
+              <a:cxn ang="0">
+                <a:pos x="connsiteX169" y="connsiteY169"/>
+              </a:cxn>
+              <a:cxn ang="0">
+                <a:pos x="connsiteX170" y="connsiteY170"/>
+              </a:cxn>
+              <a:cxn ang="0">
+                <a:pos x="connsiteX171" y="connsiteY171"/>
+              </a:cxn>
+              <a:cxn ang="0">
+                <a:pos x="connsiteX172" y="connsiteY172"/>
+              </a:cxn>
+              <a:cxn ang="0">
+                <a:pos x="connsiteX173" y="connsiteY173"/>
+              </a:cxn>
+              <a:cxn ang="0">
+                <a:pos x="connsiteX174" y="connsiteY174"/>
+              </a:cxn>
+              <a:cxn ang="0">
+                <a:pos x="connsiteX175" y="connsiteY175"/>
+              </a:cxn>
+              <a:cxn ang="0">
+                <a:pos x="connsiteX176" y="connsiteY176"/>
+              </a:cxn>
+              <a:cxn ang="0">
+                <a:pos x="connsiteX177" y="connsiteY177"/>
+              </a:cxn>
+              <a:cxn ang="0">
+                <a:pos x="connsiteX178" y="connsiteY178"/>
+              </a:cxn>
+              <a:cxn ang="0">
+                <a:pos x="connsiteX179" y="connsiteY179"/>
+              </a:cxn>
+              <a:cxn ang="0">
+                <a:pos x="connsiteX180" y="connsiteY180"/>
+              </a:cxn>
+              <a:cxn ang="0">
+                <a:pos x="connsiteX181" y="connsiteY181"/>
+              </a:cxn>
+              <a:cxn ang="0">
+                <a:pos x="connsiteX182" y="connsiteY182"/>
+              </a:cxn>
+              <a:cxn ang="0">
+                <a:pos x="connsiteX183" y="connsiteY183"/>
+              </a:cxn>
+              <a:cxn ang="0">
+                <a:pos x="connsiteX184" y="connsiteY184"/>
+              </a:cxn>
+              <a:cxn ang="0">
+                <a:pos x="connsiteX185" y="connsiteY185"/>
+              </a:cxn>
+              <a:cxn ang="0">
+                <a:pos x="connsiteX186" y="connsiteY186"/>
+              </a:cxn>
+              <a:cxn ang="0">
+                <a:pos x="connsiteX187" y="connsiteY187"/>
+              </a:cxn>
+              <a:cxn ang="0">
+                <a:pos x="connsiteX188" y="connsiteY188"/>
+              </a:cxn>
+              <a:cxn ang="0">
+                <a:pos x="connsiteX189" y="connsiteY189"/>
+              </a:cxn>
+              <a:cxn ang="0">
+                <a:pos x="connsiteX190" y="connsiteY190"/>
+              </a:cxn>
+              <a:cxn ang="0">
+                <a:pos x="connsiteX191" y="connsiteY191"/>
+              </a:cxn>
+              <a:cxn ang="0">
+                <a:pos x="connsiteX192" y="connsiteY192"/>
+              </a:cxn>
+              <a:cxn ang="0">
+                <a:pos x="connsiteX193" y="connsiteY193"/>
+              </a:cxn>
+              <a:cxn ang="0">
+                <a:pos x="connsiteX194" y="connsiteY194"/>
+              </a:cxn>
+              <a:cxn ang="0">
+                <a:pos x="connsiteX195" y="connsiteY195"/>
+              </a:cxn>
+              <a:cxn ang="0">
+                <a:pos x="connsiteX196" y="connsiteY196"/>
+              </a:cxn>
+              <a:cxn ang="0">
+                <a:pos x="connsiteX197" y="connsiteY197"/>
+              </a:cxn>
+              <a:cxn ang="0">
+                <a:pos x="connsiteX198" y="connsiteY198"/>
+              </a:cxn>
+              <a:cxn ang="0">
+                <a:pos x="connsiteX199" y="connsiteY199"/>
+              </a:cxn>
+              <a:cxn ang="0">
+                <a:pos x="connsiteX200" y="connsiteY200"/>
+              </a:cxn>
+              <a:cxn ang="0">
+                <a:pos x="connsiteX201" y="connsiteY201"/>
+              </a:cxn>
+              <a:cxn ang="0">
+                <a:pos x="connsiteX202" y="connsiteY202"/>
+              </a:cxn>
+              <a:cxn ang="0">
+                <a:pos x="connsiteX203" y="connsiteY203"/>
+              </a:cxn>
+              <a:cxn ang="0">
+                <a:pos x="connsiteX204" y="connsiteY204"/>
+              </a:cxn>
+              <a:cxn ang="0">
+                <a:pos x="connsiteX205" y="connsiteY205"/>
+              </a:cxn>
+              <a:cxn ang="0">
+                <a:pos x="connsiteX206" y="connsiteY206"/>
+              </a:cxn>
+              <a:cxn ang="0">
+                <a:pos x="connsiteX207" y="connsiteY207"/>
+              </a:cxn>
+              <a:cxn ang="0">
+                <a:pos x="connsiteX208" y="connsiteY208"/>
+              </a:cxn>
+              <a:cxn ang="0">
+                <a:pos x="connsiteX209" y="connsiteY209"/>
+              </a:cxn>
+              <a:cxn ang="0">
+                <a:pos x="connsiteX210" y="connsiteY210"/>
+              </a:cxn>
+              <a:cxn ang="0">
+                <a:pos x="connsiteX211" y="connsiteY211"/>
+              </a:cxn>
+              <a:cxn ang="0">
+                <a:pos x="connsiteX212" y="connsiteY212"/>
+              </a:cxn>
+              <a:cxn ang="0">
+                <a:pos x="connsiteX213" y="connsiteY213"/>
+              </a:cxn>
+              <a:cxn ang="0">
+                <a:pos x="connsiteX214" y="connsiteY214"/>
+              </a:cxn>
+              <a:cxn ang="0">
+                <a:pos x="connsiteX215" y="connsiteY215"/>
+              </a:cxn>
+              <a:cxn ang="0">
+                <a:pos x="connsiteX216" y="connsiteY216"/>
+              </a:cxn>
+              <a:cxn ang="0">
+                <a:pos x="connsiteX217" y="connsiteY217"/>
+              </a:cxn>
+              <a:cxn ang="0">
+                <a:pos x="connsiteX218" y="connsiteY218"/>
+              </a:cxn>
+              <a:cxn ang="0">
+                <a:pos x="connsiteX219" y="connsiteY219"/>
+              </a:cxn>
+              <a:cxn ang="0">
+                <a:pos x="connsiteX220" y="connsiteY220"/>
+              </a:cxn>
+              <a:cxn ang="0">
+                <a:pos x="connsiteX221" y="connsiteY221"/>
+              </a:cxn>
+              <a:cxn ang="0">
+                <a:pos x="connsiteX222" y="connsiteY222"/>
+              </a:cxn>
+              <a:cxn ang="0">
+                <a:pos x="connsiteX223" y="connsiteY223"/>
+              </a:cxn>
+              <a:cxn ang="0">
+                <a:pos x="connsiteX224" y="connsiteY224"/>
+              </a:cxn>
+              <a:cxn ang="0">
+                <a:pos x="connsiteX225" y="connsiteY225"/>
+              </a:cxn>
+              <a:cxn ang="0">
+                <a:pos x="connsiteX226" y="connsiteY226"/>
+              </a:cxn>
+              <a:cxn ang="0">
+                <a:pos x="connsiteX227" y="connsiteY227"/>
+              </a:cxn>
+              <a:cxn ang="0">
+                <a:pos x="connsiteX228" y="connsiteY228"/>
+              </a:cxn>
+              <a:cxn ang="0">
+                <a:pos x="connsiteX229" y="connsiteY229"/>
+              </a:cxn>
+              <a:cxn ang="0">
+                <a:pos x="connsiteX230" y="connsiteY230"/>
+              </a:cxn>
+              <a:cxn ang="0">
+                <a:pos x="connsiteX231" y="connsiteY231"/>
+              </a:cxn>
+              <a:cxn ang="0">
+                <a:pos x="connsiteX232" y="connsiteY232"/>
+              </a:cxn>
+              <a:cxn ang="0">
+                <a:pos x="connsiteX233" y="connsiteY233"/>
+              </a:cxn>
+              <a:cxn ang="0">
+                <a:pos x="connsiteX234" y="connsiteY234"/>
+              </a:cxn>
+              <a:cxn ang="0">
+                <a:pos x="connsiteX235" y="connsiteY235"/>
+              </a:cxn>
+              <a:cxn ang="0">
+                <a:pos x="connsiteX236" y="connsiteY236"/>
+              </a:cxn>
+              <a:cxn ang="0">
+                <a:pos x="connsiteX237" y="connsiteY237"/>
+              </a:cxn>
+              <a:cxn ang="0">
+                <a:pos x="connsiteX238" y="connsiteY238"/>
+              </a:cxn>
+              <a:cxn ang="0">
+                <a:pos x="connsiteX239" y="connsiteY239"/>
+              </a:cxn>
+              <a:cxn ang="0">
+                <a:pos x="connsiteX240" y="connsiteY240"/>
+              </a:cxn>
+              <a:cxn ang="0">
+                <a:pos x="connsiteX241" y="connsiteY241"/>
+              </a:cxn>
+              <a:cxn ang="0">
+                <a:pos x="connsiteX242" y="connsiteY242"/>
+              </a:cxn>
+              <a:cxn ang="0">
+                <a:pos x="connsiteX243" y="connsiteY243"/>
+              </a:cxn>
+              <a:cxn ang="0">
+                <a:pos x="connsiteX244" y="connsiteY244"/>
+              </a:cxn>
+              <a:cxn ang="0">
+                <a:pos x="connsiteX245" y="connsiteY245"/>
+              </a:cxn>
+              <a:cxn ang="0">
+                <a:pos x="connsiteX246" y="connsiteY246"/>
+              </a:cxn>
+              <a:cxn ang="0">
+                <a:pos x="connsiteX247" y="connsiteY247"/>
+              </a:cxn>
+              <a:cxn ang="0">
+                <a:pos x="connsiteX248" y="connsiteY248"/>
+              </a:cxn>
+              <a:cxn ang="0">
+                <a:pos x="connsiteX249" y="connsiteY249"/>
+              </a:cxn>
+              <a:cxn ang="0">
+                <a:pos x="connsiteX250" y="connsiteY250"/>
+              </a:cxn>
+              <a:cxn ang="0">
+                <a:pos x="connsiteX251" y="connsiteY251"/>
+              </a:cxn>
+              <a:cxn ang="0">
+                <a:pos x="connsiteX252" y="connsiteY252"/>
+              </a:cxn>
+              <a:cxn ang="0">
+                <a:pos x="connsiteX253" y="connsiteY253"/>
+              </a:cxn>
+              <a:cxn ang="0">
+                <a:pos x="connsiteX254" y="connsiteY254"/>
+              </a:cxn>
+              <a:cxn ang="0">
+                <a:pos x="connsiteX255" y="connsiteY255"/>
+              </a:cxn>
+              <a:cxn ang="0">
+                <a:pos x="connsiteX256" y="connsiteY256"/>
+              </a:cxn>
+            </a:cxnLst>
+            <a:rect l="l" t="t" r="r" b="b"/>
+            <a:pathLst>
+              <a:path w="12192000" h="1787292">
+                <a:moveTo>
+                  <a:pt x="619389" y="0"/>
+                </a:moveTo>
+                <a:lnTo>
+                  <a:pt x="687652" y="3175"/>
+                </a:lnTo>
+                <a:lnTo>
+                  <a:pt x="747977" y="9525"/>
+                </a:lnTo>
+                <a:lnTo>
+                  <a:pt x="800364" y="20637"/>
+                </a:lnTo>
+                <a:lnTo>
+                  <a:pt x="846402" y="36512"/>
+                </a:lnTo>
+                <a:lnTo>
+                  <a:pt x="887677" y="52387"/>
+                </a:lnTo>
+                <a:lnTo>
+                  <a:pt x="924189" y="68262"/>
+                </a:lnTo>
+                <a:lnTo>
+                  <a:pt x="962289" y="87312"/>
+                </a:lnTo>
+                <a:lnTo>
+                  <a:pt x="1000389" y="106362"/>
+                </a:lnTo>
+                <a:lnTo>
+                  <a:pt x="1036902" y="125412"/>
+                </a:lnTo>
+                <a:lnTo>
+                  <a:pt x="1078177" y="141287"/>
+                </a:lnTo>
+                <a:lnTo>
+                  <a:pt x="1124214" y="155575"/>
+                </a:lnTo>
+                <a:lnTo>
+                  <a:pt x="1176602" y="166687"/>
+                </a:lnTo>
+                <a:lnTo>
+                  <a:pt x="1236927" y="174625"/>
+                </a:lnTo>
+                <a:lnTo>
+                  <a:pt x="1305189" y="176212"/>
+                </a:lnTo>
+                <a:lnTo>
+                  <a:pt x="1373452" y="174625"/>
+                </a:lnTo>
+                <a:lnTo>
+                  <a:pt x="1433777" y="166687"/>
+                </a:lnTo>
+                <a:lnTo>
+                  <a:pt x="1486164" y="155575"/>
+                </a:lnTo>
+                <a:lnTo>
+                  <a:pt x="1532202" y="141287"/>
+                </a:lnTo>
+                <a:lnTo>
+                  <a:pt x="1573477" y="125412"/>
+                </a:lnTo>
+                <a:lnTo>
+                  <a:pt x="1609989" y="106362"/>
+                </a:lnTo>
+                <a:lnTo>
+                  <a:pt x="1648089" y="87312"/>
+                </a:lnTo>
+                <a:lnTo>
+                  <a:pt x="1686189" y="68262"/>
+                </a:lnTo>
+                <a:lnTo>
+                  <a:pt x="1722702" y="52387"/>
+                </a:lnTo>
+                <a:lnTo>
+                  <a:pt x="1763977" y="36512"/>
+                </a:lnTo>
+                <a:lnTo>
+                  <a:pt x="1810014" y="20637"/>
+                </a:lnTo>
+                <a:lnTo>
+                  <a:pt x="1862402" y="9525"/>
+                </a:lnTo>
+                <a:lnTo>
+                  <a:pt x="1922727" y="3175"/>
+                </a:lnTo>
+                <a:lnTo>
+                  <a:pt x="1990989" y="0"/>
+                </a:lnTo>
+                <a:lnTo>
+                  <a:pt x="2059252" y="3175"/>
+                </a:lnTo>
+                <a:lnTo>
+                  <a:pt x="2119577" y="9525"/>
+                </a:lnTo>
+                <a:lnTo>
+                  <a:pt x="2171964" y="20637"/>
+                </a:lnTo>
+                <a:lnTo>
+                  <a:pt x="2218002" y="36512"/>
+                </a:lnTo>
+                <a:lnTo>
+                  <a:pt x="2259277" y="52387"/>
+                </a:lnTo>
+                <a:lnTo>
+                  <a:pt x="2295789" y="68262"/>
+                </a:lnTo>
+                <a:lnTo>
+                  <a:pt x="2333889" y="87312"/>
+                </a:lnTo>
+                <a:lnTo>
+                  <a:pt x="2371989" y="106362"/>
+                </a:lnTo>
+                <a:lnTo>
+                  <a:pt x="2408502" y="125412"/>
+                </a:lnTo>
+                <a:lnTo>
+                  <a:pt x="2449777" y="141287"/>
+                </a:lnTo>
+                <a:lnTo>
+                  <a:pt x="2495814" y="155575"/>
+                </a:lnTo>
+                <a:lnTo>
+                  <a:pt x="2548202" y="166687"/>
+                </a:lnTo>
+                <a:lnTo>
+                  <a:pt x="2608527" y="174625"/>
+                </a:lnTo>
+                <a:lnTo>
+                  <a:pt x="2676789" y="176212"/>
+                </a:lnTo>
+                <a:lnTo>
+                  <a:pt x="2745052" y="174625"/>
+                </a:lnTo>
+                <a:lnTo>
+                  <a:pt x="2805377" y="166687"/>
+                </a:lnTo>
+                <a:lnTo>
+                  <a:pt x="2857764" y="155575"/>
+                </a:lnTo>
+                <a:lnTo>
+                  <a:pt x="2903802" y="141287"/>
+                </a:lnTo>
+                <a:lnTo>
+                  <a:pt x="2945077" y="125412"/>
+                </a:lnTo>
+                <a:lnTo>
+                  <a:pt x="2981589" y="106362"/>
+                </a:lnTo>
+                <a:lnTo>
+                  <a:pt x="3019689" y="87312"/>
+                </a:lnTo>
+                <a:lnTo>
+                  <a:pt x="3057789" y="68262"/>
+                </a:lnTo>
+                <a:lnTo>
+                  <a:pt x="3094302" y="52387"/>
+                </a:lnTo>
+                <a:lnTo>
+                  <a:pt x="3135577" y="36512"/>
+                </a:lnTo>
+                <a:lnTo>
+                  <a:pt x="3181614" y="20637"/>
+                </a:lnTo>
+                <a:lnTo>
+                  <a:pt x="3234002" y="9525"/>
+                </a:lnTo>
+                <a:lnTo>
+                  <a:pt x="3294327" y="3175"/>
+                </a:lnTo>
+                <a:lnTo>
+                  <a:pt x="3361002" y="0"/>
+                </a:lnTo>
+                <a:lnTo>
+                  <a:pt x="3430852" y="3175"/>
+                </a:lnTo>
+                <a:lnTo>
+                  <a:pt x="3491177" y="9525"/>
+                </a:lnTo>
+                <a:lnTo>
+                  <a:pt x="3543564" y="20637"/>
+                </a:lnTo>
+                <a:lnTo>
+                  <a:pt x="3589602" y="36512"/>
+                </a:lnTo>
+                <a:lnTo>
+                  <a:pt x="3630877" y="52387"/>
+                </a:lnTo>
+                <a:lnTo>
+                  <a:pt x="3667389" y="68262"/>
+                </a:lnTo>
+                <a:lnTo>
+                  <a:pt x="3705489" y="87312"/>
+                </a:lnTo>
+                <a:lnTo>
+                  <a:pt x="3743589" y="106362"/>
+                </a:lnTo>
+                <a:lnTo>
+                  <a:pt x="3780102" y="125412"/>
+                </a:lnTo>
+                <a:lnTo>
+                  <a:pt x="3821377" y="141287"/>
+                </a:lnTo>
+                <a:lnTo>
+                  <a:pt x="3867414" y="155575"/>
+                </a:lnTo>
+                <a:lnTo>
+                  <a:pt x="3919802" y="166687"/>
+                </a:lnTo>
+                <a:lnTo>
+                  <a:pt x="3980127" y="174625"/>
+                </a:lnTo>
+                <a:lnTo>
+                  <a:pt x="4048389" y="176212"/>
+                </a:lnTo>
+                <a:lnTo>
+                  <a:pt x="4116652" y="174625"/>
+                </a:lnTo>
+                <a:lnTo>
+                  <a:pt x="4176977" y="166687"/>
+                </a:lnTo>
+                <a:lnTo>
+                  <a:pt x="4229364" y="155575"/>
+                </a:lnTo>
+                <a:lnTo>
+                  <a:pt x="4275402" y="141287"/>
+                </a:lnTo>
+                <a:lnTo>
+                  <a:pt x="4316677" y="125412"/>
+                </a:lnTo>
+                <a:lnTo>
+                  <a:pt x="4353189" y="106362"/>
+                </a:lnTo>
+                <a:lnTo>
+                  <a:pt x="4429389" y="68262"/>
+                </a:lnTo>
+                <a:lnTo>
+                  <a:pt x="4465902" y="52387"/>
+                </a:lnTo>
+                <a:lnTo>
+                  <a:pt x="4507177" y="36512"/>
+                </a:lnTo>
+                <a:lnTo>
+                  <a:pt x="4553214" y="20637"/>
+                </a:lnTo>
+                <a:lnTo>
+                  <a:pt x="4605602" y="9525"/>
+                </a:lnTo>
+                <a:lnTo>
+                  <a:pt x="4665928" y="3175"/>
+                </a:lnTo>
+                <a:lnTo>
+                  <a:pt x="4734189" y="0"/>
+                </a:lnTo>
+                <a:lnTo>
+                  <a:pt x="4802453" y="3175"/>
+                </a:lnTo>
+                <a:lnTo>
+                  <a:pt x="4862777" y="9525"/>
+                </a:lnTo>
+                <a:lnTo>
+                  <a:pt x="4915165" y="20637"/>
+                </a:lnTo>
+                <a:lnTo>
+                  <a:pt x="4961201" y="36512"/>
+                </a:lnTo>
+                <a:lnTo>
+                  <a:pt x="5002476" y="52387"/>
+                </a:lnTo>
+                <a:lnTo>
+                  <a:pt x="5038989" y="68262"/>
+                </a:lnTo>
+                <a:lnTo>
+                  <a:pt x="5077089" y="87312"/>
+                </a:lnTo>
+                <a:lnTo>
+                  <a:pt x="5115189" y="106362"/>
+                </a:lnTo>
+                <a:lnTo>
+                  <a:pt x="5151701" y="125412"/>
+                </a:lnTo>
+                <a:lnTo>
+                  <a:pt x="5192976" y="141287"/>
+                </a:lnTo>
+                <a:lnTo>
+                  <a:pt x="5239014" y="155575"/>
+                </a:lnTo>
+                <a:lnTo>
+                  <a:pt x="5291401" y="166687"/>
+                </a:lnTo>
+                <a:lnTo>
+                  <a:pt x="5351727" y="174625"/>
+                </a:lnTo>
+                <a:lnTo>
+                  <a:pt x="5410199" y="175985"/>
+                </a:lnTo>
+                <a:lnTo>
+                  <a:pt x="5468671" y="174625"/>
+                </a:lnTo>
+                <a:lnTo>
+                  <a:pt x="5528996" y="166687"/>
+                </a:lnTo>
+                <a:lnTo>
+                  <a:pt x="5581383" y="155575"/>
+                </a:lnTo>
+                <a:lnTo>
+                  <a:pt x="5627421" y="141287"/>
+                </a:lnTo>
+                <a:lnTo>
+                  <a:pt x="5668696" y="125412"/>
+                </a:lnTo>
+                <a:lnTo>
+                  <a:pt x="5705209" y="106362"/>
+                </a:lnTo>
+                <a:lnTo>
+                  <a:pt x="5743308" y="87312"/>
+                </a:lnTo>
+                <a:lnTo>
+                  <a:pt x="5781408" y="68262"/>
+                </a:lnTo>
+                <a:lnTo>
+                  <a:pt x="5817921" y="52387"/>
+                </a:lnTo>
+                <a:lnTo>
+                  <a:pt x="5859196" y="36512"/>
+                </a:lnTo>
+                <a:lnTo>
+                  <a:pt x="5905234" y="20637"/>
+                </a:lnTo>
+                <a:lnTo>
+                  <a:pt x="5957621" y="9525"/>
+                </a:lnTo>
+                <a:lnTo>
+                  <a:pt x="6017947" y="3175"/>
+                </a:lnTo>
+                <a:lnTo>
+                  <a:pt x="6086208" y="0"/>
+                </a:lnTo>
+                <a:lnTo>
+                  <a:pt x="6095999" y="455"/>
+                </a:lnTo>
+                <a:lnTo>
+                  <a:pt x="6105789" y="0"/>
+                </a:lnTo>
+                <a:lnTo>
+                  <a:pt x="6174052" y="3175"/>
+                </a:lnTo>
+                <a:lnTo>
+                  <a:pt x="6234377" y="9525"/>
+                </a:lnTo>
+                <a:lnTo>
+                  <a:pt x="6286764" y="20637"/>
+                </a:lnTo>
+                <a:lnTo>
+                  <a:pt x="6332802" y="36512"/>
+                </a:lnTo>
+                <a:lnTo>
+                  <a:pt x="6374077" y="52387"/>
+                </a:lnTo>
+                <a:lnTo>
+                  <a:pt x="6410589" y="68262"/>
+                </a:lnTo>
+                <a:lnTo>
+                  <a:pt x="6448689" y="87312"/>
+                </a:lnTo>
+                <a:lnTo>
+                  <a:pt x="6486789" y="106362"/>
+                </a:lnTo>
+                <a:lnTo>
+                  <a:pt x="6523302" y="125412"/>
+                </a:lnTo>
+                <a:lnTo>
+                  <a:pt x="6564577" y="141287"/>
+                </a:lnTo>
+                <a:lnTo>
+                  <a:pt x="6610614" y="155575"/>
+                </a:lnTo>
+                <a:lnTo>
+                  <a:pt x="6663002" y="166687"/>
+                </a:lnTo>
+                <a:lnTo>
+                  <a:pt x="6723327" y="174625"/>
+                </a:lnTo>
+                <a:lnTo>
+                  <a:pt x="6781799" y="175985"/>
+                </a:lnTo>
+                <a:lnTo>
+                  <a:pt x="6840271" y="174625"/>
+                </a:lnTo>
+                <a:lnTo>
+                  <a:pt x="6900596" y="166687"/>
+                </a:lnTo>
+                <a:lnTo>
+                  <a:pt x="6952983" y="155575"/>
+                </a:lnTo>
+                <a:lnTo>
+                  <a:pt x="6999021" y="141287"/>
+                </a:lnTo>
+                <a:lnTo>
+                  <a:pt x="7040296" y="125412"/>
+                </a:lnTo>
+                <a:lnTo>
+                  <a:pt x="7076808" y="106362"/>
+                </a:lnTo>
+                <a:lnTo>
+                  <a:pt x="7114908" y="87312"/>
+                </a:lnTo>
+                <a:lnTo>
+                  <a:pt x="7153008" y="68262"/>
+                </a:lnTo>
+                <a:lnTo>
+                  <a:pt x="7189521" y="52387"/>
+                </a:lnTo>
+                <a:lnTo>
+                  <a:pt x="7230796" y="36512"/>
+                </a:lnTo>
+                <a:lnTo>
+                  <a:pt x="7276833" y="20637"/>
+                </a:lnTo>
+                <a:lnTo>
+                  <a:pt x="7329221" y="9525"/>
+                </a:lnTo>
+                <a:lnTo>
+                  <a:pt x="7389546" y="3175"/>
+                </a:lnTo>
+                <a:lnTo>
+                  <a:pt x="7457808" y="0"/>
+                </a:lnTo>
+                <a:lnTo>
+                  <a:pt x="7526071" y="3175"/>
+                </a:lnTo>
+                <a:lnTo>
+                  <a:pt x="7586396" y="9525"/>
+                </a:lnTo>
+                <a:lnTo>
+                  <a:pt x="7638783" y="20637"/>
+                </a:lnTo>
+                <a:lnTo>
+                  <a:pt x="7684821" y="36512"/>
+                </a:lnTo>
+                <a:lnTo>
+                  <a:pt x="7726096" y="52387"/>
+                </a:lnTo>
+                <a:lnTo>
+                  <a:pt x="7762608" y="68262"/>
+                </a:lnTo>
+                <a:lnTo>
+                  <a:pt x="7800708" y="87312"/>
+                </a:lnTo>
+                <a:lnTo>
+                  <a:pt x="7838808" y="106362"/>
+                </a:lnTo>
+                <a:lnTo>
+                  <a:pt x="7875321" y="125412"/>
+                </a:lnTo>
+                <a:lnTo>
+                  <a:pt x="7916596" y="141287"/>
+                </a:lnTo>
+                <a:lnTo>
+                  <a:pt x="7962633" y="155575"/>
+                </a:lnTo>
+                <a:lnTo>
+                  <a:pt x="8015021" y="166687"/>
+                </a:lnTo>
+                <a:lnTo>
+                  <a:pt x="8075346" y="174625"/>
+                </a:lnTo>
+                <a:lnTo>
+                  <a:pt x="8143608" y="176212"/>
+                </a:lnTo>
+                <a:lnTo>
+                  <a:pt x="8211871" y="174625"/>
+                </a:lnTo>
+                <a:lnTo>
+                  <a:pt x="8272196" y="166687"/>
+                </a:lnTo>
+                <a:lnTo>
+                  <a:pt x="8324583" y="155575"/>
+                </a:lnTo>
+                <a:lnTo>
+                  <a:pt x="8370621" y="141287"/>
+                </a:lnTo>
+                <a:lnTo>
+                  <a:pt x="8411896" y="125412"/>
+                </a:lnTo>
+                <a:lnTo>
+                  <a:pt x="8448408" y="106362"/>
+                </a:lnTo>
+                <a:lnTo>
+                  <a:pt x="8486508" y="87312"/>
+                </a:lnTo>
+                <a:lnTo>
+                  <a:pt x="8524608" y="68262"/>
+                </a:lnTo>
+                <a:lnTo>
+                  <a:pt x="8561120" y="52387"/>
+                </a:lnTo>
+                <a:lnTo>
+                  <a:pt x="8602396" y="36512"/>
+                </a:lnTo>
+                <a:lnTo>
+                  <a:pt x="8648432" y="20637"/>
+                </a:lnTo>
+                <a:lnTo>
+                  <a:pt x="8700820" y="9525"/>
+                </a:lnTo>
+                <a:lnTo>
+                  <a:pt x="8761146" y="3175"/>
+                </a:lnTo>
+                <a:lnTo>
+                  <a:pt x="8827820" y="0"/>
+                </a:lnTo>
+                <a:lnTo>
+                  <a:pt x="8897670" y="3175"/>
+                </a:lnTo>
+                <a:lnTo>
+                  <a:pt x="8957996" y="9525"/>
+                </a:lnTo>
+                <a:lnTo>
+                  <a:pt x="9010382" y="20637"/>
+                </a:lnTo>
+                <a:lnTo>
+                  <a:pt x="9056420" y="36512"/>
+                </a:lnTo>
+                <a:lnTo>
+                  <a:pt x="9097696" y="52387"/>
+                </a:lnTo>
+                <a:lnTo>
+                  <a:pt x="9134208" y="68262"/>
+                </a:lnTo>
+                <a:lnTo>
+                  <a:pt x="9172308" y="87312"/>
+                </a:lnTo>
+                <a:lnTo>
+                  <a:pt x="9210408" y="106362"/>
+                </a:lnTo>
+                <a:lnTo>
+                  <a:pt x="9246920" y="125412"/>
+                </a:lnTo>
+                <a:lnTo>
+                  <a:pt x="9288196" y="141287"/>
+                </a:lnTo>
+                <a:lnTo>
+                  <a:pt x="9334232" y="155575"/>
+                </a:lnTo>
+                <a:lnTo>
+                  <a:pt x="9386620" y="166687"/>
+                </a:lnTo>
+                <a:lnTo>
+                  <a:pt x="9446946" y="174625"/>
+                </a:lnTo>
+                <a:lnTo>
+                  <a:pt x="9515208" y="176212"/>
+                </a:lnTo>
+                <a:lnTo>
+                  <a:pt x="9583470" y="174625"/>
+                </a:lnTo>
+                <a:lnTo>
+                  <a:pt x="9643796" y="166687"/>
+                </a:lnTo>
+                <a:lnTo>
+                  <a:pt x="9696182" y="155575"/>
+                </a:lnTo>
+                <a:lnTo>
+                  <a:pt x="9742220" y="141287"/>
+                </a:lnTo>
+                <a:lnTo>
+                  <a:pt x="9783496" y="125412"/>
+                </a:lnTo>
+                <a:lnTo>
+                  <a:pt x="9820008" y="106362"/>
+                </a:lnTo>
+                <a:lnTo>
+                  <a:pt x="9896208" y="68262"/>
+                </a:lnTo>
+                <a:lnTo>
+                  <a:pt x="9932720" y="52387"/>
+                </a:lnTo>
+                <a:lnTo>
+                  <a:pt x="9973996" y="36512"/>
+                </a:lnTo>
+                <a:lnTo>
+                  <a:pt x="10020032" y="20637"/>
+                </a:lnTo>
+                <a:lnTo>
+                  <a:pt x="10072420" y="9525"/>
+                </a:lnTo>
+                <a:lnTo>
+                  <a:pt x="10132746" y="3175"/>
+                </a:lnTo>
+                <a:lnTo>
+                  <a:pt x="10201008" y="0"/>
+                </a:lnTo>
+                <a:lnTo>
+                  <a:pt x="10269270" y="3175"/>
+                </a:lnTo>
+                <a:lnTo>
+                  <a:pt x="10329596" y="9525"/>
+                </a:lnTo>
+                <a:lnTo>
+                  <a:pt x="10381982" y="20637"/>
+                </a:lnTo>
+                <a:lnTo>
+                  <a:pt x="10428020" y="36512"/>
+                </a:lnTo>
+                <a:lnTo>
+                  <a:pt x="10469296" y="52387"/>
+                </a:lnTo>
+                <a:lnTo>
+                  <a:pt x="10505808" y="68262"/>
+                </a:lnTo>
+                <a:lnTo>
+                  <a:pt x="10543908" y="87312"/>
+                </a:lnTo>
+                <a:lnTo>
+                  <a:pt x="10582008" y="106362"/>
+                </a:lnTo>
+                <a:lnTo>
+                  <a:pt x="10618520" y="125412"/>
+                </a:lnTo>
+                <a:lnTo>
+                  <a:pt x="10659796" y="141287"/>
+                </a:lnTo>
+                <a:lnTo>
+                  <a:pt x="10705832" y="155575"/>
+                </a:lnTo>
+                <a:lnTo>
+                  <a:pt x="10758220" y="166687"/>
+                </a:lnTo>
+                <a:lnTo>
+                  <a:pt x="10818546" y="174625"/>
+                </a:lnTo>
+                <a:lnTo>
+                  <a:pt x="10886808" y="176212"/>
+                </a:lnTo>
+                <a:lnTo>
+                  <a:pt x="10955070" y="174625"/>
+                </a:lnTo>
+                <a:lnTo>
+                  <a:pt x="11015396" y="166687"/>
+                </a:lnTo>
+                <a:lnTo>
+                  <a:pt x="11067782" y="155575"/>
+                </a:lnTo>
+                <a:lnTo>
+                  <a:pt x="11113820" y="141287"/>
+                </a:lnTo>
+                <a:lnTo>
+                  <a:pt x="11155096" y="125412"/>
+                </a:lnTo>
+                <a:lnTo>
+                  <a:pt x="11191608" y="106362"/>
+                </a:lnTo>
+                <a:lnTo>
+                  <a:pt x="11229708" y="87312"/>
+                </a:lnTo>
+                <a:lnTo>
+                  <a:pt x="11267808" y="68262"/>
+                </a:lnTo>
+                <a:lnTo>
+                  <a:pt x="11304320" y="52387"/>
+                </a:lnTo>
+                <a:lnTo>
+                  <a:pt x="11345596" y="36512"/>
+                </a:lnTo>
+                <a:lnTo>
+                  <a:pt x="11391632" y="20637"/>
+                </a:lnTo>
+                <a:lnTo>
+                  <a:pt x="11444020" y="9525"/>
+                </a:lnTo>
+                <a:lnTo>
+                  <a:pt x="11504346" y="3175"/>
+                </a:lnTo>
+                <a:lnTo>
+                  <a:pt x="11572608" y="0"/>
+                </a:lnTo>
+                <a:lnTo>
+                  <a:pt x="11640870" y="3175"/>
+                </a:lnTo>
+                <a:lnTo>
+                  <a:pt x="11701196" y="9525"/>
+                </a:lnTo>
+                <a:lnTo>
+                  <a:pt x="11753582" y="20637"/>
+                </a:lnTo>
+                <a:lnTo>
+                  <a:pt x="11799620" y="36512"/>
+                </a:lnTo>
+                <a:lnTo>
+                  <a:pt x="11840896" y="52387"/>
+                </a:lnTo>
+                <a:lnTo>
+                  <a:pt x="11877408" y="68262"/>
+                </a:lnTo>
+                <a:lnTo>
+                  <a:pt x="11915508" y="87312"/>
+                </a:lnTo>
+                <a:lnTo>
+                  <a:pt x="11953608" y="106362"/>
+                </a:lnTo>
+                <a:lnTo>
+                  <a:pt x="11990120" y="125412"/>
+                </a:lnTo>
+                <a:lnTo>
+                  <a:pt x="12031396" y="141287"/>
+                </a:lnTo>
+                <a:lnTo>
+                  <a:pt x="12077432" y="155575"/>
+                </a:lnTo>
+                <a:lnTo>
+                  <a:pt x="12129820" y="166688"/>
+                </a:lnTo>
+                <a:lnTo>
+                  <a:pt x="12190146" y="174625"/>
+                </a:lnTo>
+                <a:lnTo>
+                  <a:pt x="12192000" y="174668"/>
+                </a:lnTo>
+                <a:lnTo>
+                  <a:pt x="12192000" y="885826"/>
+                </a:lnTo>
+                <a:lnTo>
+                  <a:pt x="12192000" y="1787292"/>
+                </a:lnTo>
+                <a:lnTo>
+                  <a:pt x="0" y="1787292"/>
+                </a:lnTo>
+                <a:lnTo>
+                  <a:pt x="0" y="885826"/>
+                </a:lnTo>
+                <a:lnTo>
+                  <a:pt x="0" y="174668"/>
+                </a:lnTo>
+                <a:lnTo>
+                  <a:pt x="1852" y="174625"/>
+                </a:lnTo>
+                <a:lnTo>
+                  <a:pt x="62177" y="166687"/>
+                </a:lnTo>
+                <a:lnTo>
+                  <a:pt x="114564" y="155575"/>
+                </a:lnTo>
+                <a:lnTo>
+                  <a:pt x="160602" y="141287"/>
+                </a:lnTo>
+                <a:lnTo>
+                  <a:pt x="201877" y="125412"/>
+                </a:lnTo>
+                <a:lnTo>
+                  <a:pt x="238389" y="106362"/>
+                </a:lnTo>
+                <a:lnTo>
+                  <a:pt x="276489" y="87312"/>
+                </a:lnTo>
+                <a:lnTo>
+                  <a:pt x="314589" y="68262"/>
+                </a:lnTo>
+                <a:lnTo>
+                  <a:pt x="351102" y="52387"/>
+                </a:lnTo>
+                <a:lnTo>
+                  <a:pt x="392377" y="36512"/>
+                </a:lnTo>
+                <a:lnTo>
+                  <a:pt x="438414" y="20637"/>
+                </a:lnTo>
+                <a:lnTo>
+                  <a:pt x="490802" y="9525"/>
+                </a:lnTo>
+                <a:lnTo>
+                  <a:pt x="551127" y="3175"/>
+                </a:lnTo>
+                <a:close/>
+              </a:path>
+            </a:pathLst>
+          </a:custGeom>
+          <a:solidFill>
+            <a:schemeClr val="accent1"/>
+          </a:solidFill>
+          <a:ln>
+            <a:noFill/>
+          </a:ln>
+        </p:spPr>
+        <p:style>
+          <a:lnRef idx="2">
+            <a:schemeClr val="accent1">
+              <a:shade val="50000"/>
+            </a:schemeClr>
+          </a:lnRef>
+          <a:fillRef idx="1">
+            <a:schemeClr val="accent1"/>
+          </a:fillRef>
+          <a:effectRef idx="0">
+            <a:schemeClr val="accent1"/>
+          </a:effectRef>
+          <a:fontRef idx="minor">
+            <a:schemeClr val="lt1"/>
+          </a:fontRef>
+        </p:style>
+        <p:txBody>
+          <a:bodyPr rtlCol="0" anchor="ctr"/>
+          <a:lstStyle/>
+          <a:p>
+            <a:pPr algn="ctr"/>
+            <a:endParaRPr lang="en-US"/>
+          </a:p>
+        </p:txBody>
+      </p:sp>
+    </p:spTree>
+    <p:extLst>
+      <p:ext uri="{BB962C8B-B14F-4D97-AF65-F5344CB8AC3E}">
+        <p14:creationId xmlns:p14="http://schemas.microsoft.com/office/powerpoint/2010/main" val="2423463445"/>
+      </p:ext>
+    </p:extLst>
+  </p:cSld>
+  <p:clrMapOvr>
+    <a:masterClrMapping/>
+  </p:clrMapOvr>
+  <p:timing>
+    <p:tnLst>
+      <p:par>
+        <p:cTn id="1" dur="indefinite" restart="never" nodeType="tmRoot">
+          <p:childTnLst>
+            <p:seq concurrent="1" nextAc="seek">
+              <p:cTn id="2" dur="indefinite" nodeType="mainSeq">
+                <p:childTnLst>
+                  <p:par>
+                    <p:cTn id="3" fill="hold">
+                      <p:stCondLst>
+                        <p:cond delay="indefinite"/>
+                        <p:cond evt="onBegin" delay="0">
+                          <p:tn val="2"/>
+                        </p:cond>
+                      </p:stCondLst>
+                      <p:childTnLst>
+                        <p:par>
+                          <p:cTn id="4" fill="hold">
+                            <p:stCondLst>
+                              <p:cond delay="0"/>
+                            </p:stCondLst>
+                            <p:childTnLst>
+                              <p:par>
+                                <p:cTn id="5" presetID="10" presetClass="entr" presetSubtype="0" fill="hold" grpId="0" nodeType="withEffect">
+                                  <p:stCondLst>
+                                    <p:cond delay="500"/>
+                                  </p:stCondLst>
+                                  <p:iterate type="wd">
+                                    <p:tmPct val="15000"/>
+                                  </p:iterate>
+                                  <p:childTnLst>
+                                    <p:set>
+                                      <p:cBhvr>
+                                        <p:cTn id="6" dur="1" fill="hold">
+                                          <p:stCondLst>
+                                            <p:cond delay="0"/>
+                                          </p:stCondLst>
+                                        </p:cTn>
+                                        <p:tgtEl>
+                                          <p:spTgt spid="2"/>
+                                        </p:tgtEl>
+                                        <p:attrNameLst>
+                                          <p:attrName>style.visibility</p:attrName>
+                                        </p:attrNameLst>
+                                      </p:cBhvr>
+                                      <p:to>
+                                        <p:strVal val="visible"/>
+                                      </p:to>
+                                    </p:set>
+                                    <p:animEffect transition="in" filter="fade">
+                                      <p:cBhvr>
+                                        <p:cTn id="7" dur="1000"/>
+                                        <p:tgtEl>
+                                          <p:spTgt spid="2"/>
+                                        </p:tgtEl>
+                                      </p:cBhvr>
+                                    </p:animEffect>
+                                  </p:childTnLst>
+                                </p:cTn>
+                              </p:par>
+                            </p:childTnLst>
+                          </p:cTn>
+                        </p:par>
+                      </p:childTnLst>
+                    </p:cTn>
+                  </p:par>
+                </p:childTnLst>
+              </p:cTn>
+              <p:prevCondLst>
+                <p:cond evt="onPrev" delay="0">
+                  <p:tgtEl>
+                    <p:sldTgt/>
+                  </p:tgtEl>
+                </p:cond>
+              </p:prevCondLst>
+              <p:nextCondLst>
+                <p:cond evt="onNext" delay="0">
+                  <p:tgtEl>
+                    <p:sldTgt/>
+                  </p:tgtEl>
+                </p:cond>
+              </p:nextCondLst>
+            </p:seq>
+          </p:childTnLst>
+        </p:cTn>
+      </p:par>
+    </p:tnLst>
+    <p:bldLst>
+      <p:bldP spid="2" grpId="0"/>
+    </p:bldLst>
+  </p:timing>
+</p:sld>
+</file>
+
+<file path=ppt/slides/slide12.xml><?xml version="1.0" encoding="utf-8"?>
+<p:sld xmlns:a="http://schemas.openxmlformats.org/drawingml/2006/main" xmlns:r="http://schemas.openxmlformats.org/officeDocument/2006/relationships" xmlns:p="http://schemas.openxmlformats.org/presentationml/2006/main">
+  <p:cSld>
+    <p:spTree>
+      <p:nvGrpSpPr>
+        <p:cNvPr id="1" name=""/>
+        <p:cNvGrpSpPr/>
+        <p:nvPr/>
+      </p:nvGrpSpPr>
+      <p:grpSpPr>
+        <a:xfrm>
+          <a:off x="0" y="0"/>
+          <a:ext cx="0" cy="0"/>
+          <a:chOff x="0" y="0"/>
+          <a:chExt cx="0" cy="0"/>
+        </a:xfrm>
+      </p:grpSpPr>
+      <p:sp>
+        <p:nvSpPr>
+          <p:cNvPr id="2" name="タイトル 1">
+            <a:extLst>
+              <a:ext uri="{FF2B5EF4-FFF2-40B4-BE49-F238E27FC236}">
+                <a16:creationId xmlns:a16="http://schemas.microsoft.com/office/drawing/2014/main" id="{1B795566-18ED-1BD9-FB9D-306DA659603F}"/>
+              </a:ext>
+            </a:extLst>
+          </p:cNvPr>
+          <p:cNvSpPr>
+            <a:spLocks noGrp="1"/>
+          </p:cNvSpPr>
+          <p:nvPr>
+            <p:ph type="title"/>
+          </p:nvPr>
+        </p:nvSpPr>
+        <p:spPr>
+          <a:xfrm>
+            <a:off x="1251678" y="382385"/>
+            <a:ext cx="10178322" cy="846808"/>
+          </a:xfrm>
+        </p:spPr>
+        <p:txBody>
+          <a:bodyPr/>
+          <a:lstStyle/>
+          <a:p>
+            <a:r>
+              <a:rPr lang="en-US" altLang="ja-JP" cap="none" dirty="0"/>
+              <a:t>Git</a:t>
+            </a:r>
+            <a:r>
+              <a:rPr lang="ja-JP" altLang="en-US" cap="none" dirty="0"/>
+              <a:t>と</a:t>
+            </a:r>
+            <a:r>
+              <a:rPr lang="en-US" altLang="ja-JP" cap="none" dirty="0"/>
+              <a:t>GitHub</a:t>
+            </a:r>
+            <a:r>
+              <a:rPr lang="ja-JP" altLang="en-US" cap="none" dirty="0"/>
+              <a:t>の違い</a:t>
+            </a:r>
+            <a:endParaRPr kumimoji="1" lang="ja-JP" altLang="en-US" dirty="0"/>
+          </a:p>
+        </p:txBody>
+      </p:sp>
+      <p:graphicFrame>
+        <p:nvGraphicFramePr>
+          <p:cNvPr id="4" name="表 4">
+            <a:extLst>
+              <a:ext uri="{FF2B5EF4-FFF2-40B4-BE49-F238E27FC236}">
+                <a16:creationId xmlns:a16="http://schemas.microsoft.com/office/drawing/2014/main" id="{2DA1CFB4-1437-A461-5C4D-B35DE52A24B4}"/>
+              </a:ext>
+            </a:extLst>
+          </p:cNvPr>
+          <p:cNvGraphicFramePr>
+            <a:graphicFrameLocks noGrp="1"/>
+          </p:cNvGraphicFramePr>
+          <p:nvPr>
+            <p:ph idx="1"/>
+            <p:extLst>
+              <p:ext uri="{D42A27DB-BD31-4B8C-83A1-F6EECF244321}">
+                <p14:modId xmlns:p14="http://schemas.microsoft.com/office/powerpoint/2010/main" val="2041478540"/>
+              </p:ext>
+            </p:extLst>
+          </p:nvPr>
+        </p:nvGraphicFramePr>
+        <p:xfrm>
+          <a:off x="1250950" y="1334125"/>
+          <a:ext cx="10179050" cy="4946754"/>
+        </p:xfrm>
+        <a:graphic>
+          <a:graphicData uri="http://schemas.openxmlformats.org/drawingml/2006/table">
+            <a:tbl>
+              <a:tblPr firstRow="1" bandRow="1">
+                <a:tableStyleId>{21E4AEA4-8DFA-4A89-87EB-49C32662AFE0}</a:tableStyleId>
+              </a:tblPr>
+              <a:tblGrid>
+                <a:gridCol w="5089525">
+                  <a:extLst>
+                    <a:ext uri="{9D8B030D-6E8A-4147-A177-3AD203B41FA5}">
+                      <a16:colId xmlns:a16="http://schemas.microsoft.com/office/drawing/2014/main" val="638036350"/>
+                    </a:ext>
+                  </a:extLst>
+                </a:gridCol>
+                <a:gridCol w="5089525">
+                  <a:extLst>
+                    <a:ext uri="{9D8B030D-6E8A-4147-A177-3AD203B41FA5}">
+                      <a16:colId xmlns:a16="http://schemas.microsoft.com/office/drawing/2014/main" val="3777461080"/>
+                    </a:ext>
+                  </a:extLst>
+                </a:gridCol>
+              </a:tblGrid>
+              <a:tr h="824459">
+                <a:tc>
+                  <a:txBody>
+                    <a:bodyPr/>
+                    <a:lstStyle/>
+                    <a:p>
+                      <a:pPr algn="ctr"/>
+                      <a:r>
+                        <a:rPr kumimoji="1" lang="en-US" altLang="ja-JP" sz="4400" dirty="0"/>
+                        <a:t>Git</a:t>
+                      </a:r>
+                      <a:endParaRPr kumimoji="1" lang="ja-JP" altLang="en-US" sz="4400" dirty="0"/>
+                    </a:p>
+                  </a:txBody>
+                  <a:tcPr anchor="ctr"/>
+                </a:tc>
+                <a:tc>
+                  <a:txBody>
+                    <a:bodyPr/>
+                    <a:lstStyle/>
+                    <a:p>
+                      <a:pPr algn="ctr"/>
+                      <a:r>
+                        <a:rPr kumimoji="1" lang="en-US" altLang="ja-JP" sz="4400" dirty="0"/>
+                        <a:t>GitHub</a:t>
+                      </a:r>
+                      <a:endParaRPr kumimoji="1" lang="ja-JP" altLang="en-US" sz="4400" dirty="0"/>
+                    </a:p>
+                  </a:txBody>
+                  <a:tcPr anchor="ctr"/>
+                </a:tc>
+                <a:extLst>
+                  <a:ext uri="{0D108BD9-81ED-4DB2-BD59-A6C34878D82A}">
+                    <a16:rowId xmlns:a16="http://schemas.microsoft.com/office/drawing/2014/main" val="3091905702"/>
+                  </a:ext>
+                </a:extLst>
+              </a:tr>
+              <a:tr h="824459">
+                <a:tc>
+                  <a:txBody>
+                    <a:bodyPr/>
+                    <a:lstStyle/>
+                    <a:p>
+                      <a:r>
+                        <a:rPr kumimoji="1" lang="ja-JP" altLang="en-US" sz="2400" dirty="0"/>
+                        <a:t>ツール</a:t>
+                      </a:r>
+                    </a:p>
+                  </a:txBody>
+                  <a:tcPr anchor="ctr"/>
+                </a:tc>
+                <a:tc>
+                  <a:txBody>
+                    <a:bodyPr/>
+                    <a:lstStyle/>
+                    <a:p>
+                      <a:r>
+                        <a:rPr kumimoji="1" lang="en-US" altLang="ja-JP" sz="2400" dirty="0"/>
+                        <a:t>Web</a:t>
+                      </a:r>
+                      <a:r>
+                        <a:rPr kumimoji="1" lang="ja-JP" altLang="en-US" sz="2400" dirty="0"/>
+                        <a:t>サービス</a:t>
+                      </a:r>
+                    </a:p>
+                  </a:txBody>
+                  <a:tcPr anchor="ctr"/>
+                </a:tc>
+                <a:extLst>
+                  <a:ext uri="{0D108BD9-81ED-4DB2-BD59-A6C34878D82A}">
+                    <a16:rowId xmlns:a16="http://schemas.microsoft.com/office/drawing/2014/main" val="1158756720"/>
+                  </a:ext>
+                </a:extLst>
+              </a:tr>
+              <a:tr h="824459">
+                <a:tc>
+                  <a:txBody>
+                    <a:bodyPr/>
+                    <a:lstStyle/>
+                    <a:p>
+                      <a:r>
+                        <a:rPr kumimoji="1" lang="ja-JP" altLang="en-US" sz="2400" dirty="0"/>
+                        <a:t>オープンソースソフトウェア</a:t>
+                      </a:r>
+                    </a:p>
+                  </a:txBody>
+                  <a:tcPr anchor="ctr"/>
+                </a:tc>
+                <a:tc>
+                  <a:txBody>
+                    <a:bodyPr/>
+                    <a:lstStyle/>
+                    <a:p>
+                      <a:r>
+                        <a:rPr kumimoji="1" lang="en-US" altLang="ja-JP" sz="2400" dirty="0"/>
+                        <a:t>Microsoft</a:t>
+                      </a:r>
+                      <a:r>
+                        <a:rPr kumimoji="1" lang="ja-JP" altLang="en-US" sz="2400" dirty="0"/>
+                        <a:t>のソフトウェア</a:t>
+                      </a:r>
+                    </a:p>
+                  </a:txBody>
+                  <a:tcPr anchor="ctr"/>
+                </a:tc>
+                <a:extLst>
+                  <a:ext uri="{0D108BD9-81ED-4DB2-BD59-A6C34878D82A}">
+                    <a16:rowId xmlns:a16="http://schemas.microsoft.com/office/drawing/2014/main" val="2365725339"/>
+                  </a:ext>
+                </a:extLst>
+              </a:tr>
+              <a:tr h="824459">
+                <a:tc>
+                  <a:txBody>
+                    <a:bodyPr/>
+                    <a:lstStyle/>
+                    <a:p>
+                      <a:r>
+                        <a:rPr kumimoji="1" lang="ja-JP" altLang="en-US" sz="2400" dirty="0"/>
+                        <a:t>一人作業向き</a:t>
+                      </a:r>
+                    </a:p>
+                  </a:txBody>
+                  <a:tcPr anchor="ctr"/>
+                </a:tc>
+                <a:tc>
+                  <a:txBody>
+                    <a:bodyPr/>
+                    <a:lstStyle/>
+                    <a:p>
+                      <a:r>
+                        <a:rPr kumimoji="1" lang="ja-JP" altLang="en-US" sz="2400" dirty="0"/>
+                        <a:t>複数人作業向き</a:t>
+                      </a:r>
+                    </a:p>
+                  </a:txBody>
+                  <a:tcPr anchor="ctr"/>
+                </a:tc>
+                <a:extLst>
+                  <a:ext uri="{0D108BD9-81ED-4DB2-BD59-A6C34878D82A}">
+                    <a16:rowId xmlns:a16="http://schemas.microsoft.com/office/drawing/2014/main" val="3161749768"/>
+                  </a:ext>
+                </a:extLst>
+              </a:tr>
+              <a:tr h="824459">
+                <a:tc>
+                  <a:txBody>
+                    <a:bodyPr/>
+                    <a:lstStyle/>
+                    <a:p>
+                      <a:r>
+                        <a:rPr kumimoji="1" lang="en-US" altLang="ja-JP" sz="2400" dirty="0"/>
+                        <a:t>CUI</a:t>
+                      </a:r>
+                      <a:r>
+                        <a:rPr kumimoji="1" lang="ja-JP" altLang="en-US" sz="2000" dirty="0"/>
+                        <a:t>（ターミナルでコマンドを実行）</a:t>
+                      </a:r>
+                      <a:endParaRPr kumimoji="1" lang="ja-JP" altLang="en-US" sz="2400" dirty="0"/>
+                    </a:p>
+                  </a:txBody>
+                  <a:tcPr anchor="ctr"/>
+                </a:tc>
+                <a:tc>
+                  <a:txBody>
+                    <a:bodyPr/>
+                    <a:lstStyle/>
+                    <a:p>
+                      <a:r>
+                        <a:rPr kumimoji="1" lang="en-US" altLang="ja-JP" sz="2400" dirty="0"/>
+                        <a:t>GUI</a:t>
+                      </a:r>
+                      <a:r>
+                        <a:rPr kumimoji="1" lang="ja-JP" altLang="en-US" sz="2000" dirty="0"/>
+                        <a:t>（マウス操作）</a:t>
+                      </a:r>
+                      <a:endParaRPr kumimoji="1" lang="ja-JP" altLang="en-US" sz="2400" dirty="0"/>
+                    </a:p>
+                  </a:txBody>
+                  <a:tcPr anchor="ctr"/>
+                </a:tc>
+                <a:extLst>
+                  <a:ext uri="{0D108BD9-81ED-4DB2-BD59-A6C34878D82A}">
+                    <a16:rowId xmlns:a16="http://schemas.microsoft.com/office/drawing/2014/main" val="3526233987"/>
+                  </a:ext>
+                </a:extLst>
+              </a:tr>
+              <a:tr h="824459">
+                <a:tc>
+                  <a:txBody>
+                    <a:bodyPr/>
+                    <a:lstStyle/>
+                    <a:p>
+                      <a:r>
+                        <a:rPr kumimoji="1" lang="ja-JP" altLang="en-US" sz="2400" dirty="0"/>
+                        <a:t>自身の</a:t>
+                      </a:r>
+                      <a:r>
+                        <a:rPr kumimoji="1" lang="en-US" altLang="ja-JP" sz="2400" dirty="0"/>
+                        <a:t>PC</a:t>
+                      </a:r>
+                      <a:r>
+                        <a:rPr kumimoji="1" lang="ja-JP" altLang="en-US" sz="2400" dirty="0"/>
+                        <a:t>に保存</a:t>
+                      </a:r>
+                    </a:p>
+                  </a:txBody>
+                  <a:tcPr anchor="ctr"/>
+                </a:tc>
+                <a:tc>
+                  <a:txBody>
+                    <a:bodyPr/>
+                    <a:lstStyle/>
+                    <a:p>
+                      <a:r>
+                        <a:rPr kumimoji="1" lang="ja-JP" altLang="en-US" sz="2400" dirty="0"/>
+                        <a:t>クラウド上に保存</a:t>
+                      </a:r>
+                    </a:p>
+                  </a:txBody>
+                  <a:tcPr anchor="ctr"/>
+                </a:tc>
+                <a:extLst>
+                  <a:ext uri="{0D108BD9-81ED-4DB2-BD59-A6C34878D82A}">
+                    <a16:rowId xmlns:a16="http://schemas.microsoft.com/office/drawing/2014/main" val="910054161"/>
+                  </a:ext>
+                </a:extLst>
+              </a:tr>
+            </a:tbl>
+          </a:graphicData>
+        </a:graphic>
+      </p:graphicFrame>
+    </p:spTree>
+    <p:extLst>
+      <p:ext uri="{BB962C8B-B14F-4D97-AF65-F5344CB8AC3E}">
+        <p14:creationId xmlns:p14="http://schemas.microsoft.com/office/powerpoint/2010/main" val="3301194842"/>
+      </p:ext>
+    </p:extLst>
+  </p:cSld>
+  <p:clrMapOvr>
+    <a:masterClrMapping/>
+  </p:clrMapOvr>
+</p:sld>
+</file>
+
+<file path=ppt/slides/slide13.xml><?xml version="1.0" encoding="utf-8"?>
+<p:sld xmlns:a="http://schemas.openxmlformats.org/drawingml/2006/main" xmlns:r="http://schemas.openxmlformats.org/officeDocument/2006/relationships" xmlns:p="http://schemas.openxmlformats.org/presentationml/2006/main">
+  <p:cSld>
+    <p:spTree>
+      <p:nvGrpSpPr>
+        <p:cNvPr id="1" name=""/>
+        <p:cNvGrpSpPr/>
+        <p:nvPr/>
+      </p:nvGrpSpPr>
+      <p:grpSpPr>
+        <a:xfrm>
+          <a:off x="0" y="0"/>
+          <a:ext cx="0" cy="0"/>
+          <a:chOff x="0" y="0"/>
+          <a:chExt cx="0" cy="0"/>
+        </a:xfrm>
+      </p:grpSpPr>
+      <p:sp>
+        <p:nvSpPr>
+          <p:cNvPr id="2" name="タイトル 1">
+            <a:extLst>
+              <a:ext uri="{FF2B5EF4-FFF2-40B4-BE49-F238E27FC236}">
+                <a16:creationId xmlns:a16="http://schemas.microsoft.com/office/drawing/2014/main" id="{8600BBB0-9BFE-2F2F-B29C-E36FC1C60D16}"/>
+              </a:ext>
+            </a:extLst>
+          </p:cNvPr>
+          <p:cNvSpPr>
+            <a:spLocks noGrp="1"/>
+          </p:cNvSpPr>
+          <p:nvPr>
+            <p:ph type="title"/>
+          </p:nvPr>
+        </p:nvSpPr>
+        <p:spPr/>
+        <p:txBody>
+          <a:bodyPr/>
+          <a:lstStyle/>
+          <a:p>
+            <a:r>
+              <a:rPr lang="en-US" altLang="ja-JP" cap="none" dirty="0"/>
+              <a:t>Git</a:t>
+            </a:r>
+            <a:r>
+              <a:rPr lang="ja-JP" altLang="en-US" cap="none" dirty="0"/>
+              <a:t>と</a:t>
+            </a:r>
+            <a:r>
+              <a:rPr lang="en-US" altLang="ja-JP" cap="none" dirty="0"/>
+              <a:t>GitHub</a:t>
+            </a:r>
+            <a:r>
+              <a:rPr lang="ja-JP" altLang="en-US" cap="none" dirty="0"/>
+              <a:t>の違い</a:t>
+            </a:r>
+            <a:endParaRPr kumimoji="1" lang="ja-JP" altLang="en-US" dirty="0"/>
+          </a:p>
+        </p:txBody>
+      </p:sp>
+      <p:sp>
+        <p:nvSpPr>
+          <p:cNvPr id="3" name="コンテンツ プレースホルダー 2">
+            <a:extLst>
+              <a:ext uri="{FF2B5EF4-FFF2-40B4-BE49-F238E27FC236}">
+                <a16:creationId xmlns:a16="http://schemas.microsoft.com/office/drawing/2014/main" id="{379BCEA3-4EB9-818B-21A6-C10C5AF90FD6}"/>
+              </a:ext>
+            </a:extLst>
+          </p:cNvPr>
+          <p:cNvSpPr>
+            <a:spLocks noGrp="1"/>
+          </p:cNvSpPr>
+          <p:nvPr>
+            <p:ph idx="1"/>
+          </p:nvPr>
+        </p:nvSpPr>
+        <p:spPr/>
+        <p:txBody>
+          <a:bodyPr/>
+          <a:lstStyle/>
+          <a:p>
+            <a:endParaRPr kumimoji="1" lang="ja-JP" altLang="en-US"/>
+          </a:p>
+        </p:txBody>
+      </p:sp>
+    </p:spTree>
+    <p:extLst>
+      <p:ext uri="{BB962C8B-B14F-4D97-AF65-F5344CB8AC3E}">
+        <p14:creationId xmlns:p14="http://schemas.microsoft.com/office/powerpoint/2010/main" val="139098466"/>
+      </p:ext>
+    </p:extLst>
+  </p:cSld>
+  <p:clrMapOvr>
+    <a:masterClrMapping/>
+  </p:clrMapOvr>
+</p:sld>
+</file>
+
+<file path=ppt/slides/slide14.xml><?xml version="1.0" encoding="utf-8"?>
+<p:sld xmlns:a="http://schemas.openxmlformats.org/drawingml/2006/main" xmlns:r="http://schemas.openxmlformats.org/officeDocument/2006/relationships" xmlns:p="http://schemas.openxmlformats.org/presentationml/2006/main">
+  <p:cSld>
+    <p:spTree>
+      <p:nvGrpSpPr>
+        <p:cNvPr id="1" name=""/>
+        <p:cNvGrpSpPr/>
+        <p:nvPr/>
+      </p:nvGrpSpPr>
+      <p:grpSpPr>
+        <a:xfrm>
+          <a:off x="0" y="0"/>
+          <a:ext cx="0" cy="0"/>
+          <a:chOff x="0" y="0"/>
+          <a:chExt cx="0" cy="0"/>
+        </a:xfrm>
+      </p:grpSpPr>
+      <p:sp>
+        <p:nvSpPr>
+          <p:cNvPr id="34" name="正方形/長方形 33">
+            <a:extLst>
+              <a:ext uri="{FF2B5EF4-FFF2-40B4-BE49-F238E27FC236}">
+                <a16:creationId xmlns:a16="http://schemas.microsoft.com/office/drawing/2014/main" id="{8DF793C9-82DD-9FAF-B146-CE8EF59A07CF}"/>
+              </a:ext>
+            </a:extLst>
+          </p:cNvPr>
+          <p:cNvSpPr/>
+          <p:nvPr/>
+        </p:nvSpPr>
+        <p:spPr>
+          <a:xfrm>
+            <a:off x="1251678" y="1664358"/>
+            <a:ext cx="5630613" cy="4826692"/>
+          </a:xfrm>
+          <a:prstGeom prst="rect">
+            <a:avLst/>
+          </a:prstGeom>
+          <a:solidFill>
+            <a:schemeClr val="accent3">
+              <a:lumMod val="20000"/>
+              <a:lumOff val="80000"/>
+            </a:schemeClr>
+          </a:solidFill>
+          <a:ln w="38100" cap="flat" cmpd="sng" algn="ctr">
+            <a:solidFill>
+              <a:schemeClr val="accent3">
+                <a:lumMod val="60000"/>
+                <a:lumOff val="40000"/>
+              </a:schemeClr>
+            </a:solidFill>
+            <a:prstDash val="solid"/>
+            <a:round/>
+            <a:headEnd type="none" w="med" len="med"/>
+            <a:tailEnd type="none" w="med" len="med"/>
+          </a:ln>
+        </p:spPr>
+        <p:style>
+          <a:lnRef idx="0">
+            <a:scrgbClr r="0" g="0" b="0"/>
+          </a:lnRef>
+          <a:fillRef idx="0">
+            <a:scrgbClr r="0" g="0" b="0"/>
+          </a:fillRef>
+          <a:effectRef idx="0">
+            <a:scrgbClr r="0" g="0" b="0"/>
+          </a:effectRef>
+          <a:fontRef idx="minor">
+            <a:schemeClr val="dk1"/>
+          </a:fontRef>
+        </p:style>
+        <p:txBody>
+          <a:bodyPr rtlCol="0" anchor="ctr"/>
+          <a:lstStyle/>
+          <a:p>
+            <a:pPr algn="ctr"/>
+            <a:endParaRPr kumimoji="1" lang="ja-JP" altLang="en-US"/>
+          </a:p>
+        </p:txBody>
+      </p:sp>
+      <p:sp>
+        <p:nvSpPr>
+          <p:cNvPr id="35" name="正方形/長方形 34">
+            <a:extLst>
+              <a:ext uri="{FF2B5EF4-FFF2-40B4-BE49-F238E27FC236}">
+                <a16:creationId xmlns:a16="http://schemas.microsoft.com/office/drawing/2014/main" id="{C95EB4EB-5A51-3EA4-D525-7EF708EB341A}"/>
+              </a:ext>
+            </a:extLst>
+          </p:cNvPr>
+          <p:cNvSpPr/>
+          <p:nvPr/>
+        </p:nvSpPr>
+        <p:spPr>
+          <a:xfrm>
+            <a:off x="7801682" y="1648921"/>
+            <a:ext cx="3830685" cy="4826692"/>
+          </a:xfrm>
+          <a:prstGeom prst="rect">
+            <a:avLst/>
+          </a:prstGeom>
+          <a:solidFill>
+            <a:schemeClr val="accent6">
+              <a:lumMod val="20000"/>
+              <a:lumOff val="80000"/>
+            </a:schemeClr>
+          </a:solidFill>
+          <a:ln w="38100" cap="flat" cmpd="sng" algn="ctr">
+            <a:solidFill>
+              <a:schemeClr val="accent6">
+                <a:lumMod val="60000"/>
+                <a:lumOff val="40000"/>
+              </a:schemeClr>
+            </a:solidFill>
+            <a:prstDash val="solid"/>
+            <a:round/>
+            <a:headEnd type="none" w="med" len="med"/>
+            <a:tailEnd type="none" w="med" len="med"/>
+          </a:ln>
+        </p:spPr>
+        <p:style>
+          <a:lnRef idx="0">
+            <a:scrgbClr r="0" g="0" b="0"/>
+          </a:lnRef>
+          <a:fillRef idx="0">
+            <a:scrgbClr r="0" g="0" b="0"/>
+          </a:fillRef>
+          <a:effectRef idx="0">
+            <a:scrgbClr r="0" g="0" b="0"/>
+          </a:effectRef>
+          <a:fontRef idx="minor">
+            <a:schemeClr val="dk1"/>
+          </a:fontRef>
+        </p:style>
+        <p:txBody>
+          <a:bodyPr rtlCol="0" anchor="ctr"/>
+          <a:lstStyle/>
+          <a:p>
+            <a:pPr algn="ctr"/>
+            <a:endParaRPr kumimoji="1" lang="ja-JP" altLang="en-US"/>
+          </a:p>
+        </p:txBody>
+      </p:sp>
+      <p:sp>
+        <p:nvSpPr>
+          <p:cNvPr id="11" name="雲 10">
+            <a:extLst>
+              <a:ext uri="{FF2B5EF4-FFF2-40B4-BE49-F238E27FC236}">
+                <a16:creationId xmlns:a16="http://schemas.microsoft.com/office/drawing/2014/main" id="{43460BA5-6C52-D73C-8507-348905806C54}"/>
+              </a:ext>
+            </a:extLst>
+          </p:cNvPr>
+          <p:cNvSpPr/>
+          <p:nvPr/>
+        </p:nvSpPr>
+        <p:spPr>
+          <a:xfrm>
+            <a:off x="8155772" y="1895604"/>
+            <a:ext cx="3067733" cy="3965549"/>
+          </a:xfrm>
+          <a:prstGeom prst="cloud">
+            <a:avLst/>
+          </a:prstGeom>
+        </p:spPr>
+        <p:style>
+          <a:lnRef idx="2">
+            <a:schemeClr val="dk1"/>
+          </a:lnRef>
+          <a:fillRef idx="1">
+            <a:schemeClr val="lt1"/>
+          </a:fillRef>
+          <a:effectRef idx="0">
+            <a:schemeClr val="dk1"/>
+          </a:effectRef>
+          <a:fontRef idx="minor">
+            <a:schemeClr val="dk1"/>
+          </a:fontRef>
+        </p:style>
+        <p:txBody>
+          <a:bodyPr rtlCol="0" anchor="ctr"/>
+          <a:lstStyle/>
+          <a:p>
+            <a:pPr algn="ctr"/>
+            <a:endParaRPr kumimoji="1" lang="ja-JP" altLang="en-US"/>
+          </a:p>
+        </p:txBody>
+      </p:sp>
+      <p:sp>
+        <p:nvSpPr>
+          <p:cNvPr id="4" name="タイトル 1">
+            <a:extLst>
+              <a:ext uri="{FF2B5EF4-FFF2-40B4-BE49-F238E27FC236}">
+                <a16:creationId xmlns:a16="http://schemas.microsoft.com/office/drawing/2014/main" id="{885E678D-2289-41F4-DAC3-7C495C0AF7C1}"/>
+              </a:ext>
+            </a:extLst>
+          </p:cNvPr>
+          <p:cNvSpPr>
+            <a:spLocks noGrp="1"/>
+          </p:cNvSpPr>
+          <p:nvPr>
+            <p:ph type="title"/>
+          </p:nvPr>
+        </p:nvSpPr>
+        <p:spPr>
+          <a:xfrm>
+            <a:off x="1361714" y="314932"/>
+            <a:ext cx="10178322" cy="816828"/>
+          </a:xfrm>
+        </p:spPr>
+        <p:txBody>
+          <a:bodyPr/>
+          <a:lstStyle/>
+          <a:p>
+            <a:r>
+              <a:rPr lang="en-US" altLang="ja-JP" cap="none" dirty="0"/>
+              <a:t>Git</a:t>
+            </a:r>
+            <a:r>
+              <a:rPr lang="ja-JP" altLang="en-US" cap="none" dirty="0"/>
+              <a:t>と</a:t>
+            </a:r>
+            <a:r>
+              <a:rPr lang="en-US" altLang="ja-JP" cap="none" dirty="0"/>
+              <a:t>GitHub</a:t>
+            </a:r>
+            <a:r>
+              <a:rPr lang="ja-JP" altLang="en-US" cap="none" dirty="0"/>
+              <a:t>の仕組み</a:t>
+            </a:r>
+            <a:endParaRPr kumimoji="1" lang="ja-JP" altLang="en-US" dirty="0"/>
+          </a:p>
+        </p:txBody>
+      </p:sp>
+      <p:sp>
+        <p:nvSpPr>
+          <p:cNvPr id="7" name="四角形: メモ 6">
+            <a:extLst>
+              <a:ext uri="{FF2B5EF4-FFF2-40B4-BE49-F238E27FC236}">
+                <a16:creationId xmlns:a16="http://schemas.microsoft.com/office/drawing/2014/main" id="{1BA8AE67-8B32-3903-4A07-969D7CC4CE5B}"/>
+              </a:ext>
+            </a:extLst>
+          </p:cNvPr>
+          <p:cNvSpPr/>
+          <p:nvPr/>
+        </p:nvSpPr>
+        <p:spPr>
+          <a:xfrm flipV="1">
+            <a:off x="1795197" y="2836889"/>
+            <a:ext cx="919255" cy="1184222"/>
+          </a:xfrm>
+          <a:prstGeom prst="foldedCorner">
+            <a:avLst/>
+          </a:prstGeom>
+        </p:spPr>
+        <p:style>
+          <a:lnRef idx="2">
+            <a:schemeClr val="dk1"/>
+          </a:lnRef>
+          <a:fillRef idx="1">
+            <a:schemeClr val="lt1"/>
+          </a:fillRef>
+          <a:effectRef idx="0">
+            <a:schemeClr val="dk1"/>
+          </a:effectRef>
+          <a:fontRef idx="minor">
+            <a:schemeClr val="dk1"/>
+          </a:fontRef>
+        </p:style>
+        <p:txBody>
+          <a:bodyPr rtlCol="0" anchor="ctr"/>
+          <a:lstStyle/>
+          <a:p>
+            <a:pPr algn="ctr"/>
+            <a:endParaRPr kumimoji="1" lang="ja-JP" altLang="en-US"/>
+          </a:p>
+        </p:txBody>
+      </p:sp>
+      <p:sp>
+        <p:nvSpPr>
+          <p:cNvPr id="9" name="円柱 8">
+            <a:extLst>
+              <a:ext uri="{FF2B5EF4-FFF2-40B4-BE49-F238E27FC236}">
+                <a16:creationId xmlns:a16="http://schemas.microsoft.com/office/drawing/2014/main" id="{669A87DE-DF8E-A7A7-AC67-771CBE5053D6}"/>
+              </a:ext>
+            </a:extLst>
+          </p:cNvPr>
+          <p:cNvSpPr/>
+          <p:nvPr/>
+        </p:nvSpPr>
+        <p:spPr>
+          <a:xfrm>
+            <a:off x="4991027" y="3097780"/>
+            <a:ext cx="1581464" cy="923331"/>
+          </a:xfrm>
+          <a:prstGeom prst="can">
+            <a:avLst/>
+          </a:prstGeom>
+          <a:ln/>
+        </p:spPr>
+        <p:style>
+          <a:lnRef idx="2">
+            <a:schemeClr val="accent3">
+              <a:shade val="50000"/>
+            </a:schemeClr>
+          </a:lnRef>
+          <a:fillRef idx="1">
+            <a:schemeClr val="accent3"/>
+          </a:fillRef>
+          <a:effectRef idx="0">
+            <a:schemeClr val="accent3"/>
+          </a:effectRef>
+          <a:fontRef idx="minor">
+            <a:schemeClr val="lt1"/>
+          </a:fontRef>
+        </p:style>
+        <p:txBody>
+          <a:bodyPr rtlCol="0" anchor="ctr"/>
+          <a:lstStyle/>
+          <a:p>
+            <a:pPr algn="ctr"/>
+            <a:endParaRPr kumimoji="1" lang="ja-JP" altLang="en-US"/>
+          </a:p>
+        </p:txBody>
+      </p:sp>
+      <p:sp>
+        <p:nvSpPr>
+          <p:cNvPr id="15" name="テキスト ボックス 14">
+            <a:extLst>
+              <a:ext uri="{FF2B5EF4-FFF2-40B4-BE49-F238E27FC236}">
+                <a16:creationId xmlns:a16="http://schemas.microsoft.com/office/drawing/2014/main" id="{415CE1B1-30C1-B21D-4AE6-475B87914698}"/>
+              </a:ext>
+            </a:extLst>
+          </p:cNvPr>
+          <p:cNvSpPr txBox="1"/>
+          <p:nvPr/>
+        </p:nvSpPr>
+        <p:spPr>
+          <a:xfrm>
+            <a:off x="1361714" y="4127718"/>
+            <a:ext cx="1786220" cy="1015663"/>
+          </a:xfrm>
+          <a:prstGeom prst="rect">
+            <a:avLst/>
+          </a:prstGeom>
+          <a:noFill/>
+        </p:spPr>
+        <p:txBody>
+          <a:bodyPr wrap="square" rtlCol="0">
+            <a:spAutoFit/>
+          </a:bodyPr>
+          <a:lstStyle/>
+          <a:p>
+            <a:pPr algn="ctr"/>
+            <a:r>
+              <a:rPr kumimoji="1" lang="ja-JP" altLang="en-US" sz="2000" dirty="0"/>
+              <a:t>ファイル</a:t>
+            </a:r>
+            <a:endParaRPr kumimoji="1" lang="en-US" altLang="ja-JP" sz="2000" dirty="0"/>
+          </a:p>
+          <a:p>
+            <a:pPr algn="ctr"/>
+            <a:r>
+              <a:rPr kumimoji="1" lang="en-US" altLang="ja-JP" sz="2000" dirty="0"/>
+              <a:t>or</a:t>
+            </a:r>
+          </a:p>
+          <a:p>
+            <a:pPr algn="ctr"/>
+            <a:r>
+              <a:rPr kumimoji="1" lang="ja-JP" altLang="en-US" sz="2000" dirty="0"/>
+              <a:t>ディレクトリ</a:t>
+            </a:r>
+          </a:p>
+        </p:txBody>
+      </p:sp>
+      <p:sp>
+        <p:nvSpPr>
+          <p:cNvPr id="17" name="テキスト ボックス 16">
+            <a:extLst>
+              <a:ext uri="{FF2B5EF4-FFF2-40B4-BE49-F238E27FC236}">
+                <a16:creationId xmlns:a16="http://schemas.microsoft.com/office/drawing/2014/main" id="{1D240894-E81B-8C36-683D-DD94D0DA8D92}"/>
+              </a:ext>
+            </a:extLst>
+          </p:cNvPr>
+          <p:cNvSpPr txBox="1"/>
+          <p:nvPr/>
+        </p:nvSpPr>
+        <p:spPr>
+          <a:xfrm>
+            <a:off x="5054736" y="4163758"/>
+            <a:ext cx="1454046" cy="400110"/>
+          </a:xfrm>
+          <a:prstGeom prst="rect">
+            <a:avLst/>
+          </a:prstGeom>
+          <a:noFill/>
+        </p:spPr>
+        <p:txBody>
+          <a:bodyPr wrap="square" rtlCol="0">
+            <a:spAutoFit/>
+          </a:bodyPr>
+          <a:lstStyle/>
+          <a:p>
+            <a:pPr algn="ctr"/>
+            <a:r>
+              <a:rPr kumimoji="1" lang="ja-JP" altLang="en-US" sz="2000" dirty="0"/>
+              <a:t>リポジトリ</a:t>
+            </a:r>
+          </a:p>
+        </p:txBody>
+      </p:sp>
+      <p:sp>
+        <p:nvSpPr>
+          <p:cNvPr id="22" name="円柱 21">
+            <a:extLst>
+              <a:ext uri="{FF2B5EF4-FFF2-40B4-BE49-F238E27FC236}">
+                <a16:creationId xmlns:a16="http://schemas.microsoft.com/office/drawing/2014/main" id="{B4879030-E0C2-EC25-F071-815906522883}"/>
+              </a:ext>
+            </a:extLst>
+          </p:cNvPr>
+          <p:cNvSpPr/>
+          <p:nvPr/>
+        </p:nvSpPr>
+        <p:spPr>
+          <a:xfrm>
+            <a:off x="8898907" y="3097780"/>
+            <a:ext cx="1581464" cy="923331"/>
+          </a:xfrm>
+          <a:prstGeom prst="can">
+            <a:avLst/>
+          </a:prstGeom>
+          <a:ln/>
+        </p:spPr>
+        <p:style>
+          <a:lnRef idx="2">
+            <a:schemeClr val="accent6">
+              <a:shade val="50000"/>
+            </a:schemeClr>
+          </a:lnRef>
+          <a:fillRef idx="1">
+            <a:schemeClr val="accent6"/>
+          </a:fillRef>
+          <a:effectRef idx="0">
+            <a:schemeClr val="accent6"/>
+          </a:effectRef>
+          <a:fontRef idx="minor">
+            <a:schemeClr val="lt1"/>
+          </a:fontRef>
+        </p:style>
+        <p:txBody>
+          <a:bodyPr rtlCol="0" anchor="ctr"/>
+          <a:lstStyle/>
+          <a:p>
+            <a:pPr algn="ctr"/>
+            <a:endParaRPr kumimoji="1" lang="ja-JP" altLang="en-US"/>
+          </a:p>
+        </p:txBody>
+      </p:sp>
+      <p:sp>
+        <p:nvSpPr>
+          <p:cNvPr id="23" name="テキスト ボックス 22">
+            <a:extLst>
+              <a:ext uri="{FF2B5EF4-FFF2-40B4-BE49-F238E27FC236}">
+                <a16:creationId xmlns:a16="http://schemas.microsoft.com/office/drawing/2014/main" id="{745D1316-C6C4-ED77-871C-732A61BD58CC}"/>
+              </a:ext>
+            </a:extLst>
+          </p:cNvPr>
+          <p:cNvSpPr txBox="1"/>
+          <p:nvPr/>
+        </p:nvSpPr>
+        <p:spPr>
+          <a:xfrm>
+            <a:off x="8962616" y="4148768"/>
+            <a:ext cx="1454046" cy="707886"/>
+          </a:xfrm>
+          <a:prstGeom prst="rect">
+            <a:avLst/>
+          </a:prstGeom>
+          <a:noFill/>
+        </p:spPr>
+        <p:txBody>
+          <a:bodyPr wrap="square" rtlCol="0">
+            <a:spAutoFit/>
+          </a:bodyPr>
+          <a:lstStyle/>
+          <a:p>
+            <a:pPr algn="ctr"/>
+            <a:r>
+              <a:rPr kumimoji="1" lang="ja-JP" altLang="en-US" sz="2000" dirty="0"/>
+              <a:t>リモート</a:t>
+            </a:r>
+            <a:endParaRPr kumimoji="1" lang="en-US" altLang="ja-JP" sz="2000" dirty="0"/>
+          </a:p>
+          <a:p>
+            <a:pPr algn="ctr"/>
+            <a:r>
+              <a:rPr kumimoji="1" lang="ja-JP" altLang="en-US" sz="2000" dirty="0"/>
+              <a:t>リポジトリ</a:t>
+            </a:r>
+          </a:p>
+        </p:txBody>
+      </p:sp>
+      <p:cxnSp>
+        <p:nvCxnSpPr>
+          <p:cNvPr id="25" name="直線矢印コネクタ 24">
+            <a:extLst>
+              <a:ext uri="{FF2B5EF4-FFF2-40B4-BE49-F238E27FC236}">
+                <a16:creationId xmlns:a16="http://schemas.microsoft.com/office/drawing/2014/main" id="{AA6A3FDA-8A09-64B5-3D83-9969F7EFEA2A}"/>
+              </a:ext>
+            </a:extLst>
+          </p:cNvPr>
+          <p:cNvCxnSpPr>
+            <a:cxnSpLocks/>
+          </p:cNvCxnSpPr>
+          <p:nvPr/>
+        </p:nvCxnSpPr>
+        <p:spPr>
+          <a:xfrm>
+            <a:off x="3000585" y="3597639"/>
+            <a:ext cx="1811258" cy="0"/>
+          </a:xfrm>
+          <a:prstGeom prst="straightConnector1">
+            <a:avLst/>
+          </a:prstGeom>
+          <a:ln w="57150">
+            <a:solidFill>
+              <a:schemeClr val="accent5"/>
+            </a:solidFill>
+            <a:tailEnd type="triangle"/>
+          </a:ln>
+        </p:spPr>
+        <p:style>
+          <a:lnRef idx="1">
+            <a:schemeClr val="accent1"/>
+          </a:lnRef>
+          <a:fillRef idx="0">
+            <a:schemeClr val="accent1"/>
+          </a:fillRef>
+          <a:effectRef idx="0">
+            <a:schemeClr val="accent1"/>
+          </a:effectRef>
+          <a:fontRef idx="minor">
+            <a:schemeClr val="tx1"/>
+          </a:fontRef>
+        </p:style>
+      </p:cxnSp>
+      <p:cxnSp>
+        <p:nvCxnSpPr>
+          <p:cNvPr id="26" name="直線矢印コネクタ 25">
+            <a:extLst>
+              <a:ext uri="{FF2B5EF4-FFF2-40B4-BE49-F238E27FC236}">
+                <a16:creationId xmlns:a16="http://schemas.microsoft.com/office/drawing/2014/main" id="{BA7E0D19-CBB2-3139-EFC3-0A454937F09F}"/>
+              </a:ext>
+            </a:extLst>
+          </p:cNvPr>
+          <p:cNvCxnSpPr>
+            <a:cxnSpLocks/>
+          </p:cNvCxnSpPr>
+          <p:nvPr/>
+        </p:nvCxnSpPr>
+        <p:spPr>
+          <a:xfrm>
+            <a:off x="6760564" y="3597639"/>
+            <a:ext cx="1963711" cy="0"/>
+          </a:xfrm>
+          <a:prstGeom prst="straightConnector1">
+            <a:avLst/>
+          </a:prstGeom>
+          <a:ln w="57150">
+            <a:solidFill>
+              <a:schemeClr val="accent5"/>
+            </a:solidFill>
+            <a:tailEnd type="triangle"/>
+          </a:ln>
+        </p:spPr>
+        <p:style>
+          <a:lnRef idx="1">
+            <a:schemeClr val="accent1"/>
+          </a:lnRef>
+          <a:fillRef idx="0">
+            <a:schemeClr val="accent1"/>
+          </a:fillRef>
+          <a:effectRef idx="0">
+            <a:schemeClr val="accent1"/>
+          </a:effectRef>
+          <a:fontRef idx="minor">
+            <a:schemeClr val="tx1"/>
+          </a:fontRef>
+        </p:style>
+      </p:cxnSp>
+      <p:sp>
+        <p:nvSpPr>
+          <p:cNvPr id="30" name="テキスト ボックス 29">
+            <a:extLst>
+              <a:ext uri="{FF2B5EF4-FFF2-40B4-BE49-F238E27FC236}">
+                <a16:creationId xmlns:a16="http://schemas.microsoft.com/office/drawing/2014/main" id="{0E6254B6-3854-4A15-6F84-B8D2034CCF11}"/>
+              </a:ext>
+            </a:extLst>
+          </p:cNvPr>
+          <p:cNvSpPr txBox="1"/>
+          <p:nvPr/>
+        </p:nvSpPr>
+        <p:spPr>
+          <a:xfrm>
+            <a:off x="2997462" y="3189994"/>
+            <a:ext cx="1454046" cy="400110"/>
+          </a:xfrm>
+          <a:prstGeom prst="rect">
+            <a:avLst/>
+          </a:prstGeom>
+          <a:noFill/>
+        </p:spPr>
+        <p:txBody>
+          <a:bodyPr wrap="square" rtlCol="0">
+            <a:spAutoFit/>
+          </a:bodyPr>
+          <a:lstStyle/>
+          <a:p>
+            <a:pPr algn="ctr"/>
+            <a:r>
+              <a:rPr kumimoji="1" lang="ja-JP" altLang="en-US" sz="2000" b="1" dirty="0">
+                <a:solidFill>
+                  <a:schemeClr val="accent5"/>
+                </a:solidFill>
+              </a:rPr>
+              <a:t>コミット</a:t>
+            </a:r>
+          </a:p>
+        </p:txBody>
+      </p:sp>
+      <p:sp>
+        <p:nvSpPr>
+          <p:cNvPr id="31" name="テキスト ボックス 30">
+            <a:extLst>
+              <a:ext uri="{FF2B5EF4-FFF2-40B4-BE49-F238E27FC236}">
+                <a16:creationId xmlns:a16="http://schemas.microsoft.com/office/drawing/2014/main" id="{604BD8BA-3EA1-FF6C-3826-CE13BB078F3F}"/>
+              </a:ext>
+            </a:extLst>
+          </p:cNvPr>
+          <p:cNvSpPr txBox="1"/>
+          <p:nvPr/>
+        </p:nvSpPr>
+        <p:spPr>
+          <a:xfrm>
+            <a:off x="6840385" y="3189994"/>
+            <a:ext cx="1454046" cy="400110"/>
+          </a:xfrm>
+          <a:prstGeom prst="rect">
+            <a:avLst/>
+          </a:prstGeom>
+          <a:noFill/>
+        </p:spPr>
+        <p:txBody>
+          <a:bodyPr wrap="square" rtlCol="0">
+            <a:spAutoFit/>
+          </a:bodyPr>
+          <a:lstStyle/>
+          <a:p>
+            <a:pPr algn="ctr"/>
+            <a:r>
+              <a:rPr kumimoji="1" lang="ja-JP" altLang="en-US" sz="2000" b="1" dirty="0">
+                <a:solidFill>
+                  <a:schemeClr val="accent5"/>
+                </a:solidFill>
+              </a:rPr>
+              <a:t>プッシュ</a:t>
+            </a:r>
+          </a:p>
+        </p:txBody>
+      </p:sp>
+      <p:sp>
+        <p:nvSpPr>
+          <p:cNvPr id="33" name="テキスト ボックス 32">
+            <a:extLst>
+              <a:ext uri="{FF2B5EF4-FFF2-40B4-BE49-F238E27FC236}">
+                <a16:creationId xmlns:a16="http://schemas.microsoft.com/office/drawing/2014/main" id="{2D6B9983-1AAA-139D-AC4A-EE326C888F17}"/>
+              </a:ext>
+            </a:extLst>
+          </p:cNvPr>
+          <p:cNvSpPr txBox="1"/>
+          <p:nvPr/>
+        </p:nvSpPr>
+        <p:spPr>
+          <a:xfrm>
+            <a:off x="8898907" y="5958830"/>
+            <a:ext cx="1454046" cy="400110"/>
+          </a:xfrm>
+          <a:prstGeom prst="rect">
+            <a:avLst/>
+          </a:prstGeom>
+          <a:noFill/>
+        </p:spPr>
+        <p:txBody>
+          <a:bodyPr wrap="square" rtlCol="0">
+            <a:spAutoFit/>
+          </a:bodyPr>
+          <a:lstStyle/>
+          <a:p>
+            <a:pPr algn="ctr"/>
+            <a:r>
+              <a:rPr kumimoji="1" lang="ja-JP" altLang="en-US" sz="2000" dirty="0"/>
+              <a:t>クラウド</a:t>
+            </a:r>
+          </a:p>
+        </p:txBody>
+      </p:sp>
+      <p:sp>
+        <p:nvSpPr>
+          <p:cNvPr id="36" name="テキスト ボックス 35">
+            <a:extLst>
+              <a:ext uri="{FF2B5EF4-FFF2-40B4-BE49-F238E27FC236}">
+                <a16:creationId xmlns:a16="http://schemas.microsoft.com/office/drawing/2014/main" id="{C1C3475B-E7D2-22F6-F34A-661165CCBD09}"/>
+              </a:ext>
+            </a:extLst>
+          </p:cNvPr>
+          <p:cNvSpPr txBox="1"/>
+          <p:nvPr/>
+        </p:nvSpPr>
+        <p:spPr>
+          <a:xfrm>
+            <a:off x="3179191" y="1139295"/>
+            <a:ext cx="1454046" cy="584775"/>
+          </a:xfrm>
+          <a:prstGeom prst="rect">
+            <a:avLst/>
+          </a:prstGeom>
+          <a:noFill/>
+        </p:spPr>
+        <p:txBody>
+          <a:bodyPr wrap="square" rtlCol="0">
+            <a:spAutoFit/>
+          </a:bodyPr>
+          <a:lstStyle>
+            <a:defPPr>
+              <a:defRPr lang="en-US"/>
+            </a:defPPr>
+            <a:lvl1pPr algn="ctr">
+              <a:defRPr kumimoji="1" sz="3200" b="1">
+                <a:solidFill>
+                  <a:schemeClr val="accent3">
+                    <a:lumMod val="75000"/>
+                  </a:schemeClr>
+                </a:solidFill>
+              </a:defRPr>
+            </a:lvl1pPr>
+          </a:lstStyle>
+          <a:p>
+            <a:r>
+              <a:rPr lang="en-US" altLang="ja-JP" dirty="0"/>
+              <a:t>Git</a:t>
+            </a:r>
+            <a:endParaRPr lang="ja-JP" altLang="en-US" dirty="0"/>
+          </a:p>
+        </p:txBody>
+      </p:sp>
+      <p:sp>
+        <p:nvSpPr>
+          <p:cNvPr id="37" name="テキスト ボックス 36">
+            <a:extLst>
+              <a:ext uri="{FF2B5EF4-FFF2-40B4-BE49-F238E27FC236}">
+                <a16:creationId xmlns:a16="http://schemas.microsoft.com/office/drawing/2014/main" id="{2451EEE1-A5A0-20FA-6C95-8B8AD7F1140A}"/>
+              </a:ext>
+            </a:extLst>
+          </p:cNvPr>
+          <p:cNvSpPr txBox="1"/>
+          <p:nvPr/>
+        </p:nvSpPr>
+        <p:spPr>
+          <a:xfrm>
+            <a:off x="8701091" y="1139295"/>
+            <a:ext cx="2031866" cy="584775"/>
+          </a:xfrm>
+          <a:prstGeom prst="rect">
+            <a:avLst/>
+          </a:prstGeom>
+          <a:noFill/>
+        </p:spPr>
+        <p:txBody>
+          <a:bodyPr wrap="square" rtlCol="0">
+            <a:spAutoFit/>
+          </a:bodyPr>
+          <a:lstStyle/>
+          <a:p>
+            <a:pPr algn="ctr"/>
+            <a:r>
+              <a:rPr kumimoji="1" lang="en-US" altLang="ja-JP" sz="3200" b="1" dirty="0">
+                <a:solidFill>
+                  <a:schemeClr val="accent6">
+                    <a:lumMod val="75000"/>
+                  </a:schemeClr>
+                </a:solidFill>
+              </a:rPr>
+              <a:t>Git Hub</a:t>
+            </a:r>
+            <a:endParaRPr kumimoji="1" lang="ja-JP" altLang="en-US" sz="3200" b="1" dirty="0">
+              <a:solidFill>
+                <a:schemeClr val="accent6">
+                  <a:lumMod val="75000"/>
+                </a:schemeClr>
+              </a:solidFill>
+            </a:endParaRPr>
+          </a:p>
+        </p:txBody>
+      </p:sp>
+    </p:spTree>
+    <p:extLst>
+      <p:ext uri="{BB962C8B-B14F-4D97-AF65-F5344CB8AC3E}">
+        <p14:creationId xmlns:p14="http://schemas.microsoft.com/office/powerpoint/2010/main" val="2365087779"/>
+      </p:ext>
+    </p:extLst>
+  </p:cSld>
+  <p:clrMapOvr>
+    <a:masterClrMapping/>
+  </p:clrMapOvr>
+</p:sld>
+</file>
+
 <file path=ppt/slides/slide2.xml><?xml version="1.0" encoding="utf-8"?>
 <p:sld xmlns:a="http://schemas.openxmlformats.org/drawingml/2006/main" xmlns:r="http://schemas.openxmlformats.org/officeDocument/2006/relationships" xmlns:p="http://schemas.openxmlformats.org/presentationml/2006/main">
   <p:cSld>
@@ -8938,4 +13043,299 @@
     </a:ext>
   </a:extLst>
 </a:theme>
+</file>
+
+<file path=ppt/theme/theme2.xml><?xml version="1.0" encoding="utf-8"?>
+<a:theme xmlns:a="http://schemas.openxmlformats.org/drawingml/2006/main" name="Office テーマ">
+  <a:themeElements>
+    <a:clrScheme name="Office">
+      <a:dk1>
+        <a:sysClr val="windowText" lastClr="000000"/>
+      </a:dk1>
+      <a:lt1>
+        <a:sysClr val="window" lastClr="FFFFFF"/>
+      </a:lt1>
+      <a:dk2>
+        <a:srgbClr val="44546A"/>
+      </a:dk2>
+      <a:lt2>
+        <a:srgbClr val="E7E6E6"/>
+      </a:lt2>
+      <a:accent1>
+        <a:srgbClr val="4472C4"/>
+      </a:accent1>
+      <a:accent2>
+        <a:srgbClr val="ED7D31"/>
+      </a:accent2>
+      <a:accent3>
+        <a:srgbClr val="A5A5A5"/>
+      </a:accent3>
+      <a:accent4>
+        <a:srgbClr val="FFC000"/>
+      </a:accent4>
+      <a:accent5>
+        <a:srgbClr val="5B9BD5"/>
+      </a:accent5>
+      <a:accent6>
+        <a:srgbClr val="70AD47"/>
+      </a:accent6>
+      <a:hlink>
+        <a:srgbClr val="0563C1"/>
+      </a:hlink>
+      <a:folHlink>
+        <a:srgbClr val="954F72"/>
+      </a:folHlink>
+    </a:clrScheme>
+    <a:fontScheme name="Office">
+      <a:majorFont>
+        <a:latin typeface="游ゴシック Light" panose="020F0302020204030204"/>
+        <a:ea typeface=""/>
+        <a:cs typeface=""/>
+        <a:font script="Jpan" typeface="游ゴシック Light"/>
+        <a:font script="Hang" typeface="맑은 고딕"/>
+        <a:font script="Hans" typeface="等线 Light"/>
+        <a:font script="Hant" typeface="新細明體"/>
+        <a:font script="Arab" typeface="Times New Roman"/>
+        <a:font script="Hebr" typeface="Times New Roman"/>
+        <a:font script="Thai" typeface="Angsana New"/>
+        <a:font script="Ethi" typeface="Nyala"/>
+        <a:font script="Beng" typeface="Vrinda"/>
+        <a:font script="Gujr" typeface="Shruti"/>
+        <a:font script="Khmr" typeface="MoolBoran"/>
+        <a:font script="Knda" typeface="Tunga"/>
+        <a:font script="Guru" typeface="Raavi"/>
+        <a:font script="Cans" typeface="Euphemia"/>
+        <a:font script="Cher" typeface="Plantagenet Cherokee"/>
+        <a:font script="Yiii" typeface="Microsoft Yi Baiti"/>
+        <a:font script="Tibt" typeface="Microsoft Himalaya"/>
+        <a:font script="Thaa" typeface="MV Boli"/>
+        <a:font script="Deva" typeface="Mangal"/>
+        <a:font script="Telu" typeface="Gautami"/>
+        <a:font script="Taml" typeface="Latha"/>
+        <a:font script="Syrc" typeface="Estrangelo Edessa"/>
+        <a:font script="Orya" typeface="Kalinga"/>
+        <a:font script="Mlym" typeface="Kartika"/>
+        <a:font script="Laoo" typeface="DokChampa"/>
+        <a:font script="Sinh" typeface="Iskoola Pota"/>
+        <a:font script="Mong" typeface="Mongolian Baiti"/>
+        <a:font script="Viet" typeface="Times New Roman"/>
+        <a:font script="Uigh" typeface="Microsoft Uighur"/>
+        <a:font script="Geor" typeface="Sylfaen"/>
+        <a:font script="Armn" typeface="Arial"/>
+        <a:font script="Bugi" typeface="Leelawadee UI"/>
+        <a:font script="Bopo" typeface="Microsoft JhengHei"/>
+        <a:font script="Java" typeface="Javanese Text"/>
+        <a:font script="Lisu" typeface="Segoe UI"/>
+        <a:font script="Mymr" typeface="Myanmar Text"/>
+        <a:font script="Nkoo" typeface="Ebrima"/>
+        <a:font script="Olck" typeface="Nirmala UI"/>
+        <a:font script="Osma" typeface="Ebrima"/>
+        <a:font script="Phag" typeface="Phagspa"/>
+        <a:font script="Syrn" typeface="Estrangelo Edessa"/>
+        <a:font script="Syrj" typeface="Estrangelo Edessa"/>
+        <a:font script="Syre" typeface="Estrangelo Edessa"/>
+        <a:font script="Sora" typeface="Nirmala UI"/>
+        <a:font script="Tale" typeface="Microsoft Tai Le"/>
+        <a:font script="Talu" typeface="Microsoft New Tai Lue"/>
+        <a:font script="Tfng" typeface="Ebrima"/>
+      </a:majorFont>
+      <a:minorFont>
+        <a:latin typeface="游ゴシック" panose="020F0502020204030204"/>
+        <a:ea typeface=""/>
+        <a:cs typeface=""/>
+        <a:font script="Jpan" typeface="游ゴシック"/>
+        <a:font script="Hang" typeface="맑은 고딕"/>
+        <a:font script="Hans" typeface="等线"/>
+        <a:font script="Hant" typeface="新細明體"/>
+        <a:font script="Arab" typeface="Arial"/>
+        <a:font script="Hebr" typeface="Arial"/>
+        <a:font script="Thai" typeface="Cordia New"/>
+        <a:font script="Ethi" typeface="Nyala"/>
+        <a:font script="Beng" typeface="Vrinda"/>
+        <a:font script="Gujr" typeface="Shruti"/>
+        <a:font script="Khmr" typeface="DaunPenh"/>
+        <a:font script="Knda" typeface="Tunga"/>
+        <a:font script="Guru" typeface="Raavi"/>
+        <a:font script="Cans" typeface="Euphemia"/>
+        <a:font script="Cher" typeface="Plantagenet Cherokee"/>
+        <a:font script="Yiii" typeface="Microsoft Yi Baiti"/>
+        <a:font script="Tibt" typeface="Microsoft Himalaya"/>
+        <a:font script="Thaa" typeface="MV Boli"/>
+        <a:font script="Deva" typeface="Mangal"/>
+        <a:font script="Telu" typeface="Gautami"/>
+        <a:font script="Taml" typeface="Latha"/>
+        <a:font script="Syrc" typeface="Estrangelo Edessa"/>
+        <a:font script="Orya" typeface="Kalinga"/>
+        <a:font script="Mlym" typeface="Kartika"/>
+        <a:font script="Laoo" typeface="DokChampa"/>
+        <a:font script="Sinh" typeface="Iskoola Pota"/>
+        <a:font script="Mong" typeface="Mongolian Baiti"/>
+        <a:font script="Viet" typeface="Arial"/>
+        <a:font script="Uigh" typeface="Microsoft Uighur"/>
+        <a:font script="Geor" typeface="Sylfaen"/>
+        <a:font script="Armn" typeface="Arial"/>
+        <a:font script="Bugi" typeface="Leelawadee UI"/>
+        <a:font script="Bopo" typeface="Microsoft JhengHei"/>
+        <a:font script="Java" typeface="Javanese Text"/>
+        <a:font script="Lisu" typeface="Segoe UI"/>
+        <a:font script="Mymr" typeface="Myanmar Text"/>
+        <a:font script="Nkoo" typeface="Ebrima"/>
+        <a:font script="Olck" typeface="Nirmala UI"/>
+        <a:font script="Osma" typeface="Ebrima"/>
+        <a:font script="Phag" typeface="Phagspa"/>
+        <a:font script="Syrn" typeface="Estrangelo Edessa"/>
+        <a:font script="Syrj" typeface="Estrangelo Edessa"/>
+        <a:font script="Syre" typeface="Estrangelo Edessa"/>
+        <a:font script="Sora" typeface="Nirmala UI"/>
+        <a:font script="Tale" typeface="Microsoft Tai Le"/>
+        <a:font script="Talu" typeface="Microsoft New Tai Lue"/>
+        <a:font script="Tfng" typeface="Ebrima"/>
+      </a:minorFont>
+    </a:fontScheme>
+    <a:fmtScheme name="Office">
+      <a:fillStyleLst>
+        <a:solidFill>
+          <a:schemeClr val="phClr"/>
+        </a:solidFill>
+        <a:gradFill rotWithShape="1">
+          <a:gsLst>
+            <a:gs pos="0">
+              <a:schemeClr val="phClr">
+                <a:lumMod val="110000"/>
+                <a:satMod val="105000"/>
+                <a:tint val="67000"/>
+              </a:schemeClr>
+            </a:gs>
+            <a:gs pos="50000">
+              <a:schemeClr val="phClr">
+                <a:lumMod val="105000"/>
+                <a:satMod val="103000"/>
+                <a:tint val="73000"/>
+              </a:schemeClr>
+            </a:gs>
+            <a:gs pos="100000">
+              <a:schemeClr val="phClr">
+                <a:lumMod val="105000"/>
+                <a:satMod val="109000"/>
+                <a:tint val="81000"/>
+              </a:schemeClr>
+            </a:gs>
+          </a:gsLst>
+          <a:lin ang="5400000" scaled="0"/>
+        </a:gradFill>
+        <a:gradFill rotWithShape="1">
+          <a:gsLst>
+            <a:gs pos="0">
+              <a:schemeClr val="phClr">
+                <a:satMod val="103000"/>
+                <a:lumMod val="102000"/>
+                <a:tint val="94000"/>
+              </a:schemeClr>
+            </a:gs>
+            <a:gs pos="50000">
+              <a:schemeClr val="phClr">
+                <a:satMod val="110000"/>
+                <a:lumMod val="100000"/>
+                <a:shade val="100000"/>
+              </a:schemeClr>
+            </a:gs>
+            <a:gs pos="100000">
+              <a:schemeClr val="phClr">
+                <a:lumMod val="99000"/>
+                <a:satMod val="120000"/>
+                <a:shade val="78000"/>
+              </a:schemeClr>
+            </a:gs>
+          </a:gsLst>
+          <a:lin ang="5400000" scaled="0"/>
+        </a:gradFill>
+      </a:fillStyleLst>
+      <a:lnStyleLst>
+        <a:ln w="6350" cap="flat" cmpd="sng" algn="ctr">
+          <a:solidFill>
+            <a:schemeClr val="phClr"/>
+          </a:solidFill>
+          <a:prstDash val="solid"/>
+          <a:miter lim="800000"/>
+        </a:ln>
+        <a:ln w="12700" cap="flat" cmpd="sng" algn="ctr">
+          <a:solidFill>
+            <a:schemeClr val="phClr"/>
+          </a:solidFill>
+          <a:prstDash val="solid"/>
+          <a:miter lim="800000"/>
+        </a:ln>
+        <a:ln w="19050" cap="flat" cmpd="sng" algn="ctr">
+          <a:solidFill>
+            <a:schemeClr val="phClr"/>
+          </a:solidFill>
+          <a:prstDash val="solid"/>
+          <a:miter lim="800000"/>
+        </a:ln>
+      </a:lnStyleLst>
+      <a:effectStyleLst>
+        <a:effectStyle>
+          <a:effectLst/>
+        </a:effectStyle>
+        <a:effectStyle>
+          <a:effectLst/>
+        </a:effectStyle>
+        <a:effectStyle>
+          <a:effectLst>
+            <a:outerShdw blurRad="57150" dist="19050" dir="5400000" algn="ctr" rotWithShape="0">
+              <a:srgbClr val="000000">
+                <a:alpha val="63000"/>
+              </a:srgbClr>
+            </a:outerShdw>
+          </a:effectLst>
+        </a:effectStyle>
+      </a:effectStyleLst>
+      <a:bgFillStyleLst>
+        <a:solidFill>
+          <a:schemeClr val="phClr"/>
+        </a:solidFill>
+        <a:solidFill>
+          <a:schemeClr val="phClr">
+            <a:tint val="95000"/>
+            <a:satMod val="170000"/>
+          </a:schemeClr>
+        </a:solidFill>
+        <a:gradFill rotWithShape="1">
+          <a:gsLst>
+            <a:gs pos="0">
+              <a:schemeClr val="phClr">
+                <a:tint val="93000"/>
+                <a:satMod val="150000"/>
+                <a:shade val="98000"/>
+                <a:lumMod val="102000"/>
+              </a:schemeClr>
+            </a:gs>
+            <a:gs pos="50000">
+              <a:schemeClr val="phClr">
+                <a:tint val="98000"/>
+                <a:satMod val="130000"/>
+                <a:shade val="90000"/>
+                <a:lumMod val="103000"/>
+              </a:schemeClr>
+            </a:gs>
+            <a:gs pos="100000">
+              <a:schemeClr val="phClr">
+                <a:shade val="63000"/>
+                <a:satMod val="120000"/>
+              </a:schemeClr>
+            </a:gs>
+          </a:gsLst>
+          <a:lin ang="5400000" scaled="0"/>
+        </a:gradFill>
+      </a:bgFillStyleLst>
+    </a:fmtScheme>
+  </a:themeElements>
+  <a:objectDefaults/>
+  <a:extraClrSchemeLst/>
+  <a:extLst>
+    <a:ext uri="{05A4C25C-085E-4340-85A3-A5531E510DB2}">
+      <thm15:themeFamily xmlns:thm15="http://schemas.microsoft.com/office/thememl/2012/main" name="Office Theme" id="{62F939B6-93AF-4DB8-9C6B-D6C7DFDC589F}" vid="{4A3C46E8-61CC-4603-A589-7422A47A8E4A}"/>
+    </a:ext>
+  </a:extLst>
+</a:theme>
 </file>
--- a/gitについて_松家.pptx
+++ b/gitについて_松家.pptx
@@ -5,7 +5,7 @@
     <p:sldMasterId id="2147483660" r:id="rId1"/>
   </p:sldMasterIdLst>
   <p:notesMasterIdLst>
-    <p:notesMasterId r:id="rId20"/>
+    <p:notesMasterId r:id="rId22"/>
   </p:notesMasterIdLst>
   <p:sldIdLst>
     <p:sldId id="256" r:id="rId2"/>
@@ -26,6 +26,8 @@
     <p:sldId id="275" r:id="rId17"/>
     <p:sldId id="277" r:id="rId18"/>
     <p:sldId id="276" r:id="rId19"/>
+    <p:sldId id="278" r:id="rId20"/>
+    <p:sldId id="279" r:id="rId21"/>
   </p:sldIdLst>
   <p:sldSz cx="12192000" cy="6858000"/>
   <p:notesSz cx="6858000" cy="9144000"/>
@@ -588,6 +590,90 @@
     <p:extLst>
       <p:ext uri="{BB962C8B-B14F-4D97-AF65-F5344CB8AC3E}">
         <p14:creationId xmlns:p14="http://schemas.microsoft.com/office/powerpoint/2010/main" val="1534072440"/>
+      </p:ext>
+    </p:extLst>
+  </p:cSld>
+  <p:clrMapOvr>
+    <a:masterClrMapping/>
+  </p:clrMapOvr>
+</p:notes>
+</file>
+
+<file path=ppt/notesSlides/notesSlide2.xml><?xml version="1.0" encoding="utf-8"?>
+<p:notes xmlns:a="http://schemas.openxmlformats.org/drawingml/2006/main" xmlns:r="http://schemas.openxmlformats.org/officeDocument/2006/relationships" xmlns:p="http://schemas.openxmlformats.org/presentationml/2006/main">
+  <p:cSld>
+    <p:spTree>
+      <p:nvGrpSpPr>
+        <p:cNvPr id="1" name=""/>
+        <p:cNvGrpSpPr/>
+        <p:nvPr/>
+      </p:nvGrpSpPr>
+      <p:grpSpPr>
+        <a:xfrm>
+          <a:off x="0" y="0"/>
+          <a:ext cx="0" cy="0"/>
+          <a:chOff x="0" y="0"/>
+          <a:chExt cx="0" cy="0"/>
+        </a:xfrm>
+      </p:grpSpPr>
+      <p:sp>
+        <p:nvSpPr>
+          <p:cNvPr id="2" name="スライド イメージ プレースホルダー 1"/>
+          <p:cNvSpPr>
+            <a:spLocks noGrp="1" noRot="1" noChangeAspect="1"/>
+          </p:cNvSpPr>
+          <p:nvPr>
+            <p:ph type="sldImg"/>
+          </p:nvPr>
+        </p:nvSpPr>
+        <p:spPr/>
+      </p:sp>
+      <p:sp>
+        <p:nvSpPr>
+          <p:cNvPr id="3" name="ノート プレースホルダー 2"/>
+          <p:cNvSpPr>
+            <a:spLocks noGrp="1"/>
+          </p:cNvSpPr>
+          <p:nvPr>
+            <p:ph type="body" idx="1"/>
+          </p:nvPr>
+        </p:nvSpPr>
+        <p:spPr/>
+        <p:txBody>
+          <a:bodyPr/>
+          <a:lstStyle/>
+          <a:p>
+            <a:endParaRPr kumimoji="1" lang="en-US" altLang="ja-JP" dirty="0"/>
+          </a:p>
+        </p:txBody>
+      </p:sp>
+      <p:sp>
+        <p:nvSpPr>
+          <p:cNvPr id="4" name="スライド番号プレースホルダー 3"/>
+          <p:cNvSpPr>
+            <a:spLocks noGrp="1"/>
+          </p:cNvSpPr>
+          <p:nvPr>
+            <p:ph type="sldNum" sz="quarter" idx="5"/>
+          </p:nvPr>
+        </p:nvSpPr>
+        <p:spPr/>
+        <p:txBody>
+          <a:bodyPr/>
+          <a:lstStyle/>
+          <a:p>
+            <a:fld id="{41436B96-20CB-4457-A9A8-4BAF8B6D0582}" type="slidenum">
+              <a:rPr kumimoji="1" lang="ja-JP" altLang="en-US" smtClean="0"/>
+              <a:t>19</a:t>
+            </a:fld>
+            <a:endParaRPr kumimoji="1" lang="ja-JP" altLang="en-US"/>
+          </a:p>
+        </p:txBody>
+      </p:sp>
+    </p:spTree>
+    <p:extLst>
+      <p:ext uri="{BB962C8B-B14F-4D97-AF65-F5344CB8AC3E}">
+        <p14:creationId xmlns:p14="http://schemas.microsoft.com/office/powerpoint/2010/main" val="1689421248"/>
       </p:ext>
     </p:extLst>
   </p:cSld>
@@ -15419,221 +15505,264 @@
           </a:bodyPr>
           <a:lstStyle/>
           <a:p>
-            <a:pPr marL="457200" indent="-457200">
+            <a:pPr marL="0" indent="0">
+              <a:buNone/>
+            </a:pPr>
+            <a:r>
+              <a:rPr lang="ja-JP" altLang="en-US" sz="2400" dirty="0">
+                <a:solidFill>
+                  <a:schemeClr val="tx1"/>
+                </a:solidFill>
+              </a:rPr>
+              <a:t>以下のコマンドを実行し、下の画像のようになれば成功</a:t>
+            </a:r>
+            <a:endParaRPr lang="en-US" altLang="ja-JP" sz="2400" dirty="0">
+              <a:solidFill>
+                <a:schemeClr val="tx1"/>
+              </a:solidFill>
+            </a:endParaRPr>
+          </a:p>
+          <a:p>
+            <a:pPr marL="914400" lvl="1" indent="-457200">
               <a:buFont typeface="+mj-lt"/>
               <a:buAutoNum type="arabicPeriod"/>
             </a:pPr>
             <a:r>
-              <a:rPr lang="ja-JP" altLang="en-US" sz="2400" dirty="0"/>
-              <a:t>以下のコマンドを入力し、画像のようになれば成功</a:t>
-            </a:r>
-            <a:endParaRPr lang="sv-SE" altLang="ja-JP" sz="2400" dirty="0"/>
-          </a:p>
-          <a:p>
-            <a:pPr lvl="1">
-              <a:buFont typeface="Arial" panose="020B0604020202020204" pitchFamily="34" charset="0"/>
-              <a:buChar char="•"/>
-            </a:pPr>
-            <a:r>
-              <a:rPr lang="en-US" altLang="ja-JP" sz="2200" dirty="0"/>
-              <a:t>cd Desktop/</a:t>
-            </a:r>
-            <a:r>
-              <a:rPr lang="ja-JP" altLang="en-US" sz="2200" dirty="0"/>
-              <a:t>　：デスクトップにディレクトリを移動</a:t>
-            </a:r>
-            <a:br>
-              <a:rPr lang="en-US" altLang="ja-JP" sz="2200" dirty="0"/>
-            </a:br>
-            <a:r>
-              <a:rPr lang="en-US" altLang="ja-JP" sz="2200" dirty="0"/>
-              <a:t>※</a:t>
-            </a:r>
-            <a:r>
-              <a:rPr lang="ja-JP" altLang="en-US" sz="2200" dirty="0"/>
-              <a:t>エラーの場合は </a:t>
-            </a:r>
-            <a:r>
-              <a:rPr lang="en-US" altLang="ja-JP" sz="2200" dirty="0"/>
-              <a:t>cd /c/Users/</a:t>
-            </a:r>
-            <a:r>
-              <a:rPr lang="ja-JP" altLang="en-US" sz="2200" dirty="0"/>
-              <a:t>ユーザ名</a:t>
-            </a:r>
-            <a:r>
-              <a:rPr lang="en-US" altLang="ja-JP" sz="2200" dirty="0"/>
-              <a:t>/Desktop/</a:t>
-            </a:r>
-          </a:p>
-          <a:p>
-            <a:pPr marL="0" indent="0">
+              <a:rPr lang="en-US" altLang="ja-JP" sz="2400" dirty="0" err="1">
+                <a:solidFill>
+                  <a:schemeClr val="tx1"/>
+                </a:solidFill>
+              </a:rPr>
+              <a:t>mkdir</a:t>
+            </a:r>
+            <a:r>
+              <a:rPr lang="en-US" altLang="ja-JP" sz="2400" dirty="0">
+                <a:solidFill>
+                  <a:schemeClr val="tx1"/>
+                </a:solidFill>
+              </a:rPr>
+              <a:t> </a:t>
+            </a:r>
+            <a:r>
+              <a:rPr lang="en-US" altLang="ja-JP" sz="2400" dirty="0" err="1">
+                <a:solidFill>
+                  <a:schemeClr val="tx1"/>
+                </a:solidFill>
+              </a:rPr>
+              <a:t>gitbash_test</a:t>
+            </a:r>
+            <a:endParaRPr lang="en-US" altLang="ja-JP" sz="2400" dirty="0">
+              <a:solidFill>
+                <a:schemeClr val="tx1"/>
+              </a:solidFill>
+            </a:endParaRPr>
+          </a:p>
+          <a:p>
+            <a:pPr marL="1071563" lvl="2" indent="0">
               <a:buNone/>
             </a:pPr>
-            <a:endParaRPr lang="en-US" altLang="ja-JP" sz="2400" dirty="0"/>
-          </a:p>
-          <a:p>
-            <a:pPr marL="457200" indent="-457200">
+            <a:r>
+              <a:rPr lang="ja-JP" altLang="en-US" sz="2200" dirty="0">
+                <a:solidFill>
+                  <a:schemeClr val="tx1"/>
+                </a:solidFill>
+              </a:rPr>
+              <a:t>意味：ディレクトリ </a:t>
+            </a:r>
+            <a:r>
+              <a:rPr lang="en-US" altLang="ja-JP" sz="2200" dirty="0" err="1">
+                <a:solidFill>
+                  <a:schemeClr val="tx1"/>
+                </a:solidFill>
+              </a:rPr>
+              <a:t>gitbash_test</a:t>
+            </a:r>
+            <a:r>
+              <a:rPr lang="en-US" altLang="ja-JP" sz="2200" dirty="0">
+                <a:solidFill>
+                  <a:schemeClr val="tx1"/>
+                </a:solidFill>
+              </a:rPr>
+              <a:t> </a:t>
+            </a:r>
+            <a:r>
+              <a:rPr lang="ja-JP" altLang="en-US" sz="2200" dirty="0">
+                <a:solidFill>
+                  <a:schemeClr val="tx1"/>
+                </a:solidFill>
+              </a:rPr>
+              <a:t>を作成</a:t>
+            </a:r>
+            <a:br>
+              <a:rPr lang="en-US" altLang="ja-JP" sz="2200" dirty="0">
+                <a:solidFill>
+                  <a:schemeClr val="tx1"/>
+                </a:solidFill>
+              </a:rPr>
+            </a:br>
+            <a:r>
+              <a:rPr lang="ja-JP" altLang="en-US" sz="2200" dirty="0">
+                <a:solidFill>
+                  <a:schemeClr val="tx1"/>
+                </a:solidFill>
+              </a:rPr>
+              <a:t>　　 （右クリック→新規作成→フォルダー と同じ動作）</a:t>
+            </a:r>
+            <a:endParaRPr lang="en-US" altLang="ja-JP" sz="2200" dirty="0">
+              <a:solidFill>
+                <a:schemeClr val="tx1"/>
+              </a:solidFill>
+            </a:endParaRPr>
+          </a:p>
+          <a:p>
+            <a:pPr marL="914400" lvl="1" indent="-457200">
               <a:buFont typeface="+mj-lt"/>
               <a:buAutoNum type="arabicPeriod"/>
             </a:pPr>
             <a:r>
-              <a:rPr lang="ja-JP" altLang="en-US" sz="2400" dirty="0"/>
-              <a:t>以下のコマンドを入力し、画像のようになれば成功</a:t>
-            </a:r>
-            <a:endParaRPr lang="en-US" altLang="ja-JP" sz="2400" dirty="0"/>
-          </a:p>
-          <a:p>
-            <a:pPr lvl="1">
-              <a:buFont typeface="Arial" panose="020B0604020202020204" pitchFamily="34" charset="0"/>
-              <a:buChar char="•"/>
+              <a:rPr lang="en-US" altLang="ja-JP" sz="2400" dirty="0">
+                <a:solidFill>
+                  <a:schemeClr val="tx1"/>
+                </a:solidFill>
+              </a:rPr>
+              <a:t>cd </a:t>
+            </a:r>
+            <a:r>
+              <a:rPr lang="en-US" altLang="ja-JP" sz="2400" dirty="0" err="1">
+                <a:solidFill>
+                  <a:schemeClr val="tx1"/>
+                </a:solidFill>
+              </a:rPr>
+              <a:t>gitbash_test</a:t>
+            </a:r>
+            <a:r>
+              <a:rPr lang="en-US" altLang="ja-JP" sz="2400" dirty="0">
+                <a:solidFill>
+                  <a:schemeClr val="tx1"/>
+                </a:solidFill>
+              </a:rPr>
+              <a:t>/</a:t>
+            </a:r>
+          </a:p>
+          <a:p>
+            <a:pPr marL="1071563" lvl="2" indent="0">
+              <a:buNone/>
             </a:pPr>
             <a:r>
-              <a:rPr lang="en-US" altLang="ja-JP" sz="2400" dirty="0" err="1"/>
-              <a:t>mkdir</a:t>
-            </a:r>
-            <a:r>
-              <a:rPr lang="en-US" altLang="ja-JP" sz="2400" dirty="0"/>
+              <a:rPr lang="ja-JP" altLang="en-US" sz="2200" dirty="0">
+                <a:solidFill>
+                  <a:schemeClr val="tx1"/>
+                </a:solidFill>
+              </a:rPr>
+              <a:t>意味：ディレクトリ </a:t>
+            </a:r>
+            <a:r>
+              <a:rPr lang="en-US" altLang="ja-JP" sz="2200" dirty="0" err="1">
+                <a:solidFill>
+                  <a:schemeClr val="tx1"/>
+                </a:solidFill>
+              </a:rPr>
+              <a:t>gitbash_test</a:t>
+            </a:r>
+            <a:r>
+              <a:rPr lang="en-US" altLang="ja-JP" sz="2200" dirty="0">
+                <a:solidFill>
+                  <a:schemeClr val="tx1"/>
+                </a:solidFill>
+              </a:rPr>
               <a:t> </a:t>
             </a:r>
             <a:r>
-              <a:rPr lang="en-US" altLang="ja-JP" sz="2400" dirty="0" err="1"/>
+              <a:rPr lang="ja-JP" altLang="en-US" sz="2200" dirty="0">
+                <a:solidFill>
+                  <a:schemeClr val="tx1"/>
+                </a:solidFill>
+              </a:rPr>
+              <a:t>に移動</a:t>
+            </a:r>
+            <a:endParaRPr lang="en-US" altLang="ja-JP" sz="2200" dirty="0">
+              <a:solidFill>
+                <a:schemeClr val="tx1"/>
+              </a:solidFill>
+            </a:endParaRPr>
+          </a:p>
+          <a:p>
+            <a:pPr marL="914400" lvl="1" indent="-457200">
+              <a:buFont typeface="+mj-lt"/>
+              <a:buAutoNum type="arabicPeriod"/>
+            </a:pPr>
+            <a:r>
+              <a:rPr lang="en-US" altLang="ja-JP" sz="2400" dirty="0">
+                <a:solidFill>
+                  <a:schemeClr val="tx1"/>
+                </a:solidFill>
+              </a:rPr>
+              <a:t>git </a:t>
+            </a:r>
+            <a:r>
+              <a:rPr lang="en-US" altLang="ja-JP" sz="2400" dirty="0" err="1">
+                <a:solidFill>
+                  <a:schemeClr val="tx1"/>
+                </a:solidFill>
+              </a:rPr>
+              <a:t>init</a:t>
+            </a:r>
+            <a:endParaRPr lang="en-US" altLang="ja-JP" sz="2400" dirty="0">
+              <a:solidFill>
+                <a:schemeClr val="tx1"/>
+              </a:solidFill>
+            </a:endParaRPr>
+          </a:p>
+          <a:p>
+            <a:pPr marL="1071563" lvl="2" indent="0">
+              <a:buNone/>
+            </a:pPr>
+            <a:r>
+              <a:rPr lang="ja-JP" altLang="en-US" sz="2200" dirty="0">
+                <a:solidFill>
+                  <a:schemeClr val="tx1"/>
+                </a:solidFill>
+              </a:rPr>
+              <a:t>意味：ディレクトリ </a:t>
+            </a:r>
+            <a:r>
+              <a:rPr lang="en-US" altLang="ja-JP" sz="2200" dirty="0" err="1">
+                <a:solidFill>
+                  <a:schemeClr val="tx1"/>
+                </a:solidFill>
+              </a:rPr>
               <a:t>gitbash_test</a:t>
             </a:r>
-            <a:endParaRPr lang="en-US" altLang="ja-JP" sz="2400" dirty="0"/>
-          </a:p>
-          <a:p>
-            <a:pPr lvl="1">
-              <a:buFont typeface="Arial" panose="020B0604020202020204" pitchFamily="34" charset="0"/>
-              <a:buChar char="•"/>
-            </a:pPr>
-            <a:r>
-              <a:rPr lang="en-US" altLang="ja-JP" sz="2400" dirty="0"/>
-              <a:t>cd </a:t>
-            </a:r>
-            <a:r>
-              <a:rPr lang="en-US" altLang="ja-JP" sz="2400" dirty="0" err="1"/>
-              <a:t>gitbash_test</a:t>
-            </a:r>
-            <a:r>
-              <a:rPr lang="en-US" altLang="ja-JP" sz="2400" dirty="0"/>
-              <a:t>/</a:t>
-            </a:r>
-          </a:p>
-          <a:p>
-            <a:pPr lvl="1">
-              <a:buFont typeface="Arial" panose="020B0604020202020204" pitchFamily="34" charset="0"/>
-              <a:buChar char="•"/>
-            </a:pPr>
-            <a:r>
-              <a:rPr lang="en-US" altLang="ja-JP" sz="2400" dirty="0"/>
-              <a:t>git </a:t>
-            </a:r>
-            <a:r>
-              <a:rPr lang="en-US" altLang="ja-JP" sz="2400" dirty="0" err="1"/>
-              <a:t>init</a:t>
-            </a:r>
-            <a:endParaRPr lang="en-US" altLang="ja-JP" sz="2400" dirty="0"/>
-          </a:p>
-        </p:txBody>
-      </p:sp>
-      <p:pic>
-        <p:nvPicPr>
-          <p:cNvPr id="16" name="図 15" descr="テキスト&#10;&#10;自動的に生成された説明">
-            <a:extLst>
-              <a:ext uri="{FF2B5EF4-FFF2-40B4-BE49-F238E27FC236}">
-                <a16:creationId xmlns:a16="http://schemas.microsoft.com/office/drawing/2014/main" id="{EFB9CD06-8928-6215-A16D-467D9F030642}"/>
-              </a:ext>
-            </a:extLst>
-          </p:cNvPr>
-          <p:cNvPicPr>
-            <a:picLocks noChangeAspect="1"/>
-          </p:cNvPicPr>
-          <p:nvPr/>
-        </p:nvPicPr>
-        <p:blipFill>
-          <a:blip r:embed="rId2">
-            <a:extLst>
-              <a:ext uri="{28A0092B-C50C-407E-A947-70E740481C1C}">
-                <a14:useLocalDpi xmlns:a14="http://schemas.microsoft.com/office/drawing/2010/main" val="0"/>
-              </a:ext>
-            </a:extLst>
-          </a:blip>
-          <a:stretch>
-            <a:fillRect/>
-          </a:stretch>
-        </p:blipFill>
-        <p:spPr>
-          <a:xfrm>
-            <a:off x="4032354" y="4590073"/>
-            <a:ext cx="7776592" cy="1930647"/>
-          </a:xfrm>
-          <a:prstGeom prst="rect">
-            <a:avLst/>
-          </a:prstGeom>
-        </p:spPr>
-      </p:pic>
-      <p:sp>
-        <p:nvSpPr>
-          <p:cNvPr id="17" name="正方形/長方形 16">
-            <a:extLst>
-              <a:ext uri="{FF2B5EF4-FFF2-40B4-BE49-F238E27FC236}">
-                <a16:creationId xmlns:a16="http://schemas.microsoft.com/office/drawing/2014/main" id="{9D39571C-6C1E-0299-319B-B4F5B90F4DEC}"/>
-              </a:ext>
-            </a:extLst>
-          </p:cNvPr>
-          <p:cNvSpPr/>
-          <p:nvPr/>
-        </p:nvSpPr>
-        <p:spPr>
-          <a:xfrm>
-            <a:off x="8297940" y="6205471"/>
-            <a:ext cx="872865" cy="160404"/>
-          </a:xfrm>
-          <a:prstGeom prst="rect">
-            <a:avLst/>
-          </a:prstGeom>
-          <a:solidFill>
-            <a:schemeClr val="tx1">
-              <a:lumMod val="75000"/>
-              <a:lumOff val="25000"/>
-            </a:schemeClr>
-          </a:solidFill>
-          <a:ln>
-            <a:noFill/>
-          </a:ln>
-        </p:spPr>
-        <p:style>
-          <a:lnRef idx="2">
-            <a:schemeClr val="accent1">
-              <a:shade val="50000"/>
-            </a:schemeClr>
-          </a:lnRef>
-          <a:fillRef idx="1">
-            <a:schemeClr val="accent1"/>
-          </a:fillRef>
-          <a:effectRef idx="0">
-            <a:schemeClr val="accent1"/>
-          </a:effectRef>
-          <a:fontRef idx="minor">
-            <a:schemeClr val="lt1"/>
-          </a:fontRef>
-        </p:style>
-        <p:txBody>
-          <a:bodyPr rtlCol="0" anchor="ctr"/>
-          <a:lstStyle/>
-          <a:p>
-            <a:pPr algn="ctr"/>
-            <a:endParaRPr kumimoji="1" lang="ja-JP" altLang="en-US"/>
+            <a:r>
+              <a:rPr lang="en-US" altLang="ja-JP" sz="2200" dirty="0">
+                <a:solidFill>
+                  <a:schemeClr val="tx1"/>
+                </a:solidFill>
+              </a:rPr>
+              <a:t> </a:t>
+            </a:r>
+            <a:r>
+              <a:rPr lang="ja-JP" altLang="en-US" sz="2200" dirty="0">
+                <a:solidFill>
+                  <a:schemeClr val="tx1"/>
+                </a:solidFill>
+              </a:rPr>
+              <a:t>をローカルリポジトリにする</a:t>
+            </a:r>
+            <a:endParaRPr lang="en-US" altLang="ja-JP" sz="2200" dirty="0">
+              <a:solidFill>
+                <a:schemeClr val="tx1"/>
+              </a:solidFill>
+            </a:endParaRPr>
           </a:p>
         </p:txBody>
       </p:sp>
       <p:grpSp>
         <p:nvGrpSpPr>
-          <p:cNvPr id="36" name="グループ化 35">
+          <p:cNvPr id="5" name="グループ化 4">
             <a:extLst>
               <a:ext uri="{FF2B5EF4-FFF2-40B4-BE49-F238E27FC236}">
-                <a16:creationId xmlns:a16="http://schemas.microsoft.com/office/drawing/2014/main" id="{B0F1FBFA-7A3F-AF18-C442-7EC76C3436CD}"/>
+                <a16:creationId xmlns:a16="http://schemas.microsoft.com/office/drawing/2014/main" id="{E388BC64-D7CB-6D69-4AD2-20DC77DEF826}"/>
               </a:ext>
             </a:extLst>
           </p:cNvPr>
@@ -15642,340 +15771,54 @@
         </p:nvGrpSpPr>
         <p:grpSpPr>
           <a:xfrm>
-            <a:off x="6096000" y="1756974"/>
-            <a:ext cx="1329557" cy="1617786"/>
-            <a:chOff x="3994134" y="2898289"/>
-            <a:chExt cx="1329557" cy="1617786"/>
+            <a:off x="2207704" y="4623931"/>
+            <a:ext cx="7776592" cy="1930647"/>
+            <a:chOff x="4032354" y="4590073"/>
+            <a:chExt cx="7776592" cy="1930647"/>
           </a:xfrm>
         </p:grpSpPr>
-        <p:sp>
-          <p:nvSpPr>
-            <p:cNvPr id="37" name="四角形: メモ 36">
+        <p:pic>
+          <p:nvPicPr>
+            <p:cNvPr id="16" name="図 15" descr="テキスト&#10;&#10;自動的に生成された説明">
               <a:extLst>
                 <a:ext uri="{FF2B5EF4-FFF2-40B4-BE49-F238E27FC236}">
-                  <a16:creationId xmlns:a16="http://schemas.microsoft.com/office/drawing/2014/main" id="{6C23E764-9CEC-89BE-10A8-16D588DBB3C8}"/>
+                  <a16:creationId xmlns:a16="http://schemas.microsoft.com/office/drawing/2014/main" id="{EFB9CD06-8928-6215-A16D-467D9F030642}"/>
                 </a:ext>
               </a:extLst>
             </p:cNvPr>
-            <p:cNvSpPr/>
+            <p:cNvPicPr>
+              <a:picLocks noChangeAspect="1"/>
+            </p:cNvPicPr>
             <p:nvPr/>
-          </p:nvSpPr>
+          </p:nvPicPr>
+          <p:blipFill>
+            <a:blip r:embed="rId2">
+              <a:extLst>
+                <a:ext uri="{28A0092B-C50C-407E-A947-70E740481C1C}">
+                  <a14:useLocalDpi xmlns:a14="http://schemas.microsoft.com/office/drawing/2010/main" val="0"/>
+                </a:ext>
+              </a:extLst>
+            </a:blip>
+            <a:stretch>
+              <a:fillRect/>
+            </a:stretch>
+          </p:blipFill>
           <p:spPr>
-            <a:xfrm rot="10800000" flipH="1">
-              <a:off x="4149297" y="2912831"/>
-              <a:ext cx="1174394" cy="1547446"/>
+            <a:xfrm>
+              <a:off x="4032354" y="4590073"/>
+              <a:ext cx="7776592" cy="1930647"/>
             </a:xfrm>
-            <a:prstGeom prst="foldedCorner">
+            <a:prstGeom prst="rect">
               <a:avLst/>
             </a:prstGeom>
           </p:spPr>
-          <p:style>
-            <a:lnRef idx="2">
-              <a:schemeClr val="accent6"/>
-            </a:lnRef>
-            <a:fillRef idx="1">
-              <a:schemeClr val="lt1"/>
-            </a:fillRef>
-            <a:effectRef idx="0">
-              <a:schemeClr val="accent6"/>
-            </a:effectRef>
-            <a:fontRef idx="minor">
-              <a:schemeClr val="dk1"/>
-            </a:fontRef>
-          </p:style>
-          <p:txBody>
-            <a:bodyPr rtlCol="0" anchor="ctr"/>
-            <a:lstStyle/>
-            <a:p>
-              <a:pPr algn="ctr"/>
-              <a:endParaRPr kumimoji="1" lang="ja-JP" altLang="en-US"/>
-            </a:p>
-          </p:txBody>
-        </p:sp>
+        </p:pic>
         <p:sp>
           <p:nvSpPr>
-            <p:cNvPr id="38" name="フローチャート: カード 37">
+            <p:cNvPr id="17" name="正方形/長方形 16">
               <a:extLst>
                 <a:ext uri="{FF2B5EF4-FFF2-40B4-BE49-F238E27FC236}">
-                  <a16:creationId xmlns:a16="http://schemas.microsoft.com/office/drawing/2014/main" id="{E6C9D45E-D79F-9F2A-8F21-89F14F0D681E}"/>
-                </a:ext>
-              </a:extLst>
-            </p:cNvPr>
-            <p:cNvSpPr/>
-            <p:nvPr/>
-          </p:nvSpPr>
-          <p:spPr>
-            <a:xfrm flipH="1">
-              <a:off x="3994134" y="2898289"/>
-              <a:ext cx="1280160" cy="1617786"/>
-            </a:xfrm>
-            <a:prstGeom prst="flowChartPunchedCard">
-              <a:avLst/>
-            </a:prstGeom>
-          </p:spPr>
-          <p:style>
-            <a:lnRef idx="2">
-              <a:schemeClr val="accent1">
-                <a:shade val="50000"/>
-              </a:schemeClr>
-            </a:lnRef>
-            <a:fillRef idx="1">
-              <a:schemeClr val="accent1"/>
-            </a:fillRef>
-            <a:effectRef idx="0">
-              <a:schemeClr val="accent1"/>
-            </a:effectRef>
-            <a:fontRef idx="minor">
-              <a:schemeClr val="lt1"/>
-            </a:fontRef>
-          </p:style>
-          <p:txBody>
-            <a:bodyPr rtlCol="0" anchor="ctr"/>
-            <a:lstStyle/>
-            <a:p>
-              <a:pPr algn="ctr"/>
-              <a:r>
-                <a:rPr kumimoji="1" lang="en-US" altLang="ja-JP" dirty="0"/>
-                <a:t>file1</a:t>
-              </a:r>
-              <a:endParaRPr kumimoji="1" lang="ja-JP" altLang="en-US" dirty="0"/>
-            </a:p>
-          </p:txBody>
-        </p:sp>
-      </p:grpSp>
-      <p:grpSp>
-        <p:nvGrpSpPr>
-          <p:cNvPr id="39" name="グループ化 38">
-            <a:extLst>
-              <a:ext uri="{FF2B5EF4-FFF2-40B4-BE49-F238E27FC236}">
-                <a16:creationId xmlns:a16="http://schemas.microsoft.com/office/drawing/2014/main" id="{518F6E51-E40D-C3B1-EEBB-633F9259A6EC}"/>
-              </a:ext>
-            </a:extLst>
-          </p:cNvPr>
-          <p:cNvGrpSpPr/>
-          <p:nvPr/>
-        </p:nvGrpSpPr>
-        <p:grpSpPr>
-          <a:xfrm>
-            <a:off x="6173581" y="4430095"/>
-            <a:ext cx="1329557" cy="1617786"/>
-            <a:chOff x="3994134" y="2898289"/>
-            <a:chExt cx="1329557" cy="1617786"/>
-          </a:xfrm>
-        </p:grpSpPr>
-        <p:sp>
-          <p:nvSpPr>
-            <p:cNvPr id="40" name="四角形: メモ 39">
-              <a:extLst>
-                <a:ext uri="{FF2B5EF4-FFF2-40B4-BE49-F238E27FC236}">
-                  <a16:creationId xmlns:a16="http://schemas.microsoft.com/office/drawing/2014/main" id="{05D8E473-30FF-64D6-D446-F8661A6D3830}"/>
-                </a:ext>
-              </a:extLst>
-            </p:cNvPr>
-            <p:cNvSpPr/>
-            <p:nvPr/>
-          </p:nvSpPr>
-          <p:spPr>
-            <a:xfrm rot="10800000" flipH="1">
-              <a:off x="4149297" y="2912831"/>
-              <a:ext cx="1174394" cy="1547446"/>
-            </a:xfrm>
-            <a:prstGeom prst="foldedCorner">
-              <a:avLst/>
-            </a:prstGeom>
-          </p:spPr>
-          <p:style>
-            <a:lnRef idx="2">
-              <a:schemeClr val="accent6"/>
-            </a:lnRef>
-            <a:fillRef idx="1">
-              <a:schemeClr val="lt1"/>
-            </a:fillRef>
-            <a:effectRef idx="0">
-              <a:schemeClr val="accent6"/>
-            </a:effectRef>
-            <a:fontRef idx="minor">
-              <a:schemeClr val="dk1"/>
-            </a:fontRef>
-          </p:style>
-          <p:txBody>
-            <a:bodyPr rtlCol="0" anchor="ctr"/>
-            <a:lstStyle/>
-            <a:p>
-              <a:pPr algn="ctr"/>
-              <a:endParaRPr kumimoji="1" lang="ja-JP" altLang="en-US"/>
-            </a:p>
-          </p:txBody>
-        </p:sp>
-        <p:sp>
-          <p:nvSpPr>
-            <p:cNvPr id="41" name="フローチャート: カード 40">
-              <a:extLst>
-                <a:ext uri="{FF2B5EF4-FFF2-40B4-BE49-F238E27FC236}">
-                  <a16:creationId xmlns:a16="http://schemas.microsoft.com/office/drawing/2014/main" id="{D897AF24-5A5A-D8D3-338A-939EA359EC78}"/>
-                </a:ext>
-              </a:extLst>
-            </p:cNvPr>
-            <p:cNvSpPr/>
-            <p:nvPr/>
-          </p:nvSpPr>
-          <p:spPr>
-            <a:xfrm flipH="1">
-              <a:off x="3994134" y="2898289"/>
-              <a:ext cx="1280160" cy="1617786"/>
-            </a:xfrm>
-            <a:prstGeom prst="flowChartPunchedCard">
-              <a:avLst/>
-            </a:prstGeom>
-          </p:spPr>
-          <p:style>
-            <a:lnRef idx="2">
-              <a:schemeClr val="accent1">
-                <a:shade val="50000"/>
-              </a:schemeClr>
-            </a:lnRef>
-            <a:fillRef idx="1">
-              <a:schemeClr val="accent1"/>
-            </a:fillRef>
-            <a:effectRef idx="0">
-              <a:schemeClr val="accent1"/>
-            </a:effectRef>
-            <a:fontRef idx="minor">
-              <a:schemeClr val="lt1"/>
-            </a:fontRef>
-          </p:style>
-          <p:txBody>
-            <a:bodyPr rtlCol="0" anchor="ctr"/>
-            <a:lstStyle/>
-            <a:p>
-              <a:pPr algn="ctr"/>
-              <a:r>
-                <a:rPr kumimoji="1" lang="en-US" altLang="ja-JP" dirty="0"/>
-                <a:t>file2</a:t>
-              </a:r>
-              <a:endParaRPr kumimoji="1" lang="ja-JP" altLang="en-US" dirty="0"/>
-            </a:p>
-          </p:txBody>
-        </p:sp>
-      </p:grpSp>
-      <p:sp>
-        <p:nvSpPr>
-          <p:cNvPr id="42" name="矢印: 右 41">
-            <a:extLst>
-              <a:ext uri="{FF2B5EF4-FFF2-40B4-BE49-F238E27FC236}">
-                <a16:creationId xmlns:a16="http://schemas.microsoft.com/office/drawing/2014/main" id="{7B0F8915-0BB1-10BC-7356-B783FACCCD40}"/>
-              </a:ext>
-            </a:extLst>
-          </p:cNvPr>
-          <p:cNvSpPr/>
-          <p:nvPr/>
-        </p:nvSpPr>
-        <p:spPr>
-          <a:xfrm rot="19386440">
-            <a:off x="4439227" y="2608346"/>
-            <a:ext cx="1335670" cy="1020253"/>
-          </a:xfrm>
-          <a:prstGeom prst="rightArrow">
-            <a:avLst/>
-          </a:prstGeom>
-        </p:spPr>
-        <p:style>
-          <a:lnRef idx="2">
-            <a:schemeClr val="accent5">
-              <a:shade val="50000"/>
-            </a:schemeClr>
-          </a:lnRef>
-          <a:fillRef idx="1">
-            <a:schemeClr val="accent5"/>
-          </a:fillRef>
-          <a:effectRef idx="0">
-            <a:schemeClr val="accent5"/>
-          </a:effectRef>
-          <a:fontRef idx="minor">
-            <a:schemeClr val="lt1"/>
-          </a:fontRef>
-        </p:style>
-        <p:txBody>
-          <a:bodyPr rtlCol="0" anchor="ctr"/>
-          <a:lstStyle/>
-          <a:p>
-            <a:pPr algn="ctr"/>
-            <a:endParaRPr kumimoji="1" lang="ja-JP" altLang="en-US"/>
-          </a:p>
-        </p:txBody>
-      </p:sp>
-      <p:sp>
-        <p:nvSpPr>
-          <p:cNvPr id="43" name="矢印: 右 42">
-            <a:extLst>
-              <a:ext uri="{FF2B5EF4-FFF2-40B4-BE49-F238E27FC236}">
-                <a16:creationId xmlns:a16="http://schemas.microsoft.com/office/drawing/2014/main" id="{E03D659D-4D8F-7C26-1CA0-C36E4C2731B9}"/>
-              </a:ext>
-            </a:extLst>
-          </p:cNvPr>
-          <p:cNvSpPr/>
-          <p:nvPr/>
-        </p:nvSpPr>
-        <p:spPr>
-          <a:xfrm rot="2082278">
-            <a:off x="4576769" y="4231513"/>
-            <a:ext cx="1335670" cy="1020253"/>
-          </a:xfrm>
-          <a:prstGeom prst="rightArrow">
-            <a:avLst/>
-          </a:prstGeom>
-        </p:spPr>
-        <p:style>
-          <a:lnRef idx="2">
-            <a:schemeClr val="accent5">
-              <a:shade val="50000"/>
-            </a:schemeClr>
-          </a:lnRef>
-          <a:fillRef idx="1">
-            <a:schemeClr val="accent5"/>
-          </a:fillRef>
-          <a:effectRef idx="0">
-            <a:schemeClr val="accent5"/>
-          </a:effectRef>
-          <a:fontRef idx="minor">
-            <a:schemeClr val="lt1"/>
-          </a:fontRef>
-        </p:style>
-        <p:txBody>
-          <a:bodyPr rtlCol="0" anchor="ctr"/>
-          <a:lstStyle/>
-          <a:p>
-            <a:pPr algn="ctr"/>
-            <a:endParaRPr kumimoji="1" lang="ja-JP" altLang="en-US"/>
-          </a:p>
-        </p:txBody>
-      </p:sp>
-      <p:grpSp>
-        <p:nvGrpSpPr>
-          <p:cNvPr id="44" name="グループ化 43">
-            <a:extLst>
-              <a:ext uri="{FF2B5EF4-FFF2-40B4-BE49-F238E27FC236}">
-                <a16:creationId xmlns:a16="http://schemas.microsoft.com/office/drawing/2014/main" id="{390D809C-E89F-11DD-DBF1-884F2675DF20}"/>
-              </a:ext>
-            </a:extLst>
-          </p:cNvPr>
-          <p:cNvGrpSpPr/>
-          <p:nvPr/>
-        </p:nvGrpSpPr>
-        <p:grpSpPr>
-          <a:xfrm>
-            <a:off x="1655563" y="3181368"/>
-            <a:ext cx="2319443" cy="1856449"/>
-            <a:chOff x="845788" y="3112387"/>
-            <a:chExt cx="2319443" cy="1856449"/>
-          </a:xfrm>
-        </p:grpSpPr>
-        <p:sp>
-          <p:nvSpPr>
-            <p:cNvPr id="45" name="フリーフォーム: 図形 44">
-              <a:extLst>
-                <a:ext uri="{FF2B5EF4-FFF2-40B4-BE49-F238E27FC236}">
-                  <a16:creationId xmlns:a16="http://schemas.microsoft.com/office/drawing/2014/main" id="{EBF0C631-21FD-DD84-5692-82AFF7FD7FE4}"/>
+                  <a16:creationId xmlns:a16="http://schemas.microsoft.com/office/drawing/2014/main" id="{9D39571C-6C1E-0299-319B-B4F5B90F4DEC}"/>
                 </a:ext>
               </a:extLst>
             </p:cNvPr>
@@ -15984,148 +15827,20 @@
           </p:nvSpPr>
           <p:spPr>
             <a:xfrm>
-              <a:off x="1137908" y="4740196"/>
-              <a:ext cx="1678930" cy="228640"/>
+              <a:off x="8297940" y="6205471"/>
+              <a:ext cx="872865" cy="160404"/>
             </a:xfrm>
-            <a:custGeom>
+            <a:prstGeom prst="rect">
               <a:avLst/>
-              <a:gdLst>
-                <a:gd name="connsiteX0" fmla="*/ 839465 w 1678930"/>
-                <a:gd name="connsiteY0" fmla="*/ 0 h 233902"/>
-                <a:gd name="connsiteX1" fmla="*/ 1678930 w 1678930"/>
-                <a:gd name="connsiteY1" fmla="*/ 221480 h 233902"/>
-                <a:gd name="connsiteX2" fmla="*/ 1674184 w 1678930"/>
-                <a:gd name="connsiteY2" fmla="*/ 233902 h 233902"/>
-                <a:gd name="connsiteX3" fmla="*/ 4746 w 1678930"/>
-                <a:gd name="connsiteY3" fmla="*/ 233902 h 233902"/>
-                <a:gd name="connsiteX4" fmla="*/ 0 w 1678930"/>
-                <a:gd name="connsiteY4" fmla="*/ 221480 h 233902"/>
-                <a:gd name="connsiteX5" fmla="*/ 839465 w 1678930"/>
-                <a:gd name="connsiteY5" fmla="*/ 0 h 233902"/>
-              </a:gdLst>
-              <a:ahLst/>
-              <a:cxnLst>
-                <a:cxn ang="0">
-                  <a:pos x="connsiteX0" y="connsiteY0"/>
-                </a:cxn>
-                <a:cxn ang="0">
-                  <a:pos x="connsiteX1" y="connsiteY1"/>
-                </a:cxn>
-                <a:cxn ang="0">
-                  <a:pos x="connsiteX2" y="connsiteY2"/>
-                </a:cxn>
-                <a:cxn ang="0">
-                  <a:pos x="connsiteX3" y="connsiteY3"/>
-                </a:cxn>
-                <a:cxn ang="0">
-                  <a:pos x="connsiteX4" y="connsiteY4"/>
-                </a:cxn>
-                <a:cxn ang="0">
-                  <a:pos x="connsiteX5" y="connsiteY5"/>
-                </a:cxn>
-              </a:cxnLst>
-              <a:rect l="l" t="t" r="r" b="b"/>
-              <a:pathLst>
-                <a:path w="1678930" h="233902">
-                  <a:moveTo>
-                    <a:pt x="839465" y="0"/>
-                  </a:moveTo>
-                  <a:cubicBezTo>
-                    <a:pt x="1303089" y="0"/>
-                    <a:pt x="1678930" y="99160"/>
-                    <a:pt x="1678930" y="221480"/>
-                  </a:cubicBezTo>
-                  <a:lnTo>
-                    <a:pt x="1674184" y="233902"/>
-                  </a:lnTo>
-                  <a:lnTo>
-                    <a:pt x="4746" y="233902"/>
-                  </a:lnTo>
-                  <a:lnTo>
-                    <a:pt x="0" y="221480"/>
-                  </a:lnTo>
-                  <a:cubicBezTo>
-                    <a:pt x="0" y="99160"/>
-                    <a:pt x="375841" y="0"/>
-                    <a:pt x="839465" y="0"/>
-                  </a:cubicBezTo>
-                  <a:close/>
-                </a:path>
-              </a:pathLst>
-            </a:custGeom>
+            </a:prstGeom>
             <a:solidFill>
-              <a:schemeClr val="bg2">
+              <a:schemeClr val="tx1">
                 <a:lumMod val="75000"/>
+                <a:lumOff val="25000"/>
               </a:schemeClr>
             </a:solidFill>
             <a:ln>
-              <a:solidFill>
-                <a:schemeClr val="tx1">
-                  <a:lumMod val="50000"/>
-                  <a:lumOff val="50000"/>
-                </a:schemeClr>
-              </a:solidFill>
-            </a:ln>
-          </p:spPr>
-          <p:style>
-            <a:lnRef idx="2">
-              <a:schemeClr val="accent1">
-                <a:shade val="50000"/>
-              </a:schemeClr>
-            </a:lnRef>
-            <a:fillRef idx="1">
-              <a:schemeClr val="accent1"/>
-            </a:fillRef>
-            <a:effectRef idx="0">
-              <a:schemeClr val="accent1"/>
-            </a:effectRef>
-            <a:fontRef idx="minor">
-              <a:schemeClr val="lt1"/>
-            </a:fontRef>
-          </p:style>
-          <p:txBody>
-            <a:bodyPr wrap="square" rtlCol="0" anchor="ctr">
-              <a:noAutofit/>
-            </a:bodyPr>
-            <a:lstStyle/>
-            <a:p>
-              <a:pPr algn="ctr"/>
-              <a:endParaRPr kumimoji="1" lang="ja-JP" altLang="en-US"/>
-            </a:p>
-          </p:txBody>
-        </p:sp>
-        <p:sp>
-          <p:nvSpPr>
-            <p:cNvPr id="46" name="楕円 45">
-              <a:extLst>
-                <a:ext uri="{FF2B5EF4-FFF2-40B4-BE49-F238E27FC236}">
-                  <a16:creationId xmlns:a16="http://schemas.microsoft.com/office/drawing/2014/main" id="{FF713CF1-B73B-DB0E-0C95-8A0D2578DB91}"/>
-                </a:ext>
-              </a:extLst>
-            </p:cNvPr>
-            <p:cNvSpPr/>
-            <p:nvPr/>
-          </p:nvSpPr>
-          <p:spPr>
-            <a:xfrm>
-              <a:off x="1533144" y="4249736"/>
-              <a:ext cx="901983" cy="646984"/>
-            </a:xfrm>
-            <a:prstGeom prst="ellipse">
-              <a:avLst/>
-            </a:prstGeom>
-            <a:solidFill>
-              <a:schemeClr val="bg2">
-                <a:lumMod val="75000"/>
-              </a:schemeClr>
-            </a:solidFill>
-            <a:ln>
-              <a:solidFill>
-                <a:schemeClr val="tx1">
-                  <a:lumMod val="50000"/>
-                  <a:lumOff val="50000"/>
-                </a:schemeClr>
-              </a:solidFill>
+              <a:noFill/>
             </a:ln>
           </p:spPr>
           <p:style>
@@ -16153,12 +15868,204 @@
             </a:p>
           </p:txBody>
         </p:sp>
+      </p:grpSp>
+    </p:spTree>
+    <p:extLst>
+      <p:ext uri="{BB962C8B-B14F-4D97-AF65-F5344CB8AC3E}">
+        <p14:creationId xmlns:p14="http://schemas.microsoft.com/office/powerpoint/2010/main" val="884260119"/>
+      </p:ext>
+    </p:extLst>
+  </p:cSld>
+  <p:clrMapOvr>
+    <a:masterClrMapping/>
+  </p:clrMapOvr>
+</p:sld>
+</file>
+
+<file path=ppt/slides/slide18.xml><?xml version="1.0" encoding="utf-8"?>
+<p:sld xmlns:a="http://schemas.openxmlformats.org/drawingml/2006/main" xmlns:r="http://schemas.openxmlformats.org/officeDocument/2006/relationships" xmlns:p="http://schemas.openxmlformats.org/presentationml/2006/main">
+  <p:cSld>
+    <p:spTree>
+      <p:nvGrpSpPr>
+        <p:cNvPr id="1" name=""/>
+        <p:cNvGrpSpPr/>
+        <p:nvPr/>
+      </p:nvGrpSpPr>
+      <p:grpSpPr>
+        <a:xfrm>
+          <a:off x="0" y="0"/>
+          <a:ext cx="0" cy="0"/>
+          <a:chOff x="0" y="0"/>
+          <a:chExt cx="0" cy="0"/>
+        </a:xfrm>
+      </p:grpSpPr>
+      <p:pic>
+        <p:nvPicPr>
+          <p:cNvPr id="13" name="図 12" descr="グラフィカル ユーザー インターフェイス, アプリケーション&#10;&#10;自動的に生成された説明">
+            <a:extLst>
+              <a:ext uri="{FF2B5EF4-FFF2-40B4-BE49-F238E27FC236}">
+                <a16:creationId xmlns:a16="http://schemas.microsoft.com/office/drawing/2014/main" id="{FA6DAF86-A2B2-D4A3-DCC8-28C02ED63242}"/>
+              </a:ext>
+            </a:extLst>
+          </p:cNvPr>
+          <p:cNvPicPr>
+            <a:picLocks noChangeAspect="1"/>
+          </p:cNvPicPr>
+          <p:nvPr/>
+        </p:nvPicPr>
+        <p:blipFill>
+          <a:blip r:embed="rId2">
+            <a:extLst>
+              <a:ext uri="{28A0092B-C50C-407E-A947-70E740481C1C}">
+                <a14:useLocalDpi xmlns:a14="http://schemas.microsoft.com/office/drawing/2010/main" val="0"/>
+              </a:ext>
+            </a:extLst>
+          </a:blip>
+          <a:stretch>
+            <a:fillRect/>
+          </a:stretch>
+        </p:blipFill>
+        <p:spPr>
+          <a:xfrm>
+            <a:off x="1757021" y="1758226"/>
+            <a:ext cx="8199779" cy="4743198"/>
+          </a:xfrm>
+          <a:prstGeom prst="rect">
+            <a:avLst/>
+          </a:prstGeom>
+        </p:spPr>
+      </p:pic>
+      <p:sp>
+        <p:nvSpPr>
+          <p:cNvPr id="3" name="コンテンツ プレースホルダー 2">
+            <a:extLst>
+              <a:ext uri="{FF2B5EF4-FFF2-40B4-BE49-F238E27FC236}">
+                <a16:creationId xmlns:a16="http://schemas.microsoft.com/office/drawing/2014/main" id="{30FF8664-98E7-55CF-9A41-756D1E20F04D}"/>
+              </a:ext>
+            </a:extLst>
+          </p:cNvPr>
+          <p:cNvSpPr>
+            <a:spLocks noGrp="1"/>
+          </p:cNvSpPr>
+          <p:nvPr>
+            <p:ph idx="1"/>
+          </p:nvPr>
+        </p:nvSpPr>
+        <p:spPr>
+          <a:xfrm>
+            <a:off x="1251678" y="809469"/>
+            <a:ext cx="10178322" cy="5070123"/>
+          </a:xfrm>
+        </p:spPr>
+        <p:txBody>
+          <a:bodyPr>
+            <a:normAutofit/>
+          </a:bodyPr>
+          <a:lstStyle/>
+          <a:p>
+            <a:pPr marL="0" indent="0">
+              <a:buNone/>
+            </a:pPr>
+            <a:r>
+              <a:rPr kumimoji="1" lang="ja-JP" altLang="en-US" sz="2400" dirty="0">
+                <a:solidFill>
+                  <a:schemeClr val="tx1"/>
+                </a:solidFill>
+              </a:rPr>
+              <a:t>デスクトップに作成されている</a:t>
+            </a:r>
+            <a:r>
+              <a:rPr lang="en-US" altLang="ja-JP" sz="2400" dirty="0">
+                <a:solidFill>
+                  <a:schemeClr val="tx1"/>
+                </a:solidFill>
+              </a:rPr>
+              <a:t> </a:t>
+            </a:r>
+            <a:r>
+              <a:rPr kumimoji="1" lang="en-US" altLang="ja-JP" sz="2400" dirty="0" err="1">
+                <a:solidFill>
+                  <a:schemeClr val="tx1"/>
+                </a:solidFill>
+              </a:rPr>
+              <a:t>gitbash_test</a:t>
+            </a:r>
+            <a:r>
+              <a:rPr kumimoji="1" lang="ja-JP" altLang="en-US" sz="2400" dirty="0">
+                <a:solidFill>
+                  <a:schemeClr val="tx1"/>
+                </a:solidFill>
+              </a:rPr>
+              <a:t>フォルダを開き </a:t>
+            </a:r>
+            <a:r>
+              <a:rPr kumimoji="1" lang="en-US" altLang="ja-JP" sz="2400" b="1" dirty="0">
+                <a:solidFill>
+                  <a:schemeClr val="tx1"/>
+                </a:solidFill>
+              </a:rPr>
+              <a:t>test.txt </a:t>
+            </a:r>
+            <a:r>
+              <a:rPr kumimoji="1" lang="ja-JP" altLang="en-US" sz="2400" dirty="0">
+                <a:solidFill>
+                  <a:schemeClr val="tx1"/>
+                </a:solidFill>
+              </a:rPr>
+              <a:t>を</a:t>
+            </a:r>
+            <a:endParaRPr kumimoji="1" lang="en-US" altLang="ja-JP" sz="2400" dirty="0">
+              <a:solidFill>
+                <a:schemeClr val="tx1"/>
+              </a:solidFill>
+            </a:endParaRPr>
+          </a:p>
+          <a:p>
+            <a:pPr marL="0" indent="0">
+              <a:buNone/>
+            </a:pPr>
+            <a:r>
+              <a:rPr kumimoji="1" lang="ja-JP" altLang="en-US" sz="2400" dirty="0">
+                <a:solidFill>
+                  <a:schemeClr val="tx1"/>
+                </a:solidFill>
+              </a:rPr>
+              <a:t>作成する。</a:t>
+            </a:r>
+            <a:endParaRPr kumimoji="1" lang="en-US" altLang="ja-JP" sz="2400" dirty="0">
+              <a:solidFill>
+                <a:schemeClr val="tx1"/>
+              </a:solidFill>
+            </a:endParaRPr>
+          </a:p>
+        </p:txBody>
+      </p:sp>
+      <p:grpSp>
+        <p:nvGrpSpPr>
+          <p:cNvPr id="4" name="グループ化 3">
+            <a:extLst>
+              <a:ext uri="{FF2B5EF4-FFF2-40B4-BE49-F238E27FC236}">
+                <a16:creationId xmlns:a16="http://schemas.microsoft.com/office/drawing/2014/main" id="{94719053-94DF-8893-E997-3A799B9AFE1A}"/>
+              </a:ext>
+            </a:extLst>
+          </p:cNvPr>
+          <p:cNvGrpSpPr/>
+          <p:nvPr/>
+        </p:nvGrpSpPr>
+        <p:grpSpPr>
+          <a:xfrm>
+            <a:off x="-156089" y="-1"/>
+            <a:ext cx="12348089" cy="634258"/>
+            <a:chOff x="-156089" y="-1"/>
+            <a:chExt cx="12348089" cy="634258"/>
+          </a:xfrm>
+        </p:grpSpPr>
         <p:sp>
           <p:nvSpPr>
-            <p:cNvPr id="47" name="正方形/長方形 46">
+            <p:cNvPr id="5" name="正方形/長方形 4">
               <a:extLst>
                 <a:ext uri="{FF2B5EF4-FFF2-40B4-BE49-F238E27FC236}">
-                  <a16:creationId xmlns:a16="http://schemas.microsoft.com/office/drawing/2014/main" id="{6F8394A5-03F7-447E-F1DE-404C6E8B4ED1}"/>
+                  <a16:creationId xmlns:a16="http://schemas.microsoft.com/office/drawing/2014/main" id="{CADDC70B-9489-7D7C-FEBE-5253870B3720}"/>
                 </a:ext>
               </a:extLst>
             </p:cNvPr>
@@ -16167,32 +16074,32 @@
           </p:nvSpPr>
           <p:spPr>
             <a:xfrm>
-              <a:off x="845788" y="3112387"/>
-              <a:ext cx="2319443" cy="1491995"/>
+              <a:off x="0" y="-1"/>
+              <a:ext cx="12192000" cy="505841"/>
             </a:xfrm>
             <a:prstGeom prst="rect">
               <a:avLst/>
             </a:prstGeom>
-            <a:solidFill>
-              <a:schemeClr val="accent3"/>
-            </a:solidFill>
-            <a:ln w="76200">
+            <a:ln>
               <a:solidFill>
-                <a:schemeClr val="tx1"/>
+                <a:schemeClr val="tx2">
+                  <a:lumMod val="90000"/>
+                  <a:lumOff val="10000"/>
+                </a:schemeClr>
               </a:solidFill>
             </a:ln>
           </p:spPr>
           <p:style>
             <a:lnRef idx="2">
-              <a:schemeClr val="accent1">
+              <a:schemeClr val="dk1">
                 <a:shade val="50000"/>
               </a:schemeClr>
             </a:lnRef>
             <a:fillRef idx="1">
-              <a:schemeClr val="accent1"/>
+              <a:schemeClr val="dk1"/>
             </a:fillRef>
             <a:effectRef idx="0">
-              <a:schemeClr val="accent1"/>
+              <a:schemeClr val="dk1"/>
             </a:effectRef>
             <a:fontRef idx="minor">
               <a:schemeClr val="lt1"/>
@@ -16209,61 +16116,74 @@
         </p:sp>
         <p:sp>
           <p:nvSpPr>
-            <p:cNvPr id="48" name="直角三角形 47">
+            <p:cNvPr id="6" name="タイトル 1">
               <a:extLst>
                 <a:ext uri="{FF2B5EF4-FFF2-40B4-BE49-F238E27FC236}">
-                  <a16:creationId xmlns:a16="http://schemas.microsoft.com/office/drawing/2014/main" id="{27D186FF-37C1-7E5A-0F63-7E1C85A8D8C2}"/>
+                  <a16:creationId xmlns:a16="http://schemas.microsoft.com/office/drawing/2014/main" id="{92D5EB5E-A201-ADBA-1C91-BB14259E7A9F}"/>
                 </a:ext>
               </a:extLst>
             </p:cNvPr>
-            <p:cNvSpPr/>
+            <p:cNvSpPr txBox="1">
+              <a:spLocks/>
+            </p:cNvSpPr>
             <p:nvPr/>
           </p:nvSpPr>
           <p:spPr>
-            <a:xfrm rot="5400000">
-              <a:off x="944700" y="3268130"/>
-              <a:ext cx="966417" cy="901983"/>
+            <a:xfrm>
+              <a:off x="-156089" y="36280"/>
+              <a:ext cx="8610772" cy="597977"/>
             </a:xfrm>
-            <a:prstGeom prst="rtTriangle">
+            <a:prstGeom prst="rect">
               <a:avLst/>
             </a:prstGeom>
-            <a:solidFill>
-              <a:srgbClr val="99D6D7"/>
-            </a:solidFill>
-            <a:ln>
-              <a:noFill/>
-            </a:ln>
           </p:spPr>
-          <p:style>
-            <a:lnRef idx="2">
-              <a:schemeClr val="accent6"/>
-            </a:lnRef>
-            <a:fillRef idx="1">
-              <a:schemeClr val="lt1"/>
-            </a:fillRef>
-            <a:effectRef idx="0">
-              <a:schemeClr val="accent6"/>
-            </a:effectRef>
-            <a:fontRef idx="minor">
-              <a:schemeClr val="dk1"/>
-            </a:fontRef>
-          </p:style>
           <p:txBody>
-            <a:bodyPr rtlCol="0" anchor="ctr"/>
-            <a:lstStyle/>
+            <a:bodyPr vert="horz" lIns="91440" tIns="45720" rIns="91440" bIns="45720" rtlCol="0" anchor="t">
+              <a:normAutofit/>
+            </a:bodyPr>
+            <a:lstStyle>
+              <a:lvl1pPr algn="l" defTabSz="914400" rtl="0" eaLnBrk="1" latinLnBrk="0" hangingPunct="1">
+                <a:lnSpc>
+                  <a:spcPct val="90000"/>
+                </a:lnSpc>
+                <a:spcBef>
+                  <a:spcPct val="0"/>
+                </a:spcBef>
+                <a:buNone/>
+                <a:defRPr kumimoji="1" sz="5100" kern="1200" cap="all" spc="200" baseline="0">
+                  <a:solidFill>
+                    <a:schemeClr val="tx2"/>
+                  </a:solidFill>
+                  <a:latin typeface="+mj-lt"/>
+                  <a:ea typeface="+mj-ea"/>
+                  <a:cs typeface="+mj-cs"/>
+                </a:defRPr>
+              </a:lvl1pPr>
+            </a:lstStyle>
             <a:p>
-              <a:pPr algn="ctr"/>
-              <a:endParaRPr kumimoji="1" lang="ja-JP" altLang="en-US"/>
+              <a:r>
+                <a:rPr lang="ja-JP" altLang="en-US" sz="2800" cap="none" dirty="0">
+                  <a:solidFill>
+                    <a:schemeClr val="bg1"/>
+                  </a:solidFill>
+                </a:rPr>
+                <a:t>・コミットする</a:t>
+              </a:r>
+              <a:endParaRPr lang="ja-JP" altLang="en-US" sz="2800" dirty="0">
+                <a:solidFill>
+                  <a:schemeClr val="bg1"/>
+                </a:solidFill>
+              </a:endParaRPr>
             </a:p>
           </p:txBody>
         </p:sp>
       </p:grpSp>
       <p:sp>
         <p:nvSpPr>
-          <p:cNvPr id="49" name="思考の吹き出し: 雲形 48">
+          <p:cNvPr id="9" name="正方形/長方形 8">
             <a:extLst>
               <a:ext uri="{FF2B5EF4-FFF2-40B4-BE49-F238E27FC236}">
-                <a16:creationId xmlns:a16="http://schemas.microsoft.com/office/drawing/2014/main" id="{85736F2E-9C3F-61AC-1EE7-FFBD07932F7F}"/>
+                <a16:creationId xmlns:a16="http://schemas.microsoft.com/office/drawing/2014/main" id="{620A4AF0-BE04-4CF0-CF03-9F6860616198}"/>
               </a:ext>
             </a:extLst>
           </p:cNvPr>
@@ -16272,25 +16192,33 @@
         </p:nvSpPr>
         <p:spPr>
           <a:xfrm>
-            <a:off x="2367342" y="1696840"/>
-            <a:ext cx="2152375" cy="1067146"/>
+            <a:off x="4564380" y="3344530"/>
+            <a:ext cx="2659379" cy="343550"/>
           </a:xfrm>
-          <a:prstGeom prst="cloudCallout">
+          <a:prstGeom prst="rect">
             <a:avLst/>
           </a:prstGeom>
+          <a:noFill/>
+          <a:ln w="28575">
+            <a:solidFill>
+              <a:srgbClr val="FF0000"/>
+            </a:solidFill>
+          </a:ln>
         </p:spPr>
         <p:style>
           <a:lnRef idx="2">
-            <a:schemeClr val="accent6"/>
+            <a:schemeClr val="accent1">
+              <a:shade val="50000"/>
+            </a:schemeClr>
           </a:lnRef>
           <a:fillRef idx="1">
-            <a:schemeClr val="lt1"/>
+            <a:schemeClr val="accent1"/>
           </a:fillRef>
           <a:effectRef idx="0">
-            <a:schemeClr val="accent6"/>
+            <a:schemeClr val="accent1"/>
           </a:effectRef>
           <a:fontRef idx="minor">
-            <a:schemeClr val="dk1"/>
+            <a:schemeClr val="lt1"/>
           </a:fontRef>
         </p:style>
         <p:txBody>
@@ -16298,24 +16226,16 @@
           <a:lstStyle/>
           <a:p>
             <a:pPr algn="ctr"/>
-            <a:r>
-              <a:rPr kumimoji="1" lang="en-US" altLang="ja-JP" dirty="0"/>
-              <a:t>cd </a:t>
-            </a:r>
-            <a:r>
-              <a:rPr kumimoji="1" lang="en-US" altLang="ja-JP" dirty="0" err="1"/>
-              <a:t>Desctop</a:t>
-            </a:r>
-            <a:endParaRPr kumimoji="1" lang="ja-JP" altLang="en-US" dirty="0"/>
+            <a:endParaRPr kumimoji="1" lang="ja-JP" altLang="en-US"/>
           </a:p>
         </p:txBody>
       </p:sp>
       <p:sp>
         <p:nvSpPr>
-          <p:cNvPr id="50" name="思考の吹き出し: 雲形 49">
+          <p:cNvPr id="11" name="正方形/長方形 10">
             <a:extLst>
               <a:ext uri="{FF2B5EF4-FFF2-40B4-BE49-F238E27FC236}">
-                <a16:creationId xmlns:a16="http://schemas.microsoft.com/office/drawing/2014/main" id="{61342C74-58A2-B9C8-270B-667717443AB3}"/>
+                <a16:creationId xmlns:a16="http://schemas.microsoft.com/office/drawing/2014/main" id="{3A208356-20E9-7AF5-0BC2-C778F4A70393}"/>
               </a:ext>
             </a:extLst>
           </p:cNvPr>
@@ -16324,25 +16244,33 @@
         </p:nvSpPr>
         <p:spPr>
           <a:xfrm>
-            <a:off x="7376160" y="904106"/>
-            <a:ext cx="2152375" cy="1067146"/>
+            <a:off x="7208518" y="5847363"/>
+            <a:ext cx="2733041" cy="309597"/>
           </a:xfrm>
-          <a:prstGeom prst="cloudCallout">
+          <a:prstGeom prst="rect">
             <a:avLst/>
           </a:prstGeom>
+          <a:noFill/>
+          <a:ln w="28575">
+            <a:solidFill>
+              <a:srgbClr val="FF0000"/>
+            </a:solidFill>
+          </a:ln>
         </p:spPr>
         <p:style>
           <a:lnRef idx="2">
-            <a:schemeClr val="accent6"/>
+            <a:schemeClr val="accent1">
+              <a:shade val="50000"/>
+            </a:schemeClr>
           </a:lnRef>
           <a:fillRef idx="1">
-            <a:schemeClr val="lt1"/>
+            <a:schemeClr val="accent1"/>
           </a:fillRef>
           <a:effectRef idx="0">
-            <a:schemeClr val="accent6"/>
+            <a:schemeClr val="accent1"/>
           </a:effectRef>
           <a:fontRef idx="minor">
-            <a:schemeClr val="dk1"/>
+            <a:schemeClr val="lt1"/>
           </a:fontRef>
         </p:style>
         <p:txBody>
@@ -16350,82 +16278,146 @@
           <a:lstStyle/>
           <a:p>
             <a:pPr algn="ctr"/>
-            <a:r>
-              <a:rPr kumimoji="1" lang="en-US" altLang="ja-JP" dirty="0"/>
-              <a:t>cd </a:t>
-            </a:r>
-            <a:r>
-              <a:rPr kumimoji="1" lang="en-US" altLang="ja-JP" dirty="0" err="1"/>
-              <a:t>Desctop</a:t>
-            </a:r>
-            <a:r>
-              <a:rPr kumimoji="1" lang="en-US" altLang="ja-JP" dirty="0"/>
-              <a:t>/file1</a:t>
-            </a:r>
-            <a:endParaRPr kumimoji="1" lang="ja-JP" altLang="en-US" dirty="0"/>
+            <a:endParaRPr kumimoji="1" lang="ja-JP" altLang="en-US"/>
           </a:p>
         </p:txBody>
       </p:sp>
       <p:sp>
         <p:nvSpPr>
-          <p:cNvPr id="51" name="思考の吹き出し: 雲形 50">
+          <p:cNvPr id="14" name="テキスト ボックス 13">
             <a:extLst>
               <a:ext uri="{FF2B5EF4-FFF2-40B4-BE49-F238E27FC236}">
-                <a16:creationId xmlns:a16="http://schemas.microsoft.com/office/drawing/2014/main" id="{5C3E79E7-9F06-A457-324E-0A590ADE9AAF}"/>
+                <a16:creationId xmlns:a16="http://schemas.microsoft.com/office/drawing/2014/main" id="{20CA010C-D65A-4E4D-B184-3CE99914F519}"/>
               </a:ext>
             </a:extLst>
           </p:cNvPr>
-          <p:cNvSpPr/>
+          <p:cNvSpPr txBox="1"/>
           <p:nvPr/>
         </p:nvSpPr>
         <p:spPr>
           <a:xfrm>
-            <a:off x="7351462" y="3257505"/>
-            <a:ext cx="2152375" cy="1067146"/>
+            <a:off x="3264637" y="3889074"/>
+            <a:ext cx="2104571" cy="707886"/>
           </a:xfrm>
-          <a:prstGeom prst="cloudCallout">
+          <a:prstGeom prst="rect">
             <a:avLst/>
           </a:prstGeom>
+          <a:noFill/>
         </p:spPr>
-        <p:style>
-          <a:lnRef idx="2">
-            <a:schemeClr val="accent6"/>
-          </a:lnRef>
-          <a:fillRef idx="1">
-            <a:schemeClr val="lt1"/>
-          </a:fillRef>
-          <a:effectRef idx="0">
-            <a:schemeClr val="accent6"/>
-          </a:effectRef>
-          <a:fontRef idx="minor">
-            <a:schemeClr val="dk1"/>
-          </a:fontRef>
-        </p:style>
         <p:txBody>
-          <a:bodyPr rtlCol="0" anchor="ctr"/>
+          <a:bodyPr wrap="square" rtlCol="0">
+            <a:spAutoFit/>
+          </a:bodyPr>
           <a:lstStyle/>
           <a:p>
-            <a:pPr algn="ctr"/>
-            <a:r>
-              <a:rPr kumimoji="1" lang="en-US" altLang="ja-JP" dirty="0"/>
-              <a:t>cd </a:t>
-            </a:r>
-            <a:r>
-              <a:rPr kumimoji="1" lang="en-US" altLang="ja-JP" dirty="0" err="1"/>
-              <a:t>Desctop</a:t>
-            </a:r>
-            <a:r>
-              <a:rPr kumimoji="1" lang="en-US" altLang="ja-JP" dirty="0"/>
-              <a:t>/file2</a:t>
-            </a:r>
-            <a:endParaRPr kumimoji="1" lang="ja-JP" altLang="en-US" dirty="0"/>
+            <a:r>
+              <a:rPr kumimoji="1" lang="ja-JP" altLang="en-US" sz="2000" dirty="0">
+                <a:solidFill>
+                  <a:srgbClr val="FF0000"/>
+                </a:solidFill>
+              </a:rPr>
+              <a:t>①</a:t>
+            </a:r>
+            <a:endParaRPr kumimoji="1" lang="en-US" altLang="ja-JP" sz="2000" dirty="0">
+              <a:solidFill>
+                <a:srgbClr val="FF0000"/>
+              </a:solidFill>
+            </a:endParaRPr>
+          </a:p>
+          <a:p>
+            <a:r>
+              <a:rPr kumimoji="1" lang="ja-JP" altLang="en-US" sz="2000" dirty="0">
+                <a:solidFill>
+                  <a:srgbClr val="FF0000"/>
+                </a:solidFill>
+              </a:rPr>
+              <a:t>右クリック</a:t>
+            </a:r>
+          </a:p>
+        </p:txBody>
+      </p:sp>
+      <p:sp>
+        <p:nvSpPr>
+          <p:cNvPr id="15" name="テキスト ボックス 14">
+            <a:extLst>
+              <a:ext uri="{FF2B5EF4-FFF2-40B4-BE49-F238E27FC236}">
+                <a16:creationId xmlns:a16="http://schemas.microsoft.com/office/drawing/2014/main" id="{9BA639BD-FA95-DADD-A221-C0B1931497A0}"/>
+              </a:ext>
+            </a:extLst>
+          </p:cNvPr>
+          <p:cNvSpPr txBox="1"/>
+          <p:nvPr/>
+        </p:nvSpPr>
+        <p:spPr>
+          <a:xfrm>
+            <a:off x="4163448" y="3344530"/>
+            <a:ext cx="684323" cy="400110"/>
+          </a:xfrm>
+          <a:prstGeom prst="rect">
+            <a:avLst/>
+          </a:prstGeom>
+          <a:noFill/>
+        </p:spPr>
+        <p:txBody>
+          <a:bodyPr wrap="square" rtlCol="0">
+            <a:spAutoFit/>
+          </a:bodyPr>
+          <a:lstStyle/>
+          <a:p>
+            <a:r>
+              <a:rPr kumimoji="1" lang="ja-JP" altLang="en-US" sz="2000" dirty="0">
+                <a:solidFill>
+                  <a:srgbClr val="FF0000"/>
+                </a:solidFill>
+              </a:rPr>
+              <a:t>②</a:t>
+            </a:r>
+          </a:p>
+        </p:txBody>
+      </p:sp>
+      <p:sp>
+        <p:nvSpPr>
+          <p:cNvPr id="18" name="テキスト ボックス 17">
+            <a:extLst>
+              <a:ext uri="{FF2B5EF4-FFF2-40B4-BE49-F238E27FC236}">
+                <a16:creationId xmlns:a16="http://schemas.microsoft.com/office/drawing/2014/main" id="{D465FD50-1615-8141-321C-7484A010C3CD}"/>
+              </a:ext>
+            </a:extLst>
+          </p:cNvPr>
+          <p:cNvSpPr txBox="1"/>
+          <p:nvPr/>
+        </p:nvSpPr>
+        <p:spPr>
+          <a:xfrm>
+            <a:off x="6805046" y="5828403"/>
+            <a:ext cx="684323" cy="400110"/>
+          </a:xfrm>
+          <a:prstGeom prst="rect">
+            <a:avLst/>
+          </a:prstGeom>
+          <a:noFill/>
+        </p:spPr>
+        <p:txBody>
+          <a:bodyPr wrap="square" rtlCol="0">
+            <a:spAutoFit/>
+          </a:bodyPr>
+          <a:lstStyle/>
+          <a:p>
+            <a:r>
+              <a:rPr kumimoji="1" lang="ja-JP" altLang="en-US" sz="2000" dirty="0">
+                <a:solidFill>
+                  <a:srgbClr val="FF0000"/>
+                </a:solidFill>
+              </a:rPr>
+              <a:t>③</a:t>
+            </a:r>
           </a:p>
         </p:txBody>
       </p:sp>
     </p:spTree>
     <p:extLst>
       <p:ext uri="{BB962C8B-B14F-4D97-AF65-F5344CB8AC3E}">
-        <p14:creationId xmlns:p14="http://schemas.microsoft.com/office/powerpoint/2010/main" val="884260119"/>
+        <p14:creationId xmlns:p14="http://schemas.microsoft.com/office/powerpoint/2010/main" val="2636445956"/>
       </p:ext>
     </p:extLst>
   </p:cSld>
@@ -16435,7 +16427,7 @@
 </p:sld>
 </file>
 
-<file path=ppt/slides/slide18.xml><?xml version="1.0" encoding="utf-8"?>
+<file path=ppt/slides/slide19.xml><?xml version="1.0" encoding="utf-8"?>
 <p:sld xmlns:a="http://schemas.openxmlformats.org/drawingml/2006/main" xmlns:r="http://schemas.openxmlformats.org/officeDocument/2006/relationships" xmlns:p="http://schemas.openxmlformats.org/presentationml/2006/main">
   <p:cSld>
     <p:spTree>
@@ -16480,80 +16472,146 @@
           </a:bodyPr>
           <a:lstStyle/>
           <a:p>
-            <a:pPr marL="457200" indent="-457200">
+            <a:pPr marL="0" indent="0">
+              <a:buNone/>
+            </a:pPr>
+            <a:r>
+              <a:rPr lang="ja-JP" altLang="en-US" sz="2400" dirty="0">
+                <a:solidFill>
+                  <a:schemeClr val="tx1"/>
+                </a:solidFill>
+              </a:rPr>
+              <a:t>以下のコマンドを実行</a:t>
+            </a:r>
+            <a:endParaRPr lang="en-US" altLang="ja-JP" sz="2400" dirty="0">
+              <a:solidFill>
+                <a:schemeClr val="tx1"/>
+              </a:solidFill>
+            </a:endParaRPr>
+          </a:p>
+          <a:p>
+            <a:pPr marL="914400" lvl="1" indent="-457200">
               <a:buFont typeface="+mj-lt"/>
               <a:buAutoNum type="arabicPeriod"/>
             </a:pPr>
             <a:r>
-              <a:rPr kumimoji="1" lang="ja-JP" altLang="en-US" sz="2400" dirty="0"/>
-              <a:t>デスクトップに作成されている</a:t>
-            </a:r>
-            <a:r>
-              <a:rPr lang="en-US" altLang="ja-JP" sz="2400" dirty="0"/>
-              <a:t> </a:t>
-            </a:r>
-            <a:r>
-              <a:rPr kumimoji="1" lang="en-US" altLang="ja-JP" sz="2400" dirty="0" err="1"/>
-              <a:t>gitbash_test</a:t>
-            </a:r>
-            <a:r>
-              <a:rPr kumimoji="1" lang="ja-JP" altLang="en-US" sz="2400" dirty="0"/>
-              <a:t>フォルダを開き</a:t>
-            </a:r>
-            <a:br>
-              <a:rPr kumimoji="1" lang="en-US" altLang="ja-JP" sz="2400" dirty="0"/>
-            </a:br>
-            <a:r>
-              <a:rPr kumimoji="1" lang="ja-JP" altLang="en-US" sz="2400" dirty="0"/>
-              <a:t>テキストファイルを作成する。</a:t>
-            </a:r>
-            <a:endParaRPr kumimoji="1" lang="en-US" altLang="ja-JP" sz="2400" dirty="0"/>
-          </a:p>
-          <a:p>
-            <a:pPr marL="457200" indent="-457200">
+              <a:rPr lang="en-US" altLang="ja-JP" sz="2200" dirty="0">
+                <a:solidFill>
+                  <a:schemeClr val="tx1"/>
+                </a:solidFill>
+              </a:rPr>
+              <a:t>git status</a:t>
+            </a:r>
+            <a:r>
+              <a:rPr lang="ja-JP" altLang="en-US" sz="2000" dirty="0">
+                <a:solidFill>
+                  <a:schemeClr val="tx1"/>
+                </a:solidFill>
+              </a:rPr>
+              <a:t>　：現在の状況を確認する</a:t>
+            </a:r>
+            <a:endParaRPr lang="en-US" altLang="ja-JP" sz="2000" dirty="0">
+              <a:solidFill>
+                <a:schemeClr val="tx1"/>
+              </a:solidFill>
+            </a:endParaRPr>
+          </a:p>
+          <a:p>
+            <a:pPr marL="619125" lvl="1" indent="0">
+              <a:buNone/>
+            </a:pPr>
+            <a:endParaRPr lang="en-US" altLang="ja-JP" sz="2200" dirty="0">
+              <a:solidFill>
+                <a:schemeClr val="tx1"/>
+              </a:solidFill>
+            </a:endParaRPr>
+          </a:p>
+          <a:p>
+            <a:pPr marL="619125" lvl="1" indent="0">
+              <a:buNone/>
+            </a:pPr>
+            <a:endParaRPr lang="en-US" altLang="ja-JP" sz="2200" dirty="0">
+              <a:solidFill>
+                <a:schemeClr val="tx1"/>
+              </a:solidFill>
+            </a:endParaRPr>
+          </a:p>
+          <a:p>
+            <a:pPr marL="619125" lvl="1" indent="0">
+              <a:buNone/>
+            </a:pPr>
+            <a:endParaRPr lang="en-US" altLang="ja-JP" sz="2200" dirty="0">
+              <a:solidFill>
+                <a:schemeClr val="tx1"/>
+              </a:solidFill>
+            </a:endParaRPr>
+          </a:p>
+          <a:p>
+            <a:pPr marL="619125" lvl="1" indent="0">
+              <a:buNone/>
+            </a:pPr>
+            <a:endParaRPr lang="en-US" altLang="ja-JP" sz="2200" dirty="0">
+              <a:solidFill>
+                <a:schemeClr val="tx1"/>
+              </a:solidFill>
+            </a:endParaRPr>
+          </a:p>
+          <a:p>
+            <a:pPr marL="619125" lvl="1" indent="0">
+              <a:buNone/>
+            </a:pPr>
+            <a:endParaRPr lang="en-US" altLang="ja-JP" sz="2200" dirty="0">
+              <a:solidFill>
+                <a:schemeClr val="tx1"/>
+              </a:solidFill>
+            </a:endParaRPr>
+          </a:p>
+          <a:p>
+            <a:pPr marL="914400" lvl="1" indent="-457200">
               <a:buFont typeface="+mj-lt"/>
               <a:buAutoNum type="arabicPeriod"/>
             </a:pPr>
-            <a:endParaRPr kumimoji="1" lang="en-US" altLang="ja-JP" sz="2400" dirty="0"/>
-          </a:p>
-          <a:p>
-            <a:pPr marL="457200" indent="-457200">
+            <a:r>
+              <a:rPr lang="en-US" altLang="ja-JP" sz="2200" dirty="0">
+                <a:solidFill>
+                  <a:schemeClr val="tx1"/>
+                </a:solidFill>
+              </a:rPr>
+              <a:t>git add –A</a:t>
+            </a:r>
+            <a:r>
+              <a:rPr lang="ja-JP" altLang="en-US" sz="2200" dirty="0">
+                <a:solidFill>
+                  <a:schemeClr val="tx1"/>
+                </a:solidFill>
+              </a:rPr>
+              <a:t>　</a:t>
+            </a:r>
+            <a:r>
+              <a:rPr lang="ja-JP" altLang="en-US" sz="2000" dirty="0">
+                <a:solidFill>
+                  <a:schemeClr val="tx1"/>
+                </a:solidFill>
+              </a:rPr>
+              <a:t>：全てのファイルをコミットの対象にする</a:t>
+            </a:r>
+            <a:endParaRPr lang="en-US" altLang="ja-JP" sz="2000" dirty="0">
+              <a:solidFill>
+                <a:schemeClr val="tx1"/>
+              </a:solidFill>
+            </a:endParaRPr>
+          </a:p>
+          <a:p>
+            <a:pPr marL="914400" lvl="1" indent="-457200">
               <a:buFont typeface="+mj-lt"/>
               <a:buAutoNum type="arabicPeriod"/>
             </a:pPr>
             <a:r>
-              <a:rPr lang="ja-JP" altLang="en-US" sz="2400" dirty="0"/>
-              <a:t>以下のコマンドを入力</a:t>
-            </a:r>
-            <a:endParaRPr lang="en-US" altLang="ja-JP" sz="2400" dirty="0"/>
-          </a:p>
-          <a:p>
-            <a:pPr lvl="1">
-              <a:buFont typeface="Arial" panose="020B0604020202020204" pitchFamily="34" charset="0"/>
-              <a:buChar char="•"/>
-            </a:pPr>
-            <a:r>
-              <a:rPr lang="en-US" altLang="ja-JP" sz="2200" dirty="0"/>
-              <a:t>git status</a:t>
-            </a:r>
-          </a:p>
-          <a:p>
-            <a:pPr lvl="1">
-              <a:buFont typeface="Arial" panose="020B0604020202020204" pitchFamily="34" charset="0"/>
-              <a:buChar char="•"/>
-            </a:pPr>
-            <a:r>
-              <a:rPr lang="en-US" altLang="ja-JP" sz="2200" dirty="0"/>
-              <a:t>git add –A</a:t>
-            </a:r>
-          </a:p>
-          <a:p>
-            <a:pPr lvl="1">
-              <a:buFont typeface="Arial" panose="020B0604020202020204" pitchFamily="34" charset="0"/>
-              <a:buChar char="•"/>
-            </a:pPr>
-            <a:r>
-              <a:rPr lang="en-US" altLang="ja-JP" sz="2200" dirty="0"/>
+              <a:rPr lang="en-US" altLang="ja-JP" sz="2200" dirty="0">
+                <a:solidFill>
+                  <a:schemeClr val="tx1"/>
+                </a:solidFill>
+              </a:rPr>
               <a:t>git status</a:t>
             </a:r>
           </a:p>
@@ -16699,46 +16757,10 @@
       </p:grpSp>
       <p:pic>
         <p:nvPicPr>
-          <p:cNvPr id="8" name="図 7" descr="テキスト&#10;&#10;自動的に生成された説明">
+          <p:cNvPr id="15" name="図 14" descr="テキスト&#10;&#10;自動的に生成された説明">
             <a:extLst>
               <a:ext uri="{FF2B5EF4-FFF2-40B4-BE49-F238E27FC236}">
-                <a16:creationId xmlns:a16="http://schemas.microsoft.com/office/drawing/2014/main" id="{1FA3738A-BB6C-3FF1-42DD-4486E906826D}"/>
-              </a:ext>
-            </a:extLst>
-          </p:cNvPr>
-          <p:cNvPicPr>
-            <a:picLocks noChangeAspect="1"/>
-          </p:cNvPicPr>
-          <p:nvPr/>
-        </p:nvPicPr>
-        <p:blipFill>
-          <a:blip r:embed="rId2">
-            <a:extLst>
-              <a:ext uri="{28A0092B-C50C-407E-A947-70E740481C1C}">
-                <a14:useLocalDpi xmlns:a14="http://schemas.microsoft.com/office/drawing/2010/main" val="0"/>
-              </a:ext>
-            </a:extLst>
-          </a:blip>
-          <a:stretch>
-            <a:fillRect/>
-          </a:stretch>
-        </p:blipFill>
-        <p:spPr>
-          <a:xfrm>
-            <a:off x="5228915" y="1967173"/>
-            <a:ext cx="6451536" cy="2003434"/>
-          </a:xfrm>
-          <a:prstGeom prst="rect">
-            <a:avLst/>
-          </a:prstGeom>
-        </p:spPr>
-      </p:pic>
-      <p:pic>
-        <p:nvPicPr>
-          <p:cNvPr id="10" name="図 9" descr="テキスト&#10;&#10;自動的に生成された説明">
-            <a:extLst>
-              <a:ext uri="{FF2B5EF4-FFF2-40B4-BE49-F238E27FC236}">
-                <a16:creationId xmlns:a16="http://schemas.microsoft.com/office/drawing/2014/main" id="{523E4FDA-F0C7-FA85-77BA-DA2F8665DB8B}"/>
+                <a16:creationId xmlns:a16="http://schemas.microsoft.com/office/drawing/2014/main" id="{E84E0955-97D8-D14F-2851-D15A9864012A}"/>
               </a:ext>
             </a:extLst>
           </p:cNvPr>
@@ -16761,107 +16783,54 @@
         </p:blipFill>
         <p:spPr>
           <a:xfrm>
-            <a:off x="5228915" y="4636909"/>
-            <a:ext cx="6451536" cy="1908985"/>
+            <a:off x="2188823" y="1737004"/>
+            <a:ext cx="6517227" cy="2023834"/>
           </a:xfrm>
           <a:prstGeom prst="rect">
             <a:avLst/>
           </a:prstGeom>
         </p:spPr>
       </p:pic>
-      <p:cxnSp>
-        <p:nvCxnSpPr>
-          <p:cNvPr id="16" name="直線矢印コネクタ 15">
+      <p:pic>
+        <p:nvPicPr>
+          <p:cNvPr id="19" name="図 18" descr="テキスト&#10;&#10;自動的に生成された説明">
             <a:extLst>
               <a:ext uri="{FF2B5EF4-FFF2-40B4-BE49-F238E27FC236}">
-                <a16:creationId xmlns:a16="http://schemas.microsoft.com/office/drawing/2014/main" id="{B9BD2167-9763-6D34-B4CB-0807112EF2F7}"/>
+                <a16:creationId xmlns:a16="http://schemas.microsoft.com/office/drawing/2014/main" id="{6EF03216-A440-EB62-1C39-A53634085111}"/>
               </a:ext>
             </a:extLst>
           </p:cNvPr>
-          <p:cNvCxnSpPr>
-            <a:stCxn id="8" idx="2"/>
-            <a:endCxn id="10" idx="0"/>
-          </p:cNvCxnSpPr>
+          <p:cNvPicPr>
+            <a:picLocks noChangeAspect="1"/>
+          </p:cNvPicPr>
           <p:nvPr/>
-        </p:nvCxnSpPr>
+        </p:nvPicPr>
+        <p:blipFill>
+          <a:blip r:embed="rId4">
+            <a:extLst>
+              <a:ext uri="{28A0092B-C50C-407E-A947-70E740481C1C}">
+                <a14:useLocalDpi xmlns:a14="http://schemas.microsoft.com/office/drawing/2010/main" val="0"/>
+              </a:ext>
+            </a:extLst>
+          </a:blip>
+          <a:stretch>
+            <a:fillRect/>
+          </a:stretch>
+        </p:blipFill>
         <p:spPr>
           <a:xfrm>
-            <a:off x="8454683" y="3970607"/>
-            <a:ext cx="0" cy="666302"/>
-          </a:xfrm>
-          <a:prstGeom prst="straightConnector1">
-            <a:avLst/>
-          </a:prstGeom>
-          <a:ln>
-            <a:tailEnd type="triangle"/>
-          </a:ln>
-        </p:spPr>
-        <p:style>
-          <a:lnRef idx="3">
-            <a:schemeClr val="accent5"/>
-          </a:lnRef>
-          <a:fillRef idx="0">
-            <a:schemeClr val="accent5"/>
-          </a:fillRef>
-          <a:effectRef idx="2">
-            <a:schemeClr val="accent5"/>
-          </a:effectRef>
-          <a:fontRef idx="minor">
-            <a:schemeClr val="tx1"/>
-          </a:fontRef>
-        </p:style>
-      </p:cxnSp>
-      <p:sp>
-        <p:nvSpPr>
-          <p:cNvPr id="17" name="テキスト ボックス 16">
-            <a:extLst>
-              <a:ext uri="{FF2B5EF4-FFF2-40B4-BE49-F238E27FC236}">
-                <a16:creationId xmlns:a16="http://schemas.microsoft.com/office/drawing/2014/main" id="{D2E815ED-EDBC-78E7-B2EF-665156DE41E2}"/>
-              </a:ext>
-            </a:extLst>
-          </p:cNvPr>
-          <p:cNvSpPr txBox="1"/>
-          <p:nvPr/>
-        </p:nvSpPr>
-        <p:spPr>
-          <a:xfrm>
-            <a:off x="6715828" y="4074181"/>
-            <a:ext cx="1738855" cy="400110"/>
+            <a:off x="2188823" y="4936508"/>
+            <a:ext cx="5975672" cy="1768179"/>
           </a:xfrm>
           <a:prstGeom prst="rect">
             <a:avLst/>
           </a:prstGeom>
-          <a:noFill/>
         </p:spPr>
-        <p:txBody>
-          <a:bodyPr wrap="square" rtlCol="0">
-            <a:spAutoFit/>
-          </a:bodyPr>
-          <a:lstStyle/>
-          <a:p>
-            <a:r>
-              <a:rPr kumimoji="1" lang="en-US" altLang="ja-JP" sz="2000" dirty="0">
-                <a:solidFill>
-                  <a:schemeClr val="accent5"/>
-                </a:solidFill>
-              </a:rPr>
-              <a:t>git add –A </a:t>
-            </a:r>
-            <a:r>
-              <a:rPr kumimoji="1" lang="ja-JP" altLang="en-US" sz="2000" dirty="0">
-                <a:solidFill>
-                  <a:schemeClr val="accent5"/>
-                </a:solidFill>
-              </a:rPr>
-              <a:t>後</a:t>
-            </a:r>
-          </a:p>
-        </p:txBody>
-      </p:sp>
+      </p:pic>
     </p:spTree>
     <p:extLst>
       <p:ext uri="{BB962C8B-B14F-4D97-AF65-F5344CB8AC3E}">
-        <p14:creationId xmlns:p14="http://schemas.microsoft.com/office/powerpoint/2010/main" val="2636445956"/>
+        <p14:creationId xmlns:p14="http://schemas.microsoft.com/office/powerpoint/2010/main" val="2378047204"/>
       </p:ext>
     </p:extLst>
   </p:cSld>
@@ -17045,6 +17014,464 @@
     <p:extLst>
       <p:ext uri="{BB962C8B-B14F-4D97-AF65-F5344CB8AC3E}">
         <p14:creationId xmlns:p14="http://schemas.microsoft.com/office/powerpoint/2010/main" val="2756313680"/>
+      </p:ext>
+    </p:extLst>
+  </p:cSld>
+  <p:clrMapOvr>
+    <a:masterClrMapping/>
+  </p:clrMapOvr>
+</p:sld>
+</file>
+
+<file path=ppt/slides/slide20.xml><?xml version="1.0" encoding="utf-8"?>
+<p:sld xmlns:a="http://schemas.openxmlformats.org/drawingml/2006/main" xmlns:r="http://schemas.openxmlformats.org/officeDocument/2006/relationships" xmlns:p="http://schemas.openxmlformats.org/presentationml/2006/main">
+  <p:cSld>
+    <p:spTree>
+      <p:nvGrpSpPr>
+        <p:cNvPr id="1" name=""/>
+        <p:cNvGrpSpPr/>
+        <p:nvPr/>
+      </p:nvGrpSpPr>
+      <p:grpSpPr>
+        <a:xfrm>
+          <a:off x="0" y="0"/>
+          <a:ext cx="0" cy="0"/>
+          <a:chOff x="0" y="0"/>
+          <a:chExt cx="0" cy="0"/>
+        </a:xfrm>
+      </p:grpSpPr>
+      <p:grpSp>
+        <p:nvGrpSpPr>
+          <p:cNvPr id="4" name="グループ化 3">
+            <a:extLst>
+              <a:ext uri="{FF2B5EF4-FFF2-40B4-BE49-F238E27FC236}">
+                <a16:creationId xmlns:a16="http://schemas.microsoft.com/office/drawing/2014/main" id="{13374873-08F9-3C6F-7771-B80B147F31FB}"/>
+              </a:ext>
+            </a:extLst>
+          </p:cNvPr>
+          <p:cNvGrpSpPr/>
+          <p:nvPr/>
+        </p:nvGrpSpPr>
+        <p:grpSpPr>
+          <a:xfrm>
+            <a:off x="-156089" y="-1"/>
+            <a:ext cx="12348089" cy="634258"/>
+            <a:chOff x="-156089" y="-1"/>
+            <a:chExt cx="12348089" cy="634258"/>
+          </a:xfrm>
+        </p:grpSpPr>
+        <p:sp>
+          <p:nvSpPr>
+            <p:cNvPr id="5" name="正方形/長方形 4">
+              <a:extLst>
+                <a:ext uri="{FF2B5EF4-FFF2-40B4-BE49-F238E27FC236}">
+                  <a16:creationId xmlns:a16="http://schemas.microsoft.com/office/drawing/2014/main" id="{609FEFCD-8227-94AE-74CA-269F21CA1E28}"/>
+                </a:ext>
+              </a:extLst>
+            </p:cNvPr>
+            <p:cNvSpPr/>
+            <p:nvPr/>
+          </p:nvSpPr>
+          <p:spPr>
+            <a:xfrm>
+              <a:off x="0" y="-1"/>
+              <a:ext cx="12192000" cy="505841"/>
+            </a:xfrm>
+            <a:prstGeom prst="rect">
+              <a:avLst/>
+            </a:prstGeom>
+            <a:ln>
+              <a:solidFill>
+                <a:schemeClr val="tx2">
+                  <a:lumMod val="90000"/>
+                  <a:lumOff val="10000"/>
+                </a:schemeClr>
+              </a:solidFill>
+            </a:ln>
+          </p:spPr>
+          <p:style>
+            <a:lnRef idx="2">
+              <a:schemeClr val="dk1">
+                <a:shade val="50000"/>
+              </a:schemeClr>
+            </a:lnRef>
+            <a:fillRef idx="1">
+              <a:schemeClr val="dk1"/>
+            </a:fillRef>
+            <a:effectRef idx="0">
+              <a:schemeClr val="dk1"/>
+            </a:effectRef>
+            <a:fontRef idx="minor">
+              <a:schemeClr val="lt1"/>
+            </a:fontRef>
+          </p:style>
+          <p:txBody>
+            <a:bodyPr rtlCol="0" anchor="ctr"/>
+            <a:lstStyle/>
+            <a:p>
+              <a:pPr algn="ctr"/>
+              <a:endParaRPr kumimoji="1" lang="ja-JP" altLang="en-US" dirty="0"/>
+            </a:p>
+          </p:txBody>
+        </p:sp>
+        <p:sp>
+          <p:nvSpPr>
+            <p:cNvPr id="6" name="タイトル 1">
+              <a:extLst>
+                <a:ext uri="{FF2B5EF4-FFF2-40B4-BE49-F238E27FC236}">
+                  <a16:creationId xmlns:a16="http://schemas.microsoft.com/office/drawing/2014/main" id="{DE116CE4-A1A7-7BF3-63DF-C93B72157355}"/>
+                </a:ext>
+              </a:extLst>
+            </p:cNvPr>
+            <p:cNvSpPr txBox="1">
+              <a:spLocks/>
+            </p:cNvSpPr>
+            <p:nvPr/>
+          </p:nvSpPr>
+          <p:spPr>
+            <a:xfrm>
+              <a:off x="-156089" y="36280"/>
+              <a:ext cx="8610772" cy="597977"/>
+            </a:xfrm>
+            <a:prstGeom prst="rect">
+              <a:avLst/>
+            </a:prstGeom>
+          </p:spPr>
+          <p:txBody>
+            <a:bodyPr vert="horz" lIns="91440" tIns="45720" rIns="91440" bIns="45720" rtlCol="0" anchor="t">
+              <a:normAutofit/>
+            </a:bodyPr>
+            <a:lstStyle>
+              <a:lvl1pPr algn="l" defTabSz="914400" rtl="0" eaLnBrk="1" latinLnBrk="0" hangingPunct="1">
+                <a:lnSpc>
+                  <a:spcPct val="90000"/>
+                </a:lnSpc>
+                <a:spcBef>
+                  <a:spcPct val="0"/>
+                </a:spcBef>
+                <a:buNone/>
+                <a:defRPr kumimoji="1" sz="5100" kern="1200" cap="all" spc="200" baseline="0">
+                  <a:solidFill>
+                    <a:schemeClr val="tx2"/>
+                  </a:solidFill>
+                  <a:latin typeface="+mj-lt"/>
+                  <a:ea typeface="+mj-ea"/>
+                  <a:cs typeface="+mj-cs"/>
+                </a:defRPr>
+              </a:lvl1pPr>
+            </a:lstStyle>
+            <a:p>
+              <a:r>
+                <a:rPr lang="ja-JP" altLang="en-US" sz="2800" cap="none" dirty="0">
+                  <a:solidFill>
+                    <a:schemeClr val="bg1"/>
+                  </a:solidFill>
+                </a:rPr>
+                <a:t>・コミットする</a:t>
+              </a:r>
+              <a:endParaRPr lang="ja-JP" altLang="en-US" sz="2800" dirty="0">
+                <a:solidFill>
+                  <a:schemeClr val="bg1"/>
+                </a:solidFill>
+              </a:endParaRPr>
+            </a:p>
+          </p:txBody>
+        </p:sp>
+      </p:grpSp>
+      <p:sp>
+        <p:nvSpPr>
+          <p:cNvPr id="10" name="コンテンツ プレースホルダー 2">
+            <a:extLst>
+              <a:ext uri="{FF2B5EF4-FFF2-40B4-BE49-F238E27FC236}">
+                <a16:creationId xmlns:a16="http://schemas.microsoft.com/office/drawing/2014/main" id="{2C24FBBB-C211-0EA1-13C1-C8715E8A7A91}"/>
+              </a:ext>
+            </a:extLst>
+          </p:cNvPr>
+          <p:cNvSpPr>
+            <a:spLocks noGrp="1"/>
+          </p:cNvSpPr>
+          <p:nvPr>
+            <p:ph idx="1"/>
+          </p:nvPr>
+        </p:nvSpPr>
+        <p:spPr>
+          <a:xfrm>
+            <a:off x="1251678" y="809469"/>
+            <a:ext cx="10178322" cy="5070123"/>
+          </a:xfrm>
+        </p:spPr>
+        <p:txBody>
+          <a:bodyPr>
+            <a:normAutofit/>
+          </a:bodyPr>
+          <a:lstStyle/>
+          <a:p>
+            <a:pPr marL="0" indent="0">
+              <a:buNone/>
+            </a:pPr>
+            <a:r>
+              <a:rPr lang="ja-JP" altLang="en-US" sz="2400" dirty="0">
+                <a:solidFill>
+                  <a:schemeClr val="tx1"/>
+                </a:solidFill>
+              </a:rPr>
+              <a:t>以下のコマンドを実行</a:t>
+            </a:r>
+            <a:endParaRPr lang="en-US" altLang="ja-JP" sz="2400" dirty="0">
+              <a:solidFill>
+                <a:schemeClr val="tx1"/>
+              </a:solidFill>
+            </a:endParaRPr>
+          </a:p>
+          <a:p>
+            <a:pPr marL="914400" lvl="1" indent="-457200">
+              <a:buFont typeface="+mj-lt"/>
+              <a:buAutoNum type="arabicPeriod"/>
+            </a:pPr>
+            <a:r>
+              <a:rPr lang="en-US" altLang="ja-JP" sz="2200" dirty="0">
+                <a:solidFill>
+                  <a:schemeClr val="tx1"/>
+                </a:solidFill>
+              </a:rPr>
+              <a:t>git diff --cached</a:t>
+            </a:r>
+            <a:r>
+              <a:rPr lang="ja-JP" altLang="en-US" sz="2000" dirty="0">
+                <a:solidFill>
+                  <a:schemeClr val="tx1"/>
+                </a:solidFill>
+              </a:rPr>
+              <a:t>　：前回の差分を表示</a:t>
+            </a:r>
+            <a:endParaRPr lang="en-US" altLang="ja-JP" sz="2000" dirty="0">
+              <a:solidFill>
+                <a:schemeClr val="tx1"/>
+              </a:solidFill>
+            </a:endParaRPr>
+          </a:p>
+          <a:p>
+            <a:pPr marL="914400" lvl="1" indent="-457200">
+              <a:buFont typeface="+mj-lt"/>
+              <a:buAutoNum type="arabicPeriod"/>
+            </a:pPr>
+            <a:endParaRPr lang="en-US" altLang="ja-JP" sz="2000" dirty="0">
+              <a:solidFill>
+                <a:schemeClr val="tx1"/>
+              </a:solidFill>
+            </a:endParaRPr>
+          </a:p>
+          <a:p>
+            <a:pPr marL="914400" lvl="1" indent="-457200">
+              <a:buFont typeface="+mj-lt"/>
+              <a:buAutoNum type="arabicPeriod"/>
+            </a:pPr>
+            <a:endParaRPr lang="en-US" altLang="ja-JP" sz="2000" dirty="0">
+              <a:solidFill>
+                <a:schemeClr val="tx1"/>
+              </a:solidFill>
+            </a:endParaRPr>
+          </a:p>
+          <a:p>
+            <a:pPr marL="914400" lvl="1" indent="-457200">
+              <a:buFont typeface="+mj-lt"/>
+              <a:buAutoNum type="arabicPeriod"/>
+            </a:pPr>
+            <a:endParaRPr lang="en-US" altLang="ja-JP" sz="2000" dirty="0">
+              <a:solidFill>
+                <a:schemeClr val="tx1"/>
+              </a:solidFill>
+            </a:endParaRPr>
+          </a:p>
+          <a:p>
+            <a:pPr marL="457200" lvl="1" indent="0">
+              <a:buNone/>
+            </a:pPr>
+            <a:endParaRPr lang="en-US" altLang="ja-JP" sz="2200" dirty="0">
+              <a:solidFill>
+                <a:schemeClr val="tx1"/>
+              </a:solidFill>
+            </a:endParaRPr>
+          </a:p>
+          <a:p>
+            <a:pPr marL="914400" lvl="1" indent="-457200">
+              <a:buFont typeface="+mj-lt"/>
+              <a:buAutoNum type="arabicPeriod"/>
+            </a:pPr>
+            <a:r>
+              <a:rPr lang="en-US" altLang="ja-JP" sz="2200" dirty="0">
+                <a:solidFill>
+                  <a:schemeClr val="tx1"/>
+                </a:solidFill>
+              </a:rPr>
+              <a:t>git commit –m “</a:t>
+            </a:r>
+            <a:r>
+              <a:rPr lang="ja-JP" altLang="en-US" sz="2200" dirty="0">
+                <a:solidFill>
+                  <a:schemeClr val="tx1"/>
+                </a:solidFill>
+              </a:rPr>
+              <a:t>コミットメッセージ</a:t>
+            </a:r>
+            <a:r>
+              <a:rPr lang="en-US" altLang="ja-JP" sz="2200" dirty="0">
+                <a:solidFill>
+                  <a:schemeClr val="tx1"/>
+                </a:solidFill>
+              </a:rPr>
+              <a:t>”</a:t>
+            </a:r>
+            <a:r>
+              <a:rPr lang="ja-JP" altLang="en-US" sz="2200" dirty="0">
+                <a:solidFill>
+                  <a:schemeClr val="tx1"/>
+                </a:solidFill>
+              </a:rPr>
+              <a:t>　</a:t>
+            </a:r>
+            <a:r>
+              <a:rPr lang="ja-JP" altLang="en-US" sz="2000" dirty="0">
+                <a:solidFill>
+                  <a:schemeClr val="tx1"/>
+                </a:solidFill>
+              </a:rPr>
+              <a:t>：コミットする</a:t>
+            </a:r>
+            <a:endParaRPr lang="en-US" altLang="ja-JP" sz="2000" dirty="0">
+              <a:solidFill>
+                <a:schemeClr val="tx1"/>
+              </a:solidFill>
+            </a:endParaRPr>
+          </a:p>
+          <a:p>
+            <a:pPr marL="914400" lvl="1" indent="-457200">
+              <a:buFont typeface="+mj-lt"/>
+              <a:buAutoNum type="arabicPeriod"/>
+            </a:pPr>
+            <a:r>
+              <a:rPr lang="en-US" altLang="ja-JP" sz="2200" dirty="0">
+                <a:solidFill>
+                  <a:schemeClr val="tx1"/>
+                </a:solidFill>
+              </a:rPr>
+              <a:t>git log</a:t>
+            </a:r>
+          </a:p>
+        </p:txBody>
+      </p:sp>
+      <p:pic>
+        <p:nvPicPr>
+          <p:cNvPr id="14" name="図 13" descr="テキスト&#10;&#10;自動的に生成された説明">
+            <a:extLst>
+              <a:ext uri="{FF2B5EF4-FFF2-40B4-BE49-F238E27FC236}">
+                <a16:creationId xmlns:a16="http://schemas.microsoft.com/office/drawing/2014/main" id="{2F83EF82-99B9-AF0B-FF34-AEABAB7FDAF0}"/>
+              </a:ext>
+            </a:extLst>
+          </p:cNvPr>
+          <p:cNvPicPr>
+            <a:picLocks noChangeAspect="1"/>
+          </p:cNvPicPr>
+          <p:nvPr/>
+        </p:nvPicPr>
+        <p:blipFill>
+          <a:blip r:embed="rId2">
+            <a:extLst>
+              <a:ext uri="{28A0092B-C50C-407E-A947-70E740481C1C}">
+                <a14:useLocalDpi xmlns:a14="http://schemas.microsoft.com/office/drawing/2010/main" val="0"/>
+              </a:ext>
+            </a:extLst>
+          </a:blip>
+          <a:stretch>
+            <a:fillRect/>
+          </a:stretch>
+        </p:blipFill>
+        <p:spPr>
+          <a:xfrm>
+            <a:off x="2194768" y="1720830"/>
+            <a:ext cx="6412203" cy="1778869"/>
+          </a:xfrm>
+          <a:prstGeom prst="rect">
+            <a:avLst/>
+          </a:prstGeom>
+        </p:spPr>
+      </p:pic>
+      <p:pic>
+        <p:nvPicPr>
+          <p:cNvPr id="16" name="図 15" descr="テキスト&#10;&#10;自動的に生成された説明">
+            <a:extLst>
+              <a:ext uri="{FF2B5EF4-FFF2-40B4-BE49-F238E27FC236}">
+                <a16:creationId xmlns:a16="http://schemas.microsoft.com/office/drawing/2014/main" id="{49B3D67F-B7C5-693F-5680-8F7FBE9A5DD0}"/>
+              </a:ext>
+            </a:extLst>
+          </p:cNvPr>
+          <p:cNvPicPr>
+            <a:picLocks noChangeAspect="1"/>
+          </p:cNvPicPr>
+          <p:nvPr/>
+        </p:nvPicPr>
+        <p:blipFill>
+          <a:blip r:embed="rId3">
+            <a:extLst>
+              <a:ext uri="{28A0092B-C50C-407E-A947-70E740481C1C}">
+                <a14:useLocalDpi xmlns:a14="http://schemas.microsoft.com/office/drawing/2010/main" val="0"/>
+              </a:ext>
+            </a:extLst>
+          </a:blip>
+          <a:stretch>
+            <a:fillRect/>
+          </a:stretch>
+        </p:blipFill>
+        <p:spPr>
+          <a:xfrm>
+            <a:off x="4149297" y="4898866"/>
+            <a:ext cx="7424916" cy="1149665"/>
+          </a:xfrm>
+          <a:prstGeom prst="rect">
+            <a:avLst/>
+          </a:prstGeom>
+        </p:spPr>
+      </p:pic>
+      <p:pic>
+        <p:nvPicPr>
+          <p:cNvPr id="18" name="図 17" descr="テキスト&#10;&#10;自動的に生成された説明">
+            <a:extLst>
+              <a:ext uri="{FF2B5EF4-FFF2-40B4-BE49-F238E27FC236}">
+                <a16:creationId xmlns:a16="http://schemas.microsoft.com/office/drawing/2014/main" id="{43FA587A-CA6C-14B5-750B-FC84F1FF4BBD}"/>
+              </a:ext>
+            </a:extLst>
+          </p:cNvPr>
+          <p:cNvPicPr>
+            <a:picLocks noChangeAspect="1"/>
+          </p:cNvPicPr>
+          <p:nvPr/>
+        </p:nvPicPr>
+        <p:blipFill>
+          <a:blip r:embed="rId4">
+            <a:extLst>
+              <a:ext uri="{28A0092B-C50C-407E-A947-70E740481C1C}">
+                <a14:useLocalDpi xmlns:a14="http://schemas.microsoft.com/office/drawing/2010/main" val="0"/>
+              </a:ext>
+            </a:extLst>
+          </a:blip>
+          <a:stretch>
+            <a:fillRect/>
+          </a:stretch>
+        </p:blipFill>
+        <p:spPr>
+          <a:xfrm>
+            <a:off x="1582057" y="5478101"/>
+            <a:ext cx="6052906" cy="1314717"/>
+          </a:xfrm>
+          <a:prstGeom prst="rect">
+            <a:avLst/>
+          </a:prstGeom>
+        </p:spPr>
+      </p:pic>
+    </p:spTree>
+    <p:extLst>
+      <p:ext uri="{BB962C8B-B14F-4D97-AF65-F5344CB8AC3E}">
+        <p14:creationId xmlns:p14="http://schemas.microsoft.com/office/powerpoint/2010/main" val="2824219273"/>
       </p:ext>
     </p:extLst>
   </p:cSld>

--- a/gitについて_松家.pptx
+++ b/gitについて_松家.pptx
@@ -5,7 +5,7 @@
     <p:sldMasterId id="2147483660" r:id="rId1"/>
   </p:sldMasterIdLst>
   <p:notesMasterIdLst>
-    <p:notesMasterId r:id="rId17"/>
+    <p:notesMasterId r:id="rId14"/>
   </p:notesMasterIdLst>
   <p:sldIdLst>
     <p:sldId id="274" r:id="rId2"/>
@@ -14,15 +14,12 @@
     <p:sldId id="368" r:id="rId5"/>
     <p:sldId id="369" r:id="rId6"/>
     <p:sldId id="370" r:id="rId7"/>
-    <p:sldId id="273" r:id="rId8"/>
-    <p:sldId id="275" r:id="rId9"/>
-    <p:sldId id="277" r:id="rId10"/>
-    <p:sldId id="276" r:id="rId11"/>
-    <p:sldId id="278" r:id="rId12"/>
-    <p:sldId id="279" r:id="rId13"/>
-    <p:sldId id="281" r:id="rId14"/>
-    <p:sldId id="280" r:id="rId15"/>
-    <p:sldId id="371" r:id="rId16"/>
+    <p:sldId id="277" r:id="rId8"/>
+    <p:sldId id="276" r:id="rId9"/>
+    <p:sldId id="278" r:id="rId10"/>
+    <p:sldId id="279" r:id="rId11"/>
+    <p:sldId id="280" r:id="rId12"/>
+    <p:sldId id="371" r:id="rId13"/>
   </p:sldIdLst>
   <p:sldSz cx="12192000" cy="6858000"/>
   <p:notesSz cx="6858000" cy="9144000"/>
@@ -211,7 +208,7 @@
           <a:p>
             <a:fld id="{72EDCF4F-8B4B-46E6-A449-5F6F3B57A2E2}" type="datetimeFigureOut">
               <a:rPr kumimoji="1" lang="ja-JP" altLang="en-US" smtClean="0"/>
-              <a:t>2023/7/6</a:t>
+              <a:t>2023/7/7</a:t>
             </a:fld>
             <a:endParaRPr kumimoji="1" lang="ja-JP" altLang="en-US"/>
           </a:p>
@@ -796,7 +793,7 @@
           <a:p>
             <a:fld id="{41436B96-20CB-4457-A9A8-4BAF8B6D0582}" type="slidenum">
               <a:rPr kumimoji="1" lang="ja-JP" altLang="en-US" smtClean="0"/>
-              <a:t>11</a:t>
+              <a:t>9</a:t>
             </a:fld>
             <a:endParaRPr kumimoji="1" lang="ja-JP" altLang="en-US"/>
           </a:p>
@@ -859,7 +856,57 @@
           <a:bodyPr/>
           <a:lstStyle/>
           <a:p>
-            <a:endParaRPr kumimoji="1" lang="ja-JP" altLang="en-US" dirty="0"/>
+            <a:pPr marL="0" marR="0" lvl="0" indent="0" algn="l" defTabSz="914400" rtl="0" eaLnBrk="1" fontAlgn="auto" latinLnBrk="0" hangingPunct="1">
+              <a:lnSpc>
+                <a:spcPct val="100000"/>
+              </a:lnSpc>
+              <a:spcBef>
+                <a:spcPts val="0"/>
+              </a:spcBef>
+              <a:spcAft>
+                <a:spcPts val="0"/>
+              </a:spcAft>
+              <a:buClrTx/>
+              <a:buSzTx/>
+              <a:buFontTx/>
+              <a:buNone/>
+              <a:tabLst/>
+              <a:defRPr/>
+            </a:pPr>
+            <a:r>
+              <a:rPr kumimoji="1" lang="ja-JP" altLang="en-US" dirty="0"/>
+              <a:t>コミットを取り消す方法は二つあります。</a:t>
+            </a:r>
+            <a:endParaRPr kumimoji="1" lang="en-US" altLang="ja-JP" dirty="0"/>
+          </a:p>
+          <a:p>
+            <a:r>
+              <a:rPr kumimoji="1" lang="ja-JP" altLang="en-US" dirty="0"/>
+              <a:t>一つ目は</a:t>
+            </a:r>
+            <a:r>
+              <a:rPr kumimoji="1" lang="en-US" altLang="ja-JP" dirty="0"/>
+              <a:t>git reset</a:t>
+            </a:r>
+            <a:r>
+              <a:rPr kumimoji="1" lang="ja-JP" altLang="en-US" dirty="0"/>
+              <a:t>コマンドを実行する方法です。</a:t>
+            </a:r>
+            <a:endParaRPr kumimoji="1" lang="en-US" altLang="ja-JP" dirty="0"/>
+          </a:p>
+          <a:p>
+            <a:r>
+              <a:rPr kumimoji="1" lang="ja-JP" altLang="en-US" dirty="0"/>
+              <a:t>これは</a:t>
+            </a:r>
+            <a:r>
+              <a:rPr kumimoji="1" lang="en-US" altLang="ja-JP" dirty="0"/>
+              <a:t>Undo</a:t>
+            </a:r>
+            <a:r>
+              <a:rPr kumimoji="1" lang="ja-JP" altLang="en-US" dirty="0"/>
+              <a:t>ボタン押下と同じ動きです。</a:t>
+            </a:r>
           </a:p>
         </p:txBody>
       </p:sp>
@@ -880,7 +927,7 @@
           <a:p>
             <a:fld id="{41436B96-20CB-4457-A9A8-4BAF8B6D0582}" type="slidenum">
               <a:rPr kumimoji="1" lang="ja-JP" altLang="en-US" smtClean="0"/>
-              <a:t>13</a:t>
+              <a:t>11</a:t>
             </a:fld>
             <a:endParaRPr kumimoji="1" lang="ja-JP" altLang="en-US"/>
           </a:p>
@@ -889,7 +936,7 @@
     </p:spTree>
     <p:extLst>
       <p:ext uri="{BB962C8B-B14F-4D97-AF65-F5344CB8AC3E}">
-        <p14:creationId xmlns:p14="http://schemas.microsoft.com/office/powerpoint/2010/main" val="199141093"/>
+        <p14:creationId xmlns:p14="http://schemas.microsoft.com/office/powerpoint/2010/main" val="4874986"/>
       </p:ext>
     </p:extLst>
   </p:cSld>
@@ -943,56 +990,9 @@
           <a:bodyPr/>
           <a:lstStyle/>
           <a:p>
-            <a:pPr marL="0" marR="0" lvl="0" indent="0" algn="l" defTabSz="914400" rtl="0" eaLnBrk="1" fontAlgn="auto" latinLnBrk="0" hangingPunct="1">
-              <a:lnSpc>
-                <a:spcPct val="100000"/>
-              </a:lnSpc>
-              <a:spcBef>
-                <a:spcPts val="0"/>
-              </a:spcBef>
-              <a:spcAft>
-                <a:spcPts val="0"/>
-              </a:spcAft>
-              <a:buClrTx/>
-              <a:buSzTx/>
-              <a:buFontTx/>
-              <a:buNone/>
-              <a:tabLst/>
-              <a:defRPr/>
-            </a:pPr>
             <a:r>
               <a:rPr kumimoji="1" lang="ja-JP" altLang="en-US" dirty="0"/>
-              <a:t>コミットを取り消す方法は二つあります。</a:t>
-            </a:r>
-            <a:endParaRPr kumimoji="1" lang="en-US" altLang="ja-JP" dirty="0"/>
-          </a:p>
-          <a:p>
-            <a:r>
-              <a:rPr kumimoji="1" lang="ja-JP" altLang="en-US" dirty="0"/>
-              <a:t>一つ目は</a:t>
-            </a:r>
-            <a:r>
-              <a:rPr kumimoji="1" lang="en-US" altLang="ja-JP" dirty="0"/>
-              <a:t>git reset</a:t>
-            </a:r>
-            <a:r>
-              <a:rPr kumimoji="1" lang="ja-JP" altLang="en-US" dirty="0"/>
-              <a:t>コマンドを実行する方法です。</a:t>
-            </a:r>
-            <a:endParaRPr kumimoji="1" lang="en-US" altLang="ja-JP" dirty="0"/>
-          </a:p>
-          <a:p>
-            <a:r>
-              <a:rPr kumimoji="1" lang="ja-JP" altLang="en-US" dirty="0"/>
-              <a:t>これは</a:t>
-            </a:r>
-            <a:r>
-              <a:rPr kumimoji="1" lang="en-US" altLang="ja-JP" dirty="0"/>
-              <a:t>Undo</a:t>
-            </a:r>
-            <a:r>
-              <a:rPr kumimoji="1" lang="ja-JP" altLang="en-US" dirty="0"/>
-              <a:t>ボタン押下と同じ動きです。</a:t>
+              <a:t>二つ目はリバートをする方法です。</a:t>
             </a:r>
           </a:p>
         </p:txBody>
@@ -1014,7 +1014,7 @@
           <a:p>
             <a:fld id="{41436B96-20CB-4457-A9A8-4BAF8B6D0582}" type="slidenum">
               <a:rPr kumimoji="1" lang="ja-JP" altLang="en-US" smtClean="0"/>
-              <a:t>14</a:t>
+              <a:t>12</a:t>
             </a:fld>
             <a:endParaRPr kumimoji="1" lang="ja-JP" altLang="en-US"/>
           </a:p>
@@ -1023,7 +1023,7 @@
     </p:spTree>
     <p:extLst>
       <p:ext uri="{BB962C8B-B14F-4D97-AF65-F5344CB8AC3E}">
-        <p14:creationId xmlns:p14="http://schemas.microsoft.com/office/powerpoint/2010/main" val="4874986"/>
+        <p14:creationId xmlns:p14="http://schemas.microsoft.com/office/powerpoint/2010/main" val="2881373138"/>
       </p:ext>
     </p:extLst>
   </p:cSld>
@@ -2244,7 +2244,7 @@
           <a:p>
             <a:fld id="{A7BBA3D3-EB80-4CA1-AEA9-F73253A3EA73}" type="datetimeFigureOut">
               <a:rPr kumimoji="1" lang="ja-JP" altLang="en-US" smtClean="0"/>
-              <a:t>2023/7/6</a:t>
+              <a:t>2023/7/7</a:t>
             </a:fld>
             <a:endParaRPr kumimoji="1" lang="ja-JP" altLang="en-US"/>
           </a:p>
@@ -2514,7 +2514,7 @@
           <a:p>
             <a:fld id="{A7BBA3D3-EB80-4CA1-AEA9-F73253A3EA73}" type="datetimeFigureOut">
               <a:rPr kumimoji="1" lang="ja-JP" altLang="en-US" smtClean="0"/>
-              <a:t>2023/7/6</a:t>
+              <a:t>2023/7/7</a:t>
             </a:fld>
             <a:endParaRPr kumimoji="1" lang="ja-JP" altLang="en-US"/>
           </a:p>
@@ -2726,7 +2726,7 @@
           <a:p>
             <a:fld id="{A7BBA3D3-EB80-4CA1-AEA9-F73253A3EA73}" type="datetimeFigureOut">
               <a:rPr kumimoji="1" lang="ja-JP" altLang="en-US" smtClean="0"/>
-              <a:t>2023/7/6</a:t>
+              <a:t>2023/7/7</a:t>
             </a:fld>
             <a:endParaRPr kumimoji="1" lang="ja-JP" altLang="en-US"/>
           </a:p>
@@ -2928,7 +2928,7 @@
           <a:p>
             <a:fld id="{A7BBA3D3-EB80-4CA1-AEA9-F73253A3EA73}" type="datetimeFigureOut">
               <a:rPr kumimoji="1" lang="ja-JP" altLang="en-US" smtClean="0"/>
-              <a:t>2023/7/6</a:t>
+              <a:t>2023/7/7</a:t>
             </a:fld>
             <a:endParaRPr kumimoji="1" lang="ja-JP" altLang="en-US"/>
           </a:p>
@@ -3204,7 +3204,7 @@
           <a:p>
             <a:fld id="{A7BBA3D3-EB80-4CA1-AEA9-F73253A3EA73}" type="datetimeFigureOut">
               <a:rPr kumimoji="1" lang="ja-JP" altLang="en-US" smtClean="0"/>
-              <a:t>2023/7/6</a:t>
+              <a:t>2023/7/7</a:t>
             </a:fld>
             <a:endParaRPr kumimoji="1" lang="ja-JP" altLang="en-US"/>
           </a:p>
@@ -4469,7 +4469,7 @@
           <a:p>
             <a:fld id="{A7BBA3D3-EB80-4CA1-AEA9-F73253A3EA73}" type="datetimeFigureOut">
               <a:rPr kumimoji="1" lang="ja-JP" altLang="en-US" smtClean="0"/>
-              <a:t>2023/7/6</a:t>
+              <a:t>2023/7/7</a:t>
             </a:fld>
             <a:endParaRPr kumimoji="1" lang="ja-JP" altLang="en-US"/>
           </a:p>
@@ -4923,7 +4923,7 @@
           <a:p>
             <a:fld id="{A7BBA3D3-EB80-4CA1-AEA9-F73253A3EA73}" type="datetimeFigureOut">
               <a:rPr kumimoji="1" lang="ja-JP" altLang="en-US" smtClean="0"/>
-              <a:t>2023/7/6</a:t>
+              <a:t>2023/7/7</a:t>
             </a:fld>
             <a:endParaRPr kumimoji="1" lang="ja-JP" altLang="en-US"/>
           </a:p>
@@ -5046,7 +5046,7 @@
           <a:p>
             <a:fld id="{A7BBA3D3-EB80-4CA1-AEA9-F73253A3EA73}" type="datetimeFigureOut">
               <a:rPr kumimoji="1" lang="ja-JP" altLang="en-US" smtClean="0"/>
-              <a:t>2023/7/6</a:t>
+              <a:t>2023/7/7</a:t>
             </a:fld>
             <a:endParaRPr kumimoji="1" lang="ja-JP" altLang="en-US"/>
           </a:p>
@@ -5141,7 +5141,7 @@
           <a:p>
             <a:fld id="{A7BBA3D3-EB80-4CA1-AEA9-F73253A3EA73}" type="datetimeFigureOut">
               <a:rPr kumimoji="1" lang="ja-JP" altLang="en-US" smtClean="0"/>
-              <a:t>2023/7/6</a:t>
+              <a:t>2023/7/7</a:t>
             </a:fld>
             <a:endParaRPr kumimoji="1" lang="ja-JP" altLang="en-US"/>
           </a:p>
@@ -5936,7 +5936,7 @@
           <a:p>
             <a:fld id="{A7BBA3D3-EB80-4CA1-AEA9-F73253A3EA73}" type="datetimeFigureOut">
               <a:rPr kumimoji="1" lang="ja-JP" altLang="en-US" smtClean="0"/>
-              <a:t>2023/7/6</a:t>
+              <a:t>2023/7/7</a:t>
             </a:fld>
             <a:endParaRPr kumimoji="1" lang="ja-JP" altLang="en-US"/>
           </a:p>
@@ -6776,7 +6776,7 @@
           <a:p>
             <a:fld id="{A7BBA3D3-EB80-4CA1-AEA9-F73253A3EA73}" type="datetimeFigureOut">
               <a:rPr kumimoji="1" lang="ja-JP" altLang="en-US" smtClean="0"/>
-              <a:t>2023/7/6</a:t>
+              <a:t>2023/7/7</a:t>
             </a:fld>
             <a:endParaRPr kumimoji="1" lang="ja-JP" altLang="en-US"/>
           </a:p>
@@ -7035,7 +7035,7 @@
           <a:p>
             <a:fld id="{A7BBA3D3-EB80-4CA1-AEA9-F73253A3EA73}" type="datetimeFigureOut">
               <a:rPr kumimoji="1" lang="ja-JP" altLang="en-US" smtClean="0"/>
-              <a:t>2023/7/6</a:t>
+              <a:t>2023/7/7</a:t>
             </a:fld>
             <a:endParaRPr kumimoji="1" lang="ja-JP" altLang="en-US"/>
           </a:p>
@@ -8098,7 +8098,7 @@
           <a:lstStyle/>
           <a:p>
             <a:pPr algn="ctr"/>
-            <a:endParaRPr lang="en-US"/>
+            <a:endParaRPr lang="en-US" dirty="0"/>
           </a:p>
         </p:txBody>
       </p:sp>
@@ -10275,7 +10275,7 @@
           <a:lstStyle/>
           <a:p>
             <a:pPr algn="ctr"/>
-            <a:endParaRPr lang="en-US"/>
+            <a:endParaRPr lang="en-US" dirty="0"/>
           </a:p>
         </p:txBody>
       </p:sp>
@@ -10385,964 +10385,6 @@
 </file>
 
 <file path=ppt/slides/slide10.xml><?xml version="1.0" encoding="utf-8"?>
-<p:sld xmlns:a="http://schemas.openxmlformats.org/drawingml/2006/main" xmlns:r="http://schemas.openxmlformats.org/officeDocument/2006/relationships" xmlns:p="http://schemas.openxmlformats.org/presentationml/2006/main">
-  <p:cSld>
-    <p:spTree>
-      <p:nvGrpSpPr>
-        <p:cNvPr id="1" name=""/>
-        <p:cNvGrpSpPr/>
-        <p:nvPr/>
-      </p:nvGrpSpPr>
-      <p:grpSpPr>
-        <a:xfrm>
-          <a:off x="0" y="0"/>
-          <a:ext cx="0" cy="0"/>
-          <a:chOff x="0" y="0"/>
-          <a:chExt cx="0" cy="0"/>
-        </a:xfrm>
-      </p:grpSpPr>
-      <p:pic>
-        <p:nvPicPr>
-          <p:cNvPr id="13" name="図 12" descr="グラフィカル ユーザー インターフェイス, アプリケーション&#10;&#10;自動的に生成された説明">
-            <a:extLst>
-              <a:ext uri="{FF2B5EF4-FFF2-40B4-BE49-F238E27FC236}">
-                <a16:creationId xmlns:a16="http://schemas.microsoft.com/office/drawing/2014/main" id="{FA6DAF86-A2B2-D4A3-DCC8-28C02ED63242}"/>
-              </a:ext>
-            </a:extLst>
-          </p:cNvPr>
-          <p:cNvPicPr>
-            <a:picLocks noChangeAspect="1"/>
-          </p:cNvPicPr>
-          <p:nvPr/>
-        </p:nvPicPr>
-        <p:blipFill>
-          <a:blip r:embed="rId2">
-            <a:extLst>
-              <a:ext uri="{28A0092B-C50C-407E-A947-70E740481C1C}">
-                <a14:useLocalDpi xmlns:a14="http://schemas.microsoft.com/office/drawing/2010/main" val="0"/>
-              </a:ext>
-            </a:extLst>
-          </a:blip>
-          <a:stretch>
-            <a:fillRect/>
-          </a:stretch>
-        </p:blipFill>
-        <p:spPr>
-          <a:xfrm>
-            <a:off x="1757021" y="1758226"/>
-            <a:ext cx="8199779" cy="4743198"/>
-          </a:xfrm>
-          <a:prstGeom prst="rect">
-            <a:avLst/>
-          </a:prstGeom>
-        </p:spPr>
-      </p:pic>
-      <p:sp>
-        <p:nvSpPr>
-          <p:cNvPr id="3" name="コンテンツ プレースホルダー 2">
-            <a:extLst>
-              <a:ext uri="{FF2B5EF4-FFF2-40B4-BE49-F238E27FC236}">
-                <a16:creationId xmlns:a16="http://schemas.microsoft.com/office/drawing/2014/main" id="{30FF8664-98E7-55CF-9A41-756D1E20F04D}"/>
-              </a:ext>
-            </a:extLst>
-          </p:cNvPr>
-          <p:cNvSpPr>
-            <a:spLocks noGrp="1"/>
-          </p:cNvSpPr>
-          <p:nvPr>
-            <p:ph idx="1"/>
-          </p:nvPr>
-        </p:nvSpPr>
-        <p:spPr>
-          <a:xfrm>
-            <a:off x="1251678" y="809469"/>
-            <a:ext cx="10178322" cy="5070123"/>
-          </a:xfrm>
-        </p:spPr>
-        <p:txBody>
-          <a:bodyPr>
-            <a:normAutofit/>
-          </a:bodyPr>
-          <a:lstStyle/>
-          <a:p>
-            <a:pPr marL="0" indent="0">
-              <a:buNone/>
-            </a:pPr>
-            <a:r>
-              <a:rPr kumimoji="1" lang="ja-JP" altLang="en-US" sz="2400" dirty="0">
-                <a:solidFill>
-                  <a:schemeClr val="tx1"/>
-                </a:solidFill>
-              </a:rPr>
-              <a:t>デスクトップに作成されている</a:t>
-            </a:r>
-            <a:r>
-              <a:rPr lang="en-US" altLang="ja-JP" sz="2400" dirty="0">
-                <a:solidFill>
-                  <a:schemeClr val="tx1"/>
-                </a:solidFill>
-              </a:rPr>
-              <a:t> </a:t>
-            </a:r>
-            <a:r>
-              <a:rPr kumimoji="1" lang="en-US" altLang="ja-JP" sz="2400" dirty="0" err="1">
-                <a:solidFill>
-                  <a:schemeClr val="tx1"/>
-                </a:solidFill>
-              </a:rPr>
-              <a:t>gitbash_test</a:t>
-            </a:r>
-            <a:r>
-              <a:rPr kumimoji="1" lang="ja-JP" altLang="en-US" sz="2400" dirty="0">
-                <a:solidFill>
-                  <a:schemeClr val="tx1"/>
-                </a:solidFill>
-              </a:rPr>
-              <a:t>フォルダを開き </a:t>
-            </a:r>
-            <a:r>
-              <a:rPr kumimoji="1" lang="en-US" altLang="ja-JP" sz="2400" b="1" dirty="0">
-                <a:solidFill>
-                  <a:schemeClr val="tx1"/>
-                </a:solidFill>
-              </a:rPr>
-              <a:t>test.txt </a:t>
-            </a:r>
-            <a:r>
-              <a:rPr kumimoji="1" lang="ja-JP" altLang="en-US" sz="2400" dirty="0">
-                <a:solidFill>
-                  <a:schemeClr val="tx1"/>
-                </a:solidFill>
-              </a:rPr>
-              <a:t>を</a:t>
-            </a:r>
-            <a:endParaRPr kumimoji="1" lang="en-US" altLang="ja-JP" sz="2400" dirty="0">
-              <a:solidFill>
-                <a:schemeClr val="tx1"/>
-              </a:solidFill>
-            </a:endParaRPr>
-          </a:p>
-          <a:p>
-            <a:pPr marL="0" indent="0">
-              <a:buNone/>
-            </a:pPr>
-            <a:r>
-              <a:rPr kumimoji="1" lang="ja-JP" altLang="en-US" sz="2400" dirty="0">
-                <a:solidFill>
-                  <a:schemeClr val="tx1"/>
-                </a:solidFill>
-              </a:rPr>
-              <a:t>作成する。</a:t>
-            </a:r>
-            <a:endParaRPr kumimoji="1" lang="en-US" altLang="ja-JP" sz="2400" dirty="0">
-              <a:solidFill>
-                <a:schemeClr val="tx1"/>
-              </a:solidFill>
-            </a:endParaRPr>
-          </a:p>
-        </p:txBody>
-      </p:sp>
-      <p:grpSp>
-        <p:nvGrpSpPr>
-          <p:cNvPr id="4" name="グループ化 3">
-            <a:extLst>
-              <a:ext uri="{FF2B5EF4-FFF2-40B4-BE49-F238E27FC236}">
-                <a16:creationId xmlns:a16="http://schemas.microsoft.com/office/drawing/2014/main" id="{94719053-94DF-8893-E997-3A799B9AFE1A}"/>
-              </a:ext>
-            </a:extLst>
-          </p:cNvPr>
-          <p:cNvGrpSpPr/>
-          <p:nvPr/>
-        </p:nvGrpSpPr>
-        <p:grpSpPr>
-          <a:xfrm>
-            <a:off x="-156089" y="-1"/>
-            <a:ext cx="12348089" cy="634258"/>
-            <a:chOff x="-156089" y="-1"/>
-            <a:chExt cx="12348089" cy="634258"/>
-          </a:xfrm>
-        </p:grpSpPr>
-        <p:sp>
-          <p:nvSpPr>
-            <p:cNvPr id="5" name="正方形/長方形 4">
-              <a:extLst>
-                <a:ext uri="{FF2B5EF4-FFF2-40B4-BE49-F238E27FC236}">
-                  <a16:creationId xmlns:a16="http://schemas.microsoft.com/office/drawing/2014/main" id="{CADDC70B-9489-7D7C-FEBE-5253870B3720}"/>
-                </a:ext>
-              </a:extLst>
-            </p:cNvPr>
-            <p:cNvSpPr/>
-            <p:nvPr/>
-          </p:nvSpPr>
-          <p:spPr>
-            <a:xfrm>
-              <a:off x="0" y="-1"/>
-              <a:ext cx="12192000" cy="505841"/>
-            </a:xfrm>
-            <a:prstGeom prst="rect">
-              <a:avLst/>
-            </a:prstGeom>
-            <a:ln>
-              <a:solidFill>
-                <a:schemeClr val="tx2">
-                  <a:lumMod val="90000"/>
-                  <a:lumOff val="10000"/>
-                </a:schemeClr>
-              </a:solidFill>
-            </a:ln>
-          </p:spPr>
-          <p:style>
-            <a:lnRef idx="2">
-              <a:schemeClr val="dk1">
-                <a:shade val="50000"/>
-              </a:schemeClr>
-            </a:lnRef>
-            <a:fillRef idx="1">
-              <a:schemeClr val="dk1"/>
-            </a:fillRef>
-            <a:effectRef idx="0">
-              <a:schemeClr val="dk1"/>
-            </a:effectRef>
-            <a:fontRef idx="minor">
-              <a:schemeClr val="lt1"/>
-            </a:fontRef>
-          </p:style>
-          <p:txBody>
-            <a:bodyPr rtlCol="0" anchor="ctr"/>
-            <a:lstStyle/>
-            <a:p>
-              <a:pPr algn="ctr"/>
-              <a:endParaRPr kumimoji="1" lang="ja-JP" altLang="en-US" dirty="0"/>
-            </a:p>
-          </p:txBody>
-        </p:sp>
-        <p:sp>
-          <p:nvSpPr>
-            <p:cNvPr id="6" name="タイトル 1">
-              <a:extLst>
-                <a:ext uri="{FF2B5EF4-FFF2-40B4-BE49-F238E27FC236}">
-                  <a16:creationId xmlns:a16="http://schemas.microsoft.com/office/drawing/2014/main" id="{92D5EB5E-A201-ADBA-1C91-BB14259E7A9F}"/>
-                </a:ext>
-              </a:extLst>
-            </p:cNvPr>
-            <p:cNvSpPr txBox="1">
-              <a:spLocks/>
-            </p:cNvSpPr>
-            <p:nvPr/>
-          </p:nvSpPr>
-          <p:spPr>
-            <a:xfrm>
-              <a:off x="-156089" y="36280"/>
-              <a:ext cx="8610772" cy="597977"/>
-            </a:xfrm>
-            <a:prstGeom prst="rect">
-              <a:avLst/>
-            </a:prstGeom>
-          </p:spPr>
-          <p:txBody>
-            <a:bodyPr vert="horz" lIns="91440" tIns="45720" rIns="91440" bIns="45720" rtlCol="0" anchor="t">
-              <a:normAutofit/>
-            </a:bodyPr>
-            <a:lstStyle>
-              <a:lvl1pPr algn="l" defTabSz="914400" rtl="0" eaLnBrk="1" latinLnBrk="0" hangingPunct="1">
-                <a:lnSpc>
-                  <a:spcPct val="90000"/>
-                </a:lnSpc>
-                <a:spcBef>
-                  <a:spcPct val="0"/>
-                </a:spcBef>
-                <a:buNone/>
-                <a:defRPr kumimoji="1" sz="5100" kern="1200" cap="all" spc="200" baseline="0">
-                  <a:solidFill>
-                    <a:schemeClr val="tx2"/>
-                  </a:solidFill>
-                  <a:latin typeface="+mj-lt"/>
-                  <a:ea typeface="+mj-ea"/>
-                  <a:cs typeface="+mj-cs"/>
-                </a:defRPr>
-              </a:lvl1pPr>
-            </a:lstStyle>
-            <a:p>
-              <a:r>
-                <a:rPr lang="ja-JP" altLang="en-US" sz="2800" cap="none" dirty="0">
-                  <a:solidFill>
-                    <a:schemeClr val="bg1"/>
-                  </a:solidFill>
-                </a:rPr>
-                <a:t>・コミットする</a:t>
-              </a:r>
-              <a:endParaRPr lang="ja-JP" altLang="en-US" sz="2800" dirty="0">
-                <a:solidFill>
-                  <a:schemeClr val="bg1"/>
-                </a:solidFill>
-              </a:endParaRPr>
-            </a:p>
-          </p:txBody>
-        </p:sp>
-      </p:grpSp>
-      <p:sp>
-        <p:nvSpPr>
-          <p:cNvPr id="9" name="正方形/長方形 8">
-            <a:extLst>
-              <a:ext uri="{FF2B5EF4-FFF2-40B4-BE49-F238E27FC236}">
-                <a16:creationId xmlns:a16="http://schemas.microsoft.com/office/drawing/2014/main" id="{620A4AF0-BE04-4CF0-CF03-9F6860616198}"/>
-              </a:ext>
-            </a:extLst>
-          </p:cNvPr>
-          <p:cNvSpPr/>
-          <p:nvPr/>
-        </p:nvSpPr>
-        <p:spPr>
-          <a:xfrm>
-            <a:off x="4564380" y="3344530"/>
-            <a:ext cx="2659379" cy="343550"/>
-          </a:xfrm>
-          <a:prstGeom prst="rect">
-            <a:avLst/>
-          </a:prstGeom>
-          <a:noFill/>
-          <a:ln w="28575">
-            <a:solidFill>
-              <a:srgbClr val="FF0000"/>
-            </a:solidFill>
-          </a:ln>
-        </p:spPr>
-        <p:style>
-          <a:lnRef idx="2">
-            <a:schemeClr val="accent1">
-              <a:shade val="50000"/>
-            </a:schemeClr>
-          </a:lnRef>
-          <a:fillRef idx="1">
-            <a:schemeClr val="accent1"/>
-          </a:fillRef>
-          <a:effectRef idx="0">
-            <a:schemeClr val="accent1"/>
-          </a:effectRef>
-          <a:fontRef idx="minor">
-            <a:schemeClr val="lt1"/>
-          </a:fontRef>
-        </p:style>
-        <p:txBody>
-          <a:bodyPr rtlCol="0" anchor="ctr"/>
-          <a:lstStyle/>
-          <a:p>
-            <a:pPr algn="ctr"/>
-            <a:endParaRPr kumimoji="1" lang="ja-JP" altLang="en-US"/>
-          </a:p>
-        </p:txBody>
-      </p:sp>
-      <p:sp>
-        <p:nvSpPr>
-          <p:cNvPr id="11" name="正方形/長方形 10">
-            <a:extLst>
-              <a:ext uri="{FF2B5EF4-FFF2-40B4-BE49-F238E27FC236}">
-                <a16:creationId xmlns:a16="http://schemas.microsoft.com/office/drawing/2014/main" id="{3A208356-20E9-7AF5-0BC2-C778F4A70393}"/>
-              </a:ext>
-            </a:extLst>
-          </p:cNvPr>
-          <p:cNvSpPr/>
-          <p:nvPr/>
-        </p:nvSpPr>
-        <p:spPr>
-          <a:xfrm>
-            <a:off x="7208518" y="5847363"/>
-            <a:ext cx="2733041" cy="309597"/>
-          </a:xfrm>
-          <a:prstGeom prst="rect">
-            <a:avLst/>
-          </a:prstGeom>
-          <a:noFill/>
-          <a:ln w="28575">
-            <a:solidFill>
-              <a:srgbClr val="FF0000"/>
-            </a:solidFill>
-          </a:ln>
-        </p:spPr>
-        <p:style>
-          <a:lnRef idx="2">
-            <a:schemeClr val="accent1">
-              <a:shade val="50000"/>
-            </a:schemeClr>
-          </a:lnRef>
-          <a:fillRef idx="1">
-            <a:schemeClr val="accent1"/>
-          </a:fillRef>
-          <a:effectRef idx="0">
-            <a:schemeClr val="accent1"/>
-          </a:effectRef>
-          <a:fontRef idx="minor">
-            <a:schemeClr val="lt1"/>
-          </a:fontRef>
-        </p:style>
-        <p:txBody>
-          <a:bodyPr rtlCol="0" anchor="ctr"/>
-          <a:lstStyle/>
-          <a:p>
-            <a:pPr algn="ctr"/>
-            <a:endParaRPr kumimoji="1" lang="ja-JP" altLang="en-US"/>
-          </a:p>
-        </p:txBody>
-      </p:sp>
-      <p:sp>
-        <p:nvSpPr>
-          <p:cNvPr id="14" name="テキスト ボックス 13">
-            <a:extLst>
-              <a:ext uri="{FF2B5EF4-FFF2-40B4-BE49-F238E27FC236}">
-                <a16:creationId xmlns:a16="http://schemas.microsoft.com/office/drawing/2014/main" id="{20CA010C-D65A-4E4D-B184-3CE99914F519}"/>
-              </a:ext>
-            </a:extLst>
-          </p:cNvPr>
-          <p:cNvSpPr txBox="1"/>
-          <p:nvPr/>
-        </p:nvSpPr>
-        <p:spPr>
-          <a:xfrm>
-            <a:off x="3264637" y="3889074"/>
-            <a:ext cx="2104571" cy="707886"/>
-          </a:xfrm>
-          <a:prstGeom prst="rect">
-            <a:avLst/>
-          </a:prstGeom>
-          <a:noFill/>
-        </p:spPr>
-        <p:txBody>
-          <a:bodyPr wrap="square" rtlCol="0">
-            <a:spAutoFit/>
-          </a:bodyPr>
-          <a:lstStyle/>
-          <a:p>
-            <a:r>
-              <a:rPr kumimoji="1" lang="ja-JP" altLang="en-US" sz="2000" dirty="0">
-                <a:solidFill>
-                  <a:srgbClr val="FF0000"/>
-                </a:solidFill>
-              </a:rPr>
-              <a:t>①</a:t>
-            </a:r>
-            <a:endParaRPr kumimoji="1" lang="en-US" altLang="ja-JP" sz="2000" dirty="0">
-              <a:solidFill>
-                <a:srgbClr val="FF0000"/>
-              </a:solidFill>
-            </a:endParaRPr>
-          </a:p>
-          <a:p>
-            <a:r>
-              <a:rPr kumimoji="1" lang="ja-JP" altLang="en-US" sz="2000" dirty="0">
-                <a:solidFill>
-                  <a:srgbClr val="FF0000"/>
-                </a:solidFill>
-              </a:rPr>
-              <a:t>右クリック</a:t>
-            </a:r>
-          </a:p>
-        </p:txBody>
-      </p:sp>
-      <p:sp>
-        <p:nvSpPr>
-          <p:cNvPr id="15" name="テキスト ボックス 14">
-            <a:extLst>
-              <a:ext uri="{FF2B5EF4-FFF2-40B4-BE49-F238E27FC236}">
-                <a16:creationId xmlns:a16="http://schemas.microsoft.com/office/drawing/2014/main" id="{9BA639BD-FA95-DADD-A221-C0B1931497A0}"/>
-              </a:ext>
-            </a:extLst>
-          </p:cNvPr>
-          <p:cNvSpPr txBox="1"/>
-          <p:nvPr/>
-        </p:nvSpPr>
-        <p:spPr>
-          <a:xfrm>
-            <a:off x="4163448" y="3344530"/>
-            <a:ext cx="684323" cy="400110"/>
-          </a:xfrm>
-          <a:prstGeom prst="rect">
-            <a:avLst/>
-          </a:prstGeom>
-          <a:noFill/>
-        </p:spPr>
-        <p:txBody>
-          <a:bodyPr wrap="square" rtlCol="0">
-            <a:spAutoFit/>
-          </a:bodyPr>
-          <a:lstStyle/>
-          <a:p>
-            <a:r>
-              <a:rPr kumimoji="1" lang="ja-JP" altLang="en-US" sz="2000" dirty="0">
-                <a:solidFill>
-                  <a:srgbClr val="FF0000"/>
-                </a:solidFill>
-              </a:rPr>
-              <a:t>②</a:t>
-            </a:r>
-          </a:p>
-        </p:txBody>
-      </p:sp>
-      <p:sp>
-        <p:nvSpPr>
-          <p:cNvPr id="18" name="テキスト ボックス 17">
-            <a:extLst>
-              <a:ext uri="{FF2B5EF4-FFF2-40B4-BE49-F238E27FC236}">
-                <a16:creationId xmlns:a16="http://schemas.microsoft.com/office/drawing/2014/main" id="{D465FD50-1615-8141-321C-7484A010C3CD}"/>
-              </a:ext>
-            </a:extLst>
-          </p:cNvPr>
-          <p:cNvSpPr txBox="1"/>
-          <p:nvPr/>
-        </p:nvSpPr>
-        <p:spPr>
-          <a:xfrm>
-            <a:off x="6805046" y="5828403"/>
-            <a:ext cx="684323" cy="400110"/>
-          </a:xfrm>
-          <a:prstGeom prst="rect">
-            <a:avLst/>
-          </a:prstGeom>
-          <a:noFill/>
-        </p:spPr>
-        <p:txBody>
-          <a:bodyPr wrap="square" rtlCol="0">
-            <a:spAutoFit/>
-          </a:bodyPr>
-          <a:lstStyle/>
-          <a:p>
-            <a:r>
-              <a:rPr kumimoji="1" lang="ja-JP" altLang="en-US" sz="2000" dirty="0">
-                <a:solidFill>
-                  <a:srgbClr val="FF0000"/>
-                </a:solidFill>
-              </a:rPr>
-              <a:t>③</a:t>
-            </a:r>
-          </a:p>
-        </p:txBody>
-      </p:sp>
-    </p:spTree>
-    <p:extLst>
-      <p:ext uri="{BB962C8B-B14F-4D97-AF65-F5344CB8AC3E}">
-        <p14:creationId xmlns:p14="http://schemas.microsoft.com/office/powerpoint/2010/main" val="2636445956"/>
-      </p:ext>
-    </p:extLst>
-  </p:cSld>
-  <p:clrMapOvr>
-    <a:masterClrMapping/>
-  </p:clrMapOvr>
-</p:sld>
-</file>
-
-<file path=ppt/slides/slide11.xml><?xml version="1.0" encoding="utf-8"?>
-<p:sld xmlns:a="http://schemas.openxmlformats.org/drawingml/2006/main" xmlns:r="http://schemas.openxmlformats.org/officeDocument/2006/relationships" xmlns:p="http://schemas.openxmlformats.org/presentationml/2006/main">
-  <p:cSld>
-    <p:spTree>
-      <p:nvGrpSpPr>
-        <p:cNvPr id="1" name=""/>
-        <p:cNvGrpSpPr/>
-        <p:nvPr/>
-      </p:nvGrpSpPr>
-      <p:grpSpPr>
-        <a:xfrm>
-          <a:off x="0" y="0"/>
-          <a:ext cx="0" cy="0"/>
-          <a:chOff x="0" y="0"/>
-          <a:chExt cx="0" cy="0"/>
-        </a:xfrm>
-      </p:grpSpPr>
-      <p:sp>
-        <p:nvSpPr>
-          <p:cNvPr id="3" name="コンテンツ プレースホルダー 2">
-            <a:extLst>
-              <a:ext uri="{FF2B5EF4-FFF2-40B4-BE49-F238E27FC236}">
-                <a16:creationId xmlns:a16="http://schemas.microsoft.com/office/drawing/2014/main" id="{30FF8664-98E7-55CF-9A41-756D1E20F04D}"/>
-              </a:ext>
-            </a:extLst>
-          </p:cNvPr>
-          <p:cNvSpPr>
-            <a:spLocks noGrp="1"/>
-          </p:cNvSpPr>
-          <p:nvPr>
-            <p:ph idx="1"/>
-          </p:nvPr>
-        </p:nvSpPr>
-        <p:spPr>
-          <a:xfrm>
-            <a:off x="1251678" y="809469"/>
-            <a:ext cx="10178322" cy="5070123"/>
-          </a:xfrm>
-        </p:spPr>
-        <p:txBody>
-          <a:bodyPr>
-            <a:normAutofit/>
-          </a:bodyPr>
-          <a:lstStyle/>
-          <a:p>
-            <a:pPr marL="0" indent="0">
-              <a:buNone/>
-            </a:pPr>
-            <a:r>
-              <a:rPr lang="ja-JP" altLang="en-US" sz="2400" dirty="0">
-                <a:solidFill>
-                  <a:schemeClr val="tx1"/>
-                </a:solidFill>
-              </a:rPr>
-              <a:t>以下のコマンドを実行</a:t>
-            </a:r>
-            <a:endParaRPr lang="en-US" altLang="ja-JP" sz="2400" dirty="0">
-              <a:solidFill>
-                <a:schemeClr val="tx1"/>
-              </a:solidFill>
-            </a:endParaRPr>
-          </a:p>
-          <a:p>
-            <a:pPr marL="914400" lvl="1" indent="-457200">
-              <a:buFont typeface="+mj-lt"/>
-              <a:buAutoNum type="arabicPeriod"/>
-            </a:pPr>
-            <a:r>
-              <a:rPr lang="en-US" altLang="ja-JP" sz="2200" dirty="0">
-                <a:solidFill>
-                  <a:schemeClr val="tx1"/>
-                </a:solidFill>
-              </a:rPr>
-              <a:t>git status</a:t>
-            </a:r>
-            <a:r>
-              <a:rPr lang="ja-JP" altLang="en-US" sz="2000" dirty="0">
-                <a:solidFill>
-                  <a:schemeClr val="tx1"/>
-                </a:solidFill>
-              </a:rPr>
-              <a:t>　：現在の状況を確認する</a:t>
-            </a:r>
-            <a:endParaRPr lang="en-US" altLang="ja-JP" sz="2000" dirty="0">
-              <a:solidFill>
-                <a:schemeClr val="tx1"/>
-              </a:solidFill>
-            </a:endParaRPr>
-          </a:p>
-          <a:p>
-            <a:pPr marL="619125" lvl="1" indent="0">
-              <a:buNone/>
-            </a:pPr>
-            <a:endParaRPr lang="en-US" altLang="ja-JP" sz="2200" dirty="0">
-              <a:solidFill>
-                <a:schemeClr val="tx1"/>
-              </a:solidFill>
-            </a:endParaRPr>
-          </a:p>
-          <a:p>
-            <a:pPr marL="619125" lvl="1" indent="0">
-              <a:buNone/>
-            </a:pPr>
-            <a:endParaRPr lang="en-US" altLang="ja-JP" sz="2200" dirty="0">
-              <a:solidFill>
-                <a:schemeClr val="tx1"/>
-              </a:solidFill>
-            </a:endParaRPr>
-          </a:p>
-          <a:p>
-            <a:pPr marL="619125" lvl="1" indent="0">
-              <a:buNone/>
-            </a:pPr>
-            <a:endParaRPr lang="en-US" altLang="ja-JP" sz="2200" dirty="0">
-              <a:solidFill>
-                <a:schemeClr val="tx1"/>
-              </a:solidFill>
-            </a:endParaRPr>
-          </a:p>
-          <a:p>
-            <a:pPr marL="619125" lvl="1" indent="0">
-              <a:buNone/>
-            </a:pPr>
-            <a:endParaRPr lang="en-US" altLang="ja-JP" sz="2200" dirty="0">
-              <a:solidFill>
-                <a:schemeClr val="tx1"/>
-              </a:solidFill>
-            </a:endParaRPr>
-          </a:p>
-          <a:p>
-            <a:pPr marL="619125" lvl="1" indent="0">
-              <a:buNone/>
-            </a:pPr>
-            <a:endParaRPr lang="en-US" altLang="ja-JP" sz="2200" dirty="0">
-              <a:solidFill>
-                <a:schemeClr val="tx1"/>
-              </a:solidFill>
-            </a:endParaRPr>
-          </a:p>
-          <a:p>
-            <a:pPr marL="914400" lvl="1" indent="-457200">
-              <a:buFont typeface="+mj-lt"/>
-              <a:buAutoNum type="arabicPeriod"/>
-            </a:pPr>
-            <a:r>
-              <a:rPr lang="en-US" altLang="ja-JP" sz="2200" dirty="0">
-                <a:solidFill>
-                  <a:schemeClr val="tx1"/>
-                </a:solidFill>
-              </a:rPr>
-              <a:t>git add –A</a:t>
-            </a:r>
-            <a:r>
-              <a:rPr lang="ja-JP" altLang="en-US" sz="2200" dirty="0">
-                <a:solidFill>
-                  <a:schemeClr val="tx1"/>
-                </a:solidFill>
-              </a:rPr>
-              <a:t>　</a:t>
-            </a:r>
-            <a:r>
-              <a:rPr lang="ja-JP" altLang="en-US" sz="2000" dirty="0">
-                <a:solidFill>
-                  <a:schemeClr val="tx1"/>
-                </a:solidFill>
-              </a:rPr>
-              <a:t>：全てのファイルをコミットの対象にする</a:t>
-            </a:r>
-            <a:endParaRPr lang="en-US" altLang="ja-JP" sz="2000" dirty="0">
-              <a:solidFill>
-                <a:schemeClr val="tx1"/>
-              </a:solidFill>
-            </a:endParaRPr>
-          </a:p>
-          <a:p>
-            <a:pPr marL="914400" lvl="1" indent="-457200">
-              <a:buFont typeface="+mj-lt"/>
-              <a:buAutoNum type="arabicPeriod"/>
-            </a:pPr>
-            <a:r>
-              <a:rPr lang="en-US" altLang="ja-JP" sz="2200" dirty="0">
-                <a:solidFill>
-                  <a:schemeClr val="tx1"/>
-                </a:solidFill>
-              </a:rPr>
-              <a:t>git status</a:t>
-            </a:r>
-          </a:p>
-        </p:txBody>
-      </p:sp>
-      <p:grpSp>
-        <p:nvGrpSpPr>
-          <p:cNvPr id="4" name="グループ化 3">
-            <a:extLst>
-              <a:ext uri="{FF2B5EF4-FFF2-40B4-BE49-F238E27FC236}">
-                <a16:creationId xmlns:a16="http://schemas.microsoft.com/office/drawing/2014/main" id="{94719053-94DF-8893-E997-3A799B9AFE1A}"/>
-              </a:ext>
-            </a:extLst>
-          </p:cNvPr>
-          <p:cNvGrpSpPr/>
-          <p:nvPr/>
-        </p:nvGrpSpPr>
-        <p:grpSpPr>
-          <a:xfrm>
-            <a:off x="-156089" y="-1"/>
-            <a:ext cx="12348089" cy="634258"/>
-            <a:chOff x="-156089" y="-1"/>
-            <a:chExt cx="12348089" cy="634258"/>
-          </a:xfrm>
-        </p:grpSpPr>
-        <p:sp>
-          <p:nvSpPr>
-            <p:cNvPr id="5" name="正方形/長方形 4">
-              <a:extLst>
-                <a:ext uri="{FF2B5EF4-FFF2-40B4-BE49-F238E27FC236}">
-                  <a16:creationId xmlns:a16="http://schemas.microsoft.com/office/drawing/2014/main" id="{CADDC70B-9489-7D7C-FEBE-5253870B3720}"/>
-                </a:ext>
-              </a:extLst>
-            </p:cNvPr>
-            <p:cNvSpPr/>
-            <p:nvPr/>
-          </p:nvSpPr>
-          <p:spPr>
-            <a:xfrm>
-              <a:off x="0" y="-1"/>
-              <a:ext cx="12192000" cy="505841"/>
-            </a:xfrm>
-            <a:prstGeom prst="rect">
-              <a:avLst/>
-            </a:prstGeom>
-            <a:ln>
-              <a:solidFill>
-                <a:schemeClr val="tx2">
-                  <a:lumMod val="90000"/>
-                  <a:lumOff val="10000"/>
-                </a:schemeClr>
-              </a:solidFill>
-            </a:ln>
-          </p:spPr>
-          <p:style>
-            <a:lnRef idx="2">
-              <a:schemeClr val="dk1">
-                <a:shade val="50000"/>
-              </a:schemeClr>
-            </a:lnRef>
-            <a:fillRef idx="1">
-              <a:schemeClr val="dk1"/>
-            </a:fillRef>
-            <a:effectRef idx="0">
-              <a:schemeClr val="dk1"/>
-            </a:effectRef>
-            <a:fontRef idx="minor">
-              <a:schemeClr val="lt1"/>
-            </a:fontRef>
-          </p:style>
-          <p:txBody>
-            <a:bodyPr rtlCol="0" anchor="ctr"/>
-            <a:lstStyle/>
-            <a:p>
-              <a:pPr algn="ctr"/>
-              <a:endParaRPr kumimoji="1" lang="ja-JP" altLang="en-US" dirty="0"/>
-            </a:p>
-          </p:txBody>
-        </p:sp>
-        <p:sp>
-          <p:nvSpPr>
-            <p:cNvPr id="6" name="タイトル 1">
-              <a:extLst>
-                <a:ext uri="{FF2B5EF4-FFF2-40B4-BE49-F238E27FC236}">
-                  <a16:creationId xmlns:a16="http://schemas.microsoft.com/office/drawing/2014/main" id="{92D5EB5E-A201-ADBA-1C91-BB14259E7A9F}"/>
-                </a:ext>
-              </a:extLst>
-            </p:cNvPr>
-            <p:cNvSpPr txBox="1">
-              <a:spLocks/>
-            </p:cNvSpPr>
-            <p:nvPr/>
-          </p:nvSpPr>
-          <p:spPr>
-            <a:xfrm>
-              <a:off x="-156089" y="36280"/>
-              <a:ext cx="8610772" cy="597977"/>
-            </a:xfrm>
-            <a:prstGeom prst="rect">
-              <a:avLst/>
-            </a:prstGeom>
-          </p:spPr>
-          <p:txBody>
-            <a:bodyPr vert="horz" lIns="91440" tIns="45720" rIns="91440" bIns="45720" rtlCol="0" anchor="t">
-              <a:normAutofit/>
-            </a:bodyPr>
-            <a:lstStyle>
-              <a:lvl1pPr algn="l" defTabSz="914400" rtl="0" eaLnBrk="1" latinLnBrk="0" hangingPunct="1">
-                <a:lnSpc>
-                  <a:spcPct val="90000"/>
-                </a:lnSpc>
-                <a:spcBef>
-                  <a:spcPct val="0"/>
-                </a:spcBef>
-                <a:buNone/>
-                <a:defRPr kumimoji="1" sz="5100" kern="1200" cap="all" spc="200" baseline="0">
-                  <a:solidFill>
-                    <a:schemeClr val="tx2"/>
-                  </a:solidFill>
-                  <a:latin typeface="+mj-lt"/>
-                  <a:ea typeface="+mj-ea"/>
-                  <a:cs typeface="+mj-cs"/>
-                </a:defRPr>
-              </a:lvl1pPr>
-            </a:lstStyle>
-            <a:p>
-              <a:r>
-                <a:rPr lang="ja-JP" altLang="en-US" sz="2800" cap="none" dirty="0">
-                  <a:solidFill>
-                    <a:schemeClr val="bg1"/>
-                  </a:solidFill>
-                </a:rPr>
-                <a:t>・コミットする</a:t>
-              </a:r>
-              <a:endParaRPr lang="ja-JP" altLang="en-US" sz="2800" dirty="0">
-                <a:solidFill>
-                  <a:schemeClr val="bg1"/>
-                </a:solidFill>
-              </a:endParaRPr>
-            </a:p>
-          </p:txBody>
-        </p:sp>
-      </p:grpSp>
-      <p:pic>
-        <p:nvPicPr>
-          <p:cNvPr id="15" name="図 14" descr="テキスト&#10;&#10;自動的に生成された説明">
-            <a:extLst>
-              <a:ext uri="{FF2B5EF4-FFF2-40B4-BE49-F238E27FC236}">
-                <a16:creationId xmlns:a16="http://schemas.microsoft.com/office/drawing/2014/main" id="{E84E0955-97D8-D14F-2851-D15A9864012A}"/>
-              </a:ext>
-            </a:extLst>
-          </p:cNvPr>
-          <p:cNvPicPr>
-            <a:picLocks noChangeAspect="1"/>
-          </p:cNvPicPr>
-          <p:nvPr/>
-        </p:nvPicPr>
-        <p:blipFill>
-          <a:blip r:embed="rId3">
-            <a:extLst>
-              <a:ext uri="{28A0092B-C50C-407E-A947-70E740481C1C}">
-                <a14:useLocalDpi xmlns:a14="http://schemas.microsoft.com/office/drawing/2010/main" val="0"/>
-              </a:ext>
-            </a:extLst>
-          </a:blip>
-          <a:stretch>
-            <a:fillRect/>
-          </a:stretch>
-        </p:blipFill>
-        <p:spPr>
-          <a:xfrm>
-            <a:off x="2188823" y="1737004"/>
-            <a:ext cx="6517227" cy="2023834"/>
-          </a:xfrm>
-          <a:prstGeom prst="rect">
-            <a:avLst/>
-          </a:prstGeom>
-        </p:spPr>
-      </p:pic>
-      <p:pic>
-        <p:nvPicPr>
-          <p:cNvPr id="19" name="図 18" descr="テキスト&#10;&#10;自動的に生成された説明">
-            <a:extLst>
-              <a:ext uri="{FF2B5EF4-FFF2-40B4-BE49-F238E27FC236}">
-                <a16:creationId xmlns:a16="http://schemas.microsoft.com/office/drawing/2014/main" id="{6EF03216-A440-EB62-1C39-A53634085111}"/>
-              </a:ext>
-            </a:extLst>
-          </p:cNvPr>
-          <p:cNvPicPr>
-            <a:picLocks noChangeAspect="1"/>
-          </p:cNvPicPr>
-          <p:nvPr/>
-        </p:nvPicPr>
-        <p:blipFill>
-          <a:blip r:embed="rId4">
-            <a:extLst>
-              <a:ext uri="{28A0092B-C50C-407E-A947-70E740481C1C}">
-                <a14:useLocalDpi xmlns:a14="http://schemas.microsoft.com/office/drawing/2010/main" val="0"/>
-              </a:ext>
-            </a:extLst>
-          </a:blip>
-          <a:stretch>
-            <a:fillRect/>
-          </a:stretch>
-        </p:blipFill>
-        <p:spPr>
-          <a:xfrm>
-            <a:off x="2188823" y="4936508"/>
-            <a:ext cx="5975672" cy="1768179"/>
-          </a:xfrm>
-          <a:prstGeom prst="rect">
-            <a:avLst/>
-          </a:prstGeom>
-        </p:spPr>
-      </p:pic>
-    </p:spTree>
-    <p:extLst>
-      <p:ext uri="{BB962C8B-B14F-4D97-AF65-F5344CB8AC3E}">
-        <p14:creationId xmlns:p14="http://schemas.microsoft.com/office/powerpoint/2010/main" val="2378047204"/>
-      </p:ext>
-    </p:extLst>
-  </p:cSld>
-  <p:clrMapOvr>
-    <a:masterClrMapping/>
-  </p:clrMapOvr>
-</p:sld>
-</file>
-
-<file path=ppt/slides/slide12.xml><?xml version="1.0" encoding="utf-8"?>
 <p:sld xmlns:a="http://schemas.openxmlformats.org/drawingml/2006/main" xmlns:r="http://schemas.openxmlformats.org/officeDocument/2006/relationships" xmlns:p="http://schemas.openxmlformats.org/presentationml/2006/main">
   <p:cSld>
     <p:spTree>
@@ -12087,474 +11129,7 @@
 </p:sld>
 </file>
 
-<file path=ppt/slides/slide13.xml><?xml version="1.0" encoding="utf-8"?>
-<p:sld xmlns:a="http://schemas.openxmlformats.org/drawingml/2006/main" xmlns:r="http://schemas.openxmlformats.org/officeDocument/2006/relationships" xmlns:p="http://schemas.openxmlformats.org/presentationml/2006/main" show="0">
-  <p:cSld>
-    <p:spTree>
-      <p:nvGrpSpPr>
-        <p:cNvPr id="1" name=""/>
-        <p:cNvGrpSpPr/>
-        <p:nvPr/>
-      </p:nvGrpSpPr>
-      <p:grpSpPr>
-        <a:xfrm>
-          <a:off x="0" y="0"/>
-          <a:ext cx="0" cy="0"/>
-          <a:chOff x="0" y="0"/>
-          <a:chExt cx="0" cy="0"/>
-        </a:xfrm>
-      </p:grpSpPr>
-      <p:sp>
-        <p:nvSpPr>
-          <p:cNvPr id="7" name="テキスト プレースホルダー 6">
-            <a:extLst>
-              <a:ext uri="{FF2B5EF4-FFF2-40B4-BE49-F238E27FC236}">
-                <a16:creationId xmlns:a16="http://schemas.microsoft.com/office/drawing/2014/main" id="{AFC1BB64-8B72-5005-432E-6D3EC3E084FD}"/>
-              </a:ext>
-            </a:extLst>
-          </p:cNvPr>
-          <p:cNvSpPr>
-            <a:spLocks noGrp="1"/>
-          </p:cNvSpPr>
-          <p:nvPr>
-            <p:ph type="body" idx="1"/>
-          </p:nvPr>
-        </p:nvSpPr>
-        <p:spPr>
-          <a:xfrm>
-            <a:off x="1251678" y="873685"/>
-            <a:ext cx="4800600" cy="632529"/>
-          </a:xfrm>
-          <a:solidFill>
-            <a:schemeClr val="accent2">
-              <a:lumMod val="20000"/>
-              <a:lumOff val="80000"/>
-            </a:schemeClr>
-          </a:solidFill>
-        </p:spPr>
-        <p:txBody>
-          <a:bodyPr anchor="ctr"/>
-          <a:lstStyle/>
-          <a:p>
-            <a:pPr algn="ctr"/>
-            <a:r>
-              <a:rPr lang="en-US" altLang="ja-JP" cap="none" dirty="0"/>
-              <a:t>Undo</a:t>
-            </a:r>
-            <a:r>
-              <a:rPr lang="ja-JP" altLang="en-US" cap="none" dirty="0"/>
-              <a:t>ボタン</a:t>
-            </a:r>
-          </a:p>
-        </p:txBody>
-      </p:sp>
-      <p:pic>
-        <p:nvPicPr>
-          <p:cNvPr id="12" name="コンテンツ プレースホルダー 11" descr="グラフィカル ユーザー インターフェイス, テキスト, アプリケーション&#10;&#10;自動的に生成された説明">
-            <a:extLst>
-              <a:ext uri="{FF2B5EF4-FFF2-40B4-BE49-F238E27FC236}">
-                <a16:creationId xmlns:a16="http://schemas.microsoft.com/office/drawing/2014/main" id="{15431ABB-8794-5631-9A4F-45681445AACE}"/>
-              </a:ext>
-            </a:extLst>
-          </p:cNvPr>
-          <p:cNvPicPr>
-            <a:picLocks noGrp="1" noChangeAspect="1"/>
-          </p:cNvPicPr>
-          <p:nvPr>
-            <p:ph sz="half" idx="2"/>
-          </p:nvPr>
-        </p:nvPicPr>
-        <p:blipFill>
-          <a:blip r:embed="rId3">
-            <a:extLst>
-              <a:ext uri="{28A0092B-C50C-407E-A947-70E740481C1C}">
-                <a14:useLocalDpi xmlns:a14="http://schemas.microsoft.com/office/drawing/2010/main" val="0"/>
-              </a:ext>
-            </a:extLst>
-          </a:blip>
-          <a:stretch>
-            <a:fillRect/>
-          </a:stretch>
-        </p:blipFill>
-        <p:spPr>
-          <a:xfrm>
-            <a:off x="1251678" y="1772461"/>
-            <a:ext cx="4800599" cy="2035457"/>
-          </a:xfrm>
-        </p:spPr>
-      </p:pic>
-      <p:sp>
-        <p:nvSpPr>
-          <p:cNvPr id="9" name="テキスト プレースホルダー 8">
-            <a:extLst>
-              <a:ext uri="{FF2B5EF4-FFF2-40B4-BE49-F238E27FC236}">
-                <a16:creationId xmlns:a16="http://schemas.microsoft.com/office/drawing/2014/main" id="{FCC515DF-F1C4-D36D-8BAF-502EEC482903}"/>
-              </a:ext>
-            </a:extLst>
-          </p:cNvPr>
-          <p:cNvSpPr>
-            <a:spLocks noGrp="1"/>
-          </p:cNvSpPr>
-          <p:nvPr>
-            <p:ph type="body" sz="quarter" idx="3"/>
-          </p:nvPr>
-        </p:nvSpPr>
-        <p:spPr>
-          <a:xfrm>
-            <a:off x="6633864" y="873685"/>
-            <a:ext cx="4800600" cy="632529"/>
-          </a:xfrm>
-          <a:solidFill>
-            <a:schemeClr val="accent2">
-              <a:lumMod val="20000"/>
-              <a:lumOff val="80000"/>
-            </a:schemeClr>
-          </a:solidFill>
-        </p:spPr>
-        <p:txBody>
-          <a:bodyPr anchor="ctr"/>
-          <a:lstStyle/>
-          <a:p>
-            <a:pPr algn="ctr"/>
-            <a:r>
-              <a:rPr lang="ja-JP" altLang="en-US" cap="none" dirty="0"/>
-              <a:t>リバート</a:t>
-            </a:r>
-          </a:p>
-        </p:txBody>
-      </p:sp>
-      <p:sp>
-        <p:nvSpPr>
-          <p:cNvPr id="10" name="コンテンツ プレースホルダー 9">
-            <a:extLst>
-              <a:ext uri="{FF2B5EF4-FFF2-40B4-BE49-F238E27FC236}">
-                <a16:creationId xmlns:a16="http://schemas.microsoft.com/office/drawing/2014/main" id="{EAA0F92E-8DC7-1C05-6332-70DEB3160A89}"/>
-              </a:ext>
-            </a:extLst>
-          </p:cNvPr>
-          <p:cNvSpPr>
-            <a:spLocks noGrp="1"/>
-          </p:cNvSpPr>
-          <p:nvPr>
-            <p:ph sz="quarter" idx="4"/>
-          </p:nvPr>
-        </p:nvSpPr>
-        <p:spPr>
-          <a:xfrm>
-            <a:off x="6633864" y="1772461"/>
-            <a:ext cx="4800600" cy="4133039"/>
-          </a:xfrm>
-        </p:spPr>
-        <p:txBody>
-          <a:bodyPr/>
-          <a:lstStyle/>
-          <a:p>
-            <a:endParaRPr lang="ja-JP" altLang="en-US" dirty="0"/>
-          </a:p>
-        </p:txBody>
-      </p:sp>
-      <p:grpSp>
-        <p:nvGrpSpPr>
-          <p:cNvPr id="4" name="グループ化 3">
-            <a:extLst>
-              <a:ext uri="{FF2B5EF4-FFF2-40B4-BE49-F238E27FC236}">
-                <a16:creationId xmlns:a16="http://schemas.microsoft.com/office/drawing/2014/main" id="{478D9FEF-3A6D-5FF6-C771-7BBB4682CC89}"/>
-              </a:ext>
-            </a:extLst>
-          </p:cNvPr>
-          <p:cNvGrpSpPr/>
-          <p:nvPr/>
-        </p:nvGrpSpPr>
-        <p:grpSpPr>
-          <a:xfrm>
-            <a:off x="-156089" y="-1"/>
-            <a:ext cx="12348089" cy="634258"/>
-            <a:chOff x="-156089" y="-1"/>
-            <a:chExt cx="12348089" cy="634258"/>
-          </a:xfrm>
-        </p:grpSpPr>
-        <p:sp>
-          <p:nvSpPr>
-            <p:cNvPr id="5" name="正方形/長方形 4">
-              <a:extLst>
-                <a:ext uri="{FF2B5EF4-FFF2-40B4-BE49-F238E27FC236}">
-                  <a16:creationId xmlns:a16="http://schemas.microsoft.com/office/drawing/2014/main" id="{921231CA-A5CE-E4D4-E8B8-B8E4D7471A92}"/>
-                </a:ext>
-              </a:extLst>
-            </p:cNvPr>
-            <p:cNvSpPr/>
-            <p:nvPr/>
-          </p:nvSpPr>
-          <p:spPr>
-            <a:xfrm>
-              <a:off x="0" y="-1"/>
-              <a:ext cx="12192000" cy="505841"/>
-            </a:xfrm>
-            <a:prstGeom prst="rect">
-              <a:avLst/>
-            </a:prstGeom>
-            <a:ln>
-              <a:solidFill>
-                <a:schemeClr val="tx2">
-                  <a:lumMod val="90000"/>
-                  <a:lumOff val="10000"/>
-                </a:schemeClr>
-              </a:solidFill>
-            </a:ln>
-          </p:spPr>
-          <p:style>
-            <a:lnRef idx="2">
-              <a:schemeClr val="dk1">
-                <a:shade val="50000"/>
-              </a:schemeClr>
-            </a:lnRef>
-            <a:fillRef idx="1">
-              <a:schemeClr val="dk1"/>
-            </a:fillRef>
-            <a:effectRef idx="0">
-              <a:schemeClr val="dk1"/>
-            </a:effectRef>
-            <a:fontRef idx="minor">
-              <a:schemeClr val="lt1"/>
-            </a:fontRef>
-          </p:style>
-          <p:txBody>
-            <a:bodyPr rtlCol="0" anchor="ctr"/>
-            <a:lstStyle/>
-            <a:p>
-              <a:pPr algn="ctr"/>
-              <a:endParaRPr kumimoji="1" lang="ja-JP" altLang="en-US" dirty="0"/>
-            </a:p>
-          </p:txBody>
-        </p:sp>
-        <p:sp>
-          <p:nvSpPr>
-            <p:cNvPr id="6" name="タイトル 1">
-              <a:extLst>
-                <a:ext uri="{FF2B5EF4-FFF2-40B4-BE49-F238E27FC236}">
-                  <a16:creationId xmlns:a16="http://schemas.microsoft.com/office/drawing/2014/main" id="{EB70F378-C23A-D652-6EAB-77EB5218B6EB}"/>
-                </a:ext>
-              </a:extLst>
-            </p:cNvPr>
-            <p:cNvSpPr txBox="1">
-              <a:spLocks/>
-            </p:cNvSpPr>
-            <p:nvPr/>
-          </p:nvSpPr>
-          <p:spPr>
-            <a:xfrm>
-              <a:off x="-156089" y="36280"/>
-              <a:ext cx="8610772" cy="597977"/>
-            </a:xfrm>
-            <a:prstGeom prst="rect">
-              <a:avLst/>
-            </a:prstGeom>
-          </p:spPr>
-          <p:txBody>
-            <a:bodyPr vert="horz" lIns="91440" tIns="45720" rIns="91440" bIns="45720" rtlCol="0" anchor="t">
-              <a:normAutofit/>
-            </a:bodyPr>
-            <a:lstStyle>
-              <a:lvl1pPr algn="l" defTabSz="914400" rtl="0" eaLnBrk="1" latinLnBrk="0" hangingPunct="1">
-                <a:lnSpc>
-                  <a:spcPct val="90000"/>
-                </a:lnSpc>
-                <a:spcBef>
-                  <a:spcPct val="0"/>
-                </a:spcBef>
-                <a:buNone/>
-                <a:defRPr kumimoji="1" sz="5100" kern="1200" cap="all" spc="200" baseline="0">
-                  <a:solidFill>
-                    <a:schemeClr val="tx2"/>
-                  </a:solidFill>
-                  <a:latin typeface="+mj-lt"/>
-                  <a:ea typeface="+mj-ea"/>
-                  <a:cs typeface="+mj-cs"/>
-                </a:defRPr>
-              </a:lvl1pPr>
-            </a:lstStyle>
-            <a:p>
-              <a:r>
-                <a:rPr lang="ja-JP" altLang="en-US" sz="2800" cap="none" dirty="0">
-                  <a:solidFill>
-                    <a:schemeClr val="bg1"/>
-                  </a:solidFill>
-                </a:rPr>
-                <a:t>・コミットを取り消す</a:t>
-              </a:r>
-              <a:endParaRPr lang="ja-JP" altLang="en-US" sz="2800" dirty="0">
-                <a:solidFill>
-                  <a:schemeClr val="bg1"/>
-                </a:solidFill>
-              </a:endParaRPr>
-            </a:p>
-          </p:txBody>
-        </p:sp>
-      </p:grpSp>
-      <p:sp>
-        <p:nvSpPr>
-          <p:cNvPr id="13" name="正方形/長方形 12">
-            <a:extLst>
-              <a:ext uri="{FF2B5EF4-FFF2-40B4-BE49-F238E27FC236}">
-                <a16:creationId xmlns:a16="http://schemas.microsoft.com/office/drawing/2014/main" id="{037CA5DB-51A9-3DC9-AEFC-8C15B145A805}"/>
-              </a:ext>
-            </a:extLst>
-          </p:cNvPr>
-          <p:cNvSpPr/>
-          <p:nvPr/>
-        </p:nvSpPr>
-        <p:spPr>
-          <a:xfrm>
-            <a:off x="5046133" y="3153058"/>
-            <a:ext cx="812800" cy="474134"/>
-          </a:xfrm>
-          <a:prstGeom prst="rect">
-            <a:avLst/>
-          </a:prstGeom>
-          <a:noFill/>
-          <a:ln w="38100">
-            <a:solidFill>
-              <a:srgbClr val="FF0000"/>
-            </a:solidFill>
-          </a:ln>
-        </p:spPr>
-        <p:style>
-          <a:lnRef idx="2">
-            <a:schemeClr val="accent1">
-              <a:shade val="50000"/>
-            </a:schemeClr>
-          </a:lnRef>
-          <a:fillRef idx="1">
-            <a:schemeClr val="accent1"/>
-          </a:fillRef>
-          <a:effectRef idx="0">
-            <a:schemeClr val="accent1"/>
-          </a:effectRef>
-          <a:fontRef idx="minor">
-            <a:schemeClr val="lt1"/>
-          </a:fontRef>
-        </p:style>
-        <p:txBody>
-          <a:bodyPr rtlCol="0" anchor="ctr"/>
-          <a:lstStyle/>
-          <a:p>
-            <a:pPr algn="ctr"/>
-            <a:endParaRPr kumimoji="1" lang="ja-JP" altLang="en-US"/>
-          </a:p>
-        </p:txBody>
-      </p:sp>
-      <p:cxnSp>
-        <p:nvCxnSpPr>
-          <p:cNvPr id="15" name="直線矢印コネクタ 14">
-            <a:extLst>
-              <a:ext uri="{FF2B5EF4-FFF2-40B4-BE49-F238E27FC236}">
-                <a16:creationId xmlns:a16="http://schemas.microsoft.com/office/drawing/2014/main" id="{7D7FF918-A2E6-5D0C-1387-92FB723EEABB}"/>
-              </a:ext>
-            </a:extLst>
-          </p:cNvPr>
-          <p:cNvCxnSpPr>
-            <a:cxnSpLocks/>
-          </p:cNvCxnSpPr>
-          <p:nvPr/>
-        </p:nvCxnSpPr>
-        <p:spPr>
-          <a:xfrm flipV="1">
-            <a:off x="5452532" y="3659276"/>
-            <a:ext cx="0" cy="843208"/>
-          </a:xfrm>
-          <a:prstGeom prst="straightConnector1">
-            <a:avLst/>
-          </a:prstGeom>
-          <a:ln w="28575">
-            <a:solidFill>
-              <a:srgbClr val="FF0000"/>
-            </a:solidFill>
-            <a:tailEnd type="triangle"/>
-          </a:ln>
-        </p:spPr>
-        <p:style>
-          <a:lnRef idx="1">
-            <a:schemeClr val="accent1"/>
-          </a:lnRef>
-          <a:fillRef idx="0">
-            <a:schemeClr val="accent1"/>
-          </a:fillRef>
-          <a:effectRef idx="0">
-            <a:schemeClr val="accent1"/>
-          </a:effectRef>
-          <a:fontRef idx="minor">
-            <a:schemeClr val="tx1"/>
-          </a:fontRef>
-        </p:style>
-      </p:cxnSp>
-      <p:sp>
-        <p:nvSpPr>
-          <p:cNvPr id="17" name="テキスト ボックス 16">
-            <a:extLst>
-              <a:ext uri="{FF2B5EF4-FFF2-40B4-BE49-F238E27FC236}">
-                <a16:creationId xmlns:a16="http://schemas.microsoft.com/office/drawing/2014/main" id="{FE0F97D2-20C5-FC19-2AE2-F822DDA5D914}"/>
-              </a:ext>
-            </a:extLst>
-          </p:cNvPr>
-          <p:cNvSpPr txBox="1"/>
-          <p:nvPr/>
-        </p:nvSpPr>
-        <p:spPr>
-          <a:xfrm>
-            <a:off x="1604209" y="4521202"/>
-            <a:ext cx="4592441" cy="707886"/>
-          </a:xfrm>
-          <a:prstGeom prst="rect">
-            <a:avLst/>
-          </a:prstGeom>
-          <a:noFill/>
-        </p:spPr>
-        <p:txBody>
-          <a:bodyPr wrap="square" rtlCol="0">
-            <a:spAutoFit/>
-          </a:bodyPr>
-          <a:lstStyle/>
-          <a:p>
-            <a:r>
-              <a:rPr kumimoji="1" lang="ja-JP" altLang="en-US" sz="2000" dirty="0">
-                <a:solidFill>
-                  <a:srgbClr val="FF0000"/>
-                </a:solidFill>
-              </a:rPr>
-              <a:t>コミット後に出てくるこのボタンを</a:t>
-            </a:r>
-            <a:endParaRPr kumimoji="1" lang="en-US" altLang="ja-JP" sz="2000" dirty="0">
-              <a:solidFill>
-                <a:srgbClr val="FF0000"/>
-              </a:solidFill>
-            </a:endParaRPr>
-          </a:p>
-          <a:p>
-            <a:r>
-              <a:rPr kumimoji="1" lang="ja-JP" altLang="en-US" sz="2000" dirty="0">
-                <a:solidFill>
-                  <a:srgbClr val="FF0000"/>
-                </a:solidFill>
-              </a:rPr>
-              <a:t>押すと直前のコミットが取り消される</a:t>
-            </a:r>
-          </a:p>
-        </p:txBody>
-      </p:sp>
-    </p:spTree>
-    <p:extLst>
-      <p:ext uri="{BB962C8B-B14F-4D97-AF65-F5344CB8AC3E}">
-        <p14:creationId xmlns:p14="http://schemas.microsoft.com/office/powerpoint/2010/main" val="2774783996"/>
-      </p:ext>
-    </p:extLst>
-  </p:cSld>
-  <p:clrMapOvr>
-    <a:masterClrMapping/>
-  </p:clrMapOvr>
-</p:sld>
-</file>
-
-<file path=ppt/slides/slide14.xml><?xml version="1.0" encoding="utf-8"?>
+<file path=ppt/slides/slide11.xml><?xml version="1.0" encoding="utf-8"?>
 <p:sld xmlns:a="http://schemas.openxmlformats.org/drawingml/2006/main" xmlns:r="http://schemas.openxmlformats.org/officeDocument/2006/relationships" xmlns:p="http://schemas.openxmlformats.org/presentationml/2006/main">
   <p:cSld>
     <p:spTree>
@@ -13262,7 +11837,7 @@
 </p:sld>
 </file>
 
-<file path=ppt/slides/slide15.xml><?xml version="1.0" encoding="utf-8"?>
+<file path=ppt/slides/slide12.xml><?xml version="1.0" encoding="utf-8"?>
 <p:sld xmlns:a="http://schemas.openxmlformats.org/drawingml/2006/main" xmlns:r="http://schemas.openxmlformats.org/officeDocument/2006/relationships" xmlns:p="http://schemas.openxmlformats.org/presentationml/2006/main">
   <p:cSld>
     <p:spTree>
@@ -13474,7 +12049,7 @@
           <p:nvPr/>
         </p:nvPicPr>
         <p:blipFill>
-          <a:blip r:embed="rId2">
+          <a:blip r:embed="rId3">
             <a:extLst>
               <a:ext uri="{28A0092B-C50C-407E-A947-70E740481C1C}">
                 <a14:useLocalDpi xmlns:a14="http://schemas.microsoft.com/office/drawing/2010/main" val="0"/>
@@ -13766,6 +12341,147 @@
             <a:solidFill>
               <a:srgbClr val="FF0000"/>
             </a:solidFill>
+          </a:ln>
+        </p:spPr>
+        <p:style>
+          <a:lnRef idx="1">
+            <a:schemeClr val="accent1"/>
+          </a:lnRef>
+          <a:fillRef idx="0">
+            <a:schemeClr val="accent1"/>
+          </a:fillRef>
+          <a:effectRef idx="0">
+            <a:schemeClr val="accent1"/>
+          </a:effectRef>
+          <a:fontRef idx="minor">
+            <a:schemeClr val="tx1"/>
+          </a:fontRef>
+        </p:style>
+      </p:cxnSp>
+      <p:sp>
+        <p:nvSpPr>
+          <p:cNvPr id="2" name="テキスト ボックス 1">
+            <a:extLst>
+              <a:ext uri="{FF2B5EF4-FFF2-40B4-BE49-F238E27FC236}">
+                <a16:creationId xmlns:a16="http://schemas.microsoft.com/office/drawing/2014/main" id="{32095250-2A47-C17C-2B09-F41C19235A18}"/>
+              </a:ext>
+            </a:extLst>
+          </p:cNvPr>
+          <p:cNvSpPr txBox="1"/>
+          <p:nvPr/>
+        </p:nvSpPr>
+        <p:spPr>
+          <a:xfrm>
+            <a:off x="1973832" y="2797401"/>
+            <a:ext cx="3937973" cy="369332"/>
+          </a:xfrm>
+          <a:prstGeom prst="rect">
+            <a:avLst/>
+          </a:prstGeom>
+          <a:noFill/>
+        </p:spPr>
+        <p:txBody>
+          <a:bodyPr wrap="square" rtlCol="0">
+            <a:spAutoFit/>
+          </a:bodyPr>
+          <a:lstStyle/>
+          <a:p>
+            <a:r>
+              <a:rPr kumimoji="1" lang="ja-JP" altLang="en-US" dirty="0">
+                <a:solidFill>
+                  <a:schemeClr val="accent3"/>
+                </a:solidFill>
+              </a:rPr>
+              <a:t>コミット</a:t>
+            </a:r>
+            <a:r>
+              <a:rPr kumimoji="1" lang="en-US" altLang="ja-JP" dirty="0">
+                <a:solidFill>
+                  <a:schemeClr val="accent3"/>
+                </a:solidFill>
+              </a:rPr>
+              <a:t>ID</a:t>
+            </a:r>
+            <a:r>
+              <a:rPr kumimoji="1" lang="ja-JP" altLang="en-US" dirty="0">
+                <a:solidFill>
+                  <a:schemeClr val="accent3"/>
+                </a:solidFill>
+              </a:rPr>
+              <a:t>の頭４ケタをコピー</a:t>
+            </a:r>
+          </a:p>
+        </p:txBody>
+      </p:sp>
+      <p:cxnSp>
+        <p:nvCxnSpPr>
+          <p:cNvPr id="11" name="直線矢印コネクタ 10">
+            <a:extLst>
+              <a:ext uri="{FF2B5EF4-FFF2-40B4-BE49-F238E27FC236}">
+                <a16:creationId xmlns:a16="http://schemas.microsoft.com/office/drawing/2014/main" id="{A2A27DBE-2944-6A58-A351-1D62D003EC2E}"/>
+              </a:ext>
+            </a:extLst>
+          </p:cNvPr>
+          <p:cNvCxnSpPr/>
+          <p:nvPr/>
+        </p:nvCxnSpPr>
+        <p:spPr>
+          <a:xfrm flipV="1">
+            <a:off x="2289568" y="2251247"/>
+            <a:ext cx="0" cy="525733"/>
+          </a:xfrm>
+          <a:prstGeom prst="straightConnector1">
+            <a:avLst/>
+          </a:prstGeom>
+          <a:ln w="28575">
+            <a:solidFill>
+              <a:schemeClr val="accent3"/>
+            </a:solidFill>
+            <a:tailEnd type="triangle"/>
+          </a:ln>
+        </p:spPr>
+        <p:style>
+          <a:lnRef idx="1">
+            <a:schemeClr val="accent1"/>
+          </a:lnRef>
+          <a:fillRef idx="0">
+            <a:schemeClr val="accent1"/>
+          </a:fillRef>
+          <a:effectRef idx="0">
+            <a:schemeClr val="accent1"/>
+          </a:effectRef>
+          <a:fontRef idx="minor">
+            <a:schemeClr val="tx1"/>
+          </a:fontRef>
+        </p:style>
+      </p:cxnSp>
+      <p:cxnSp>
+        <p:nvCxnSpPr>
+          <p:cNvPr id="13" name="直線矢印コネクタ 12">
+            <a:extLst>
+              <a:ext uri="{FF2B5EF4-FFF2-40B4-BE49-F238E27FC236}">
+                <a16:creationId xmlns:a16="http://schemas.microsoft.com/office/drawing/2014/main" id="{42937B88-6E2D-2071-D454-3DEE64525B52}"/>
+              </a:ext>
+            </a:extLst>
+          </p:cNvPr>
+          <p:cNvCxnSpPr>
+            <a:cxnSpLocks/>
+          </p:cNvCxnSpPr>
+          <p:nvPr/>
+        </p:nvCxnSpPr>
+        <p:spPr>
+          <a:xfrm>
+            <a:off x="2289568" y="3102045"/>
+            <a:ext cx="881335" cy="2328185"/>
+          </a:xfrm>
+          <a:prstGeom prst="straightConnector1">
+            <a:avLst/>
+          </a:prstGeom>
+          <a:ln w="28575">
+            <a:solidFill>
+              <a:schemeClr val="accent3"/>
+            </a:solidFill>
+            <a:tailEnd type="triangle"/>
           </a:ln>
         </p:spPr>
         <p:style>
@@ -19799,1522 +18515,6 @@
 </file>
 
 <file path=ppt/slides/slide7.xml><?xml version="1.0" encoding="utf-8"?>
-<p:sld xmlns:a="http://schemas.openxmlformats.org/drawingml/2006/main" xmlns:r="http://schemas.openxmlformats.org/officeDocument/2006/relationships" xmlns:p="http://schemas.openxmlformats.org/presentationml/2006/main" show="0">
-  <p:cSld>
-    <p:spTree>
-      <p:nvGrpSpPr>
-        <p:cNvPr id="1" name=""/>
-        <p:cNvGrpSpPr/>
-        <p:nvPr/>
-      </p:nvGrpSpPr>
-      <p:grpSpPr>
-        <a:xfrm>
-          <a:off x="0" y="0"/>
-          <a:ext cx="0" cy="0"/>
-          <a:chOff x="0" y="0"/>
-          <a:chExt cx="0" cy="0"/>
-        </a:xfrm>
-      </p:grpSpPr>
-      <p:grpSp>
-        <p:nvGrpSpPr>
-          <p:cNvPr id="4" name="グループ化 3">
-            <a:extLst>
-              <a:ext uri="{FF2B5EF4-FFF2-40B4-BE49-F238E27FC236}">
-                <a16:creationId xmlns:a16="http://schemas.microsoft.com/office/drawing/2014/main" id="{2B5414F4-961E-F8D4-FA42-34D613034548}"/>
-              </a:ext>
-            </a:extLst>
-          </p:cNvPr>
-          <p:cNvGrpSpPr/>
-          <p:nvPr/>
-        </p:nvGrpSpPr>
-        <p:grpSpPr>
-          <a:xfrm>
-            <a:off x="-156089" y="-1"/>
-            <a:ext cx="12348089" cy="634258"/>
-            <a:chOff x="-156089" y="-1"/>
-            <a:chExt cx="12348089" cy="634258"/>
-          </a:xfrm>
-        </p:grpSpPr>
-        <p:sp>
-          <p:nvSpPr>
-            <p:cNvPr id="5" name="正方形/長方形 4">
-              <a:extLst>
-                <a:ext uri="{FF2B5EF4-FFF2-40B4-BE49-F238E27FC236}">
-                  <a16:creationId xmlns:a16="http://schemas.microsoft.com/office/drawing/2014/main" id="{7E8B3632-54A3-E7DF-0CEB-F0F51E36AD0C}"/>
-                </a:ext>
-              </a:extLst>
-            </p:cNvPr>
-            <p:cNvSpPr/>
-            <p:nvPr/>
-          </p:nvSpPr>
-          <p:spPr>
-            <a:xfrm>
-              <a:off x="0" y="-1"/>
-              <a:ext cx="12192000" cy="505841"/>
-            </a:xfrm>
-            <a:prstGeom prst="rect">
-              <a:avLst/>
-            </a:prstGeom>
-            <a:ln>
-              <a:solidFill>
-                <a:schemeClr val="tx2">
-                  <a:lumMod val="90000"/>
-                  <a:lumOff val="10000"/>
-                </a:schemeClr>
-              </a:solidFill>
-            </a:ln>
-          </p:spPr>
-          <p:style>
-            <a:lnRef idx="2">
-              <a:schemeClr val="dk1">
-                <a:shade val="50000"/>
-              </a:schemeClr>
-            </a:lnRef>
-            <a:fillRef idx="1">
-              <a:schemeClr val="dk1"/>
-            </a:fillRef>
-            <a:effectRef idx="0">
-              <a:schemeClr val="dk1"/>
-            </a:effectRef>
-            <a:fontRef idx="minor">
-              <a:schemeClr val="lt1"/>
-            </a:fontRef>
-          </p:style>
-          <p:txBody>
-            <a:bodyPr rtlCol="0" anchor="ctr"/>
-            <a:lstStyle/>
-            <a:p>
-              <a:pPr algn="ctr"/>
-              <a:endParaRPr kumimoji="1" lang="ja-JP" altLang="en-US" dirty="0"/>
-            </a:p>
-          </p:txBody>
-        </p:sp>
-        <p:sp>
-          <p:nvSpPr>
-            <p:cNvPr id="6" name="タイトル 1">
-              <a:extLst>
-                <a:ext uri="{FF2B5EF4-FFF2-40B4-BE49-F238E27FC236}">
-                  <a16:creationId xmlns:a16="http://schemas.microsoft.com/office/drawing/2014/main" id="{0FCCE766-13B2-7876-143D-B7197ADF21F7}"/>
-                </a:ext>
-              </a:extLst>
-            </p:cNvPr>
-            <p:cNvSpPr txBox="1">
-              <a:spLocks/>
-            </p:cNvSpPr>
-            <p:nvPr/>
-          </p:nvSpPr>
-          <p:spPr>
-            <a:xfrm>
-              <a:off x="-156089" y="36280"/>
-              <a:ext cx="8610772" cy="597977"/>
-            </a:xfrm>
-            <a:prstGeom prst="rect">
-              <a:avLst/>
-            </a:prstGeom>
-          </p:spPr>
-          <p:txBody>
-            <a:bodyPr vert="horz" lIns="91440" tIns="45720" rIns="91440" bIns="45720" rtlCol="0" anchor="t">
-              <a:normAutofit/>
-            </a:bodyPr>
-            <a:lstStyle>
-              <a:lvl1pPr algn="l" defTabSz="914400" rtl="0" eaLnBrk="1" latinLnBrk="0" hangingPunct="1">
-                <a:lnSpc>
-                  <a:spcPct val="90000"/>
-                </a:lnSpc>
-                <a:spcBef>
-                  <a:spcPct val="0"/>
-                </a:spcBef>
-                <a:buNone/>
-                <a:defRPr kumimoji="1" sz="5100" kern="1200" cap="all" spc="200" baseline="0">
-                  <a:solidFill>
-                    <a:schemeClr val="tx2"/>
-                  </a:solidFill>
-                  <a:latin typeface="+mj-lt"/>
-                  <a:ea typeface="+mj-ea"/>
-                  <a:cs typeface="+mj-cs"/>
-                </a:defRPr>
-              </a:lvl1pPr>
-            </a:lstStyle>
-            <a:p>
-              <a:r>
-                <a:rPr lang="ja-JP" altLang="en-US" sz="2800" cap="none" dirty="0">
-                  <a:solidFill>
-                    <a:schemeClr val="bg1"/>
-                  </a:solidFill>
-                </a:rPr>
-                <a:t>・</a:t>
-              </a:r>
-              <a:r>
-                <a:rPr lang="en-US" altLang="ja-JP" sz="2800" cap="none" dirty="0">
-                  <a:solidFill>
-                    <a:schemeClr val="bg1"/>
-                  </a:solidFill>
-                </a:rPr>
-                <a:t>Git Bash</a:t>
-              </a:r>
-              <a:r>
-                <a:rPr lang="ja-JP" altLang="en-US" sz="2800" cap="none" dirty="0">
-                  <a:solidFill>
-                    <a:schemeClr val="bg1"/>
-                  </a:solidFill>
-                </a:rPr>
-                <a:t>を起動する</a:t>
-              </a:r>
-              <a:endParaRPr lang="ja-JP" altLang="en-US" sz="2800" dirty="0">
-                <a:solidFill>
-                  <a:schemeClr val="bg1"/>
-                </a:solidFill>
-              </a:endParaRPr>
-            </a:p>
-          </p:txBody>
-        </p:sp>
-      </p:grpSp>
-      <p:pic>
-        <p:nvPicPr>
-          <p:cNvPr id="12" name="図 11" descr="グラフィカル ユーザー インターフェイス, テキスト, アプリケーション&#10;&#10;自動的に生成された説明">
-            <a:extLst>
-              <a:ext uri="{FF2B5EF4-FFF2-40B4-BE49-F238E27FC236}">
-                <a16:creationId xmlns:a16="http://schemas.microsoft.com/office/drawing/2014/main" id="{1440C3FB-7273-0B3E-A1CA-8CC6DE70B236}"/>
-              </a:ext>
-            </a:extLst>
-          </p:cNvPr>
-          <p:cNvPicPr>
-            <a:picLocks noChangeAspect="1"/>
-          </p:cNvPicPr>
-          <p:nvPr/>
-        </p:nvPicPr>
-        <p:blipFill>
-          <a:blip r:embed="rId2">
-            <a:extLst>
-              <a:ext uri="{28A0092B-C50C-407E-A947-70E740481C1C}">
-                <a14:useLocalDpi xmlns:a14="http://schemas.microsoft.com/office/drawing/2010/main" val="0"/>
-              </a:ext>
-            </a:extLst>
-          </a:blip>
-          <a:stretch>
-            <a:fillRect/>
-          </a:stretch>
-        </p:blipFill>
-        <p:spPr>
-          <a:xfrm>
-            <a:off x="5775909" y="884421"/>
-            <a:ext cx="5976380" cy="5608603"/>
-          </a:xfrm>
-          <a:prstGeom prst="rect">
-            <a:avLst/>
-          </a:prstGeom>
-        </p:spPr>
-      </p:pic>
-      <p:grpSp>
-        <p:nvGrpSpPr>
-          <p:cNvPr id="14" name="グループ化 13">
-            <a:extLst>
-              <a:ext uri="{FF2B5EF4-FFF2-40B4-BE49-F238E27FC236}">
-                <a16:creationId xmlns:a16="http://schemas.microsoft.com/office/drawing/2014/main" id="{5E52BD06-6DB6-39BA-B4EF-DBF452833BDF}"/>
-              </a:ext>
-            </a:extLst>
-          </p:cNvPr>
-          <p:cNvGrpSpPr/>
-          <p:nvPr/>
-        </p:nvGrpSpPr>
-        <p:grpSpPr>
-          <a:xfrm>
-            <a:off x="1116033" y="884421"/>
-            <a:ext cx="4356446" cy="1696233"/>
-            <a:chOff x="1004340" y="1565473"/>
-            <a:chExt cx="4134778" cy="1609924"/>
-          </a:xfrm>
-        </p:grpSpPr>
-        <p:pic>
-          <p:nvPicPr>
-            <p:cNvPr id="10" name="図 9" descr="グラフィカル ユーザー インターフェイス, アプリケーション">
-              <a:extLst>
-                <a:ext uri="{FF2B5EF4-FFF2-40B4-BE49-F238E27FC236}">
-                  <a16:creationId xmlns:a16="http://schemas.microsoft.com/office/drawing/2014/main" id="{2E5CDC37-7FB1-CAE4-9E09-E7057897DEDD}"/>
-                </a:ext>
-              </a:extLst>
-            </p:cNvPr>
-            <p:cNvPicPr>
-              <a:picLocks noChangeAspect="1"/>
-            </p:cNvPicPr>
-            <p:nvPr/>
-          </p:nvPicPr>
-          <p:blipFill>
-            <a:blip r:embed="rId3">
-              <a:extLst>
-                <a:ext uri="{28A0092B-C50C-407E-A947-70E740481C1C}">
-                  <a14:useLocalDpi xmlns:a14="http://schemas.microsoft.com/office/drawing/2010/main" val="0"/>
-                </a:ext>
-              </a:extLst>
-            </a:blip>
-            <a:stretch>
-              <a:fillRect/>
-            </a:stretch>
-          </p:blipFill>
-          <p:spPr>
-            <a:xfrm>
-              <a:off x="1004340" y="1565473"/>
-              <a:ext cx="4134778" cy="1609924"/>
-            </a:xfrm>
-            <a:prstGeom prst="rect">
-              <a:avLst/>
-            </a:prstGeom>
-          </p:spPr>
-        </p:pic>
-        <p:sp>
-          <p:nvSpPr>
-            <p:cNvPr id="13" name="正方形/長方形 12">
-              <a:extLst>
-                <a:ext uri="{FF2B5EF4-FFF2-40B4-BE49-F238E27FC236}">
-                  <a16:creationId xmlns:a16="http://schemas.microsoft.com/office/drawing/2014/main" id="{FBAD85D2-11BC-4150-360F-C6672B9BA6C1}"/>
-                </a:ext>
-              </a:extLst>
-            </p:cNvPr>
-            <p:cNvSpPr/>
-            <p:nvPr/>
-          </p:nvSpPr>
-          <p:spPr>
-            <a:xfrm>
-              <a:off x="2008682" y="2728210"/>
-              <a:ext cx="2023672" cy="434714"/>
-            </a:xfrm>
-            <a:prstGeom prst="rect">
-              <a:avLst/>
-            </a:prstGeom>
-            <a:noFill/>
-            <a:ln w="38100">
-              <a:solidFill>
-                <a:srgbClr val="FF0000"/>
-              </a:solidFill>
-            </a:ln>
-          </p:spPr>
-          <p:style>
-            <a:lnRef idx="2">
-              <a:schemeClr val="accent1">
-                <a:shade val="50000"/>
-              </a:schemeClr>
-            </a:lnRef>
-            <a:fillRef idx="1">
-              <a:schemeClr val="accent1"/>
-            </a:fillRef>
-            <a:effectRef idx="0">
-              <a:schemeClr val="accent1"/>
-            </a:effectRef>
-            <a:fontRef idx="minor">
-              <a:schemeClr val="lt1"/>
-            </a:fontRef>
-          </p:style>
-          <p:txBody>
-            <a:bodyPr rtlCol="0" anchor="ctr"/>
-            <a:lstStyle/>
-            <a:p>
-              <a:pPr algn="ctr"/>
-              <a:endParaRPr kumimoji="1" lang="ja-JP" altLang="en-US"/>
-            </a:p>
-          </p:txBody>
-        </p:sp>
-      </p:grpSp>
-      <p:sp>
-        <p:nvSpPr>
-          <p:cNvPr id="15" name="テキスト ボックス 14">
-            <a:extLst>
-              <a:ext uri="{FF2B5EF4-FFF2-40B4-BE49-F238E27FC236}">
-                <a16:creationId xmlns:a16="http://schemas.microsoft.com/office/drawing/2014/main" id="{3B3C19FB-A0D6-9A0D-1D38-2E549D1E9EAF}"/>
-              </a:ext>
-            </a:extLst>
-          </p:cNvPr>
-          <p:cNvSpPr txBox="1"/>
-          <p:nvPr/>
-        </p:nvSpPr>
-        <p:spPr>
-          <a:xfrm>
-            <a:off x="2006123" y="2656537"/>
-            <a:ext cx="3162925" cy="461665"/>
-          </a:xfrm>
-          <a:prstGeom prst="rect">
-            <a:avLst/>
-          </a:prstGeom>
-          <a:noFill/>
-        </p:spPr>
-        <p:txBody>
-          <a:bodyPr wrap="square" rtlCol="0">
-            <a:spAutoFit/>
-          </a:bodyPr>
-          <a:lstStyle/>
-          <a:p>
-            <a:r>
-              <a:rPr kumimoji="1" lang="ja-JP" altLang="en-US" sz="2400" dirty="0">
-                <a:solidFill>
-                  <a:srgbClr val="FF0000"/>
-                </a:solidFill>
-              </a:rPr>
-              <a:t>①「</a:t>
-            </a:r>
-            <a:r>
-              <a:rPr kumimoji="1" lang="en-US" altLang="ja-JP" sz="2400" dirty="0" err="1">
-                <a:solidFill>
-                  <a:srgbClr val="FF0000"/>
-                </a:solidFill>
-              </a:rPr>
-              <a:t>gitbash</a:t>
-            </a:r>
-            <a:r>
-              <a:rPr kumimoji="1" lang="ja-JP" altLang="en-US" sz="2400" dirty="0">
-                <a:solidFill>
-                  <a:srgbClr val="FF0000"/>
-                </a:solidFill>
-              </a:rPr>
-              <a:t>」と入力</a:t>
-            </a:r>
-          </a:p>
-        </p:txBody>
-      </p:sp>
-      <p:sp>
-        <p:nvSpPr>
-          <p:cNvPr id="18" name="正方形/長方形 17">
-            <a:extLst>
-              <a:ext uri="{FF2B5EF4-FFF2-40B4-BE49-F238E27FC236}">
-                <a16:creationId xmlns:a16="http://schemas.microsoft.com/office/drawing/2014/main" id="{387A274C-6775-8CD6-5B3E-B193E433C01C}"/>
-              </a:ext>
-            </a:extLst>
-          </p:cNvPr>
-          <p:cNvSpPr/>
-          <p:nvPr/>
-        </p:nvSpPr>
-        <p:spPr>
-          <a:xfrm>
-            <a:off x="9308891" y="1514825"/>
-            <a:ext cx="1424066" cy="1247462"/>
-          </a:xfrm>
-          <a:prstGeom prst="rect">
-            <a:avLst/>
-          </a:prstGeom>
-          <a:noFill/>
-          <a:ln w="38100">
-            <a:solidFill>
-              <a:srgbClr val="FF0000"/>
-            </a:solidFill>
-          </a:ln>
-        </p:spPr>
-        <p:style>
-          <a:lnRef idx="2">
-            <a:schemeClr val="accent1">
-              <a:shade val="50000"/>
-            </a:schemeClr>
-          </a:lnRef>
-          <a:fillRef idx="1">
-            <a:schemeClr val="accent1"/>
-          </a:fillRef>
-          <a:effectRef idx="0">
-            <a:schemeClr val="accent1"/>
-          </a:effectRef>
-          <a:fontRef idx="minor">
-            <a:schemeClr val="lt1"/>
-          </a:fontRef>
-        </p:style>
-        <p:txBody>
-          <a:bodyPr rtlCol="0" anchor="ctr"/>
-          <a:lstStyle/>
-          <a:p>
-            <a:pPr algn="ctr"/>
-            <a:endParaRPr kumimoji="1" lang="ja-JP" altLang="en-US"/>
-          </a:p>
-        </p:txBody>
-      </p:sp>
-      <p:sp>
-        <p:nvSpPr>
-          <p:cNvPr id="19" name="テキスト ボックス 18">
-            <a:extLst>
-              <a:ext uri="{FF2B5EF4-FFF2-40B4-BE49-F238E27FC236}">
-                <a16:creationId xmlns:a16="http://schemas.microsoft.com/office/drawing/2014/main" id="{96A10634-BE2D-94E3-FB1A-3B9CE4A9A3F0}"/>
-              </a:ext>
-            </a:extLst>
-          </p:cNvPr>
-          <p:cNvSpPr txBox="1"/>
-          <p:nvPr/>
-        </p:nvSpPr>
-        <p:spPr>
-          <a:xfrm>
-            <a:off x="9263921" y="2812419"/>
-            <a:ext cx="3162925" cy="461665"/>
-          </a:xfrm>
-          <a:prstGeom prst="rect">
-            <a:avLst/>
-          </a:prstGeom>
-          <a:noFill/>
-        </p:spPr>
-        <p:txBody>
-          <a:bodyPr wrap="square" rtlCol="0">
-            <a:spAutoFit/>
-          </a:bodyPr>
-          <a:lstStyle/>
-          <a:p>
-            <a:r>
-              <a:rPr kumimoji="1" lang="ja-JP" altLang="en-US" sz="2400" dirty="0">
-                <a:solidFill>
-                  <a:srgbClr val="FF0000"/>
-                </a:solidFill>
-              </a:rPr>
-              <a:t>②アプリを開く</a:t>
-            </a:r>
-          </a:p>
-        </p:txBody>
-      </p:sp>
-    </p:spTree>
-    <p:extLst>
-      <p:ext uri="{BB962C8B-B14F-4D97-AF65-F5344CB8AC3E}">
-        <p14:creationId xmlns:p14="http://schemas.microsoft.com/office/powerpoint/2010/main" val="1478409985"/>
-      </p:ext>
-    </p:extLst>
-  </p:cSld>
-  <p:clrMapOvr>
-    <a:masterClrMapping/>
-  </p:clrMapOvr>
-</p:sld>
-</file>
-
-<file path=ppt/slides/slide8.xml><?xml version="1.0" encoding="utf-8"?>
-<p:sld xmlns:a="http://schemas.openxmlformats.org/drawingml/2006/main" xmlns:r="http://schemas.openxmlformats.org/officeDocument/2006/relationships" xmlns:p="http://schemas.openxmlformats.org/presentationml/2006/main" show="0">
-  <p:cSld>
-    <p:spTree>
-      <p:nvGrpSpPr>
-        <p:cNvPr id="1" name=""/>
-        <p:cNvGrpSpPr/>
-        <p:nvPr/>
-      </p:nvGrpSpPr>
-      <p:grpSpPr>
-        <a:xfrm>
-          <a:off x="0" y="0"/>
-          <a:ext cx="0" cy="0"/>
-          <a:chOff x="0" y="0"/>
-          <a:chExt cx="0" cy="0"/>
-        </a:xfrm>
-      </p:grpSpPr>
-      <p:grpSp>
-        <p:nvGrpSpPr>
-          <p:cNvPr id="2" name="グループ化 1">
-            <a:extLst>
-              <a:ext uri="{FF2B5EF4-FFF2-40B4-BE49-F238E27FC236}">
-                <a16:creationId xmlns:a16="http://schemas.microsoft.com/office/drawing/2014/main" id="{F4F5466F-7EAC-2F69-49BC-3355F3BC6CB5}"/>
-              </a:ext>
-            </a:extLst>
-          </p:cNvPr>
-          <p:cNvGrpSpPr/>
-          <p:nvPr/>
-        </p:nvGrpSpPr>
-        <p:grpSpPr>
-          <a:xfrm>
-            <a:off x="-156089" y="-1"/>
-            <a:ext cx="12348089" cy="634258"/>
-            <a:chOff x="-156089" y="-1"/>
-            <a:chExt cx="12348089" cy="634258"/>
-          </a:xfrm>
-        </p:grpSpPr>
-        <p:sp>
-          <p:nvSpPr>
-            <p:cNvPr id="3" name="正方形/長方形 2">
-              <a:extLst>
-                <a:ext uri="{FF2B5EF4-FFF2-40B4-BE49-F238E27FC236}">
-                  <a16:creationId xmlns:a16="http://schemas.microsoft.com/office/drawing/2014/main" id="{1EBFB064-5E5A-1305-2BEA-ABEA77BB03A0}"/>
-                </a:ext>
-              </a:extLst>
-            </p:cNvPr>
-            <p:cNvSpPr/>
-            <p:nvPr/>
-          </p:nvSpPr>
-          <p:spPr>
-            <a:xfrm>
-              <a:off x="0" y="-1"/>
-              <a:ext cx="12192000" cy="505841"/>
-            </a:xfrm>
-            <a:prstGeom prst="rect">
-              <a:avLst/>
-            </a:prstGeom>
-            <a:ln>
-              <a:solidFill>
-                <a:schemeClr val="tx2">
-                  <a:lumMod val="90000"/>
-                  <a:lumOff val="10000"/>
-                </a:schemeClr>
-              </a:solidFill>
-            </a:ln>
-          </p:spPr>
-          <p:style>
-            <a:lnRef idx="2">
-              <a:schemeClr val="dk1">
-                <a:shade val="50000"/>
-              </a:schemeClr>
-            </a:lnRef>
-            <a:fillRef idx="1">
-              <a:schemeClr val="dk1"/>
-            </a:fillRef>
-            <a:effectRef idx="0">
-              <a:schemeClr val="dk1"/>
-            </a:effectRef>
-            <a:fontRef idx="minor">
-              <a:schemeClr val="lt1"/>
-            </a:fontRef>
-          </p:style>
-          <p:txBody>
-            <a:bodyPr rtlCol="0" anchor="ctr"/>
-            <a:lstStyle/>
-            <a:p>
-              <a:pPr algn="ctr"/>
-              <a:endParaRPr kumimoji="1" lang="ja-JP" altLang="en-US" dirty="0"/>
-            </a:p>
-          </p:txBody>
-        </p:sp>
-        <p:sp>
-          <p:nvSpPr>
-            <p:cNvPr id="4" name="タイトル 1">
-              <a:extLst>
-                <a:ext uri="{FF2B5EF4-FFF2-40B4-BE49-F238E27FC236}">
-                  <a16:creationId xmlns:a16="http://schemas.microsoft.com/office/drawing/2014/main" id="{212577DE-B806-097E-C227-B2DD56DE5531}"/>
-                </a:ext>
-              </a:extLst>
-            </p:cNvPr>
-            <p:cNvSpPr txBox="1">
-              <a:spLocks/>
-            </p:cNvSpPr>
-            <p:nvPr/>
-          </p:nvSpPr>
-          <p:spPr>
-            <a:xfrm>
-              <a:off x="-156089" y="36280"/>
-              <a:ext cx="8610772" cy="597977"/>
-            </a:xfrm>
-            <a:prstGeom prst="rect">
-              <a:avLst/>
-            </a:prstGeom>
-          </p:spPr>
-          <p:txBody>
-            <a:bodyPr vert="horz" lIns="91440" tIns="45720" rIns="91440" bIns="45720" rtlCol="0" anchor="t">
-              <a:normAutofit/>
-            </a:bodyPr>
-            <a:lstStyle>
-              <a:lvl1pPr algn="l" defTabSz="914400" rtl="0" eaLnBrk="1" latinLnBrk="0" hangingPunct="1">
-                <a:lnSpc>
-                  <a:spcPct val="90000"/>
-                </a:lnSpc>
-                <a:spcBef>
-                  <a:spcPct val="0"/>
-                </a:spcBef>
-                <a:buNone/>
-                <a:defRPr kumimoji="1" sz="5100" kern="1200" cap="all" spc="200" baseline="0">
-                  <a:solidFill>
-                    <a:schemeClr val="tx2"/>
-                  </a:solidFill>
-                  <a:latin typeface="+mj-lt"/>
-                  <a:ea typeface="+mj-ea"/>
-                  <a:cs typeface="+mj-cs"/>
-                </a:defRPr>
-              </a:lvl1pPr>
-            </a:lstStyle>
-            <a:p>
-              <a:r>
-                <a:rPr lang="ja-JP" altLang="en-US" sz="2800" cap="none" dirty="0">
-                  <a:solidFill>
-                    <a:schemeClr val="bg1"/>
-                  </a:solidFill>
-                </a:rPr>
-                <a:t>・ローカルリポジトリを作成する</a:t>
-              </a:r>
-              <a:endParaRPr lang="ja-JP" altLang="en-US" sz="2800" dirty="0">
-                <a:solidFill>
-                  <a:schemeClr val="bg1"/>
-                </a:solidFill>
-              </a:endParaRPr>
-            </a:p>
-          </p:txBody>
-        </p:sp>
-      </p:grpSp>
-      <p:sp>
-        <p:nvSpPr>
-          <p:cNvPr id="6" name="コンテンツ プレースホルダー 5">
-            <a:extLst>
-              <a:ext uri="{FF2B5EF4-FFF2-40B4-BE49-F238E27FC236}">
-                <a16:creationId xmlns:a16="http://schemas.microsoft.com/office/drawing/2014/main" id="{06768868-510E-70E1-C729-C10F6C19B245}"/>
-              </a:ext>
-            </a:extLst>
-          </p:cNvPr>
-          <p:cNvSpPr>
-            <a:spLocks noGrp="1"/>
-          </p:cNvSpPr>
-          <p:nvPr>
-            <p:ph idx="1"/>
-          </p:nvPr>
-        </p:nvSpPr>
-        <p:spPr>
-          <a:xfrm>
-            <a:off x="1251678" y="762001"/>
-            <a:ext cx="10178322" cy="5117592"/>
-          </a:xfrm>
-        </p:spPr>
-        <p:txBody>
-          <a:bodyPr>
-            <a:normAutofit/>
-          </a:bodyPr>
-          <a:lstStyle/>
-          <a:p>
-            <a:r>
-              <a:rPr lang="en-US" altLang="ja-JP" sz="2400" dirty="0"/>
-              <a:t>cd Desktop/ </a:t>
-            </a:r>
-            <a:r>
-              <a:rPr lang="ja-JP" altLang="en-US" sz="2400" dirty="0"/>
-              <a:t>と入力し、</a:t>
-            </a:r>
-            <a:r>
-              <a:rPr lang="en-US" altLang="ja-JP" sz="2400" dirty="0"/>
-              <a:t>Enter</a:t>
-            </a:r>
-            <a:r>
-              <a:rPr lang="ja-JP" altLang="en-US" sz="2400" dirty="0"/>
-              <a:t>を押す</a:t>
-            </a:r>
-            <a:br>
-              <a:rPr lang="sv-SE" altLang="ja-JP" sz="2400" dirty="0"/>
-            </a:br>
-            <a:r>
-              <a:rPr lang="en-US" altLang="ja-JP" sz="2200" dirty="0"/>
-              <a:t>※</a:t>
-            </a:r>
-            <a:r>
-              <a:rPr lang="ja-JP" altLang="en-US" sz="2200" dirty="0"/>
-              <a:t>エラーの場合は </a:t>
-            </a:r>
-            <a:r>
-              <a:rPr lang="en-US" altLang="ja-JP" sz="2200" dirty="0"/>
-              <a:t>cd /c/Users/</a:t>
-            </a:r>
-            <a:r>
-              <a:rPr lang="ja-JP" altLang="en-US" sz="2200" dirty="0"/>
-              <a:t>ユーザ名</a:t>
-            </a:r>
-            <a:r>
-              <a:rPr lang="en-US" altLang="ja-JP" sz="2200" dirty="0"/>
-              <a:t>/Desktop/</a:t>
-            </a:r>
-          </a:p>
-        </p:txBody>
-      </p:sp>
-      <p:grpSp>
-        <p:nvGrpSpPr>
-          <p:cNvPr id="53" name="グループ化 52">
-            <a:extLst>
-              <a:ext uri="{FF2B5EF4-FFF2-40B4-BE49-F238E27FC236}">
-                <a16:creationId xmlns:a16="http://schemas.microsoft.com/office/drawing/2014/main" id="{F8E212C7-9F3C-7FD9-1282-36CE824518B8}"/>
-              </a:ext>
-            </a:extLst>
-          </p:cNvPr>
-          <p:cNvGrpSpPr/>
-          <p:nvPr/>
-        </p:nvGrpSpPr>
-        <p:grpSpPr>
-          <a:xfrm>
-            <a:off x="6380813" y="2386561"/>
-            <a:ext cx="1329557" cy="1617786"/>
-            <a:chOff x="3994134" y="2898289"/>
-            <a:chExt cx="1329557" cy="1617786"/>
-          </a:xfrm>
-        </p:grpSpPr>
-        <p:sp>
-          <p:nvSpPr>
-            <p:cNvPr id="54" name="四角形: メモ 53">
-              <a:extLst>
-                <a:ext uri="{FF2B5EF4-FFF2-40B4-BE49-F238E27FC236}">
-                  <a16:creationId xmlns:a16="http://schemas.microsoft.com/office/drawing/2014/main" id="{44CF78D4-D396-FC78-5E5C-A7425C345182}"/>
-                </a:ext>
-              </a:extLst>
-            </p:cNvPr>
-            <p:cNvSpPr/>
-            <p:nvPr/>
-          </p:nvSpPr>
-          <p:spPr>
-            <a:xfrm rot="10800000" flipH="1">
-              <a:off x="4149297" y="2912831"/>
-              <a:ext cx="1174394" cy="1547446"/>
-            </a:xfrm>
-            <a:prstGeom prst="foldedCorner">
-              <a:avLst/>
-            </a:prstGeom>
-          </p:spPr>
-          <p:style>
-            <a:lnRef idx="2">
-              <a:schemeClr val="accent6"/>
-            </a:lnRef>
-            <a:fillRef idx="1">
-              <a:schemeClr val="lt1"/>
-            </a:fillRef>
-            <a:effectRef idx="0">
-              <a:schemeClr val="accent6"/>
-            </a:effectRef>
-            <a:fontRef idx="minor">
-              <a:schemeClr val="dk1"/>
-            </a:fontRef>
-          </p:style>
-          <p:txBody>
-            <a:bodyPr rtlCol="0" anchor="ctr"/>
-            <a:lstStyle/>
-            <a:p>
-              <a:pPr algn="ctr"/>
-              <a:endParaRPr kumimoji="1" lang="ja-JP" altLang="en-US"/>
-            </a:p>
-          </p:txBody>
-        </p:sp>
-        <p:sp>
-          <p:nvSpPr>
-            <p:cNvPr id="55" name="フローチャート: カード 54">
-              <a:extLst>
-                <a:ext uri="{FF2B5EF4-FFF2-40B4-BE49-F238E27FC236}">
-                  <a16:creationId xmlns:a16="http://schemas.microsoft.com/office/drawing/2014/main" id="{4D6AB48E-AC23-63D2-ADAA-0965C22BBBF5}"/>
-                </a:ext>
-              </a:extLst>
-            </p:cNvPr>
-            <p:cNvSpPr/>
-            <p:nvPr/>
-          </p:nvSpPr>
-          <p:spPr>
-            <a:xfrm flipH="1">
-              <a:off x="3994134" y="2898289"/>
-              <a:ext cx="1280160" cy="1617786"/>
-            </a:xfrm>
-            <a:prstGeom prst="flowChartPunchedCard">
-              <a:avLst/>
-            </a:prstGeom>
-          </p:spPr>
-          <p:style>
-            <a:lnRef idx="2">
-              <a:schemeClr val="accent1">
-                <a:shade val="50000"/>
-              </a:schemeClr>
-            </a:lnRef>
-            <a:fillRef idx="1">
-              <a:schemeClr val="accent1"/>
-            </a:fillRef>
-            <a:effectRef idx="0">
-              <a:schemeClr val="accent1"/>
-            </a:effectRef>
-            <a:fontRef idx="minor">
-              <a:schemeClr val="lt1"/>
-            </a:fontRef>
-          </p:style>
-          <p:txBody>
-            <a:bodyPr rtlCol="0" anchor="ctr"/>
-            <a:lstStyle/>
-            <a:p>
-              <a:pPr algn="ctr"/>
-              <a:r>
-                <a:rPr kumimoji="1" lang="en-US" altLang="ja-JP" dirty="0"/>
-                <a:t>file1</a:t>
-              </a:r>
-              <a:endParaRPr kumimoji="1" lang="ja-JP" altLang="en-US" dirty="0"/>
-            </a:p>
-          </p:txBody>
-        </p:sp>
-      </p:grpSp>
-      <p:grpSp>
-        <p:nvGrpSpPr>
-          <p:cNvPr id="56" name="グループ化 55">
-            <a:extLst>
-              <a:ext uri="{FF2B5EF4-FFF2-40B4-BE49-F238E27FC236}">
-                <a16:creationId xmlns:a16="http://schemas.microsoft.com/office/drawing/2014/main" id="{1665D61A-01AB-3A4C-12B6-9DBA8DE4012B}"/>
-              </a:ext>
-            </a:extLst>
-          </p:cNvPr>
-          <p:cNvGrpSpPr/>
-          <p:nvPr/>
-        </p:nvGrpSpPr>
-        <p:grpSpPr>
-          <a:xfrm>
-            <a:off x="6458394" y="5059682"/>
-            <a:ext cx="1329557" cy="1617786"/>
-            <a:chOff x="3994134" y="2898289"/>
-            <a:chExt cx="1329557" cy="1617786"/>
-          </a:xfrm>
-        </p:grpSpPr>
-        <p:sp>
-          <p:nvSpPr>
-            <p:cNvPr id="57" name="四角形: メモ 56">
-              <a:extLst>
-                <a:ext uri="{FF2B5EF4-FFF2-40B4-BE49-F238E27FC236}">
-                  <a16:creationId xmlns:a16="http://schemas.microsoft.com/office/drawing/2014/main" id="{FEC9DCF5-3439-A5B1-DBF4-CB14D833A0E8}"/>
-                </a:ext>
-              </a:extLst>
-            </p:cNvPr>
-            <p:cNvSpPr/>
-            <p:nvPr/>
-          </p:nvSpPr>
-          <p:spPr>
-            <a:xfrm rot="10800000" flipH="1">
-              <a:off x="4149297" y="2912831"/>
-              <a:ext cx="1174394" cy="1547446"/>
-            </a:xfrm>
-            <a:prstGeom prst="foldedCorner">
-              <a:avLst/>
-            </a:prstGeom>
-          </p:spPr>
-          <p:style>
-            <a:lnRef idx="2">
-              <a:schemeClr val="accent6"/>
-            </a:lnRef>
-            <a:fillRef idx="1">
-              <a:schemeClr val="lt1"/>
-            </a:fillRef>
-            <a:effectRef idx="0">
-              <a:schemeClr val="accent6"/>
-            </a:effectRef>
-            <a:fontRef idx="minor">
-              <a:schemeClr val="dk1"/>
-            </a:fontRef>
-          </p:style>
-          <p:txBody>
-            <a:bodyPr rtlCol="0" anchor="ctr"/>
-            <a:lstStyle/>
-            <a:p>
-              <a:pPr algn="ctr"/>
-              <a:endParaRPr kumimoji="1" lang="ja-JP" altLang="en-US"/>
-            </a:p>
-          </p:txBody>
-        </p:sp>
-        <p:sp>
-          <p:nvSpPr>
-            <p:cNvPr id="58" name="フローチャート: カード 57">
-              <a:extLst>
-                <a:ext uri="{FF2B5EF4-FFF2-40B4-BE49-F238E27FC236}">
-                  <a16:creationId xmlns:a16="http://schemas.microsoft.com/office/drawing/2014/main" id="{1BC70937-E42B-8192-155B-3ED2107A47AC}"/>
-                </a:ext>
-              </a:extLst>
-            </p:cNvPr>
-            <p:cNvSpPr/>
-            <p:nvPr/>
-          </p:nvSpPr>
-          <p:spPr>
-            <a:xfrm flipH="1">
-              <a:off x="3994134" y="2898289"/>
-              <a:ext cx="1280160" cy="1617786"/>
-            </a:xfrm>
-            <a:prstGeom prst="flowChartPunchedCard">
-              <a:avLst/>
-            </a:prstGeom>
-          </p:spPr>
-          <p:style>
-            <a:lnRef idx="2">
-              <a:schemeClr val="accent1">
-                <a:shade val="50000"/>
-              </a:schemeClr>
-            </a:lnRef>
-            <a:fillRef idx="1">
-              <a:schemeClr val="accent1"/>
-            </a:fillRef>
-            <a:effectRef idx="0">
-              <a:schemeClr val="accent1"/>
-            </a:effectRef>
-            <a:fontRef idx="minor">
-              <a:schemeClr val="lt1"/>
-            </a:fontRef>
-          </p:style>
-          <p:txBody>
-            <a:bodyPr rtlCol="0" anchor="ctr"/>
-            <a:lstStyle/>
-            <a:p>
-              <a:pPr algn="ctr"/>
-              <a:r>
-                <a:rPr kumimoji="1" lang="en-US" altLang="ja-JP" dirty="0"/>
-                <a:t>file2</a:t>
-              </a:r>
-              <a:endParaRPr kumimoji="1" lang="ja-JP" altLang="en-US" dirty="0"/>
-            </a:p>
-          </p:txBody>
-        </p:sp>
-      </p:grpSp>
-      <p:sp>
-        <p:nvSpPr>
-          <p:cNvPr id="59" name="矢印: 右 58">
-            <a:extLst>
-              <a:ext uri="{FF2B5EF4-FFF2-40B4-BE49-F238E27FC236}">
-                <a16:creationId xmlns:a16="http://schemas.microsoft.com/office/drawing/2014/main" id="{72FACB80-171A-51F5-14A6-8D4470DA1718}"/>
-              </a:ext>
-            </a:extLst>
-          </p:cNvPr>
-          <p:cNvSpPr/>
-          <p:nvPr/>
-        </p:nvSpPr>
-        <p:spPr>
-          <a:xfrm rot="19386440">
-            <a:off x="4724040" y="3237933"/>
-            <a:ext cx="1335670" cy="1020253"/>
-          </a:xfrm>
-          <a:prstGeom prst="rightArrow">
-            <a:avLst/>
-          </a:prstGeom>
-        </p:spPr>
-        <p:style>
-          <a:lnRef idx="2">
-            <a:schemeClr val="accent5">
-              <a:shade val="50000"/>
-            </a:schemeClr>
-          </a:lnRef>
-          <a:fillRef idx="1">
-            <a:schemeClr val="accent5"/>
-          </a:fillRef>
-          <a:effectRef idx="0">
-            <a:schemeClr val="accent5"/>
-          </a:effectRef>
-          <a:fontRef idx="minor">
-            <a:schemeClr val="lt1"/>
-          </a:fontRef>
-        </p:style>
-        <p:txBody>
-          <a:bodyPr rtlCol="0" anchor="ctr"/>
-          <a:lstStyle/>
-          <a:p>
-            <a:pPr algn="ctr"/>
-            <a:endParaRPr kumimoji="1" lang="ja-JP" altLang="en-US"/>
-          </a:p>
-        </p:txBody>
-      </p:sp>
-      <p:sp>
-        <p:nvSpPr>
-          <p:cNvPr id="60" name="矢印: 右 59">
-            <a:extLst>
-              <a:ext uri="{FF2B5EF4-FFF2-40B4-BE49-F238E27FC236}">
-                <a16:creationId xmlns:a16="http://schemas.microsoft.com/office/drawing/2014/main" id="{F45A5E82-D77B-BADA-67D9-BDAA86ECA43E}"/>
-              </a:ext>
-            </a:extLst>
-          </p:cNvPr>
-          <p:cNvSpPr/>
-          <p:nvPr/>
-        </p:nvSpPr>
-        <p:spPr>
-          <a:xfrm rot="2082278">
-            <a:off x="4861582" y="4861100"/>
-            <a:ext cx="1335670" cy="1020253"/>
-          </a:xfrm>
-          <a:prstGeom prst="rightArrow">
-            <a:avLst/>
-          </a:prstGeom>
-        </p:spPr>
-        <p:style>
-          <a:lnRef idx="2">
-            <a:schemeClr val="accent5">
-              <a:shade val="50000"/>
-            </a:schemeClr>
-          </a:lnRef>
-          <a:fillRef idx="1">
-            <a:schemeClr val="accent5"/>
-          </a:fillRef>
-          <a:effectRef idx="0">
-            <a:schemeClr val="accent5"/>
-          </a:effectRef>
-          <a:fontRef idx="minor">
-            <a:schemeClr val="lt1"/>
-          </a:fontRef>
-        </p:style>
-        <p:txBody>
-          <a:bodyPr rtlCol="0" anchor="ctr"/>
-          <a:lstStyle/>
-          <a:p>
-            <a:pPr algn="ctr"/>
-            <a:endParaRPr kumimoji="1" lang="ja-JP" altLang="en-US"/>
-          </a:p>
-        </p:txBody>
-      </p:sp>
-      <p:grpSp>
-        <p:nvGrpSpPr>
-          <p:cNvPr id="61" name="グループ化 60">
-            <a:extLst>
-              <a:ext uri="{FF2B5EF4-FFF2-40B4-BE49-F238E27FC236}">
-                <a16:creationId xmlns:a16="http://schemas.microsoft.com/office/drawing/2014/main" id="{9ED00F30-F961-F613-1A2B-C6A73895BFFC}"/>
-              </a:ext>
-            </a:extLst>
-          </p:cNvPr>
-          <p:cNvGrpSpPr/>
-          <p:nvPr/>
-        </p:nvGrpSpPr>
-        <p:grpSpPr>
-          <a:xfrm>
-            <a:off x="1940376" y="3810955"/>
-            <a:ext cx="2319443" cy="1856449"/>
-            <a:chOff x="845788" y="3112387"/>
-            <a:chExt cx="2319443" cy="1856449"/>
-          </a:xfrm>
-        </p:grpSpPr>
-        <p:sp>
-          <p:nvSpPr>
-            <p:cNvPr id="62" name="フリーフォーム: 図形 61">
-              <a:extLst>
-                <a:ext uri="{FF2B5EF4-FFF2-40B4-BE49-F238E27FC236}">
-                  <a16:creationId xmlns:a16="http://schemas.microsoft.com/office/drawing/2014/main" id="{BD72E0BE-F59B-A24D-4F75-62E2DAB34FC0}"/>
-                </a:ext>
-              </a:extLst>
-            </p:cNvPr>
-            <p:cNvSpPr/>
-            <p:nvPr/>
-          </p:nvSpPr>
-          <p:spPr>
-            <a:xfrm>
-              <a:off x="1137908" y="4740196"/>
-              <a:ext cx="1678930" cy="228640"/>
-            </a:xfrm>
-            <a:custGeom>
-              <a:avLst/>
-              <a:gdLst>
-                <a:gd name="connsiteX0" fmla="*/ 839465 w 1678930"/>
-                <a:gd name="connsiteY0" fmla="*/ 0 h 233902"/>
-                <a:gd name="connsiteX1" fmla="*/ 1678930 w 1678930"/>
-                <a:gd name="connsiteY1" fmla="*/ 221480 h 233902"/>
-                <a:gd name="connsiteX2" fmla="*/ 1674184 w 1678930"/>
-                <a:gd name="connsiteY2" fmla="*/ 233902 h 233902"/>
-                <a:gd name="connsiteX3" fmla="*/ 4746 w 1678930"/>
-                <a:gd name="connsiteY3" fmla="*/ 233902 h 233902"/>
-                <a:gd name="connsiteX4" fmla="*/ 0 w 1678930"/>
-                <a:gd name="connsiteY4" fmla="*/ 221480 h 233902"/>
-                <a:gd name="connsiteX5" fmla="*/ 839465 w 1678930"/>
-                <a:gd name="connsiteY5" fmla="*/ 0 h 233902"/>
-              </a:gdLst>
-              <a:ahLst/>
-              <a:cxnLst>
-                <a:cxn ang="0">
-                  <a:pos x="connsiteX0" y="connsiteY0"/>
-                </a:cxn>
-                <a:cxn ang="0">
-                  <a:pos x="connsiteX1" y="connsiteY1"/>
-                </a:cxn>
-                <a:cxn ang="0">
-                  <a:pos x="connsiteX2" y="connsiteY2"/>
-                </a:cxn>
-                <a:cxn ang="0">
-                  <a:pos x="connsiteX3" y="connsiteY3"/>
-                </a:cxn>
-                <a:cxn ang="0">
-                  <a:pos x="connsiteX4" y="connsiteY4"/>
-                </a:cxn>
-                <a:cxn ang="0">
-                  <a:pos x="connsiteX5" y="connsiteY5"/>
-                </a:cxn>
-              </a:cxnLst>
-              <a:rect l="l" t="t" r="r" b="b"/>
-              <a:pathLst>
-                <a:path w="1678930" h="233902">
-                  <a:moveTo>
-                    <a:pt x="839465" y="0"/>
-                  </a:moveTo>
-                  <a:cubicBezTo>
-                    <a:pt x="1303089" y="0"/>
-                    <a:pt x="1678930" y="99160"/>
-                    <a:pt x="1678930" y="221480"/>
-                  </a:cubicBezTo>
-                  <a:lnTo>
-                    <a:pt x="1674184" y="233902"/>
-                  </a:lnTo>
-                  <a:lnTo>
-                    <a:pt x="4746" y="233902"/>
-                  </a:lnTo>
-                  <a:lnTo>
-                    <a:pt x="0" y="221480"/>
-                  </a:lnTo>
-                  <a:cubicBezTo>
-                    <a:pt x="0" y="99160"/>
-                    <a:pt x="375841" y="0"/>
-                    <a:pt x="839465" y="0"/>
-                  </a:cubicBezTo>
-                  <a:close/>
-                </a:path>
-              </a:pathLst>
-            </a:custGeom>
-            <a:solidFill>
-              <a:schemeClr val="bg2">
-                <a:lumMod val="75000"/>
-              </a:schemeClr>
-            </a:solidFill>
-            <a:ln>
-              <a:solidFill>
-                <a:schemeClr val="tx1">
-                  <a:lumMod val="50000"/>
-                  <a:lumOff val="50000"/>
-                </a:schemeClr>
-              </a:solidFill>
-            </a:ln>
-          </p:spPr>
-          <p:style>
-            <a:lnRef idx="2">
-              <a:schemeClr val="accent1">
-                <a:shade val="50000"/>
-              </a:schemeClr>
-            </a:lnRef>
-            <a:fillRef idx="1">
-              <a:schemeClr val="accent1"/>
-            </a:fillRef>
-            <a:effectRef idx="0">
-              <a:schemeClr val="accent1"/>
-            </a:effectRef>
-            <a:fontRef idx="minor">
-              <a:schemeClr val="lt1"/>
-            </a:fontRef>
-          </p:style>
-          <p:txBody>
-            <a:bodyPr wrap="square" rtlCol="0" anchor="ctr">
-              <a:noAutofit/>
-            </a:bodyPr>
-            <a:lstStyle/>
-            <a:p>
-              <a:pPr algn="ctr"/>
-              <a:endParaRPr kumimoji="1" lang="ja-JP" altLang="en-US"/>
-            </a:p>
-          </p:txBody>
-        </p:sp>
-        <p:sp>
-          <p:nvSpPr>
-            <p:cNvPr id="63" name="楕円 62">
-              <a:extLst>
-                <a:ext uri="{FF2B5EF4-FFF2-40B4-BE49-F238E27FC236}">
-                  <a16:creationId xmlns:a16="http://schemas.microsoft.com/office/drawing/2014/main" id="{E522535D-D27D-2F36-208B-AFB9149BDE10}"/>
-                </a:ext>
-              </a:extLst>
-            </p:cNvPr>
-            <p:cNvSpPr/>
-            <p:nvPr/>
-          </p:nvSpPr>
-          <p:spPr>
-            <a:xfrm>
-              <a:off x="1533144" y="4249736"/>
-              <a:ext cx="901983" cy="646984"/>
-            </a:xfrm>
-            <a:prstGeom prst="ellipse">
-              <a:avLst/>
-            </a:prstGeom>
-            <a:solidFill>
-              <a:schemeClr val="bg2">
-                <a:lumMod val="75000"/>
-              </a:schemeClr>
-            </a:solidFill>
-            <a:ln>
-              <a:solidFill>
-                <a:schemeClr val="tx1">
-                  <a:lumMod val="50000"/>
-                  <a:lumOff val="50000"/>
-                </a:schemeClr>
-              </a:solidFill>
-            </a:ln>
-          </p:spPr>
-          <p:style>
-            <a:lnRef idx="2">
-              <a:schemeClr val="accent1">
-                <a:shade val="50000"/>
-              </a:schemeClr>
-            </a:lnRef>
-            <a:fillRef idx="1">
-              <a:schemeClr val="accent1"/>
-            </a:fillRef>
-            <a:effectRef idx="0">
-              <a:schemeClr val="accent1"/>
-            </a:effectRef>
-            <a:fontRef idx="minor">
-              <a:schemeClr val="lt1"/>
-            </a:fontRef>
-          </p:style>
-          <p:txBody>
-            <a:bodyPr rtlCol="0" anchor="ctr"/>
-            <a:lstStyle/>
-            <a:p>
-              <a:pPr algn="ctr"/>
-              <a:endParaRPr kumimoji="1" lang="ja-JP" altLang="en-US"/>
-            </a:p>
-          </p:txBody>
-        </p:sp>
-        <p:sp>
-          <p:nvSpPr>
-            <p:cNvPr id="64" name="正方形/長方形 63">
-              <a:extLst>
-                <a:ext uri="{FF2B5EF4-FFF2-40B4-BE49-F238E27FC236}">
-                  <a16:creationId xmlns:a16="http://schemas.microsoft.com/office/drawing/2014/main" id="{EA6CA52C-2F25-22D7-73A2-0E94E6B20C14}"/>
-                </a:ext>
-              </a:extLst>
-            </p:cNvPr>
-            <p:cNvSpPr/>
-            <p:nvPr/>
-          </p:nvSpPr>
-          <p:spPr>
-            <a:xfrm>
-              <a:off x="845788" y="3112387"/>
-              <a:ext cx="2319443" cy="1491995"/>
-            </a:xfrm>
-            <a:prstGeom prst="rect">
-              <a:avLst/>
-            </a:prstGeom>
-            <a:solidFill>
-              <a:schemeClr val="accent3"/>
-            </a:solidFill>
-            <a:ln w="76200">
-              <a:solidFill>
-                <a:schemeClr val="tx1"/>
-              </a:solidFill>
-            </a:ln>
-          </p:spPr>
-          <p:style>
-            <a:lnRef idx="2">
-              <a:schemeClr val="accent1">
-                <a:shade val="50000"/>
-              </a:schemeClr>
-            </a:lnRef>
-            <a:fillRef idx="1">
-              <a:schemeClr val="accent1"/>
-            </a:fillRef>
-            <a:effectRef idx="0">
-              <a:schemeClr val="accent1"/>
-            </a:effectRef>
-            <a:fontRef idx="minor">
-              <a:schemeClr val="lt1"/>
-            </a:fontRef>
-          </p:style>
-          <p:txBody>
-            <a:bodyPr rtlCol="0" anchor="ctr"/>
-            <a:lstStyle/>
-            <a:p>
-              <a:pPr algn="ctr"/>
-              <a:endParaRPr kumimoji="1" lang="ja-JP" altLang="en-US" dirty="0"/>
-            </a:p>
-          </p:txBody>
-        </p:sp>
-        <p:sp>
-          <p:nvSpPr>
-            <p:cNvPr id="65" name="直角三角形 64">
-              <a:extLst>
-                <a:ext uri="{FF2B5EF4-FFF2-40B4-BE49-F238E27FC236}">
-                  <a16:creationId xmlns:a16="http://schemas.microsoft.com/office/drawing/2014/main" id="{F1F6151C-9E14-10C8-CA19-7ECE82C3570F}"/>
-                </a:ext>
-              </a:extLst>
-            </p:cNvPr>
-            <p:cNvSpPr/>
-            <p:nvPr/>
-          </p:nvSpPr>
-          <p:spPr>
-            <a:xfrm rot="5400000">
-              <a:off x="944700" y="3268130"/>
-              <a:ext cx="966417" cy="901983"/>
-            </a:xfrm>
-            <a:prstGeom prst="rtTriangle">
-              <a:avLst/>
-            </a:prstGeom>
-            <a:solidFill>
-              <a:srgbClr val="99D6D7"/>
-            </a:solidFill>
-            <a:ln>
-              <a:noFill/>
-            </a:ln>
-          </p:spPr>
-          <p:style>
-            <a:lnRef idx="2">
-              <a:schemeClr val="accent6"/>
-            </a:lnRef>
-            <a:fillRef idx="1">
-              <a:schemeClr val="lt1"/>
-            </a:fillRef>
-            <a:effectRef idx="0">
-              <a:schemeClr val="accent6"/>
-            </a:effectRef>
-            <a:fontRef idx="minor">
-              <a:schemeClr val="dk1"/>
-            </a:fontRef>
-          </p:style>
-          <p:txBody>
-            <a:bodyPr rtlCol="0" anchor="ctr"/>
-            <a:lstStyle/>
-            <a:p>
-              <a:pPr algn="ctr"/>
-              <a:endParaRPr kumimoji="1" lang="ja-JP" altLang="en-US"/>
-            </a:p>
-          </p:txBody>
-        </p:sp>
-      </p:grpSp>
-      <p:sp>
-        <p:nvSpPr>
-          <p:cNvPr id="66" name="思考の吹き出し: 雲形 65">
-            <a:extLst>
-              <a:ext uri="{FF2B5EF4-FFF2-40B4-BE49-F238E27FC236}">
-                <a16:creationId xmlns:a16="http://schemas.microsoft.com/office/drawing/2014/main" id="{50274914-F9ED-368C-D54B-EB5661C9D619}"/>
-              </a:ext>
-            </a:extLst>
-          </p:cNvPr>
-          <p:cNvSpPr/>
-          <p:nvPr/>
-        </p:nvSpPr>
-        <p:spPr>
-          <a:xfrm>
-            <a:off x="2652155" y="2326427"/>
-            <a:ext cx="2152375" cy="1067146"/>
-          </a:xfrm>
-          <a:prstGeom prst="cloudCallout">
-            <a:avLst>
-              <a:gd name="adj1" fmla="val -36155"/>
-              <a:gd name="adj2" fmla="val 77952"/>
-            </a:avLst>
-          </a:prstGeom>
-        </p:spPr>
-        <p:style>
-          <a:lnRef idx="2">
-            <a:schemeClr val="accent6"/>
-          </a:lnRef>
-          <a:fillRef idx="1">
-            <a:schemeClr val="lt1"/>
-          </a:fillRef>
-          <a:effectRef idx="0">
-            <a:schemeClr val="accent6"/>
-          </a:effectRef>
-          <a:fontRef idx="minor">
-            <a:schemeClr val="dk1"/>
-          </a:fontRef>
-        </p:style>
-        <p:txBody>
-          <a:bodyPr rtlCol="0" anchor="ctr"/>
-          <a:lstStyle/>
-          <a:p>
-            <a:pPr algn="ctr"/>
-            <a:r>
-              <a:rPr kumimoji="1" lang="en-US" altLang="ja-JP" dirty="0"/>
-              <a:t>cd </a:t>
-            </a:r>
-            <a:r>
-              <a:rPr kumimoji="1" lang="en-US" altLang="ja-JP" dirty="0" err="1"/>
-              <a:t>Desctop</a:t>
-            </a:r>
-            <a:endParaRPr kumimoji="1" lang="ja-JP" altLang="en-US" dirty="0"/>
-          </a:p>
-        </p:txBody>
-      </p:sp>
-      <p:sp>
-        <p:nvSpPr>
-          <p:cNvPr id="67" name="思考の吹き出し: 雲形 66">
-            <a:extLst>
-              <a:ext uri="{FF2B5EF4-FFF2-40B4-BE49-F238E27FC236}">
-                <a16:creationId xmlns:a16="http://schemas.microsoft.com/office/drawing/2014/main" id="{76910644-CE0C-1CE9-7A2C-485A68848943}"/>
-              </a:ext>
-            </a:extLst>
-          </p:cNvPr>
-          <p:cNvSpPr/>
-          <p:nvPr/>
-        </p:nvSpPr>
-        <p:spPr>
-          <a:xfrm>
-            <a:off x="7540678" y="1561175"/>
-            <a:ext cx="2721928" cy="1067146"/>
-          </a:xfrm>
-          <a:prstGeom prst="cloudCallout">
-            <a:avLst>
-              <a:gd name="adj1" fmla="val -37355"/>
-              <a:gd name="adj2" fmla="val 80761"/>
-            </a:avLst>
-          </a:prstGeom>
-        </p:spPr>
-        <p:style>
-          <a:lnRef idx="2">
-            <a:schemeClr val="accent6"/>
-          </a:lnRef>
-          <a:fillRef idx="1">
-            <a:schemeClr val="lt1"/>
-          </a:fillRef>
-          <a:effectRef idx="0">
-            <a:schemeClr val="accent6"/>
-          </a:effectRef>
-          <a:fontRef idx="minor">
-            <a:schemeClr val="dk1"/>
-          </a:fontRef>
-        </p:style>
-        <p:txBody>
-          <a:bodyPr rtlCol="0" anchor="ctr"/>
-          <a:lstStyle/>
-          <a:p>
-            <a:pPr algn="ctr"/>
-            <a:r>
-              <a:rPr kumimoji="1" lang="en-US" altLang="ja-JP" dirty="0"/>
-              <a:t>cd </a:t>
-            </a:r>
-            <a:r>
-              <a:rPr kumimoji="1" lang="en-US" altLang="ja-JP" dirty="0" err="1"/>
-              <a:t>Desctop</a:t>
-            </a:r>
-            <a:r>
-              <a:rPr kumimoji="1" lang="en-US" altLang="ja-JP" dirty="0"/>
-              <a:t>/file1</a:t>
-            </a:r>
-            <a:endParaRPr kumimoji="1" lang="ja-JP" altLang="en-US" dirty="0"/>
-          </a:p>
-        </p:txBody>
-      </p:sp>
-      <p:sp>
-        <p:nvSpPr>
-          <p:cNvPr id="68" name="思考の吹き出し: 雲形 67">
-            <a:extLst>
-              <a:ext uri="{FF2B5EF4-FFF2-40B4-BE49-F238E27FC236}">
-                <a16:creationId xmlns:a16="http://schemas.microsoft.com/office/drawing/2014/main" id="{A5A7A95D-CCD0-7927-7BC3-0043D08B51B2}"/>
-              </a:ext>
-            </a:extLst>
-          </p:cNvPr>
-          <p:cNvSpPr/>
-          <p:nvPr/>
-        </p:nvSpPr>
-        <p:spPr>
-          <a:xfrm>
-            <a:off x="7421404" y="4174293"/>
-            <a:ext cx="2721928" cy="1067146"/>
-          </a:xfrm>
-          <a:prstGeom prst="cloudCallout">
-            <a:avLst>
-              <a:gd name="adj1" fmla="val -32398"/>
-              <a:gd name="adj2" fmla="val 82166"/>
-            </a:avLst>
-          </a:prstGeom>
-        </p:spPr>
-        <p:style>
-          <a:lnRef idx="2">
-            <a:schemeClr val="accent6"/>
-          </a:lnRef>
-          <a:fillRef idx="1">
-            <a:schemeClr val="lt1"/>
-          </a:fillRef>
-          <a:effectRef idx="0">
-            <a:schemeClr val="accent6"/>
-          </a:effectRef>
-          <a:fontRef idx="minor">
-            <a:schemeClr val="dk1"/>
-          </a:fontRef>
-        </p:style>
-        <p:txBody>
-          <a:bodyPr rtlCol="0" anchor="ctr"/>
-          <a:lstStyle/>
-          <a:p>
-            <a:pPr algn="ctr"/>
-            <a:r>
-              <a:rPr kumimoji="1" lang="en-US" altLang="ja-JP" dirty="0"/>
-              <a:t>cd </a:t>
-            </a:r>
-            <a:r>
-              <a:rPr kumimoji="1" lang="en-US" altLang="ja-JP" dirty="0" err="1"/>
-              <a:t>Desctop</a:t>
-            </a:r>
-            <a:r>
-              <a:rPr kumimoji="1" lang="en-US" altLang="ja-JP" dirty="0"/>
-              <a:t>/file2</a:t>
-            </a:r>
-            <a:endParaRPr kumimoji="1" lang="ja-JP" altLang="en-US" dirty="0"/>
-          </a:p>
-        </p:txBody>
-      </p:sp>
-    </p:spTree>
-    <p:extLst>
-      <p:ext uri="{BB962C8B-B14F-4D97-AF65-F5344CB8AC3E}">
-        <p14:creationId xmlns:p14="http://schemas.microsoft.com/office/powerpoint/2010/main" val="391155146"/>
-      </p:ext>
-    </p:extLst>
-  </p:cSld>
-  <p:clrMapOvr>
-    <a:masterClrMapping/>
-  </p:clrMapOvr>
-</p:sld>
-</file>
-
-<file path=ppt/slides/slide9.xml><?xml version="1.0" encoding="utf-8"?>
 <p:sld xmlns:a="http://schemas.openxmlformats.org/drawingml/2006/main" xmlns:r="http://schemas.openxmlformats.org/officeDocument/2006/relationships" xmlns:p="http://schemas.openxmlformats.org/presentationml/2006/main">
   <p:cSld>
     <p:spTree>
@@ -21865,6 +19065,964 @@
     <p:extLst>
       <p:ext uri="{BB962C8B-B14F-4D97-AF65-F5344CB8AC3E}">
         <p14:creationId xmlns:p14="http://schemas.microsoft.com/office/powerpoint/2010/main" val="884260119"/>
+      </p:ext>
+    </p:extLst>
+  </p:cSld>
+  <p:clrMapOvr>
+    <a:masterClrMapping/>
+  </p:clrMapOvr>
+</p:sld>
+</file>
+
+<file path=ppt/slides/slide8.xml><?xml version="1.0" encoding="utf-8"?>
+<p:sld xmlns:a="http://schemas.openxmlformats.org/drawingml/2006/main" xmlns:r="http://schemas.openxmlformats.org/officeDocument/2006/relationships" xmlns:p="http://schemas.openxmlformats.org/presentationml/2006/main">
+  <p:cSld>
+    <p:spTree>
+      <p:nvGrpSpPr>
+        <p:cNvPr id="1" name=""/>
+        <p:cNvGrpSpPr/>
+        <p:nvPr/>
+      </p:nvGrpSpPr>
+      <p:grpSpPr>
+        <a:xfrm>
+          <a:off x="0" y="0"/>
+          <a:ext cx="0" cy="0"/>
+          <a:chOff x="0" y="0"/>
+          <a:chExt cx="0" cy="0"/>
+        </a:xfrm>
+      </p:grpSpPr>
+      <p:pic>
+        <p:nvPicPr>
+          <p:cNvPr id="13" name="図 12" descr="グラフィカル ユーザー インターフェイス, アプリケーション&#10;&#10;自動的に生成された説明">
+            <a:extLst>
+              <a:ext uri="{FF2B5EF4-FFF2-40B4-BE49-F238E27FC236}">
+                <a16:creationId xmlns:a16="http://schemas.microsoft.com/office/drawing/2014/main" id="{FA6DAF86-A2B2-D4A3-DCC8-28C02ED63242}"/>
+              </a:ext>
+            </a:extLst>
+          </p:cNvPr>
+          <p:cNvPicPr>
+            <a:picLocks noChangeAspect="1"/>
+          </p:cNvPicPr>
+          <p:nvPr/>
+        </p:nvPicPr>
+        <p:blipFill>
+          <a:blip r:embed="rId2">
+            <a:extLst>
+              <a:ext uri="{28A0092B-C50C-407E-A947-70E740481C1C}">
+                <a14:useLocalDpi xmlns:a14="http://schemas.microsoft.com/office/drawing/2010/main" val="0"/>
+              </a:ext>
+            </a:extLst>
+          </a:blip>
+          <a:stretch>
+            <a:fillRect/>
+          </a:stretch>
+        </p:blipFill>
+        <p:spPr>
+          <a:xfrm>
+            <a:off x="1757021" y="1758226"/>
+            <a:ext cx="8199779" cy="4743198"/>
+          </a:xfrm>
+          <a:prstGeom prst="rect">
+            <a:avLst/>
+          </a:prstGeom>
+        </p:spPr>
+      </p:pic>
+      <p:sp>
+        <p:nvSpPr>
+          <p:cNvPr id="3" name="コンテンツ プレースホルダー 2">
+            <a:extLst>
+              <a:ext uri="{FF2B5EF4-FFF2-40B4-BE49-F238E27FC236}">
+                <a16:creationId xmlns:a16="http://schemas.microsoft.com/office/drawing/2014/main" id="{30FF8664-98E7-55CF-9A41-756D1E20F04D}"/>
+              </a:ext>
+            </a:extLst>
+          </p:cNvPr>
+          <p:cNvSpPr>
+            <a:spLocks noGrp="1"/>
+          </p:cNvSpPr>
+          <p:nvPr>
+            <p:ph idx="1"/>
+          </p:nvPr>
+        </p:nvSpPr>
+        <p:spPr>
+          <a:xfrm>
+            <a:off x="1251678" y="809469"/>
+            <a:ext cx="10178322" cy="5070123"/>
+          </a:xfrm>
+        </p:spPr>
+        <p:txBody>
+          <a:bodyPr>
+            <a:normAutofit/>
+          </a:bodyPr>
+          <a:lstStyle/>
+          <a:p>
+            <a:pPr marL="0" indent="0">
+              <a:buNone/>
+            </a:pPr>
+            <a:r>
+              <a:rPr kumimoji="1" lang="ja-JP" altLang="en-US" sz="2400" dirty="0">
+                <a:solidFill>
+                  <a:schemeClr val="tx1"/>
+                </a:solidFill>
+              </a:rPr>
+              <a:t>デスクトップに作成されている</a:t>
+            </a:r>
+            <a:r>
+              <a:rPr lang="en-US" altLang="ja-JP" sz="2400" dirty="0">
+                <a:solidFill>
+                  <a:schemeClr val="tx1"/>
+                </a:solidFill>
+              </a:rPr>
+              <a:t> </a:t>
+            </a:r>
+            <a:r>
+              <a:rPr kumimoji="1" lang="en-US" altLang="ja-JP" sz="2400" dirty="0" err="1">
+                <a:solidFill>
+                  <a:schemeClr val="tx1"/>
+                </a:solidFill>
+              </a:rPr>
+              <a:t>gitbash_test</a:t>
+            </a:r>
+            <a:r>
+              <a:rPr kumimoji="1" lang="ja-JP" altLang="en-US" sz="2400" dirty="0">
+                <a:solidFill>
+                  <a:schemeClr val="tx1"/>
+                </a:solidFill>
+              </a:rPr>
+              <a:t>フォルダを開き </a:t>
+            </a:r>
+            <a:r>
+              <a:rPr kumimoji="1" lang="en-US" altLang="ja-JP" sz="2400" b="1" dirty="0">
+                <a:solidFill>
+                  <a:schemeClr val="tx1"/>
+                </a:solidFill>
+              </a:rPr>
+              <a:t>test.txt </a:t>
+            </a:r>
+            <a:r>
+              <a:rPr kumimoji="1" lang="ja-JP" altLang="en-US" sz="2400" dirty="0">
+                <a:solidFill>
+                  <a:schemeClr val="tx1"/>
+                </a:solidFill>
+              </a:rPr>
+              <a:t>を</a:t>
+            </a:r>
+            <a:endParaRPr kumimoji="1" lang="en-US" altLang="ja-JP" sz="2400" dirty="0">
+              <a:solidFill>
+                <a:schemeClr val="tx1"/>
+              </a:solidFill>
+            </a:endParaRPr>
+          </a:p>
+          <a:p>
+            <a:pPr marL="0" indent="0">
+              <a:buNone/>
+            </a:pPr>
+            <a:r>
+              <a:rPr kumimoji="1" lang="ja-JP" altLang="en-US" sz="2400" dirty="0">
+                <a:solidFill>
+                  <a:schemeClr val="tx1"/>
+                </a:solidFill>
+              </a:rPr>
+              <a:t>作成する。</a:t>
+            </a:r>
+            <a:endParaRPr kumimoji="1" lang="en-US" altLang="ja-JP" sz="2400" dirty="0">
+              <a:solidFill>
+                <a:schemeClr val="tx1"/>
+              </a:solidFill>
+            </a:endParaRPr>
+          </a:p>
+        </p:txBody>
+      </p:sp>
+      <p:grpSp>
+        <p:nvGrpSpPr>
+          <p:cNvPr id="4" name="グループ化 3">
+            <a:extLst>
+              <a:ext uri="{FF2B5EF4-FFF2-40B4-BE49-F238E27FC236}">
+                <a16:creationId xmlns:a16="http://schemas.microsoft.com/office/drawing/2014/main" id="{94719053-94DF-8893-E997-3A799B9AFE1A}"/>
+              </a:ext>
+            </a:extLst>
+          </p:cNvPr>
+          <p:cNvGrpSpPr/>
+          <p:nvPr/>
+        </p:nvGrpSpPr>
+        <p:grpSpPr>
+          <a:xfrm>
+            <a:off x="-156089" y="-1"/>
+            <a:ext cx="12348089" cy="634258"/>
+            <a:chOff x="-156089" y="-1"/>
+            <a:chExt cx="12348089" cy="634258"/>
+          </a:xfrm>
+        </p:grpSpPr>
+        <p:sp>
+          <p:nvSpPr>
+            <p:cNvPr id="5" name="正方形/長方形 4">
+              <a:extLst>
+                <a:ext uri="{FF2B5EF4-FFF2-40B4-BE49-F238E27FC236}">
+                  <a16:creationId xmlns:a16="http://schemas.microsoft.com/office/drawing/2014/main" id="{CADDC70B-9489-7D7C-FEBE-5253870B3720}"/>
+                </a:ext>
+              </a:extLst>
+            </p:cNvPr>
+            <p:cNvSpPr/>
+            <p:nvPr/>
+          </p:nvSpPr>
+          <p:spPr>
+            <a:xfrm>
+              <a:off x="0" y="-1"/>
+              <a:ext cx="12192000" cy="505841"/>
+            </a:xfrm>
+            <a:prstGeom prst="rect">
+              <a:avLst/>
+            </a:prstGeom>
+            <a:ln>
+              <a:solidFill>
+                <a:schemeClr val="tx2">
+                  <a:lumMod val="90000"/>
+                  <a:lumOff val="10000"/>
+                </a:schemeClr>
+              </a:solidFill>
+            </a:ln>
+          </p:spPr>
+          <p:style>
+            <a:lnRef idx="2">
+              <a:schemeClr val="dk1">
+                <a:shade val="50000"/>
+              </a:schemeClr>
+            </a:lnRef>
+            <a:fillRef idx="1">
+              <a:schemeClr val="dk1"/>
+            </a:fillRef>
+            <a:effectRef idx="0">
+              <a:schemeClr val="dk1"/>
+            </a:effectRef>
+            <a:fontRef idx="minor">
+              <a:schemeClr val="lt1"/>
+            </a:fontRef>
+          </p:style>
+          <p:txBody>
+            <a:bodyPr rtlCol="0" anchor="ctr"/>
+            <a:lstStyle/>
+            <a:p>
+              <a:pPr algn="ctr"/>
+              <a:endParaRPr kumimoji="1" lang="ja-JP" altLang="en-US" dirty="0"/>
+            </a:p>
+          </p:txBody>
+        </p:sp>
+        <p:sp>
+          <p:nvSpPr>
+            <p:cNvPr id="6" name="タイトル 1">
+              <a:extLst>
+                <a:ext uri="{FF2B5EF4-FFF2-40B4-BE49-F238E27FC236}">
+                  <a16:creationId xmlns:a16="http://schemas.microsoft.com/office/drawing/2014/main" id="{92D5EB5E-A201-ADBA-1C91-BB14259E7A9F}"/>
+                </a:ext>
+              </a:extLst>
+            </p:cNvPr>
+            <p:cNvSpPr txBox="1">
+              <a:spLocks/>
+            </p:cNvSpPr>
+            <p:nvPr/>
+          </p:nvSpPr>
+          <p:spPr>
+            <a:xfrm>
+              <a:off x="-156089" y="36280"/>
+              <a:ext cx="8610772" cy="597977"/>
+            </a:xfrm>
+            <a:prstGeom prst="rect">
+              <a:avLst/>
+            </a:prstGeom>
+          </p:spPr>
+          <p:txBody>
+            <a:bodyPr vert="horz" lIns="91440" tIns="45720" rIns="91440" bIns="45720" rtlCol="0" anchor="t">
+              <a:normAutofit/>
+            </a:bodyPr>
+            <a:lstStyle>
+              <a:lvl1pPr algn="l" defTabSz="914400" rtl="0" eaLnBrk="1" latinLnBrk="0" hangingPunct="1">
+                <a:lnSpc>
+                  <a:spcPct val="90000"/>
+                </a:lnSpc>
+                <a:spcBef>
+                  <a:spcPct val="0"/>
+                </a:spcBef>
+                <a:buNone/>
+                <a:defRPr kumimoji="1" sz="5100" kern="1200" cap="all" spc="200" baseline="0">
+                  <a:solidFill>
+                    <a:schemeClr val="tx2"/>
+                  </a:solidFill>
+                  <a:latin typeface="+mj-lt"/>
+                  <a:ea typeface="+mj-ea"/>
+                  <a:cs typeface="+mj-cs"/>
+                </a:defRPr>
+              </a:lvl1pPr>
+            </a:lstStyle>
+            <a:p>
+              <a:r>
+                <a:rPr lang="ja-JP" altLang="en-US" sz="2800" cap="none" dirty="0">
+                  <a:solidFill>
+                    <a:schemeClr val="bg1"/>
+                  </a:solidFill>
+                </a:rPr>
+                <a:t>・コミットする</a:t>
+              </a:r>
+              <a:endParaRPr lang="ja-JP" altLang="en-US" sz="2800" dirty="0">
+                <a:solidFill>
+                  <a:schemeClr val="bg1"/>
+                </a:solidFill>
+              </a:endParaRPr>
+            </a:p>
+          </p:txBody>
+        </p:sp>
+      </p:grpSp>
+      <p:sp>
+        <p:nvSpPr>
+          <p:cNvPr id="9" name="正方形/長方形 8">
+            <a:extLst>
+              <a:ext uri="{FF2B5EF4-FFF2-40B4-BE49-F238E27FC236}">
+                <a16:creationId xmlns:a16="http://schemas.microsoft.com/office/drawing/2014/main" id="{620A4AF0-BE04-4CF0-CF03-9F6860616198}"/>
+              </a:ext>
+            </a:extLst>
+          </p:cNvPr>
+          <p:cNvSpPr/>
+          <p:nvPr/>
+        </p:nvSpPr>
+        <p:spPr>
+          <a:xfrm>
+            <a:off x="4564380" y="3344530"/>
+            <a:ext cx="2659379" cy="343550"/>
+          </a:xfrm>
+          <a:prstGeom prst="rect">
+            <a:avLst/>
+          </a:prstGeom>
+          <a:noFill/>
+          <a:ln w="28575">
+            <a:solidFill>
+              <a:srgbClr val="FF0000"/>
+            </a:solidFill>
+          </a:ln>
+        </p:spPr>
+        <p:style>
+          <a:lnRef idx="2">
+            <a:schemeClr val="accent1">
+              <a:shade val="50000"/>
+            </a:schemeClr>
+          </a:lnRef>
+          <a:fillRef idx="1">
+            <a:schemeClr val="accent1"/>
+          </a:fillRef>
+          <a:effectRef idx="0">
+            <a:schemeClr val="accent1"/>
+          </a:effectRef>
+          <a:fontRef idx="minor">
+            <a:schemeClr val="lt1"/>
+          </a:fontRef>
+        </p:style>
+        <p:txBody>
+          <a:bodyPr rtlCol="0" anchor="ctr"/>
+          <a:lstStyle/>
+          <a:p>
+            <a:pPr algn="ctr"/>
+            <a:endParaRPr kumimoji="1" lang="ja-JP" altLang="en-US"/>
+          </a:p>
+        </p:txBody>
+      </p:sp>
+      <p:sp>
+        <p:nvSpPr>
+          <p:cNvPr id="11" name="正方形/長方形 10">
+            <a:extLst>
+              <a:ext uri="{FF2B5EF4-FFF2-40B4-BE49-F238E27FC236}">
+                <a16:creationId xmlns:a16="http://schemas.microsoft.com/office/drawing/2014/main" id="{3A208356-20E9-7AF5-0BC2-C778F4A70393}"/>
+              </a:ext>
+            </a:extLst>
+          </p:cNvPr>
+          <p:cNvSpPr/>
+          <p:nvPr/>
+        </p:nvSpPr>
+        <p:spPr>
+          <a:xfrm>
+            <a:off x="7208518" y="5847363"/>
+            <a:ext cx="2733041" cy="309597"/>
+          </a:xfrm>
+          <a:prstGeom prst="rect">
+            <a:avLst/>
+          </a:prstGeom>
+          <a:noFill/>
+          <a:ln w="28575">
+            <a:solidFill>
+              <a:srgbClr val="FF0000"/>
+            </a:solidFill>
+          </a:ln>
+        </p:spPr>
+        <p:style>
+          <a:lnRef idx="2">
+            <a:schemeClr val="accent1">
+              <a:shade val="50000"/>
+            </a:schemeClr>
+          </a:lnRef>
+          <a:fillRef idx="1">
+            <a:schemeClr val="accent1"/>
+          </a:fillRef>
+          <a:effectRef idx="0">
+            <a:schemeClr val="accent1"/>
+          </a:effectRef>
+          <a:fontRef idx="minor">
+            <a:schemeClr val="lt1"/>
+          </a:fontRef>
+        </p:style>
+        <p:txBody>
+          <a:bodyPr rtlCol="0" anchor="ctr"/>
+          <a:lstStyle/>
+          <a:p>
+            <a:pPr algn="ctr"/>
+            <a:endParaRPr kumimoji="1" lang="ja-JP" altLang="en-US"/>
+          </a:p>
+        </p:txBody>
+      </p:sp>
+      <p:sp>
+        <p:nvSpPr>
+          <p:cNvPr id="14" name="テキスト ボックス 13">
+            <a:extLst>
+              <a:ext uri="{FF2B5EF4-FFF2-40B4-BE49-F238E27FC236}">
+                <a16:creationId xmlns:a16="http://schemas.microsoft.com/office/drawing/2014/main" id="{20CA010C-D65A-4E4D-B184-3CE99914F519}"/>
+              </a:ext>
+            </a:extLst>
+          </p:cNvPr>
+          <p:cNvSpPr txBox="1"/>
+          <p:nvPr/>
+        </p:nvSpPr>
+        <p:spPr>
+          <a:xfrm>
+            <a:off x="3264637" y="3889074"/>
+            <a:ext cx="2104571" cy="707886"/>
+          </a:xfrm>
+          <a:prstGeom prst="rect">
+            <a:avLst/>
+          </a:prstGeom>
+          <a:noFill/>
+        </p:spPr>
+        <p:txBody>
+          <a:bodyPr wrap="square" rtlCol="0">
+            <a:spAutoFit/>
+          </a:bodyPr>
+          <a:lstStyle/>
+          <a:p>
+            <a:r>
+              <a:rPr kumimoji="1" lang="ja-JP" altLang="en-US" sz="2000" dirty="0">
+                <a:solidFill>
+                  <a:srgbClr val="FF0000"/>
+                </a:solidFill>
+              </a:rPr>
+              <a:t>①</a:t>
+            </a:r>
+            <a:endParaRPr kumimoji="1" lang="en-US" altLang="ja-JP" sz="2000" dirty="0">
+              <a:solidFill>
+                <a:srgbClr val="FF0000"/>
+              </a:solidFill>
+            </a:endParaRPr>
+          </a:p>
+          <a:p>
+            <a:r>
+              <a:rPr kumimoji="1" lang="ja-JP" altLang="en-US" sz="2000" dirty="0">
+                <a:solidFill>
+                  <a:srgbClr val="FF0000"/>
+                </a:solidFill>
+              </a:rPr>
+              <a:t>右クリック</a:t>
+            </a:r>
+          </a:p>
+        </p:txBody>
+      </p:sp>
+      <p:sp>
+        <p:nvSpPr>
+          <p:cNvPr id="15" name="テキスト ボックス 14">
+            <a:extLst>
+              <a:ext uri="{FF2B5EF4-FFF2-40B4-BE49-F238E27FC236}">
+                <a16:creationId xmlns:a16="http://schemas.microsoft.com/office/drawing/2014/main" id="{9BA639BD-FA95-DADD-A221-C0B1931497A0}"/>
+              </a:ext>
+            </a:extLst>
+          </p:cNvPr>
+          <p:cNvSpPr txBox="1"/>
+          <p:nvPr/>
+        </p:nvSpPr>
+        <p:spPr>
+          <a:xfrm>
+            <a:off x="4163448" y="3344530"/>
+            <a:ext cx="684323" cy="400110"/>
+          </a:xfrm>
+          <a:prstGeom prst="rect">
+            <a:avLst/>
+          </a:prstGeom>
+          <a:noFill/>
+        </p:spPr>
+        <p:txBody>
+          <a:bodyPr wrap="square" rtlCol="0">
+            <a:spAutoFit/>
+          </a:bodyPr>
+          <a:lstStyle/>
+          <a:p>
+            <a:r>
+              <a:rPr kumimoji="1" lang="ja-JP" altLang="en-US" sz="2000" dirty="0">
+                <a:solidFill>
+                  <a:srgbClr val="FF0000"/>
+                </a:solidFill>
+              </a:rPr>
+              <a:t>②</a:t>
+            </a:r>
+          </a:p>
+        </p:txBody>
+      </p:sp>
+      <p:sp>
+        <p:nvSpPr>
+          <p:cNvPr id="18" name="テキスト ボックス 17">
+            <a:extLst>
+              <a:ext uri="{FF2B5EF4-FFF2-40B4-BE49-F238E27FC236}">
+                <a16:creationId xmlns:a16="http://schemas.microsoft.com/office/drawing/2014/main" id="{D465FD50-1615-8141-321C-7484A010C3CD}"/>
+              </a:ext>
+            </a:extLst>
+          </p:cNvPr>
+          <p:cNvSpPr txBox="1"/>
+          <p:nvPr/>
+        </p:nvSpPr>
+        <p:spPr>
+          <a:xfrm>
+            <a:off x="6805046" y="5828403"/>
+            <a:ext cx="684323" cy="400110"/>
+          </a:xfrm>
+          <a:prstGeom prst="rect">
+            <a:avLst/>
+          </a:prstGeom>
+          <a:noFill/>
+        </p:spPr>
+        <p:txBody>
+          <a:bodyPr wrap="square" rtlCol="0">
+            <a:spAutoFit/>
+          </a:bodyPr>
+          <a:lstStyle/>
+          <a:p>
+            <a:r>
+              <a:rPr kumimoji="1" lang="ja-JP" altLang="en-US" sz="2000" dirty="0">
+                <a:solidFill>
+                  <a:srgbClr val="FF0000"/>
+                </a:solidFill>
+              </a:rPr>
+              <a:t>③</a:t>
+            </a:r>
+          </a:p>
+        </p:txBody>
+      </p:sp>
+    </p:spTree>
+    <p:extLst>
+      <p:ext uri="{BB962C8B-B14F-4D97-AF65-F5344CB8AC3E}">
+        <p14:creationId xmlns:p14="http://schemas.microsoft.com/office/powerpoint/2010/main" val="2636445956"/>
+      </p:ext>
+    </p:extLst>
+  </p:cSld>
+  <p:clrMapOvr>
+    <a:masterClrMapping/>
+  </p:clrMapOvr>
+</p:sld>
+</file>
+
+<file path=ppt/slides/slide9.xml><?xml version="1.0" encoding="utf-8"?>
+<p:sld xmlns:a="http://schemas.openxmlformats.org/drawingml/2006/main" xmlns:r="http://schemas.openxmlformats.org/officeDocument/2006/relationships" xmlns:p="http://schemas.openxmlformats.org/presentationml/2006/main">
+  <p:cSld>
+    <p:spTree>
+      <p:nvGrpSpPr>
+        <p:cNvPr id="1" name=""/>
+        <p:cNvGrpSpPr/>
+        <p:nvPr/>
+      </p:nvGrpSpPr>
+      <p:grpSpPr>
+        <a:xfrm>
+          <a:off x="0" y="0"/>
+          <a:ext cx="0" cy="0"/>
+          <a:chOff x="0" y="0"/>
+          <a:chExt cx="0" cy="0"/>
+        </a:xfrm>
+      </p:grpSpPr>
+      <p:sp>
+        <p:nvSpPr>
+          <p:cNvPr id="3" name="コンテンツ プレースホルダー 2">
+            <a:extLst>
+              <a:ext uri="{FF2B5EF4-FFF2-40B4-BE49-F238E27FC236}">
+                <a16:creationId xmlns:a16="http://schemas.microsoft.com/office/drawing/2014/main" id="{30FF8664-98E7-55CF-9A41-756D1E20F04D}"/>
+              </a:ext>
+            </a:extLst>
+          </p:cNvPr>
+          <p:cNvSpPr>
+            <a:spLocks noGrp="1"/>
+          </p:cNvSpPr>
+          <p:nvPr>
+            <p:ph idx="1"/>
+          </p:nvPr>
+        </p:nvSpPr>
+        <p:spPr>
+          <a:xfrm>
+            <a:off x="1251678" y="809469"/>
+            <a:ext cx="10178322" cy="5070123"/>
+          </a:xfrm>
+        </p:spPr>
+        <p:txBody>
+          <a:bodyPr>
+            <a:normAutofit/>
+          </a:bodyPr>
+          <a:lstStyle/>
+          <a:p>
+            <a:pPr marL="0" indent="0">
+              <a:buNone/>
+            </a:pPr>
+            <a:r>
+              <a:rPr lang="ja-JP" altLang="en-US" sz="2400" dirty="0">
+                <a:solidFill>
+                  <a:schemeClr val="tx1"/>
+                </a:solidFill>
+              </a:rPr>
+              <a:t>以下のコマンドを実行</a:t>
+            </a:r>
+            <a:endParaRPr lang="en-US" altLang="ja-JP" sz="2400" dirty="0">
+              <a:solidFill>
+                <a:schemeClr val="tx1"/>
+              </a:solidFill>
+            </a:endParaRPr>
+          </a:p>
+          <a:p>
+            <a:pPr marL="914400" lvl="1" indent="-457200">
+              <a:buFont typeface="+mj-lt"/>
+              <a:buAutoNum type="arabicPeriod"/>
+            </a:pPr>
+            <a:r>
+              <a:rPr lang="en-US" altLang="ja-JP" sz="2200" dirty="0">
+                <a:solidFill>
+                  <a:schemeClr val="tx1"/>
+                </a:solidFill>
+              </a:rPr>
+              <a:t>git status</a:t>
+            </a:r>
+            <a:r>
+              <a:rPr lang="ja-JP" altLang="en-US" sz="2000" dirty="0">
+                <a:solidFill>
+                  <a:schemeClr val="tx1"/>
+                </a:solidFill>
+              </a:rPr>
+              <a:t>　：現在の状況を確認する</a:t>
+            </a:r>
+            <a:endParaRPr lang="en-US" altLang="ja-JP" sz="2000" dirty="0">
+              <a:solidFill>
+                <a:schemeClr val="tx1"/>
+              </a:solidFill>
+            </a:endParaRPr>
+          </a:p>
+          <a:p>
+            <a:pPr marL="619125" lvl="1" indent="0">
+              <a:buNone/>
+            </a:pPr>
+            <a:endParaRPr lang="en-US" altLang="ja-JP" sz="2200" dirty="0">
+              <a:solidFill>
+                <a:schemeClr val="tx1"/>
+              </a:solidFill>
+            </a:endParaRPr>
+          </a:p>
+          <a:p>
+            <a:pPr marL="619125" lvl="1" indent="0">
+              <a:buNone/>
+            </a:pPr>
+            <a:endParaRPr lang="en-US" altLang="ja-JP" sz="2200" dirty="0">
+              <a:solidFill>
+                <a:schemeClr val="tx1"/>
+              </a:solidFill>
+            </a:endParaRPr>
+          </a:p>
+          <a:p>
+            <a:pPr marL="619125" lvl="1" indent="0">
+              <a:buNone/>
+            </a:pPr>
+            <a:endParaRPr lang="en-US" altLang="ja-JP" sz="2200" dirty="0">
+              <a:solidFill>
+                <a:schemeClr val="tx1"/>
+              </a:solidFill>
+            </a:endParaRPr>
+          </a:p>
+          <a:p>
+            <a:pPr marL="619125" lvl="1" indent="0">
+              <a:buNone/>
+            </a:pPr>
+            <a:endParaRPr lang="en-US" altLang="ja-JP" sz="2200" dirty="0">
+              <a:solidFill>
+                <a:schemeClr val="tx1"/>
+              </a:solidFill>
+            </a:endParaRPr>
+          </a:p>
+          <a:p>
+            <a:pPr marL="619125" lvl="1" indent="0">
+              <a:buNone/>
+            </a:pPr>
+            <a:endParaRPr lang="en-US" altLang="ja-JP" sz="2200" dirty="0">
+              <a:solidFill>
+                <a:schemeClr val="tx1"/>
+              </a:solidFill>
+            </a:endParaRPr>
+          </a:p>
+          <a:p>
+            <a:pPr marL="914400" lvl="1" indent="-457200">
+              <a:buFont typeface="+mj-lt"/>
+              <a:buAutoNum type="arabicPeriod"/>
+            </a:pPr>
+            <a:r>
+              <a:rPr lang="en-US" altLang="ja-JP" sz="2200" dirty="0">
+                <a:solidFill>
+                  <a:schemeClr val="tx1"/>
+                </a:solidFill>
+              </a:rPr>
+              <a:t>git add –A</a:t>
+            </a:r>
+            <a:r>
+              <a:rPr lang="ja-JP" altLang="en-US" sz="2200" dirty="0">
+                <a:solidFill>
+                  <a:schemeClr val="tx1"/>
+                </a:solidFill>
+              </a:rPr>
+              <a:t>　</a:t>
+            </a:r>
+            <a:r>
+              <a:rPr lang="ja-JP" altLang="en-US" sz="2000" dirty="0">
+                <a:solidFill>
+                  <a:schemeClr val="tx1"/>
+                </a:solidFill>
+              </a:rPr>
+              <a:t>：全てのファイルをコミットの対象にする</a:t>
+            </a:r>
+            <a:endParaRPr lang="en-US" altLang="ja-JP" sz="2000" dirty="0">
+              <a:solidFill>
+                <a:schemeClr val="tx1"/>
+              </a:solidFill>
+            </a:endParaRPr>
+          </a:p>
+          <a:p>
+            <a:pPr marL="914400" lvl="1" indent="-457200">
+              <a:buFont typeface="+mj-lt"/>
+              <a:buAutoNum type="arabicPeriod"/>
+            </a:pPr>
+            <a:r>
+              <a:rPr lang="en-US" altLang="ja-JP" sz="2200" dirty="0">
+                <a:solidFill>
+                  <a:schemeClr val="tx1"/>
+                </a:solidFill>
+              </a:rPr>
+              <a:t>git status</a:t>
+            </a:r>
+          </a:p>
+        </p:txBody>
+      </p:sp>
+      <p:grpSp>
+        <p:nvGrpSpPr>
+          <p:cNvPr id="4" name="グループ化 3">
+            <a:extLst>
+              <a:ext uri="{FF2B5EF4-FFF2-40B4-BE49-F238E27FC236}">
+                <a16:creationId xmlns:a16="http://schemas.microsoft.com/office/drawing/2014/main" id="{94719053-94DF-8893-E997-3A799B9AFE1A}"/>
+              </a:ext>
+            </a:extLst>
+          </p:cNvPr>
+          <p:cNvGrpSpPr/>
+          <p:nvPr/>
+        </p:nvGrpSpPr>
+        <p:grpSpPr>
+          <a:xfrm>
+            <a:off x="-156089" y="-1"/>
+            <a:ext cx="12348089" cy="634258"/>
+            <a:chOff x="-156089" y="-1"/>
+            <a:chExt cx="12348089" cy="634258"/>
+          </a:xfrm>
+        </p:grpSpPr>
+        <p:sp>
+          <p:nvSpPr>
+            <p:cNvPr id="5" name="正方形/長方形 4">
+              <a:extLst>
+                <a:ext uri="{FF2B5EF4-FFF2-40B4-BE49-F238E27FC236}">
+                  <a16:creationId xmlns:a16="http://schemas.microsoft.com/office/drawing/2014/main" id="{CADDC70B-9489-7D7C-FEBE-5253870B3720}"/>
+                </a:ext>
+              </a:extLst>
+            </p:cNvPr>
+            <p:cNvSpPr/>
+            <p:nvPr/>
+          </p:nvSpPr>
+          <p:spPr>
+            <a:xfrm>
+              <a:off x="0" y="-1"/>
+              <a:ext cx="12192000" cy="505841"/>
+            </a:xfrm>
+            <a:prstGeom prst="rect">
+              <a:avLst/>
+            </a:prstGeom>
+            <a:ln>
+              <a:solidFill>
+                <a:schemeClr val="tx2">
+                  <a:lumMod val="90000"/>
+                  <a:lumOff val="10000"/>
+                </a:schemeClr>
+              </a:solidFill>
+            </a:ln>
+          </p:spPr>
+          <p:style>
+            <a:lnRef idx="2">
+              <a:schemeClr val="dk1">
+                <a:shade val="50000"/>
+              </a:schemeClr>
+            </a:lnRef>
+            <a:fillRef idx="1">
+              <a:schemeClr val="dk1"/>
+            </a:fillRef>
+            <a:effectRef idx="0">
+              <a:schemeClr val="dk1"/>
+            </a:effectRef>
+            <a:fontRef idx="minor">
+              <a:schemeClr val="lt1"/>
+            </a:fontRef>
+          </p:style>
+          <p:txBody>
+            <a:bodyPr rtlCol="0" anchor="ctr"/>
+            <a:lstStyle/>
+            <a:p>
+              <a:pPr algn="ctr"/>
+              <a:endParaRPr kumimoji="1" lang="ja-JP" altLang="en-US" dirty="0"/>
+            </a:p>
+          </p:txBody>
+        </p:sp>
+        <p:sp>
+          <p:nvSpPr>
+            <p:cNvPr id="6" name="タイトル 1">
+              <a:extLst>
+                <a:ext uri="{FF2B5EF4-FFF2-40B4-BE49-F238E27FC236}">
+                  <a16:creationId xmlns:a16="http://schemas.microsoft.com/office/drawing/2014/main" id="{92D5EB5E-A201-ADBA-1C91-BB14259E7A9F}"/>
+                </a:ext>
+              </a:extLst>
+            </p:cNvPr>
+            <p:cNvSpPr txBox="1">
+              <a:spLocks/>
+            </p:cNvSpPr>
+            <p:nvPr/>
+          </p:nvSpPr>
+          <p:spPr>
+            <a:xfrm>
+              <a:off x="-156089" y="36280"/>
+              <a:ext cx="8610772" cy="597977"/>
+            </a:xfrm>
+            <a:prstGeom prst="rect">
+              <a:avLst/>
+            </a:prstGeom>
+          </p:spPr>
+          <p:txBody>
+            <a:bodyPr vert="horz" lIns="91440" tIns="45720" rIns="91440" bIns="45720" rtlCol="0" anchor="t">
+              <a:normAutofit/>
+            </a:bodyPr>
+            <a:lstStyle>
+              <a:lvl1pPr algn="l" defTabSz="914400" rtl="0" eaLnBrk="1" latinLnBrk="0" hangingPunct="1">
+                <a:lnSpc>
+                  <a:spcPct val="90000"/>
+                </a:lnSpc>
+                <a:spcBef>
+                  <a:spcPct val="0"/>
+                </a:spcBef>
+                <a:buNone/>
+                <a:defRPr kumimoji="1" sz="5100" kern="1200" cap="all" spc="200" baseline="0">
+                  <a:solidFill>
+                    <a:schemeClr val="tx2"/>
+                  </a:solidFill>
+                  <a:latin typeface="+mj-lt"/>
+                  <a:ea typeface="+mj-ea"/>
+                  <a:cs typeface="+mj-cs"/>
+                </a:defRPr>
+              </a:lvl1pPr>
+            </a:lstStyle>
+            <a:p>
+              <a:r>
+                <a:rPr lang="ja-JP" altLang="en-US" sz="2800" cap="none" dirty="0">
+                  <a:solidFill>
+                    <a:schemeClr val="bg1"/>
+                  </a:solidFill>
+                </a:rPr>
+                <a:t>・コミットする</a:t>
+              </a:r>
+              <a:endParaRPr lang="ja-JP" altLang="en-US" sz="2800" dirty="0">
+                <a:solidFill>
+                  <a:schemeClr val="bg1"/>
+                </a:solidFill>
+              </a:endParaRPr>
+            </a:p>
+          </p:txBody>
+        </p:sp>
+      </p:grpSp>
+      <p:pic>
+        <p:nvPicPr>
+          <p:cNvPr id="15" name="図 14" descr="テキスト&#10;&#10;自動的に生成された説明">
+            <a:extLst>
+              <a:ext uri="{FF2B5EF4-FFF2-40B4-BE49-F238E27FC236}">
+                <a16:creationId xmlns:a16="http://schemas.microsoft.com/office/drawing/2014/main" id="{E84E0955-97D8-D14F-2851-D15A9864012A}"/>
+              </a:ext>
+            </a:extLst>
+          </p:cNvPr>
+          <p:cNvPicPr>
+            <a:picLocks noChangeAspect="1"/>
+          </p:cNvPicPr>
+          <p:nvPr/>
+        </p:nvPicPr>
+        <p:blipFill>
+          <a:blip r:embed="rId3">
+            <a:extLst>
+              <a:ext uri="{28A0092B-C50C-407E-A947-70E740481C1C}">
+                <a14:useLocalDpi xmlns:a14="http://schemas.microsoft.com/office/drawing/2010/main" val="0"/>
+              </a:ext>
+            </a:extLst>
+          </a:blip>
+          <a:stretch>
+            <a:fillRect/>
+          </a:stretch>
+        </p:blipFill>
+        <p:spPr>
+          <a:xfrm>
+            <a:off x="2188823" y="1737004"/>
+            <a:ext cx="6517227" cy="2023834"/>
+          </a:xfrm>
+          <a:prstGeom prst="rect">
+            <a:avLst/>
+          </a:prstGeom>
+        </p:spPr>
+      </p:pic>
+      <p:pic>
+        <p:nvPicPr>
+          <p:cNvPr id="19" name="図 18" descr="テキスト&#10;&#10;自動的に生成された説明">
+            <a:extLst>
+              <a:ext uri="{FF2B5EF4-FFF2-40B4-BE49-F238E27FC236}">
+                <a16:creationId xmlns:a16="http://schemas.microsoft.com/office/drawing/2014/main" id="{6EF03216-A440-EB62-1C39-A53634085111}"/>
+              </a:ext>
+            </a:extLst>
+          </p:cNvPr>
+          <p:cNvPicPr>
+            <a:picLocks noChangeAspect="1"/>
+          </p:cNvPicPr>
+          <p:nvPr/>
+        </p:nvPicPr>
+        <p:blipFill>
+          <a:blip r:embed="rId4">
+            <a:extLst>
+              <a:ext uri="{28A0092B-C50C-407E-A947-70E740481C1C}">
+                <a14:useLocalDpi xmlns:a14="http://schemas.microsoft.com/office/drawing/2010/main" val="0"/>
+              </a:ext>
+            </a:extLst>
+          </a:blip>
+          <a:stretch>
+            <a:fillRect/>
+          </a:stretch>
+        </p:blipFill>
+        <p:spPr>
+          <a:xfrm>
+            <a:off x="2188823" y="4936508"/>
+            <a:ext cx="5975672" cy="1768179"/>
+          </a:xfrm>
+          <a:prstGeom prst="rect">
+            <a:avLst/>
+          </a:prstGeom>
+        </p:spPr>
+      </p:pic>
+    </p:spTree>
+    <p:extLst>
+      <p:ext uri="{BB962C8B-B14F-4D97-AF65-F5344CB8AC3E}">
+        <p14:creationId xmlns:p14="http://schemas.microsoft.com/office/powerpoint/2010/main" val="2378047204"/>
       </p:ext>
     </p:extLst>
   </p:cSld>
